--- a/Draft_Final_Presentation.pptx
+++ b/Draft_Final_Presentation.pptx
@@ -125,7 +125,7 @@
   </p:defaultTextStyle>
   <p:extLst>
     <p:ext uri="{EFAFB233-063F-42B5-8137-9DF3F51BA10A}">
-      <p15:sldGuideLst xmlns:p15="http://schemas.microsoft.com/office/powerpoint/2012/main" xmlns="">
+      <p15:sldGuideLst xmlns:p15="http://schemas.microsoft.com/office/powerpoint/2012/main">
         <p15:guide id="1" orient="horz" pos="2160">
           <p15:clr>
             <a:srgbClr val="A4A3A4"/>
@@ -2396,757 +2396,6 @@
 </file>
 
 <file path=ppt/diagrams/colors12.xml><?xml version="1.0" encoding="utf-8"?>
-<dgm:colorsDef xmlns:dgm="http://schemas.openxmlformats.org/drawingml/2006/diagram" xmlns:a="http://schemas.openxmlformats.org/drawingml/2006/main" uniqueId="urn:microsoft.com/office/officeart/2005/8/colors/accent0_3">
-  <dgm:title val=""/>
-  <dgm:desc val=""/>
-  <dgm:catLst>
-    <dgm:cat type="mainScheme" pri="10300"/>
-  </dgm:catLst>
-  <dgm:styleLbl name="node0">
-    <dgm:fillClrLst meth="repeat">
-      <a:schemeClr val="dk2"/>
-    </dgm:fillClrLst>
-    <dgm:linClrLst meth="repeat">
-      <a:schemeClr val="lt2"/>
-    </dgm:linClrLst>
-    <dgm:effectClrLst/>
-    <dgm:txLinClrLst/>
-    <dgm:txFillClrLst/>
-    <dgm:txEffectClrLst/>
-  </dgm:styleLbl>
-  <dgm:styleLbl name="alignNode1">
-    <dgm:fillClrLst meth="repeat">
-      <a:schemeClr val="dk2"/>
-    </dgm:fillClrLst>
-    <dgm:linClrLst meth="repeat">
-      <a:schemeClr val="dk2"/>
-    </dgm:linClrLst>
-    <dgm:effectClrLst/>
-    <dgm:txLinClrLst/>
-    <dgm:txFillClrLst/>
-    <dgm:txEffectClrLst/>
-  </dgm:styleLbl>
-  <dgm:styleLbl name="node1">
-    <dgm:fillClrLst meth="repeat">
-      <a:schemeClr val="dk2"/>
-    </dgm:fillClrLst>
-    <dgm:linClrLst meth="repeat">
-      <a:schemeClr val="lt2"/>
-    </dgm:linClrLst>
-    <dgm:effectClrLst/>
-    <dgm:txLinClrLst/>
-    <dgm:txFillClrLst/>
-    <dgm:txEffectClrLst/>
-  </dgm:styleLbl>
-  <dgm:styleLbl name="lnNode1">
-    <dgm:fillClrLst meth="repeat">
-      <a:schemeClr val="dk2"/>
-    </dgm:fillClrLst>
-    <dgm:linClrLst meth="repeat">
-      <a:schemeClr val="lt2"/>
-    </dgm:linClrLst>
-    <dgm:effectClrLst/>
-    <dgm:txLinClrLst/>
-    <dgm:txFillClrLst/>
-    <dgm:txEffectClrLst/>
-  </dgm:styleLbl>
-  <dgm:styleLbl name="vennNode1">
-    <dgm:fillClrLst meth="repeat">
-      <a:schemeClr val="dk2">
-        <a:alpha val="50000"/>
-      </a:schemeClr>
-    </dgm:fillClrLst>
-    <dgm:linClrLst meth="repeat">
-      <a:schemeClr val="lt2"/>
-    </dgm:linClrLst>
-    <dgm:effectClrLst/>
-    <dgm:txLinClrLst/>
-    <dgm:txFillClrLst/>
-    <dgm:txEffectClrLst/>
-  </dgm:styleLbl>
-  <dgm:styleLbl name="node2">
-    <dgm:fillClrLst meth="repeat">
-      <a:schemeClr val="dk2"/>
-    </dgm:fillClrLst>
-    <dgm:linClrLst meth="repeat">
-      <a:schemeClr val="lt2"/>
-    </dgm:linClrLst>
-    <dgm:effectClrLst/>
-    <dgm:txLinClrLst/>
-    <dgm:txFillClrLst/>
-    <dgm:txEffectClrLst/>
-  </dgm:styleLbl>
-  <dgm:styleLbl name="node3">
-    <dgm:fillClrLst meth="repeat">
-      <a:schemeClr val="dk2"/>
-    </dgm:fillClrLst>
-    <dgm:linClrLst meth="repeat">
-      <a:schemeClr val="lt2"/>
-    </dgm:linClrLst>
-    <dgm:effectClrLst/>
-    <dgm:txLinClrLst/>
-    <dgm:txFillClrLst/>
-    <dgm:txEffectClrLst/>
-  </dgm:styleLbl>
-  <dgm:styleLbl name="node4">
-    <dgm:fillClrLst meth="repeat">
-      <a:schemeClr val="dk2"/>
-    </dgm:fillClrLst>
-    <dgm:linClrLst meth="repeat">
-      <a:schemeClr val="lt2"/>
-    </dgm:linClrLst>
-    <dgm:effectClrLst/>
-    <dgm:txLinClrLst/>
-    <dgm:txFillClrLst/>
-    <dgm:txEffectClrLst/>
-  </dgm:styleLbl>
-  <dgm:styleLbl name="fgImgPlace1">
-    <dgm:fillClrLst meth="repeat">
-      <a:schemeClr val="dk2">
-        <a:tint val="50000"/>
-      </a:schemeClr>
-    </dgm:fillClrLst>
-    <dgm:linClrLst meth="repeat">
-      <a:schemeClr val="lt2"/>
-    </dgm:linClrLst>
-    <dgm:effectClrLst/>
-    <dgm:txLinClrLst/>
-    <dgm:txFillClrLst meth="repeat">
-      <a:schemeClr val="lt2"/>
-    </dgm:txFillClrLst>
-    <dgm:txEffectClrLst/>
-  </dgm:styleLbl>
-  <dgm:styleLbl name="alignImgPlace1">
-    <dgm:fillClrLst meth="repeat">
-      <a:schemeClr val="dk2">
-        <a:tint val="50000"/>
-      </a:schemeClr>
-    </dgm:fillClrLst>
-    <dgm:linClrLst meth="repeat">
-      <a:schemeClr val="dk2">
-        <a:shade val="80000"/>
-      </a:schemeClr>
-    </dgm:linClrLst>
-    <dgm:effectClrLst/>
-    <dgm:txLinClrLst/>
-    <dgm:txFillClrLst meth="repeat">
-      <a:schemeClr val="lt2"/>
-    </dgm:txFillClrLst>
-    <dgm:txEffectClrLst/>
-  </dgm:styleLbl>
-  <dgm:styleLbl name="bgImgPlace1">
-    <dgm:fillClrLst meth="repeat">
-      <a:schemeClr val="dk2">
-        <a:tint val="50000"/>
-      </a:schemeClr>
-    </dgm:fillClrLst>
-    <dgm:linClrLst meth="repeat">
-      <a:schemeClr val="dk2">
-        <a:shade val="80000"/>
-      </a:schemeClr>
-    </dgm:linClrLst>
-    <dgm:effectClrLst/>
-    <dgm:txLinClrLst/>
-    <dgm:txFillClrLst meth="repeat">
-      <a:schemeClr val="lt2"/>
-    </dgm:txFillClrLst>
-    <dgm:txEffectClrLst/>
-  </dgm:styleLbl>
-  <dgm:styleLbl name="sibTrans2D1">
-    <dgm:fillClrLst meth="repeat">
-      <a:schemeClr val="dk2">
-        <a:tint val="60000"/>
-      </a:schemeClr>
-    </dgm:fillClrLst>
-    <dgm:linClrLst meth="repeat">
-      <a:schemeClr val="dk2">
-        <a:tint val="60000"/>
-      </a:schemeClr>
-    </dgm:linClrLst>
-    <dgm:effectClrLst/>
-    <dgm:txLinClrLst/>
-    <dgm:txFillClrLst/>
-    <dgm:txEffectClrLst/>
-  </dgm:styleLbl>
-  <dgm:styleLbl name="fgSibTrans2D1">
-    <dgm:fillClrLst meth="repeat">
-      <a:schemeClr val="dk2">
-        <a:tint val="60000"/>
-      </a:schemeClr>
-    </dgm:fillClrLst>
-    <dgm:linClrLst meth="repeat">
-      <a:schemeClr val="dk2">
-        <a:tint val="60000"/>
-      </a:schemeClr>
-    </dgm:linClrLst>
-    <dgm:effectClrLst/>
-    <dgm:txLinClrLst/>
-    <dgm:txFillClrLst/>
-    <dgm:txEffectClrLst/>
-  </dgm:styleLbl>
-  <dgm:styleLbl name="bgSibTrans2D1">
-    <dgm:fillClrLst meth="repeat">
-      <a:schemeClr val="dk2">
-        <a:tint val="60000"/>
-      </a:schemeClr>
-    </dgm:fillClrLst>
-    <dgm:linClrLst meth="repeat">
-      <a:schemeClr val="dk2">
-        <a:tint val="60000"/>
-      </a:schemeClr>
-    </dgm:linClrLst>
-    <dgm:effectClrLst/>
-    <dgm:txLinClrLst/>
-    <dgm:txFillClrLst/>
-    <dgm:txEffectClrLst/>
-  </dgm:styleLbl>
-  <dgm:styleLbl name="sibTrans1D1">
-    <dgm:fillClrLst meth="repeat">
-      <a:schemeClr val="dk2"/>
-    </dgm:fillClrLst>
-    <dgm:linClrLst meth="repeat">
-      <a:schemeClr val="dk2"/>
-    </dgm:linClrLst>
-    <dgm:effectClrLst/>
-    <dgm:txLinClrLst/>
-    <dgm:txFillClrLst meth="repeat">
-      <a:schemeClr val="lt2"/>
-    </dgm:txFillClrLst>
-    <dgm:txEffectClrLst/>
-  </dgm:styleLbl>
-  <dgm:styleLbl name="callout">
-    <dgm:fillClrLst meth="repeat">
-      <a:schemeClr val="dk2"/>
-    </dgm:fillClrLst>
-    <dgm:linClrLst meth="repeat">
-      <a:schemeClr val="dk2">
-        <a:tint val="50000"/>
-      </a:schemeClr>
-    </dgm:linClrLst>
-    <dgm:effectClrLst/>
-    <dgm:txLinClrLst/>
-    <dgm:txFillClrLst meth="repeat">
-      <a:schemeClr val="lt2"/>
-    </dgm:txFillClrLst>
-    <dgm:txEffectClrLst/>
-  </dgm:styleLbl>
-  <dgm:styleLbl name="asst0">
-    <dgm:fillClrLst meth="repeat">
-      <a:schemeClr val="dk2"/>
-    </dgm:fillClrLst>
-    <dgm:linClrLst meth="repeat">
-      <a:schemeClr val="lt2"/>
-    </dgm:linClrLst>
-    <dgm:effectClrLst/>
-    <dgm:txLinClrLst/>
-    <dgm:txFillClrLst/>
-    <dgm:txEffectClrLst/>
-  </dgm:styleLbl>
-  <dgm:styleLbl name="asst1">
-    <dgm:fillClrLst meth="repeat">
-      <a:schemeClr val="dk2"/>
-    </dgm:fillClrLst>
-    <dgm:linClrLst meth="repeat">
-      <a:schemeClr val="lt2"/>
-    </dgm:linClrLst>
-    <dgm:effectClrLst/>
-    <dgm:txLinClrLst/>
-    <dgm:txFillClrLst/>
-    <dgm:txEffectClrLst/>
-  </dgm:styleLbl>
-  <dgm:styleLbl name="asst2">
-    <dgm:fillClrLst meth="repeat">
-      <a:schemeClr val="dk2"/>
-    </dgm:fillClrLst>
-    <dgm:linClrLst meth="repeat">
-      <a:schemeClr val="lt2"/>
-    </dgm:linClrLst>
-    <dgm:effectClrLst/>
-    <dgm:txLinClrLst/>
-    <dgm:txFillClrLst/>
-    <dgm:txEffectClrLst/>
-  </dgm:styleLbl>
-  <dgm:styleLbl name="asst3">
-    <dgm:fillClrLst meth="repeat">
-      <a:schemeClr val="dk2"/>
-    </dgm:fillClrLst>
-    <dgm:linClrLst meth="repeat">
-      <a:schemeClr val="lt2"/>
-    </dgm:linClrLst>
-    <dgm:effectClrLst/>
-    <dgm:txLinClrLst/>
-    <dgm:txFillClrLst/>
-    <dgm:txEffectClrLst/>
-  </dgm:styleLbl>
-  <dgm:styleLbl name="asst4">
-    <dgm:fillClrLst meth="repeat">
-      <a:schemeClr val="dk2"/>
-    </dgm:fillClrLst>
-    <dgm:linClrLst meth="repeat">
-      <a:schemeClr val="lt2"/>
-    </dgm:linClrLst>
-    <dgm:effectClrLst/>
-    <dgm:txLinClrLst/>
-    <dgm:txFillClrLst/>
-    <dgm:txEffectClrLst/>
-  </dgm:styleLbl>
-  <dgm:styleLbl name="parChTrans2D1">
-    <dgm:fillClrLst meth="repeat">
-      <a:schemeClr val="dk2">
-        <a:tint val="60000"/>
-      </a:schemeClr>
-    </dgm:fillClrLst>
-    <dgm:linClrLst meth="repeat">
-      <a:schemeClr val="dk2">
-        <a:tint val="60000"/>
-      </a:schemeClr>
-    </dgm:linClrLst>
-    <dgm:effectClrLst/>
-    <dgm:txLinClrLst/>
-    <dgm:txFillClrLst meth="repeat">
-      <a:schemeClr val="lt2"/>
-    </dgm:txFillClrLst>
-    <dgm:txEffectClrLst/>
-  </dgm:styleLbl>
-  <dgm:styleLbl name="parChTrans2D2">
-    <dgm:fillClrLst meth="repeat">
-      <a:schemeClr val="dk2"/>
-    </dgm:fillClrLst>
-    <dgm:linClrLst meth="repeat">
-      <a:schemeClr val="dk2"/>
-    </dgm:linClrLst>
-    <dgm:effectClrLst/>
-    <dgm:txLinClrLst/>
-    <dgm:txFillClrLst meth="repeat">
-      <a:schemeClr val="lt2"/>
-    </dgm:txFillClrLst>
-    <dgm:txEffectClrLst/>
-  </dgm:styleLbl>
-  <dgm:styleLbl name="parChTrans2D3">
-    <dgm:fillClrLst meth="repeat">
-      <a:schemeClr val="dk2"/>
-    </dgm:fillClrLst>
-    <dgm:linClrLst meth="repeat">
-      <a:schemeClr val="dk2"/>
-    </dgm:linClrLst>
-    <dgm:effectClrLst/>
-    <dgm:txLinClrLst/>
-    <dgm:txFillClrLst meth="repeat">
-      <a:schemeClr val="lt2"/>
-    </dgm:txFillClrLst>
-    <dgm:txEffectClrLst/>
-  </dgm:styleLbl>
-  <dgm:styleLbl name="parChTrans2D4">
-    <dgm:fillClrLst meth="repeat">
-      <a:schemeClr val="dk2"/>
-    </dgm:fillClrLst>
-    <dgm:linClrLst meth="repeat">
-      <a:schemeClr val="dk2"/>
-    </dgm:linClrLst>
-    <dgm:effectClrLst/>
-    <dgm:txLinClrLst/>
-    <dgm:txFillClrLst meth="repeat">
-      <a:schemeClr val="lt2"/>
-    </dgm:txFillClrLst>
-    <dgm:txEffectClrLst/>
-  </dgm:styleLbl>
-  <dgm:styleLbl name="parChTrans1D1">
-    <dgm:fillClrLst meth="repeat">
-      <a:schemeClr val="dk2"/>
-    </dgm:fillClrLst>
-    <dgm:linClrLst meth="repeat">
-      <a:schemeClr val="dk2">
-        <a:shade val="60000"/>
-      </a:schemeClr>
-    </dgm:linClrLst>
-    <dgm:effectClrLst/>
-    <dgm:txLinClrLst/>
-    <dgm:txFillClrLst meth="repeat">
-      <a:schemeClr val="tx1"/>
-    </dgm:txFillClrLst>
-    <dgm:txEffectClrLst/>
-  </dgm:styleLbl>
-  <dgm:styleLbl name="parChTrans1D2">
-    <dgm:fillClrLst meth="repeat">
-      <a:schemeClr val="dk2"/>
-    </dgm:fillClrLst>
-    <dgm:linClrLst meth="repeat">
-      <a:schemeClr val="dk2">
-        <a:shade val="60000"/>
-      </a:schemeClr>
-    </dgm:linClrLst>
-    <dgm:effectClrLst/>
-    <dgm:txLinClrLst/>
-    <dgm:txFillClrLst meth="repeat">
-      <a:schemeClr val="tx1"/>
-    </dgm:txFillClrLst>
-    <dgm:txEffectClrLst/>
-  </dgm:styleLbl>
-  <dgm:styleLbl name="parChTrans1D3">
-    <dgm:fillClrLst meth="repeat">
-      <a:schemeClr val="dk2"/>
-    </dgm:fillClrLst>
-    <dgm:linClrLst meth="repeat">
-      <a:schemeClr val="dk2">
-        <a:shade val="80000"/>
-      </a:schemeClr>
-    </dgm:linClrLst>
-    <dgm:effectClrLst/>
-    <dgm:txLinClrLst/>
-    <dgm:txFillClrLst meth="repeat">
-      <a:schemeClr val="tx1"/>
-    </dgm:txFillClrLst>
-    <dgm:txEffectClrLst/>
-  </dgm:styleLbl>
-  <dgm:styleLbl name="parChTrans1D4">
-    <dgm:fillClrLst meth="repeat">
-      <a:schemeClr val="dk2"/>
-    </dgm:fillClrLst>
-    <dgm:linClrLst meth="repeat">
-      <a:schemeClr val="dk2">
-        <a:shade val="80000"/>
-      </a:schemeClr>
-    </dgm:linClrLst>
-    <dgm:effectClrLst/>
-    <dgm:txLinClrLst/>
-    <dgm:txFillClrLst meth="repeat">
-      <a:schemeClr val="tx1"/>
-    </dgm:txFillClrLst>
-    <dgm:txEffectClrLst/>
-  </dgm:styleLbl>
-  <dgm:styleLbl name="fgAcc1">
-    <dgm:fillClrLst meth="repeat">
-      <a:schemeClr val="lt2">
-        <a:alpha val="90000"/>
-      </a:schemeClr>
-    </dgm:fillClrLst>
-    <dgm:linClrLst meth="repeat">
-      <a:schemeClr val="dk2"/>
-    </dgm:linClrLst>
-    <dgm:effectClrLst/>
-    <dgm:txLinClrLst/>
-    <dgm:txFillClrLst meth="repeat">
-      <a:schemeClr val="dk1"/>
-    </dgm:txFillClrLst>
-    <dgm:txEffectClrLst/>
-  </dgm:styleLbl>
-  <dgm:styleLbl name="conFgAcc1">
-    <dgm:fillClrLst meth="repeat">
-      <a:schemeClr val="lt2">
-        <a:alpha val="90000"/>
-      </a:schemeClr>
-    </dgm:fillClrLst>
-    <dgm:linClrLst meth="repeat">
-      <a:schemeClr val="dk2"/>
-    </dgm:linClrLst>
-    <dgm:effectClrLst/>
-    <dgm:txLinClrLst/>
-    <dgm:txFillClrLst meth="repeat">
-      <a:schemeClr val="dk1"/>
-    </dgm:txFillClrLst>
-    <dgm:txEffectClrLst/>
-  </dgm:styleLbl>
-  <dgm:styleLbl name="alignAcc1">
-    <dgm:fillClrLst meth="repeat">
-      <a:schemeClr val="lt2">
-        <a:alpha val="90000"/>
-      </a:schemeClr>
-    </dgm:fillClrLst>
-    <dgm:linClrLst meth="repeat">
-      <a:schemeClr val="dk2"/>
-    </dgm:linClrLst>
-    <dgm:effectClrLst/>
-    <dgm:txLinClrLst/>
-    <dgm:txFillClrLst meth="repeat">
-      <a:schemeClr val="dk1"/>
-    </dgm:txFillClrLst>
-    <dgm:txEffectClrLst/>
-  </dgm:styleLbl>
-  <dgm:styleLbl name="trAlignAcc1">
-    <dgm:fillClrLst meth="repeat">
-      <a:schemeClr val="lt2">
-        <a:alpha val="40000"/>
-      </a:schemeClr>
-    </dgm:fillClrLst>
-    <dgm:linClrLst meth="repeat">
-      <a:schemeClr val="dk2"/>
-    </dgm:linClrLst>
-    <dgm:effectClrLst/>
-    <dgm:txLinClrLst/>
-    <dgm:txFillClrLst meth="repeat">
-      <a:schemeClr val="dk1"/>
-    </dgm:txFillClrLst>
-    <dgm:txEffectClrLst/>
-  </dgm:styleLbl>
-  <dgm:styleLbl name="bgAcc1">
-    <dgm:fillClrLst meth="repeat">
-      <a:schemeClr val="lt2">
-        <a:alpha val="90000"/>
-      </a:schemeClr>
-    </dgm:fillClrLst>
-    <dgm:linClrLst meth="repeat">
-      <a:schemeClr val="dk2"/>
-    </dgm:linClrLst>
-    <dgm:effectClrLst/>
-    <dgm:txLinClrLst/>
-    <dgm:txFillClrLst meth="repeat">
-      <a:schemeClr val="dk1"/>
-    </dgm:txFillClrLst>
-    <dgm:txEffectClrLst/>
-  </dgm:styleLbl>
-  <dgm:styleLbl name="solidFgAcc1">
-    <dgm:fillClrLst meth="repeat">
-      <a:schemeClr val="lt2"/>
-    </dgm:fillClrLst>
-    <dgm:linClrLst meth="repeat">
-      <a:schemeClr val="dk2"/>
-    </dgm:linClrLst>
-    <dgm:effectClrLst/>
-    <dgm:txLinClrLst/>
-    <dgm:txFillClrLst meth="repeat">
-      <a:schemeClr val="dk1"/>
-    </dgm:txFillClrLst>
-    <dgm:txEffectClrLst/>
-  </dgm:styleLbl>
-  <dgm:styleLbl name="solidAlignAcc1">
-    <dgm:fillClrLst meth="repeat">
-      <a:schemeClr val="lt2"/>
-    </dgm:fillClrLst>
-    <dgm:linClrLst meth="repeat">
-      <a:schemeClr val="dk2"/>
-    </dgm:linClrLst>
-    <dgm:effectClrLst/>
-    <dgm:txLinClrLst/>
-    <dgm:txFillClrLst meth="repeat">
-      <a:schemeClr val="dk1"/>
-    </dgm:txFillClrLst>
-    <dgm:txEffectClrLst/>
-  </dgm:styleLbl>
-  <dgm:styleLbl name="solidBgAcc1">
-    <dgm:fillClrLst meth="repeat">
-      <a:schemeClr val="lt2"/>
-    </dgm:fillClrLst>
-    <dgm:linClrLst meth="repeat">
-      <a:schemeClr val="dk2"/>
-    </dgm:linClrLst>
-    <dgm:effectClrLst/>
-    <dgm:txLinClrLst/>
-    <dgm:txFillClrLst meth="repeat">
-      <a:schemeClr val="dk1"/>
-    </dgm:txFillClrLst>
-    <dgm:txEffectClrLst/>
-  </dgm:styleLbl>
-  <dgm:styleLbl name="fgAccFollowNode1">
-    <dgm:fillClrLst meth="repeat">
-      <a:schemeClr val="dk2">
-        <a:alpha val="90000"/>
-        <a:tint val="40000"/>
-      </a:schemeClr>
-    </dgm:fillClrLst>
-    <dgm:linClrLst meth="repeat">
-      <a:schemeClr val="dk2">
-        <a:alpha val="90000"/>
-        <a:tint val="40000"/>
-      </a:schemeClr>
-    </dgm:linClrLst>
-    <dgm:effectClrLst/>
-    <dgm:txLinClrLst/>
-    <dgm:txFillClrLst meth="repeat">
-      <a:schemeClr val="dk1"/>
-    </dgm:txFillClrLst>
-    <dgm:txEffectClrLst/>
-  </dgm:styleLbl>
-  <dgm:styleLbl name="alignAccFollowNode1">
-    <dgm:fillClrLst meth="repeat">
-      <a:schemeClr val="dk2">
-        <a:alpha val="90000"/>
-        <a:tint val="40000"/>
-      </a:schemeClr>
-    </dgm:fillClrLst>
-    <dgm:linClrLst meth="repeat">
-      <a:schemeClr val="dk2">
-        <a:alpha val="90000"/>
-        <a:tint val="40000"/>
-      </a:schemeClr>
-    </dgm:linClrLst>
-    <dgm:effectClrLst/>
-    <dgm:txLinClrLst/>
-    <dgm:txFillClrLst meth="repeat">
-      <a:schemeClr val="dk1"/>
-    </dgm:txFillClrLst>
-    <dgm:txEffectClrLst/>
-  </dgm:styleLbl>
-  <dgm:styleLbl name="bgAccFollowNode1">
-    <dgm:fillClrLst meth="repeat">
-      <a:schemeClr val="dk2">
-        <a:alpha val="90000"/>
-        <a:tint val="40000"/>
-      </a:schemeClr>
-    </dgm:fillClrLst>
-    <dgm:linClrLst meth="repeat">
-      <a:schemeClr val="dk2">
-        <a:alpha val="90000"/>
-        <a:tint val="40000"/>
-      </a:schemeClr>
-    </dgm:linClrLst>
-    <dgm:effectClrLst/>
-    <dgm:txLinClrLst/>
-    <dgm:txFillClrLst meth="repeat">
-      <a:schemeClr val="dk1"/>
-    </dgm:txFillClrLst>
-    <dgm:txEffectClrLst/>
-  </dgm:styleLbl>
-  <dgm:styleLbl name="fgAcc0">
-    <dgm:fillClrLst meth="repeat">
-      <a:schemeClr val="lt2">
-        <a:alpha val="90000"/>
-      </a:schemeClr>
-    </dgm:fillClrLst>
-    <dgm:linClrLst meth="repeat">
-      <a:schemeClr val="dk2"/>
-    </dgm:linClrLst>
-    <dgm:effectClrLst/>
-    <dgm:txLinClrLst/>
-    <dgm:txFillClrLst meth="repeat">
-      <a:schemeClr val="dk1"/>
-    </dgm:txFillClrLst>
-    <dgm:txEffectClrLst/>
-  </dgm:styleLbl>
-  <dgm:styleLbl name="fgAcc2">
-    <dgm:fillClrLst meth="repeat">
-      <a:schemeClr val="lt2">
-        <a:alpha val="90000"/>
-      </a:schemeClr>
-    </dgm:fillClrLst>
-    <dgm:linClrLst meth="repeat">
-      <a:schemeClr val="dk2"/>
-    </dgm:linClrLst>
-    <dgm:effectClrLst/>
-    <dgm:txLinClrLst/>
-    <dgm:txFillClrLst meth="repeat">
-      <a:schemeClr val="dk1"/>
-    </dgm:txFillClrLst>
-    <dgm:txEffectClrLst/>
-  </dgm:styleLbl>
-  <dgm:styleLbl name="fgAcc3">
-    <dgm:fillClrLst meth="repeat">
-      <a:schemeClr val="lt2">
-        <a:alpha val="90000"/>
-      </a:schemeClr>
-    </dgm:fillClrLst>
-    <dgm:linClrLst meth="repeat">
-      <a:schemeClr val="dk2"/>
-    </dgm:linClrLst>
-    <dgm:effectClrLst/>
-    <dgm:txLinClrLst/>
-    <dgm:txFillClrLst meth="repeat">
-      <a:schemeClr val="dk1"/>
-    </dgm:txFillClrLst>
-    <dgm:txEffectClrLst/>
-  </dgm:styleLbl>
-  <dgm:styleLbl name="fgAcc4">
-    <dgm:fillClrLst meth="repeat">
-      <a:schemeClr val="lt2">
-        <a:alpha val="90000"/>
-      </a:schemeClr>
-    </dgm:fillClrLst>
-    <dgm:linClrLst meth="repeat">
-      <a:schemeClr val="dk2"/>
-    </dgm:linClrLst>
-    <dgm:effectClrLst/>
-    <dgm:txLinClrLst/>
-    <dgm:txFillClrLst meth="repeat">
-      <a:schemeClr val="dk1"/>
-    </dgm:txFillClrLst>
-    <dgm:txEffectClrLst/>
-  </dgm:styleLbl>
-  <dgm:styleLbl name="bgShp">
-    <dgm:fillClrLst meth="repeat">
-      <a:schemeClr val="dk2">
-        <a:tint val="40000"/>
-      </a:schemeClr>
-    </dgm:fillClrLst>
-    <dgm:linClrLst meth="repeat">
-      <a:schemeClr val="dk2"/>
-    </dgm:linClrLst>
-    <dgm:effectClrLst/>
-    <dgm:txLinClrLst/>
-    <dgm:txFillClrLst meth="repeat">
-      <a:schemeClr val="dk1"/>
-    </dgm:txFillClrLst>
-    <dgm:txEffectClrLst/>
-  </dgm:styleLbl>
-  <dgm:styleLbl name="dkBgShp">
-    <dgm:fillClrLst meth="repeat">
-      <a:schemeClr val="dk2">
-        <a:shade val="80000"/>
-      </a:schemeClr>
-    </dgm:fillClrLst>
-    <dgm:linClrLst meth="repeat">
-      <a:schemeClr val="dk2"/>
-    </dgm:linClrLst>
-    <dgm:effectClrLst/>
-    <dgm:txLinClrLst/>
-    <dgm:txFillClrLst meth="repeat">
-      <a:schemeClr val="lt1"/>
-    </dgm:txFillClrLst>
-    <dgm:txEffectClrLst/>
-  </dgm:styleLbl>
-  <dgm:styleLbl name="trBgShp">
-    <dgm:fillClrLst meth="repeat">
-      <a:schemeClr val="dk2">
-        <a:tint val="50000"/>
-        <a:alpha val="40000"/>
-      </a:schemeClr>
-    </dgm:fillClrLst>
-    <dgm:linClrLst meth="repeat">
-      <a:schemeClr val="dk2"/>
-    </dgm:linClrLst>
-    <dgm:effectClrLst/>
-    <dgm:txLinClrLst/>
-    <dgm:txFillClrLst meth="repeat">
-      <a:schemeClr val="lt1"/>
-    </dgm:txFillClrLst>
-    <dgm:txEffectClrLst/>
-  </dgm:styleLbl>
-  <dgm:styleLbl name="fgShp">
-    <dgm:fillClrLst meth="repeat">
-      <a:schemeClr val="dk2">
-        <a:tint val="60000"/>
-      </a:schemeClr>
-    </dgm:fillClrLst>
-    <dgm:linClrLst meth="repeat">
-      <a:schemeClr val="lt2"/>
-    </dgm:linClrLst>
-    <dgm:effectClrLst/>
-    <dgm:txLinClrLst/>
-    <dgm:txFillClrLst meth="repeat">
-      <a:schemeClr val="dk1"/>
-    </dgm:txFillClrLst>
-    <dgm:txEffectClrLst/>
-  </dgm:styleLbl>
-  <dgm:styleLbl name="revTx">
-    <dgm:fillClrLst meth="repeat">
-      <a:schemeClr val="lt2">
-        <a:alpha val="0"/>
-      </a:schemeClr>
-    </dgm:fillClrLst>
-    <dgm:linClrLst meth="repeat">
-      <a:schemeClr val="dk1">
-        <a:alpha val="0"/>
-      </a:schemeClr>
-    </dgm:linClrLst>
-    <dgm:effectClrLst/>
-    <dgm:txLinClrLst/>
-    <dgm:txFillClrLst meth="repeat">
-      <a:schemeClr val="tx1"/>
-    </dgm:txFillClrLst>
-    <dgm:txEffectClrLst/>
-  </dgm:styleLbl>
-</dgm:colorsDef>
-</file>
-
-<file path=ppt/diagrams/colors13.xml><?xml version="1.0" encoding="utf-8"?>
 <dgm:colorsDef xmlns:dgm="http://schemas.openxmlformats.org/drawingml/2006/diagram" xmlns:a="http://schemas.openxmlformats.org/drawingml/2006/main" uniqueId="urn:microsoft.com/office/officeart/2005/8/colors/accent0_3">
   <dgm:title val=""/>
   <dgm:desc val=""/>
@@ -10387,21 +9636,21 @@
     </dgm:pt>
   </dgm:ptLst>
   <dgm:cxnLst>
+    <dgm:cxn modelId="{AFD49E9C-4D85-45CD-82B8-83D9C3269128}" type="presOf" srcId="{FC3112A3-EEDF-40FD-9BED-6112639D5D01}" destId="{30C4040E-3A67-4FAE-8B9A-AC72E751EC50}" srcOrd="0" destOrd="0" presId="urn:microsoft.com/office/officeart/2005/8/layout/hChevron3"/>
     <dgm:cxn modelId="{69DB88C4-AA14-468C-BC72-85FC28B9A2AF}" srcId="{6A8546E9-E9B2-4F2B-8A07-1A72163BC7E6}" destId="{2771C318-91EC-480A-874D-DCA64E759094}" srcOrd="3" destOrd="0" parTransId="{878EAAE6-21C2-4F81-BBB6-2273AEFB1FAF}" sibTransId="{A5A973E9-BA36-49FF-8C14-3D7C338FBFF3}"/>
+    <dgm:cxn modelId="{DBCE1AA2-037E-4CDC-AEDE-3F44EEC3EC78}" type="presOf" srcId="{4881E3A9-31F4-46BA-B863-70B1C54FAC2D}" destId="{6A9781BF-7230-4DD5-9A8B-E4869886CC12}" srcOrd="0" destOrd="0" presId="urn:microsoft.com/office/officeart/2005/8/layout/hChevron3"/>
+    <dgm:cxn modelId="{668162C4-D7BA-4441-9A21-59F7667043E0}" srcId="{6A8546E9-E9B2-4F2B-8A07-1A72163BC7E6}" destId="{4D4D000D-974A-48CB-A566-4EBD4E8EDB25}" srcOrd="1" destOrd="0" parTransId="{8F9930B4-275D-4451-81BC-006ACBA4F2FB}" sibTransId="{EC5238F9-15D4-4FDB-A904-66845C8EF287}"/>
+    <dgm:cxn modelId="{6FE82EB1-4706-4B74-986B-D754888911F8}" type="presOf" srcId="{4D4D000D-974A-48CB-A566-4EBD4E8EDB25}" destId="{41E8FBBF-A987-4DF4-B0D1-6484B49C5F63}" srcOrd="0" destOrd="0" presId="urn:microsoft.com/office/officeart/2005/8/layout/hChevron3"/>
+    <dgm:cxn modelId="{2CAB9B20-EB27-45F8-BCAC-5A502C33B121}" type="presOf" srcId="{6A8546E9-E9B2-4F2B-8A07-1A72163BC7E6}" destId="{E2E10B8C-B192-41A8-9C93-1563F212AF2D}" srcOrd="0" destOrd="0" presId="urn:microsoft.com/office/officeart/2005/8/layout/hChevron3"/>
+    <dgm:cxn modelId="{332751A2-F42D-471C-A0BD-CA28AFF9238A}" type="presOf" srcId="{4E86C8DD-C111-414B-8787-FCC4CF22BC51}" destId="{2FD73B5B-C67A-4CA2-AE6F-C449126E1582}" srcOrd="0" destOrd="0" presId="urn:microsoft.com/office/officeart/2005/8/layout/hChevron3"/>
+    <dgm:cxn modelId="{CB0BE069-FF04-4354-BA9E-F06694E79852}" srcId="{6A8546E9-E9B2-4F2B-8A07-1A72163BC7E6}" destId="{FC3112A3-EEDF-40FD-9BED-6112639D5D01}" srcOrd="6" destOrd="0" parTransId="{8BD5A70A-10CB-4EFA-91E5-F7A1A54877B1}" sibTransId="{34880B58-17EB-4A72-9340-5FC96A4518EC}"/>
+    <dgm:cxn modelId="{7E1842DD-4CBE-4AB5-BDDB-1296568EC0F4}" srcId="{6A8546E9-E9B2-4F2B-8A07-1A72163BC7E6}" destId="{4881E3A9-31F4-46BA-B863-70B1C54FAC2D}" srcOrd="4" destOrd="0" parTransId="{9051010D-105C-42DA-BA84-3B8AB4A30E15}" sibTransId="{9DF80EA9-09B9-431A-8640-A670C5390623}"/>
+    <dgm:cxn modelId="{358ED5C5-CF67-4E5D-896F-6EB5610A125B}" type="presOf" srcId="{2771C318-91EC-480A-874D-DCA64E759094}" destId="{DB1159B9-80FD-430B-86E2-A75B606C2F1F}" srcOrd="0" destOrd="0" presId="urn:microsoft.com/office/officeart/2005/8/layout/hChevron3"/>
+    <dgm:cxn modelId="{6173745F-3672-49CD-B7DE-38FFF0920964}" srcId="{6A8546E9-E9B2-4F2B-8A07-1A72163BC7E6}" destId="{4E86C8DD-C111-414B-8787-FCC4CF22BC51}" srcOrd="0" destOrd="0" parTransId="{A71C5E6B-D401-46B5-A9DC-B4D913B13607}" sibTransId="{CD6D0568-93C6-4A17-8AA2-FDBB171E9BC5}"/>
+    <dgm:cxn modelId="{038717F1-371D-4AA5-B247-0CAAFCE125BC}" type="presOf" srcId="{B484E091-564B-442C-8073-4907955BE5A3}" destId="{E64072B9-64A8-4DF1-804A-B16CFFB1216B}" srcOrd="0" destOrd="0" presId="urn:microsoft.com/office/officeart/2005/8/layout/hChevron3"/>
     <dgm:cxn modelId="{9D6786F2-2C57-4B9E-A5D8-746C36FC05BE}" srcId="{6A8546E9-E9B2-4F2B-8A07-1A72163BC7E6}" destId="{41B00F3F-378E-426C-9B19-05B0F41C67C7}" srcOrd="5" destOrd="0" parTransId="{C622839D-6FD8-40E6-AAC9-EDD8E101A37C}" sibTransId="{2671AA3C-CC31-4706-9B03-91D01DBEE6D5}"/>
-    <dgm:cxn modelId="{668162C4-D7BA-4441-9A21-59F7667043E0}" srcId="{6A8546E9-E9B2-4F2B-8A07-1A72163BC7E6}" destId="{4D4D000D-974A-48CB-A566-4EBD4E8EDB25}" srcOrd="1" destOrd="0" parTransId="{8F9930B4-275D-4451-81BC-006ACBA4F2FB}" sibTransId="{EC5238F9-15D4-4FDB-A904-66845C8EF287}"/>
-    <dgm:cxn modelId="{DBCE1AA2-037E-4CDC-AEDE-3F44EEC3EC78}" type="presOf" srcId="{4881E3A9-31F4-46BA-B863-70B1C54FAC2D}" destId="{6A9781BF-7230-4DD5-9A8B-E4869886CC12}" srcOrd="0" destOrd="0" presId="urn:microsoft.com/office/officeart/2005/8/layout/hChevron3"/>
-    <dgm:cxn modelId="{7E1842DD-4CBE-4AB5-BDDB-1296568EC0F4}" srcId="{6A8546E9-E9B2-4F2B-8A07-1A72163BC7E6}" destId="{4881E3A9-31F4-46BA-B863-70B1C54FAC2D}" srcOrd="4" destOrd="0" parTransId="{9051010D-105C-42DA-BA84-3B8AB4A30E15}" sibTransId="{9DF80EA9-09B9-431A-8640-A670C5390623}"/>
-    <dgm:cxn modelId="{CB0BE069-FF04-4354-BA9E-F06694E79852}" srcId="{6A8546E9-E9B2-4F2B-8A07-1A72163BC7E6}" destId="{FC3112A3-EEDF-40FD-9BED-6112639D5D01}" srcOrd="6" destOrd="0" parTransId="{8BD5A70A-10CB-4EFA-91E5-F7A1A54877B1}" sibTransId="{34880B58-17EB-4A72-9340-5FC96A4518EC}"/>
+    <dgm:cxn modelId="{51E8CDAD-7133-409B-930B-10CB675B00DB}" srcId="{6A8546E9-E9B2-4F2B-8A07-1A72163BC7E6}" destId="{B484E091-564B-442C-8073-4907955BE5A3}" srcOrd="2" destOrd="0" parTransId="{F70BC14C-0649-4B35-B73B-50878A685CCC}" sibTransId="{0EC4E443-3677-44F0-888A-BB58FECEB91D}"/>
     <dgm:cxn modelId="{7C97783B-0193-4BCD-902A-371B7B05622D}" type="presOf" srcId="{41B00F3F-378E-426C-9B19-05B0F41C67C7}" destId="{864B40E2-5677-4629-A8CD-89A9B756124E}" srcOrd="0" destOrd="0" presId="urn:microsoft.com/office/officeart/2005/8/layout/hChevron3"/>
-    <dgm:cxn modelId="{51E8CDAD-7133-409B-930B-10CB675B00DB}" srcId="{6A8546E9-E9B2-4F2B-8A07-1A72163BC7E6}" destId="{B484E091-564B-442C-8073-4907955BE5A3}" srcOrd="2" destOrd="0" parTransId="{F70BC14C-0649-4B35-B73B-50878A685CCC}" sibTransId="{0EC4E443-3677-44F0-888A-BB58FECEB91D}"/>
-    <dgm:cxn modelId="{6FE82EB1-4706-4B74-986B-D754888911F8}" type="presOf" srcId="{4D4D000D-974A-48CB-A566-4EBD4E8EDB25}" destId="{41E8FBBF-A987-4DF4-B0D1-6484B49C5F63}" srcOrd="0" destOrd="0" presId="urn:microsoft.com/office/officeart/2005/8/layout/hChevron3"/>
-    <dgm:cxn modelId="{AFD49E9C-4D85-45CD-82B8-83D9C3269128}" type="presOf" srcId="{FC3112A3-EEDF-40FD-9BED-6112639D5D01}" destId="{30C4040E-3A67-4FAE-8B9A-AC72E751EC50}" srcOrd="0" destOrd="0" presId="urn:microsoft.com/office/officeart/2005/8/layout/hChevron3"/>
-    <dgm:cxn modelId="{332751A2-F42D-471C-A0BD-CA28AFF9238A}" type="presOf" srcId="{4E86C8DD-C111-414B-8787-FCC4CF22BC51}" destId="{2FD73B5B-C67A-4CA2-AE6F-C449126E1582}" srcOrd="0" destOrd="0" presId="urn:microsoft.com/office/officeart/2005/8/layout/hChevron3"/>
-    <dgm:cxn modelId="{358ED5C5-CF67-4E5D-896F-6EB5610A125B}" type="presOf" srcId="{2771C318-91EC-480A-874D-DCA64E759094}" destId="{DB1159B9-80FD-430B-86E2-A75B606C2F1F}" srcOrd="0" destOrd="0" presId="urn:microsoft.com/office/officeart/2005/8/layout/hChevron3"/>
-    <dgm:cxn modelId="{2CAB9B20-EB27-45F8-BCAC-5A502C33B121}" type="presOf" srcId="{6A8546E9-E9B2-4F2B-8A07-1A72163BC7E6}" destId="{E2E10B8C-B192-41A8-9C93-1563F212AF2D}" srcOrd="0" destOrd="0" presId="urn:microsoft.com/office/officeart/2005/8/layout/hChevron3"/>
-    <dgm:cxn modelId="{038717F1-371D-4AA5-B247-0CAAFCE125BC}" type="presOf" srcId="{B484E091-564B-442C-8073-4907955BE5A3}" destId="{E64072B9-64A8-4DF1-804A-B16CFFB1216B}" srcOrd="0" destOrd="0" presId="urn:microsoft.com/office/officeart/2005/8/layout/hChevron3"/>
-    <dgm:cxn modelId="{6173745F-3672-49CD-B7DE-38FFF0920964}" srcId="{6A8546E9-E9B2-4F2B-8A07-1A72163BC7E6}" destId="{4E86C8DD-C111-414B-8787-FCC4CF22BC51}" srcOrd="0" destOrd="0" parTransId="{A71C5E6B-D401-46B5-A9DC-B4D913B13607}" sibTransId="{CD6D0568-93C6-4A17-8AA2-FDBB171E9BC5}"/>
     <dgm:cxn modelId="{4AA28F61-0B45-46C0-9696-DA76BE2E8BB6}" type="presParOf" srcId="{E2E10B8C-B192-41A8-9C93-1563F212AF2D}" destId="{2FD73B5B-C67A-4CA2-AE6F-C449126E1582}" srcOrd="0" destOrd="0" presId="urn:microsoft.com/office/officeart/2005/8/layout/hChevron3"/>
     <dgm:cxn modelId="{0439C72A-E32F-4E89-BDB3-F7E8DC3FD01D}" type="presParOf" srcId="{E2E10B8C-B192-41A8-9C93-1563F212AF2D}" destId="{99FD6387-84D1-47CE-9AD5-0EAD321B3553}" srcOrd="1" destOrd="0" presId="urn:microsoft.com/office/officeart/2005/8/layout/hChevron3"/>
     <dgm:cxn modelId="{BEA952AF-12D7-44B5-A360-C95FE49D277B}" type="presParOf" srcId="{E2E10B8C-B192-41A8-9C93-1563F212AF2D}" destId="{41E8FBBF-A987-4DF4-B0D1-6484B49C5F63}" srcOrd="2" destOrd="0" presId="urn:microsoft.com/office/officeart/2005/8/layout/hChevron3"/>
@@ -10420,7 +9669,7 @@
   <dgm:whole/>
   <dgm:extLst>
     <a:ext uri="http://schemas.microsoft.com/office/drawing/2008/diagram">
-      <dsp:dataModelExt xmlns:dsp="http://schemas.microsoft.com/office/drawing/2008/diagram" xmlns="" relId="rId9" minVer="http://schemas.openxmlformats.org/drawingml/2006/diagram"/>
+      <dsp:dataModelExt xmlns:dsp="http://schemas.microsoft.com/office/drawing/2008/diagram" relId="rId9" minVer="http://schemas.openxmlformats.org/drawingml/2006/diagram"/>
     </a:ext>
   </dgm:extLst>
 </dgm:dataModel>
@@ -10900,534 +10149,21 @@
     </dgm:pt>
   </dgm:ptLst>
   <dgm:cxnLst>
+    <dgm:cxn modelId="{51E8CDAD-7133-409B-930B-10CB675B00DB}" srcId="{6A8546E9-E9B2-4F2B-8A07-1A72163BC7E6}" destId="{B484E091-564B-442C-8073-4907955BE5A3}" srcOrd="2" destOrd="0" parTransId="{F70BC14C-0649-4B35-B73B-50878A685CCC}" sibTransId="{0EC4E443-3677-44F0-888A-BB58FECEB91D}"/>
+    <dgm:cxn modelId="{668162C4-D7BA-4441-9A21-59F7667043E0}" srcId="{6A8546E9-E9B2-4F2B-8A07-1A72163BC7E6}" destId="{4D4D000D-974A-48CB-A566-4EBD4E8EDB25}" srcOrd="1" destOrd="0" parTransId="{8F9930B4-275D-4451-81BC-006ACBA4F2FB}" sibTransId="{EC5238F9-15D4-4FDB-A904-66845C8EF287}"/>
+    <dgm:cxn modelId="{9A3A066E-B911-43D1-8055-A4C864FF110E}" type="presOf" srcId="{6A8546E9-E9B2-4F2B-8A07-1A72163BC7E6}" destId="{E2E10B8C-B192-41A8-9C93-1563F212AF2D}" srcOrd="0" destOrd="0" presId="urn:microsoft.com/office/officeart/2005/8/layout/hChevron3"/>
     <dgm:cxn modelId="{69DB88C4-AA14-468C-BC72-85FC28B9A2AF}" srcId="{6A8546E9-E9B2-4F2B-8A07-1A72163BC7E6}" destId="{2771C318-91EC-480A-874D-DCA64E759094}" srcOrd="3" destOrd="0" parTransId="{878EAAE6-21C2-4F81-BBB6-2273AEFB1FAF}" sibTransId="{A5A973E9-BA36-49FF-8C14-3D7C338FBFF3}"/>
+    <dgm:cxn modelId="{F7571E64-90C7-4697-81A6-82B9539393E0}" type="presOf" srcId="{FC3112A3-EEDF-40FD-9BED-6112639D5D01}" destId="{30C4040E-3A67-4FAE-8B9A-AC72E751EC50}" srcOrd="0" destOrd="0" presId="urn:microsoft.com/office/officeart/2005/8/layout/hChevron3"/>
+    <dgm:cxn modelId="{CB0BE069-FF04-4354-BA9E-F06694E79852}" srcId="{6A8546E9-E9B2-4F2B-8A07-1A72163BC7E6}" destId="{FC3112A3-EEDF-40FD-9BED-6112639D5D01}" srcOrd="6" destOrd="0" parTransId="{8BD5A70A-10CB-4EFA-91E5-F7A1A54877B1}" sibTransId="{34880B58-17EB-4A72-9340-5FC96A4518EC}"/>
+    <dgm:cxn modelId="{036A8DEF-FE30-41E2-B8D3-C5B4177F8FD4}" type="presOf" srcId="{4E86C8DD-C111-414B-8787-FCC4CF22BC51}" destId="{2FD73B5B-C67A-4CA2-AE6F-C449126E1582}" srcOrd="0" destOrd="0" presId="urn:microsoft.com/office/officeart/2005/8/layout/hChevron3"/>
+    <dgm:cxn modelId="{39E7B123-97CF-49A8-9EBE-758D1DD98C51}" type="presOf" srcId="{4881E3A9-31F4-46BA-B863-70B1C54FAC2D}" destId="{6A9781BF-7230-4DD5-9A8B-E4869886CC12}" srcOrd="0" destOrd="0" presId="urn:microsoft.com/office/officeart/2005/8/layout/hChevron3"/>
+    <dgm:cxn modelId="{6173745F-3672-49CD-B7DE-38FFF0920964}" srcId="{6A8546E9-E9B2-4F2B-8A07-1A72163BC7E6}" destId="{4E86C8DD-C111-414B-8787-FCC4CF22BC51}" srcOrd="0" destOrd="0" parTransId="{A71C5E6B-D401-46B5-A9DC-B4D913B13607}" sibTransId="{CD6D0568-93C6-4A17-8AA2-FDBB171E9BC5}"/>
+    <dgm:cxn modelId="{3809CBC6-5E83-41EB-A97C-871CD7A53F85}" type="presOf" srcId="{41B00F3F-378E-426C-9B19-05B0F41C67C7}" destId="{864B40E2-5677-4629-A8CD-89A9B756124E}" srcOrd="0" destOrd="0" presId="urn:microsoft.com/office/officeart/2005/8/layout/hChevron3"/>
+    <dgm:cxn modelId="{EAF186D4-1D8E-48E3-B148-0172C6B1A181}" type="presOf" srcId="{B484E091-564B-442C-8073-4907955BE5A3}" destId="{E64072B9-64A8-4DF1-804A-B16CFFB1216B}" srcOrd="0" destOrd="0" presId="urn:microsoft.com/office/officeart/2005/8/layout/hChevron3"/>
+    <dgm:cxn modelId="{FF532F72-C166-4F1A-B914-FB50A194F544}" type="presOf" srcId="{4D4D000D-974A-48CB-A566-4EBD4E8EDB25}" destId="{41E8FBBF-A987-4DF4-B0D1-6484B49C5F63}" srcOrd="0" destOrd="0" presId="urn:microsoft.com/office/officeart/2005/8/layout/hChevron3"/>
     <dgm:cxn modelId="{9D6786F2-2C57-4B9E-A5D8-746C36FC05BE}" srcId="{6A8546E9-E9B2-4F2B-8A07-1A72163BC7E6}" destId="{41B00F3F-378E-426C-9B19-05B0F41C67C7}" srcOrd="5" destOrd="0" parTransId="{C622839D-6FD8-40E6-AAC9-EDD8E101A37C}" sibTransId="{2671AA3C-CC31-4706-9B03-91D01DBEE6D5}"/>
-    <dgm:cxn modelId="{668162C4-D7BA-4441-9A21-59F7667043E0}" srcId="{6A8546E9-E9B2-4F2B-8A07-1A72163BC7E6}" destId="{4D4D000D-974A-48CB-A566-4EBD4E8EDB25}" srcOrd="1" destOrd="0" parTransId="{8F9930B4-275D-4451-81BC-006ACBA4F2FB}" sibTransId="{EC5238F9-15D4-4FDB-A904-66845C8EF287}"/>
     <dgm:cxn modelId="{7E1842DD-4CBE-4AB5-BDDB-1296568EC0F4}" srcId="{6A8546E9-E9B2-4F2B-8A07-1A72163BC7E6}" destId="{4881E3A9-31F4-46BA-B863-70B1C54FAC2D}" srcOrd="4" destOrd="0" parTransId="{9051010D-105C-42DA-BA84-3B8AB4A30E15}" sibTransId="{9DF80EA9-09B9-431A-8640-A670C5390623}"/>
-    <dgm:cxn modelId="{CB0BE069-FF04-4354-BA9E-F06694E79852}" srcId="{6A8546E9-E9B2-4F2B-8A07-1A72163BC7E6}" destId="{FC3112A3-EEDF-40FD-9BED-6112639D5D01}" srcOrd="6" destOrd="0" parTransId="{8BD5A70A-10CB-4EFA-91E5-F7A1A54877B1}" sibTransId="{34880B58-17EB-4A72-9340-5FC96A4518EC}"/>
-    <dgm:cxn modelId="{349210D0-7978-429A-BC33-C370F7A544CA}" type="presOf" srcId="{41B00F3F-378E-426C-9B19-05B0F41C67C7}" destId="{864B40E2-5677-4629-A8CD-89A9B756124E}" srcOrd="0" destOrd="0" presId="urn:microsoft.com/office/officeart/2005/8/layout/hChevron3"/>
-    <dgm:cxn modelId="{F3FFEDF0-6CF2-41D5-B291-4124107BDC15}" type="presOf" srcId="{4881E3A9-31F4-46BA-B863-70B1C54FAC2D}" destId="{6A9781BF-7230-4DD5-9A8B-E4869886CC12}" srcOrd="0" destOrd="0" presId="urn:microsoft.com/office/officeart/2005/8/layout/hChevron3"/>
-    <dgm:cxn modelId="{7A6F1673-DE84-4EDF-A92F-7FA8AFA866F6}" type="presOf" srcId="{2771C318-91EC-480A-874D-DCA64E759094}" destId="{DB1159B9-80FD-430B-86E2-A75B606C2F1F}" srcOrd="0" destOrd="0" presId="urn:microsoft.com/office/officeart/2005/8/layout/hChevron3"/>
-    <dgm:cxn modelId="{117EA726-BA9E-4ABB-A3F6-20A54807F6E3}" type="presOf" srcId="{4D4D000D-974A-48CB-A566-4EBD4E8EDB25}" destId="{41E8FBBF-A987-4DF4-B0D1-6484B49C5F63}" srcOrd="0" destOrd="0" presId="urn:microsoft.com/office/officeart/2005/8/layout/hChevron3"/>
-    <dgm:cxn modelId="{51E8CDAD-7133-409B-930B-10CB675B00DB}" srcId="{6A8546E9-E9B2-4F2B-8A07-1A72163BC7E6}" destId="{B484E091-564B-442C-8073-4907955BE5A3}" srcOrd="2" destOrd="0" parTransId="{F70BC14C-0649-4B35-B73B-50878A685CCC}" sibTransId="{0EC4E443-3677-44F0-888A-BB58FECEB91D}"/>
-    <dgm:cxn modelId="{4E4CA142-B9C9-4711-A815-98320EB1D0BF}" type="presOf" srcId="{4E86C8DD-C111-414B-8787-FCC4CF22BC51}" destId="{2FD73B5B-C67A-4CA2-AE6F-C449126E1582}" srcOrd="0" destOrd="0" presId="urn:microsoft.com/office/officeart/2005/8/layout/hChevron3"/>
-    <dgm:cxn modelId="{D3120AFD-AD84-4AD5-8F40-D9CD54AEC1E0}" type="presOf" srcId="{B484E091-564B-442C-8073-4907955BE5A3}" destId="{E64072B9-64A8-4DF1-804A-B16CFFB1216B}" srcOrd="0" destOrd="0" presId="urn:microsoft.com/office/officeart/2005/8/layout/hChevron3"/>
-    <dgm:cxn modelId="{6EA64348-ECB9-443F-A46B-86CEE098F24D}" type="presOf" srcId="{FC3112A3-EEDF-40FD-9BED-6112639D5D01}" destId="{30C4040E-3A67-4FAE-8B9A-AC72E751EC50}" srcOrd="0" destOrd="0" presId="urn:microsoft.com/office/officeart/2005/8/layout/hChevron3"/>
-    <dgm:cxn modelId="{176C0655-9059-4D76-AD6D-E07303720A1B}" type="presOf" srcId="{6A8546E9-E9B2-4F2B-8A07-1A72163BC7E6}" destId="{E2E10B8C-B192-41A8-9C93-1563F212AF2D}" srcOrd="0" destOrd="0" presId="urn:microsoft.com/office/officeart/2005/8/layout/hChevron3"/>
-    <dgm:cxn modelId="{6173745F-3672-49CD-B7DE-38FFF0920964}" srcId="{6A8546E9-E9B2-4F2B-8A07-1A72163BC7E6}" destId="{4E86C8DD-C111-414B-8787-FCC4CF22BC51}" srcOrd="0" destOrd="0" parTransId="{A71C5E6B-D401-46B5-A9DC-B4D913B13607}" sibTransId="{CD6D0568-93C6-4A17-8AA2-FDBB171E9BC5}"/>
-    <dgm:cxn modelId="{6948C417-A30B-40B6-AEB6-CC8BE7F72DF3}" type="presParOf" srcId="{E2E10B8C-B192-41A8-9C93-1563F212AF2D}" destId="{2FD73B5B-C67A-4CA2-AE6F-C449126E1582}" srcOrd="0" destOrd="0" presId="urn:microsoft.com/office/officeart/2005/8/layout/hChevron3"/>
-    <dgm:cxn modelId="{7D1365D2-D589-4E80-B73F-B99C931210C6}" type="presParOf" srcId="{E2E10B8C-B192-41A8-9C93-1563F212AF2D}" destId="{99FD6387-84D1-47CE-9AD5-0EAD321B3553}" srcOrd="1" destOrd="0" presId="urn:microsoft.com/office/officeart/2005/8/layout/hChevron3"/>
-    <dgm:cxn modelId="{7504B70C-FB0E-4C38-93C5-8CE2C70E6617}" type="presParOf" srcId="{E2E10B8C-B192-41A8-9C93-1563F212AF2D}" destId="{41E8FBBF-A987-4DF4-B0D1-6484B49C5F63}" srcOrd="2" destOrd="0" presId="urn:microsoft.com/office/officeart/2005/8/layout/hChevron3"/>
-    <dgm:cxn modelId="{1139D08C-DBA8-4547-9123-0227C413A0C8}" type="presParOf" srcId="{E2E10B8C-B192-41A8-9C93-1563F212AF2D}" destId="{FC6774B3-2F08-416C-97A4-98B246BCB46E}" srcOrd="3" destOrd="0" presId="urn:microsoft.com/office/officeart/2005/8/layout/hChevron3"/>
-    <dgm:cxn modelId="{3DE77241-81B5-46F1-99FD-386FC9398998}" type="presParOf" srcId="{E2E10B8C-B192-41A8-9C93-1563F212AF2D}" destId="{E64072B9-64A8-4DF1-804A-B16CFFB1216B}" srcOrd="4" destOrd="0" presId="urn:microsoft.com/office/officeart/2005/8/layout/hChevron3"/>
-    <dgm:cxn modelId="{1060D934-5C04-4D06-9EC9-1644B94AEC8A}" type="presParOf" srcId="{E2E10B8C-B192-41A8-9C93-1563F212AF2D}" destId="{606E756F-24B8-4B45-9DC9-2134662BDD05}" srcOrd="5" destOrd="0" presId="urn:microsoft.com/office/officeart/2005/8/layout/hChevron3"/>
-    <dgm:cxn modelId="{6E33AB97-1CEC-4FE3-AF62-313A4FBA2314}" type="presParOf" srcId="{E2E10B8C-B192-41A8-9C93-1563F212AF2D}" destId="{DB1159B9-80FD-430B-86E2-A75B606C2F1F}" srcOrd="6" destOrd="0" presId="urn:microsoft.com/office/officeart/2005/8/layout/hChevron3"/>
-    <dgm:cxn modelId="{4E211ED7-7C91-4178-BA20-65E544A5F537}" type="presParOf" srcId="{E2E10B8C-B192-41A8-9C93-1563F212AF2D}" destId="{6EF78963-B021-48BF-B05C-DDBC53E6FD8C}" srcOrd="7" destOrd="0" presId="urn:microsoft.com/office/officeart/2005/8/layout/hChevron3"/>
-    <dgm:cxn modelId="{06B78AF5-002C-4DE3-AFFE-F82B536BA578}" type="presParOf" srcId="{E2E10B8C-B192-41A8-9C93-1563F212AF2D}" destId="{6A9781BF-7230-4DD5-9A8B-E4869886CC12}" srcOrd="8" destOrd="0" presId="urn:microsoft.com/office/officeart/2005/8/layout/hChevron3"/>
-    <dgm:cxn modelId="{A1A3673A-8B61-4063-90C9-57E80E66ECE8}" type="presParOf" srcId="{E2E10B8C-B192-41A8-9C93-1563F212AF2D}" destId="{BF30EA5B-A7EB-4829-8E08-B2E9CA243432}" srcOrd="9" destOrd="0" presId="urn:microsoft.com/office/officeart/2005/8/layout/hChevron3"/>
-    <dgm:cxn modelId="{CE24060D-3139-4F3D-8FE0-021F0A4E8E23}" type="presParOf" srcId="{E2E10B8C-B192-41A8-9C93-1563F212AF2D}" destId="{864B40E2-5677-4629-A8CD-89A9B756124E}" srcOrd="10" destOrd="0" presId="urn:microsoft.com/office/officeart/2005/8/layout/hChevron3"/>
-    <dgm:cxn modelId="{0EA2E8F3-B4C6-458F-A29E-C36A3FABFE23}" type="presParOf" srcId="{E2E10B8C-B192-41A8-9C93-1563F212AF2D}" destId="{532EF2FA-D261-4872-95A9-891FB36F0837}" srcOrd="11" destOrd="0" presId="urn:microsoft.com/office/officeart/2005/8/layout/hChevron3"/>
-    <dgm:cxn modelId="{E29F5372-0670-46C1-BC2B-25B99F897F36}" type="presParOf" srcId="{E2E10B8C-B192-41A8-9C93-1563F212AF2D}" destId="{30C4040E-3A67-4FAE-8B9A-AC72E751EC50}" srcOrd="12" destOrd="0" presId="urn:microsoft.com/office/officeart/2005/8/layout/hChevron3"/>
-  </dgm:cxnLst>
-  <dgm:bg/>
-  <dgm:whole/>
-  <dgm:extLst>
-    <a:ext uri="http://schemas.microsoft.com/office/drawing/2008/diagram">
-      <dsp:dataModelExt xmlns:dsp="http://schemas.microsoft.com/office/drawing/2008/diagram" xmlns="" relId="rId6" minVer="http://schemas.openxmlformats.org/drawingml/2006/diagram"/>
-    </a:ext>
-  </dgm:extLst>
-</dgm:dataModel>
-</file>
-
-<file path=ppt/diagrams/data11.xml><?xml version="1.0" encoding="utf-8"?>
-<dgm:dataModel xmlns:dgm="http://schemas.openxmlformats.org/drawingml/2006/diagram" xmlns:a="http://schemas.openxmlformats.org/drawingml/2006/main">
-  <dgm:ptLst>
-    <dgm:pt modelId="{6A8546E9-E9B2-4F2B-8A07-1A72163BC7E6}" type="doc">
-      <dgm:prSet loTypeId="urn:microsoft.com/office/officeart/2005/8/layout/hChevron3" loCatId="process" qsTypeId="urn:microsoft.com/office/officeart/2005/8/quickstyle/simple1" qsCatId="simple" csTypeId="urn:microsoft.com/office/officeart/2005/8/colors/accent0_3" csCatId="mainScheme" phldr="1"/>
-      <dgm:spPr/>
-    </dgm:pt>
-    <dgm:pt modelId="{4E86C8DD-C111-414B-8787-FCC4CF22BC51}">
-      <dgm:prSet phldrT="[Text]" custT="1"/>
-      <dgm:spPr/>
-      <dgm:t>
-        <a:bodyPr/>
-        <a:lstStyle/>
-        <a:p>
-          <a:r>
-            <a:rPr lang="sv-SE" altLang="zh-CN" sz="900" dirty="0" smtClean="0"/>
-            <a:t>Motivation</a:t>
-          </a:r>
-          <a:endParaRPr lang="zh-CN" altLang="en-US" sz="900" dirty="0"/>
-        </a:p>
-      </dgm:t>
-    </dgm:pt>
-    <dgm:pt modelId="{A71C5E6B-D401-46B5-A9DC-B4D913B13607}" type="parTrans" cxnId="{6173745F-3672-49CD-B7DE-38FFF0920964}">
-      <dgm:prSet/>
-      <dgm:spPr/>
-      <dgm:t>
-        <a:bodyPr/>
-        <a:lstStyle/>
-        <a:p>
-          <a:endParaRPr lang="zh-CN" altLang="en-US" sz="900">
-            <a:solidFill>
-              <a:schemeClr val="bg1"/>
-            </a:solidFill>
-          </a:endParaRPr>
-        </a:p>
-      </dgm:t>
-    </dgm:pt>
-    <dgm:pt modelId="{CD6D0568-93C6-4A17-8AA2-FDBB171E9BC5}" type="sibTrans" cxnId="{6173745F-3672-49CD-B7DE-38FFF0920964}">
-      <dgm:prSet/>
-      <dgm:spPr/>
-      <dgm:t>
-        <a:bodyPr/>
-        <a:lstStyle/>
-        <a:p>
-          <a:endParaRPr lang="zh-CN" altLang="en-US" sz="900">
-            <a:solidFill>
-              <a:schemeClr val="bg1"/>
-            </a:solidFill>
-          </a:endParaRPr>
-        </a:p>
-      </dgm:t>
-    </dgm:pt>
-    <dgm:pt modelId="{4D4D000D-974A-48CB-A566-4EBD4E8EDB25}">
-      <dgm:prSet phldrT="[Text]" custT="1"/>
-      <dgm:spPr/>
-      <dgm:t>
-        <a:bodyPr/>
-        <a:lstStyle/>
-        <a:p>
-          <a:r>
-            <a:rPr lang="sv-SE" altLang="zh-CN" sz="900" dirty="0" smtClean="0"/>
-            <a:t>Problem Formulation</a:t>
-          </a:r>
-          <a:endParaRPr lang="zh-CN" altLang="en-US" sz="900" dirty="0"/>
-        </a:p>
-      </dgm:t>
-    </dgm:pt>
-    <dgm:pt modelId="{8F9930B4-275D-4451-81BC-006ACBA4F2FB}" type="parTrans" cxnId="{668162C4-D7BA-4441-9A21-59F7667043E0}">
-      <dgm:prSet/>
-      <dgm:spPr/>
-      <dgm:t>
-        <a:bodyPr/>
-        <a:lstStyle/>
-        <a:p>
-          <a:endParaRPr lang="zh-CN" altLang="en-US" sz="900">
-            <a:solidFill>
-              <a:schemeClr val="bg1"/>
-            </a:solidFill>
-          </a:endParaRPr>
-        </a:p>
-      </dgm:t>
-    </dgm:pt>
-    <dgm:pt modelId="{EC5238F9-15D4-4FDB-A904-66845C8EF287}" type="sibTrans" cxnId="{668162C4-D7BA-4441-9A21-59F7667043E0}">
-      <dgm:prSet/>
-      <dgm:spPr/>
-      <dgm:t>
-        <a:bodyPr/>
-        <a:lstStyle/>
-        <a:p>
-          <a:endParaRPr lang="zh-CN" altLang="en-US" sz="900">
-            <a:solidFill>
-              <a:schemeClr val="bg1"/>
-            </a:solidFill>
-          </a:endParaRPr>
-        </a:p>
-      </dgm:t>
-    </dgm:pt>
-    <dgm:pt modelId="{B484E091-564B-442C-8073-4907955BE5A3}">
-      <dgm:prSet phldrT="[Text]" custT="1"/>
-      <dgm:spPr/>
-      <dgm:t>
-        <a:bodyPr/>
-        <a:lstStyle/>
-        <a:p>
-          <a:r>
-            <a:rPr lang="sv-SE" altLang="zh-CN" sz="900" dirty="0" smtClean="0"/>
-            <a:t>System Model</a:t>
-          </a:r>
-          <a:endParaRPr lang="zh-CN" altLang="en-US" sz="900" dirty="0"/>
-        </a:p>
-      </dgm:t>
-    </dgm:pt>
-    <dgm:pt modelId="{F70BC14C-0649-4B35-B73B-50878A685CCC}" type="parTrans" cxnId="{51E8CDAD-7133-409B-930B-10CB675B00DB}">
-      <dgm:prSet/>
-      <dgm:spPr/>
-      <dgm:t>
-        <a:bodyPr/>
-        <a:lstStyle/>
-        <a:p>
-          <a:endParaRPr lang="zh-CN" altLang="en-US" sz="900">
-            <a:solidFill>
-              <a:schemeClr val="bg1"/>
-            </a:solidFill>
-          </a:endParaRPr>
-        </a:p>
-      </dgm:t>
-    </dgm:pt>
-    <dgm:pt modelId="{0EC4E443-3677-44F0-888A-BB58FECEB91D}" type="sibTrans" cxnId="{51E8CDAD-7133-409B-930B-10CB675B00DB}">
-      <dgm:prSet/>
-      <dgm:spPr/>
-      <dgm:t>
-        <a:bodyPr/>
-        <a:lstStyle/>
-        <a:p>
-          <a:endParaRPr lang="zh-CN" altLang="en-US" sz="900">
-            <a:solidFill>
-              <a:schemeClr val="bg1"/>
-            </a:solidFill>
-          </a:endParaRPr>
-        </a:p>
-      </dgm:t>
-    </dgm:pt>
-    <dgm:pt modelId="{2771C318-91EC-480A-874D-DCA64E759094}">
-      <dgm:prSet phldrT="[Text]" custT="1"/>
-      <dgm:spPr/>
-      <dgm:t>
-        <a:bodyPr/>
-        <a:lstStyle/>
-        <a:p>
-          <a:r>
-            <a:rPr lang="sv-SE" altLang="zh-CN" sz="900" dirty="0" smtClean="0"/>
-            <a:t>Techniques Overview</a:t>
-          </a:r>
-          <a:endParaRPr lang="zh-CN" altLang="en-US" sz="900" dirty="0"/>
-        </a:p>
-      </dgm:t>
-    </dgm:pt>
-    <dgm:pt modelId="{878EAAE6-21C2-4F81-BBB6-2273AEFB1FAF}" type="parTrans" cxnId="{69DB88C4-AA14-468C-BC72-85FC28B9A2AF}">
-      <dgm:prSet/>
-      <dgm:spPr/>
-      <dgm:t>
-        <a:bodyPr/>
-        <a:lstStyle/>
-        <a:p>
-          <a:endParaRPr lang="zh-CN" altLang="en-US" sz="900">
-            <a:solidFill>
-              <a:schemeClr val="bg1"/>
-            </a:solidFill>
-          </a:endParaRPr>
-        </a:p>
-      </dgm:t>
-    </dgm:pt>
-    <dgm:pt modelId="{A5A973E9-BA36-49FF-8C14-3D7C338FBFF3}" type="sibTrans" cxnId="{69DB88C4-AA14-468C-BC72-85FC28B9A2AF}">
-      <dgm:prSet/>
-      <dgm:spPr/>
-      <dgm:t>
-        <a:bodyPr/>
-        <a:lstStyle/>
-        <a:p>
-          <a:endParaRPr lang="zh-CN" altLang="en-US" sz="900">
-            <a:solidFill>
-              <a:schemeClr val="bg1"/>
-            </a:solidFill>
-          </a:endParaRPr>
-        </a:p>
-      </dgm:t>
-    </dgm:pt>
-    <dgm:pt modelId="{4881E3A9-31F4-46BA-B863-70B1C54FAC2D}">
-      <dgm:prSet phldrT="[Text]" custT="1"/>
-      <dgm:spPr/>
-      <dgm:t>
-        <a:bodyPr/>
-        <a:lstStyle/>
-        <a:p>
-          <a:r>
-            <a:rPr lang="sv-SE" altLang="zh-CN" sz="900" dirty="0" smtClean="0">
-              <a:solidFill>
-                <a:srgbClr val="FF0000"/>
-              </a:solidFill>
-            </a:rPr>
-            <a:t>Result</a:t>
-          </a:r>
-          <a:endParaRPr lang="zh-CN" altLang="en-US" sz="900" dirty="0">
-            <a:solidFill>
-              <a:srgbClr val="FF0000"/>
-            </a:solidFill>
-          </a:endParaRPr>
-        </a:p>
-      </dgm:t>
-    </dgm:pt>
-    <dgm:pt modelId="{9051010D-105C-42DA-BA84-3B8AB4A30E15}" type="parTrans" cxnId="{7E1842DD-4CBE-4AB5-BDDB-1296568EC0F4}">
-      <dgm:prSet/>
-      <dgm:spPr/>
-      <dgm:t>
-        <a:bodyPr/>
-        <a:lstStyle/>
-        <a:p>
-          <a:endParaRPr lang="zh-CN" altLang="en-US" sz="900">
-            <a:solidFill>
-              <a:schemeClr val="bg1"/>
-            </a:solidFill>
-          </a:endParaRPr>
-        </a:p>
-      </dgm:t>
-    </dgm:pt>
-    <dgm:pt modelId="{9DF80EA9-09B9-431A-8640-A670C5390623}" type="sibTrans" cxnId="{7E1842DD-4CBE-4AB5-BDDB-1296568EC0F4}">
-      <dgm:prSet/>
-      <dgm:spPr/>
-      <dgm:t>
-        <a:bodyPr/>
-        <a:lstStyle/>
-        <a:p>
-          <a:endParaRPr lang="zh-CN" altLang="en-US" sz="900">
-            <a:solidFill>
-              <a:schemeClr val="bg1"/>
-            </a:solidFill>
-          </a:endParaRPr>
-        </a:p>
-      </dgm:t>
-    </dgm:pt>
-    <dgm:pt modelId="{41B00F3F-378E-426C-9B19-05B0F41C67C7}">
-      <dgm:prSet phldrT="[Text]" custT="1"/>
-      <dgm:spPr/>
-      <dgm:t>
-        <a:bodyPr/>
-        <a:lstStyle/>
-        <a:p>
-          <a:r>
-            <a:rPr lang="sv-SE" altLang="zh-CN" sz="900" b="1" dirty="0" smtClean="0">
-              <a:solidFill>
-                <a:schemeClr val="bg1"/>
-              </a:solidFill>
-            </a:rPr>
-            <a:t>Conclusion</a:t>
-          </a:r>
-          <a:endParaRPr lang="zh-CN" altLang="en-US" sz="900" b="1" dirty="0">
-            <a:solidFill>
-              <a:schemeClr val="bg1"/>
-            </a:solidFill>
-          </a:endParaRPr>
-        </a:p>
-      </dgm:t>
-    </dgm:pt>
-    <dgm:pt modelId="{C622839D-6FD8-40E6-AAC9-EDD8E101A37C}" type="parTrans" cxnId="{9D6786F2-2C57-4B9E-A5D8-746C36FC05BE}">
-      <dgm:prSet/>
-      <dgm:spPr/>
-      <dgm:t>
-        <a:bodyPr/>
-        <a:lstStyle/>
-        <a:p>
-          <a:endParaRPr lang="zh-CN" altLang="en-US" sz="900">
-            <a:solidFill>
-              <a:schemeClr val="bg1"/>
-            </a:solidFill>
-          </a:endParaRPr>
-        </a:p>
-      </dgm:t>
-    </dgm:pt>
-    <dgm:pt modelId="{2671AA3C-CC31-4706-9B03-91D01DBEE6D5}" type="sibTrans" cxnId="{9D6786F2-2C57-4B9E-A5D8-746C36FC05BE}">
-      <dgm:prSet/>
-      <dgm:spPr/>
-      <dgm:t>
-        <a:bodyPr/>
-        <a:lstStyle/>
-        <a:p>
-          <a:endParaRPr lang="zh-CN" altLang="en-US" sz="900">
-            <a:solidFill>
-              <a:schemeClr val="bg1"/>
-            </a:solidFill>
-          </a:endParaRPr>
-        </a:p>
-      </dgm:t>
-    </dgm:pt>
-    <dgm:pt modelId="{FC3112A3-EEDF-40FD-9BED-6112639D5D01}">
-      <dgm:prSet phldrT="[Text]" custT="1"/>
-      <dgm:spPr/>
-      <dgm:t>
-        <a:bodyPr/>
-        <a:lstStyle/>
-        <a:p>
-          <a:r>
-            <a:rPr lang="en-US" altLang="zh-CN" sz="900" dirty="0" smtClean="0"/>
-            <a:t>Future Work</a:t>
-          </a:r>
-          <a:endParaRPr lang="zh-CN" altLang="en-US" sz="900" b="1" dirty="0">
-            <a:solidFill>
-              <a:srgbClr val="FF0000"/>
-            </a:solidFill>
-          </a:endParaRPr>
-        </a:p>
-      </dgm:t>
-    </dgm:pt>
-    <dgm:pt modelId="{8BD5A70A-10CB-4EFA-91E5-F7A1A54877B1}" type="parTrans" cxnId="{CB0BE069-FF04-4354-BA9E-F06694E79852}">
-      <dgm:prSet/>
-      <dgm:spPr/>
-      <dgm:t>
-        <a:bodyPr/>
-        <a:lstStyle/>
-        <a:p>
-          <a:endParaRPr lang="zh-CN" altLang="en-US" sz="900"/>
-        </a:p>
-      </dgm:t>
-    </dgm:pt>
-    <dgm:pt modelId="{34880B58-17EB-4A72-9340-5FC96A4518EC}" type="sibTrans" cxnId="{CB0BE069-FF04-4354-BA9E-F06694E79852}">
-      <dgm:prSet/>
-      <dgm:spPr/>
-      <dgm:t>
-        <a:bodyPr/>
-        <a:lstStyle/>
-        <a:p>
-          <a:endParaRPr lang="zh-CN" altLang="en-US" sz="900"/>
-        </a:p>
-      </dgm:t>
-    </dgm:pt>
-    <dgm:pt modelId="{E2E10B8C-B192-41A8-9C93-1563F212AF2D}" type="pres">
-      <dgm:prSet presAssocID="{6A8546E9-E9B2-4F2B-8A07-1A72163BC7E6}" presName="Name0" presStyleCnt="0">
-        <dgm:presLayoutVars>
-          <dgm:dir/>
-          <dgm:resizeHandles val="exact"/>
-        </dgm:presLayoutVars>
-      </dgm:prSet>
-      <dgm:spPr/>
-    </dgm:pt>
-    <dgm:pt modelId="{2FD73B5B-C67A-4CA2-AE6F-C449126E1582}" type="pres">
-      <dgm:prSet presAssocID="{4E86C8DD-C111-414B-8787-FCC4CF22BC51}" presName="parTxOnly" presStyleLbl="node1" presStyleIdx="0" presStyleCnt="7" custScaleX="67968" custLinFactNeighborX="-88919" custLinFactNeighborY="25000">
-        <dgm:presLayoutVars>
-          <dgm:bulletEnabled val="1"/>
-        </dgm:presLayoutVars>
-      </dgm:prSet>
-      <dgm:spPr/>
-      <dgm:t>
-        <a:bodyPr/>
-        <a:lstStyle/>
-        <a:p>
-          <a:endParaRPr lang="zh-CN" altLang="en-US"/>
-        </a:p>
-      </dgm:t>
-    </dgm:pt>
-    <dgm:pt modelId="{99FD6387-84D1-47CE-9AD5-0EAD321B3553}" type="pres">
-      <dgm:prSet presAssocID="{CD6D0568-93C6-4A17-8AA2-FDBB171E9BC5}" presName="parSpace" presStyleCnt="0"/>
-      <dgm:spPr/>
-    </dgm:pt>
-    <dgm:pt modelId="{41E8FBBF-A987-4DF4-B0D1-6484B49C5F63}" type="pres">
-      <dgm:prSet presAssocID="{4D4D000D-974A-48CB-A566-4EBD4E8EDB25}" presName="parTxOnly" presStyleLbl="node1" presStyleIdx="1" presStyleCnt="7" custScaleX="96195">
-        <dgm:presLayoutVars>
-          <dgm:bulletEnabled val="1"/>
-        </dgm:presLayoutVars>
-      </dgm:prSet>
-      <dgm:spPr/>
-      <dgm:t>
-        <a:bodyPr/>
-        <a:lstStyle/>
-        <a:p>
-          <a:endParaRPr lang="zh-CN" altLang="en-US"/>
-        </a:p>
-      </dgm:t>
-    </dgm:pt>
-    <dgm:pt modelId="{FC6774B3-2F08-416C-97A4-98B246BCB46E}" type="pres">
-      <dgm:prSet presAssocID="{EC5238F9-15D4-4FDB-A904-66845C8EF287}" presName="parSpace" presStyleCnt="0"/>
-      <dgm:spPr/>
-    </dgm:pt>
-    <dgm:pt modelId="{E64072B9-64A8-4DF1-804A-B16CFFB1216B}" type="pres">
-      <dgm:prSet presAssocID="{B484E091-564B-442C-8073-4907955BE5A3}" presName="parTxOnly" presStyleLbl="node1" presStyleIdx="2" presStyleCnt="7" custScaleX="68957">
-        <dgm:presLayoutVars>
-          <dgm:bulletEnabled val="1"/>
-        </dgm:presLayoutVars>
-      </dgm:prSet>
-      <dgm:spPr/>
-      <dgm:t>
-        <a:bodyPr/>
-        <a:lstStyle/>
-        <a:p>
-          <a:endParaRPr lang="zh-CN" altLang="en-US"/>
-        </a:p>
-      </dgm:t>
-    </dgm:pt>
-    <dgm:pt modelId="{606E756F-24B8-4B45-9DC9-2134662BDD05}" type="pres">
-      <dgm:prSet presAssocID="{0EC4E443-3677-44F0-888A-BB58FECEB91D}" presName="parSpace" presStyleCnt="0"/>
-      <dgm:spPr/>
-    </dgm:pt>
-    <dgm:pt modelId="{DB1159B9-80FD-430B-86E2-A75B606C2F1F}" type="pres">
-      <dgm:prSet presAssocID="{2771C318-91EC-480A-874D-DCA64E759094}" presName="parTxOnly" presStyleLbl="node1" presStyleIdx="3" presStyleCnt="7">
-        <dgm:presLayoutVars>
-          <dgm:bulletEnabled val="1"/>
-        </dgm:presLayoutVars>
-      </dgm:prSet>
-      <dgm:spPr/>
-      <dgm:t>
-        <a:bodyPr/>
-        <a:lstStyle/>
-        <a:p>
-          <a:endParaRPr lang="zh-CN" altLang="en-US"/>
-        </a:p>
-      </dgm:t>
-    </dgm:pt>
-    <dgm:pt modelId="{6EF78963-B021-48BF-B05C-DDBC53E6FD8C}" type="pres">
-      <dgm:prSet presAssocID="{A5A973E9-BA36-49FF-8C14-3D7C338FBFF3}" presName="parSpace" presStyleCnt="0"/>
-      <dgm:spPr/>
-    </dgm:pt>
-    <dgm:pt modelId="{6A9781BF-7230-4DD5-9A8B-E4869886CC12}" type="pres">
-      <dgm:prSet presAssocID="{4881E3A9-31F4-46BA-B863-70B1C54FAC2D}" presName="parTxOnly" presStyleLbl="node1" presStyleIdx="4" presStyleCnt="7" custScaleX="68623">
-        <dgm:presLayoutVars>
-          <dgm:bulletEnabled val="1"/>
-        </dgm:presLayoutVars>
-      </dgm:prSet>
-      <dgm:spPr/>
-      <dgm:t>
-        <a:bodyPr/>
-        <a:lstStyle/>
-        <a:p>
-          <a:endParaRPr lang="zh-CN" altLang="en-US"/>
-        </a:p>
-      </dgm:t>
-    </dgm:pt>
-    <dgm:pt modelId="{BF30EA5B-A7EB-4829-8E08-B2E9CA243432}" type="pres">
-      <dgm:prSet presAssocID="{9DF80EA9-09B9-431A-8640-A670C5390623}" presName="parSpace" presStyleCnt="0"/>
-      <dgm:spPr/>
-    </dgm:pt>
-    <dgm:pt modelId="{864B40E2-5677-4629-A8CD-89A9B756124E}" type="pres">
-      <dgm:prSet presAssocID="{41B00F3F-378E-426C-9B19-05B0F41C67C7}" presName="parTxOnly" presStyleLbl="node1" presStyleIdx="5" presStyleCnt="7" custScaleX="108314" custLinFactNeighborX="10429">
-        <dgm:presLayoutVars>
-          <dgm:bulletEnabled val="1"/>
-        </dgm:presLayoutVars>
-      </dgm:prSet>
-      <dgm:spPr/>
-      <dgm:t>
-        <a:bodyPr/>
-        <a:lstStyle/>
-        <a:p>
-          <a:endParaRPr lang="zh-CN" altLang="en-US"/>
-        </a:p>
-      </dgm:t>
-    </dgm:pt>
-    <dgm:pt modelId="{532EF2FA-D261-4872-95A9-891FB36F0837}" type="pres">
-      <dgm:prSet presAssocID="{2671AA3C-CC31-4706-9B03-91D01DBEE6D5}" presName="parSpace" presStyleCnt="0"/>
-      <dgm:spPr/>
-    </dgm:pt>
-    <dgm:pt modelId="{30C4040E-3A67-4FAE-8B9A-AC72E751EC50}" type="pres">
-      <dgm:prSet presAssocID="{FC3112A3-EEDF-40FD-9BED-6112639D5D01}" presName="parTxOnly" presStyleLbl="node1" presStyleIdx="6" presStyleCnt="7" custScaleX="70392" custLinFactNeighborX="-44365">
-        <dgm:presLayoutVars>
-          <dgm:bulletEnabled val="1"/>
-        </dgm:presLayoutVars>
-      </dgm:prSet>
-      <dgm:spPr/>
-      <dgm:t>
-        <a:bodyPr/>
-        <a:lstStyle/>
-        <a:p>
-          <a:endParaRPr lang="zh-CN" altLang="en-US"/>
-        </a:p>
-      </dgm:t>
-    </dgm:pt>
-  </dgm:ptLst>
-  <dgm:cxnLst>
-    <dgm:cxn modelId="{69DB88C4-AA14-468C-BC72-85FC28B9A2AF}" srcId="{6A8546E9-E9B2-4F2B-8A07-1A72163BC7E6}" destId="{2771C318-91EC-480A-874D-DCA64E759094}" srcOrd="3" destOrd="0" parTransId="{878EAAE6-21C2-4F81-BBB6-2273AEFB1FAF}" sibTransId="{A5A973E9-BA36-49FF-8C14-3D7C338FBFF3}"/>
-    <dgm:cxn modelId="{9D6786F2-2C57-4B9E-A5D8-746C36FC05BE}" srcId="{6A8546E9-E9B2-4F2B-8A07-1A72163BC7E6}" destId="{41B00F3F-378E-426C-9B19-05B0F41C67C7}" srcOrd="5" destOrd="0" parTransId="{C622839D-6FD8-40E6-AAC9-EDD8E101A37C}" sibTransId="{2671AA3C-CC31-4706-9B03-91D01DBEE6D5}"/>
-    <dgm:cxn modelId="{668162C4-D7BA-4441-9A21-59F7667043E0}" srcId="{6A8546E9-E9B2-4F2B-8A07-1A72163BC7E6}" destId="{4D4D000D-974A-48CB-A566-4EBD4E8EDB25}" srcOrd="1" destOrd="0" parTransId="{8F9930B4-275D-4451-81BC-006ACBA4F2FB}" sibTransId="{EC5238F9-15D4-4FDB-A904-66845C8EF287}"/>
-    <dgm:cxn modelId="{3809CBC6-5E83-41EB-A97C-871CD7A53F85}" type="presOf" srcId="{41B00F3F-378E-426C-9B19-05B0F41C67C7}" destId="{864B40E2-5677-4629-A8CD-89A9B756124E}" srcOrd="0" destOrd="0" presId="urn:microsoft.com/office/officeart/2005/8/layout/hChevron3"/>
-    <dgm:cxn modelId="{7E1842DD-4CBE-4AB5-BDDB-1296568EC0F4}" srcId="{6A8546E9-E9B2-4F2B-8A07-1A72163BC7E6}" destId="{4881E3A9-31F4-46BA-B863-70B1C54FAC2D}" srcOrd="4" destOrd="0" parTransId="{9051010D-105C-42DA-BA84-3B8AB4A30E15}" sibTransId="{9DF80EA9-09B9-431A-8640-A670C5390623}"/>
-    <dgm:cxn modelId="{FF532F72-C166-4F1A-B914-FB50A194F544}" type="presOf" srcId="{4D4D000D-974A-48CB-A566-4EBD4E8EDB25}" destId="{41E8FBBF-A987-4DF4-B0D1-6484B49C5F63}" srcOrd="0" destOrd="0" presId="urn:microsoft.com/office/officeart/2005/8/layout/hChevron3"/>
     <dgm:cxn modelId="{84DE9FB7-50EE-4D6B-828D-AAB6895C0D43}" type="presOf" srcId="{2771C318-91EC-480A-874D-DCA64E759094}" destId="{DB1159B9-80FD-430B-86E2-A75B606C2F1F}" srcOrd="0" destOrd="0" presId="urn:microsoft.com/office/officeart/2005/8/layout/hChevron3"/>
-    <dgm:cxn modelId="{CB0BE069-FF04-4354-BA9E-F06694E79852}" srcId="{6A8546E9-E9B2-4F2B-8A07-1A72163BC7E6}" destId="{FC3112A3-EEDF-40FD-9BED-6112639D5D01}" srcOrd="6" destOrd="0" parTransId="{8BD5A70A-10CB-4EFA-91E5-F7A1A54877B1}" sibTransId="{34880B58-17EB-4A72-9340-5FC96A4518EC}"/>
-    <dgm:cxn modelId="{F7571E64-90C7-4697-81A6-82B9539393E0}" type="presOf" srcId="{FC3112A3-EEDF-40FD-9BED-6112639D5D01}" destId="{30C4040E-3A67-4FAE-8B9A-AC72E751EC50}" srcOrd="0" destOrd="0" presId="urn:microsoft.com/office/officeart/2005/8/layout/hChevron3"/>
-    <dgm:cxn modelId="{51E8CDAD-7133-409B-930B-10CB675B00DB}" srcId="{6A8546E9-E9B2-4F2B-8A07-1A72163BC7E6}" destId="{B484E091-564B-442C-8073-4907955BE5A3}" srcOrd="2" destOrd="0" parTransId="{F70BC14C-0649-4B35-B73B-50878A685CCC}" sibTransId="{0EC4E443-3677-44F0-888A-BB58FECEB91D}"/>
-    <dgm:cxn modelId="{39E7B123-97CF-49A8-9EBE-758D1DD98C51}" type="presOf" srcId="{4881E3A9-31F4-46BA-B863-70B1C54FAC2D}" destId="{6A9781BF-7230-4DD5-9A8B-E4869886CC12}" srcOrd="0" destOrd="0" presId="urn:microsoft.com/office/officeart/2005/8/layout/hChevron3"/>
-    <dgm:cxn modelId="{9A3A066E-B911-43D1-8055-A4C864FF110E}" type="presOf" srcId="{6A8546E9-E9B2-4F2B-8A07-1A72163BC7E6}" destId="{E2E10B8C-B192-41A8-9C93-1563F212AF2D}" srcOrd="0" destOrd="0" presId="urn:microsoft.com/office/officeart/2005/8/layout/hChevron3"/>
-    <dgm:cxn modelId="{036A8DEF-FE30-41E2-B8D3-C5B4177F8FD4}" type="presOf" srcId="{4E86C8DD-C111-414B-8787-FCC4CF22BC51}" destId="{2FD73B5B-C67A-4CA2-AE6F-C449126E1582}" srcOrd="0" destOrd="0" presId="urn:microsoft.com/office/officeart/2005/8/layout/hChevron3"/>
-    <dgm:cxn modelId="{6173745F-3672-49CD-B7DE-38FFF0920964}" srcId="{6A8546E9-E9B2-4F2B-8A07-1A72163BC7E6}" destId="{4E86C8DD-C111-414B-8787-FCC4CF22BC51}" srcOrd="0" destOrd="0" parTransId="{A71C5E6B-D401-46B5-A9DC-B4D913B13607}" sibTransId="{CD6D0568-93C6-4A17-8AA2-FDBB171E9BC5}"/>
-    <dgm:cxn modelId="{EAF186D4-1D8E-48E3-B148-0172C6B1A181}" type="presOf" srcId="{B484E091-564B-442C-8073-4907955BE5A3}" destId="{E64072B9-64A8-4DF1-804A-B16CFFB1216B}" srcOrd="0" destOrd="0" presId="urn:microsoft.com/office/officeart/2005/8/layout/hChevron3"/>
     <dgm:cxn modelId="{27A4A95F-7E5F-4FCF-BA5D-62BC70D859A5}" type="presParOf" srcId="{E2E10B8C-B192-41A8-9C93-1563F212AF2D}" destId="{2FD73B5B-C67A-4CA2-AE6F-C449126E1582}" srcOrd="0" destOrd="0" presId="urn:microsoft.com/office/officeart/2005/8/layout/hChevron3"/>
     <dgm:cxn modelId="{514B2382-CDD7-4C86-A26E-CCE8EC6FA7F9}" type="presParOf" srcId="{E2E10B8C-B192-41A8-9C93-1563F212AF2D}" destId="{99FD6387-84D1-47CE-9AD5-0EAD321B3553}" srcOrd="1" destOrd="0" presId="urn:microsoft.com/office/officeart/2005/8/layout/hChevron3"/>
     <dgm:cxn modelId="{F1AEC77C-80B5-4CE6-99CF-72286727B1DD}" type="presParOf" srcId="{E2E10B8C-B192-41A8-9C93-1563F212AF2D}" destId="{41E8FBBF-A987-4DF4-B0D1-6484B49C5F63}" srcOrd="2" destOrd="0" presId="urn:microsoft.com/office/officeart/2005/8/layout/hChevron3"/>
@@ -11446,13 +10182,13 @@
   <dgm:whole/>
   <dgm:extLst>
     <a:ext uri="http://schemas.microsoft.com/office/drawing/2008/diagram">
-      <dsp:dataModelExt xmlns:dsp="http://schemas.microsoft.com/office/drawing/2008/diagram" xmlns="" relId="rId6" minVer="http://schemas.openxmlformats.org/drawingml/2006/diagram"/>
+      <dsp:dataModelExt xmlns:dsp="http://schemas.microsoft.com/office/drawing/2008/diagram" relId="rId6" minVer="http://schemas.openxmlformats.org/drawingml/2006/diagram"/>
     </a:ext>
   </dgm:extLst>
 </dgm:dataModel>
 </file>
 
-<file path=ppt/diagrams/data12.xml><?xml version="1.0" encoding="utf-8"?>
+<file path=ppt/diagrams/data11.xml><?xml version="1.0" encoding="utf-8"?>
 <dgm:dataModel xmlns:dgm="http://schemas.openxmlformats.org/drawingml/2006/diagram" xmlns:a="http://schemas.openxmlformats.org/drawingml/2006/main">
   <dgm:ptLst>
     <dgm:pt modelId="{6A8546E9-E9B2-4F2B-8A07-1A72163BC7E6}" type="doc">
@@ -11926,21 +10662,21 @@
     </dgm:pt>
   </dgm:ptLst>
   <dgm:cxnLst>
-    <dgm:cxn modelId="{9B530E44-7E24-4667-93B8-06B9B127F39D}" type="presOf" srcId="{FC3112A3-EEDF-40FD-9BED-6112639D5D01}" destId="{30C4040E-3A67-4FAE-8B9A-AC72E751EC50}" srcOrd="0" destOrd="0" presId="urn:microsoft.com/office/officeart/2005/8/layout/hChevron3"/>
+    <dgm:cxn modelId="{51E8CDAD-7133-409B-930B-10CB675B00DB}" srcId="{6A8546E9-E9B2-4F2B-8A07-1A72163BC7E6}" destId="{B484E091-564B-442C-8073-4907955BE5A3}" srcOrd="2" destOrd="0" parTransId="{F70BC14C-0649-4B35-B73B-50878A685CCC}" sibTransId="{0EC4E443-3677-44F0-888A-BB58FECEB91D}"/>
+    <dgm:cxn modelId="{668162C4-D7BA-4441-9A21-59F7667043E0}" srcId="{6A8546E9-E9B2-4F2B-8A07-1A72163BC7E6}" destId="{4D4D000D-974A-48CB-A566-4EBD4E8EDB25}" srcOrd="1" destOrd="0" parTransId="{8F9930B4-275D-4451-81BC-006ACBA4F2FB}" sibTransId="{EC5238F9-15D4-4FDB-A904-66845C8EF287}"/>
     <dgm:cxn modelId="{69DB88C4-AA14-468C-BC72-85FC28B9A2AF}" srcId="{6A8546E9-E9B2-4F2B-8A07-1A72163BC7E6}" destId="{2771C318-91EC-480A-874D-DCA64E759094}" srcOrd="3" destOrd="0" parTransId="{878EAAE6-21C2-4F81-BBB6-2273AEFB1FAF}" sibTransId="{A5A973E9-BA36-49FF-8C14-3D7C338FBFF3}"/>
-    <dgm:cxn modelId="{9D6786F2-2C57-4B9E-A5D8-746C36FC05BE}" srcId="{6A8546E9-E9B2-4F2B-8A07-1A72163BC7E6}" destId="{41B00F3F-378E-426C-9B19-05B0F41C67C7}" srcOrd="5" destOrd="0" parTransId="{C622839D-6FD8-40E6-AAC9-EDD8E101A37C}" sibTransId="{2671AA3C-CC31-4706-9B03-91D01DBEE6D5}"/>
-    <dgm:cxn modelId="{668162C4-D7BA-4441-9A21-59F7667043E0}" srcId="{6A8546E9-E9B2-4F2B-8A07-1A72163BC7E6}" destId="{4D4D000D-974A-48CB-A566-4EBD4E8EDB25}" srcOrd="1" destOrd="0" parTransId="{8F9930B4-275D-4451-81BC-006ACBA4F2FB}" sibTransId="{EC5238F9-15D4-4FDB-A904-66845C8EF287}"/>
-    <dgm:cxn modelId="{91C51433-FAA1-4627-8F6C-3A7B26DD6CC8}" type="presOf" srcId="{6A8546E9-E9B2-4F2B-8A07-1A72163BC7E6}" destId="{E2E10B8C-B192-41A8-9C93-1563F212AF2D}" srcOrd="0" destOrd="0" presId="urn:microsoft.com/office/officeart/2005/8/layout/hChevron3"/>
-    <dgm:cxn modelId="{7E1842DD-4CBE-4AB5-BDDB-1296568EC0F4}" srcId="{6A8546E9-E9B2-4F2B-8A07-1A72163BC7E6}" destId="{4881E3A9-31F4-46BA-B863-70B1C54FAC2D}" srcOrd="4" destOrd="0" parTransId="{9051010D-105C-42DA-BA84-3B8AB4A30E15}" sibTransId="{9DF80EA9-09B9-431A-8640-A670C5390623}"/>
+    <dgm:cxn modelId="{AC5D4B2F-C836-4B46-B23F-80D4767D3842}" type="presOf" srcId="{4E86C8DD-C111-414B-8787-FCC4CF22BC51}" destId="{2FD73B5B-C67A-4CA2-AE6F-C449126E1582}" srcOrd="0" destOrd="0" presId="urn:microsoft.com/office/officeart/2005/8/layout/hChevron3"/>
     <dgm:cxn modelId="{CB0BE069-FF04-4354-BA9E-F06694E79852}" srcId="{6A8546E9-E9B2-4F2B-8A07-1A72163BC7E6}" destId="{FC3112A3-EEDF-40FD-9BED-6112639D5D01}" srcOrd="6" destOrd="0" parTransId="{8BD5A70A-10CB-4EFA-91E5-F7A1A54877B1}" sibTransId="{34880B58-17EB-4A72-9340-5FC96A4518EC}"/>
-    <dgm:cxn modelId="{AC5D4B2F-C836-4B46-B23F-80D4767D3842}" type="presOf" srcId="{4E86C8DD-C111-414B-8787-FCC4CF22BC51}" destId="{2FD73B5B-C67A-4CA2-AE6F-C449126E1582}" srcOrd="0" destOrd="0" presId="urn:microsoft.com/office/officeart/2005/8/layout/hChevron3"/>
-    <dgm:cxn modelId="{3931AF02-9AF5-46D5-A816-346099ED1F87}" type="presOf" srcId="{B484E091-564B-442C-8073-4907955BE5A3}" destId="{E64072B9-64A8-4DF1-804A-B16CFFB1216B}" srcOrd="0" destOrd="0" presId="urn:microsoft.com/office/officeart/2005/8/layout/hChevron3"/>
     <dgm:cxn modelId="{62ACC4F8-9F00-4A96-9660-4E94B0405441}" type="presOf" srcId="{2771C318-91EC-480A-874D-DCA64E759094}" destId="{DB1159B9-80FD-430B-86E2-A75B606C2F1F}" srcOrd="0" destOrd="0" presId="urn:microsoft.com/office/officeart/2005/8/layout/hChevron3"/>
-    <dgm:cxn modelId="{47551D3F-7AEB-4C1D-B7BF-80BE9FD65F7D}" type="presOf" srcId="{4881E3A9-31F4-46BA-B863-70B1C54FAC2D}" destId="{6A9781BF-7230-4DD5-9A8B-E4869886CC12}" srcOrd="0" destOrd="0" presId="urn:microsoft.com/office/officeart/2005/8/layout/hChevron3"/>
-    <dgm:cxn modelId="{51E8CDAD-7133-409B-930B-10CB675B00DB}" srcId="{6A8546E9-E9B2-4F2B-8A07-1A72163BC7E6}" destId="{B484E091-564B-442C-8073-4907955BE5A3}" srcOrd="2" destOrd="0" parTransId="{F70BC14C-0649-4B35-B73B-50878A685CCC}" sibTransId="{0EC4E443-3677-44F0-888A-BB58FECEB91D}"/>
-    <dgm:cxn modelId="{A8888085-C984-404D-B637-A0E633967CA8}" type="presOf" srcId="{4D4D000D-974A-48CB-A566-4EBD4E8EDB25}" destId="{41E8FBBF-A987-4DF4-B0D1-6484B49C5F63}" srcOrd="0" destOrd="0" presId="urn:microsoft.com/office/officeart/2005/8/layout/hChevron3"/>
     <dgm:cxn modelId="{1288CECA-FF42-49E5-9812-2E605CFFB27F}" type="presOf" srcId="{41B00F3F-378E-426C-9B19-05B0F41C67C7}" destId="{864B40E2-5677-4629-A8CD-89A9B756124E}" srcOrd="0" destOrd="0" presId="urn:microsoft.com/office/officeart/2005/8/layout/hChevron3"/>
     <dgm:cxn modelId="{6173745F-3672-49CD-B7DE-38FFF0920964}" srcId="{6A8546E9-E9B2-4F2B-8A07-1A72163BC7E6}" destId="{4E86C8DD-C111-414B-8787-FCC4CF22BC51}" srcOrd="0" destOrd="0" parTransId="{A71C5E6B-D401-46B5-A9DC-B4D913B13607}" sibTransId="{CD6D0568-93C6-4A17-8AA2-FDBB171E9BC5}"/>
+    <dgm:cxn modelId="{A8888085-C984-404D-B637-A0E633967CA8}" type="presOf" srcId="{4D4D000D-974A-48CB-A566-4EBD4E8EDB25}" destId="{41E8FBBF-A987-4DF4-B0D1-6484B49C5F63}" srcOrd="0" destOrd="0" presId="urn:microsoft.com/office/officeart/2005/8/layout/hChevron3"/>
+    <dgm:cxn modelId="{91C51433-FAA1-4627-8F6C-3A7B26DD6CC8}" type="presOf" srcId="{6A8546E9-E9B2-4F2B-8A07-1A72163BC7E6}" destId="{E2E10B8C-B192-41A8-9C93-1563F212AF2D}" srcOrd="0" destOrd="0" presId="urn:microsoft.com/office/officeart/2005/8/layout/hChevron3"/>
+    <dgm:cxn modelId="{9D6786F2-2C57-4B9E-A5D8-746C36FC05BE}" srcId="{6A8546E9-E9B2-4F2B-8A07-1A72163BC7E6}" destId="{41B00F3F-378E-426C-9B19-05B0F41C67C7}" srcOrd="5" destOrd="0" parTransId="{C622839D-6FD8-40E6-AAC9-EDD8E101A37C}" sibTransId="{2671AA3C-CC31-4706-9B03-91D01DBEE6D5}"/>
+    <dgm:cxn modelId="{9B530E44-7E24-4667-93B8-06B9B127F39D}" type="presOf" srcId="{FC3112A3-EEDF-40FD-9BED-6112639D5D01}" destId="{30C4040E-3A67-4FAE-8B9A-AC72E751EC50}" srcOrd="0" destOrd="0" presId="urn:microsoft.com/office/officeart/2005/8/layout/hChevron3"/>
+    <dgm:cxn modelId="{47551D3F-7AEB-4C1D-B7BF-80BE9FD65F7D}" type="presOf" srcId="{4881E3A9-31F4-46BA-B863-70B1C54FAC2D}" destId="{6A9781BF-7230-4DD5-9A8B-E4869886CC12}" srcOrd="0" destOrd="0" presId="urn:microsoft.com/office/officeart/2005/8/layout/hChevron3"/>
+    <dgm:cxn modelId="{3931AF02-9AF5-46D5-A816-346099ED1F87}" type="presOf" srcId="{B484E091-564B-442C-8073-4907955BE5A3}" destId="{E64072B9-64A8-4DF1-804A-B16CFFB1216B}" srcOrd="0" destOrd="0" presId="urn:microsoft.com/office/officeart/2005/8/layout/hChevron3"/>
+    <dgm:cxn modelId="{7E1842DD-4CBE-4AB5-BDDB-1296568EC0F4}" srcId="{6A8546E9-E9B2-4F2B-8A07-1A72163BC7E6}" destId="{4881E3A9-31F4-46BA-B863-70B1C54FAC2D}" srcOrd="4" destOrd="0" parTransId="{9051010D-105C-42DA-BA84-3B8AB4A30E15}" sibTransId="{9DF80EA9-09B9-431A-8640-A670C5390623}"/>
     <dgm:cxn modelId="{112B33DF-F3D9-4394-9391-AA8BF395695F}" type="presParOf" srcId="{E2E10B8C-B192-41A8-9C93-1563F212AF2D}" destId="{2FD73B5B-C67A-4CA2-AE6F-C449126E1582}" srcOrd="0" destOrd="0" presId="urn:microsoft.com/office/officeart/2005/8/layout/hChevron3"/>
     <dgm:cxn modelId="{5A95CE98-3BD8-4717-9862-6416693FB2A3}" type="presParOf" srcId="{E2E10B8C-B192-41A8-9C93-1563F212AF2D}" destId="{99FD6387-84D1-47CE-9AD5-0EAD321B3553}" srcOrd="1" destOrd="0" presId="urn:microsoft.com/office/officeart/2005/8/layout/hChevron3"/>
     <dgm:cxn modelId="{A461A222-F2C8-44D4-A188-336711784499}" type="presParOf" srcId="{E2E10B8C-B192-41A8-9C93-1563F212AF2D}" destId="{41E8FBBF-A987-4DF4-B0D1-6484B49C5F63}" srcOrd="2" destOrd="0" presId="urn:microsoft.com/office/officeart/2005/8/layout/hChevron3"/>
@@ -11959,13 +10695,13 @@
   <dgm:whole/>
   <dgm:extLst>
     <a:ext uri="http://schemas.microsoft.com/office/drawing/2008/diagram">
-      <dsp:dataModelExt xmlns:dsp="http://schemas.microsoft.com/office/drawing/2008/diagram" xmlns="" relId="rId6" minVer="http://schemas.openxmlformats.org/drawingml/2006/diagram"/>
+      <dsp:dataModelExt xmlns:dsp="http://schemas.microsoft.com/office/drawing/2008/diagram" relId="rId6" minVer="http://schemas.openxmlformats.org/drawingml/2006/diagram"/>
     </a:ext>
   </dgm:extLst>
 </dgm:dataModel>
 </file>
 
-<file path=ppt/diagrams/data13.xml><?xml version="1.0" encoding="utf-8"?>
+<file path=ppt/diagrams/data12.xml><?xml version="1.0" encoding="utf-8"?>
 <dgm:dataModel xmlns:dgm="http://schemas.openxmlformats.org/drawingml/2006/diagram" xmlns:a="http://schemas.openxmlformats.org/drawingml/2006/main">
   <dgm:ptLst>
     <dgm:pt modelId="{6A8546E9-E9B2-4F2B-8A07-1A72163BC7E6}" type="doc">
@@ -12443,21 +11179,21 @@
     </dgm:pt>
   </dgm:ptLst>
   <dgm:cxnLst>
+    <dgm:cxn modelId="{51E8CDAD-7133-409B-930B-10CB675B00DB}" srcId="{6A8546E9-E9B2-4F2B-8A07-1A72163BC7E6}" destId="{B484E091-564B-442C-8073-4907955BE5A3}" srcOrd="2" destOrd="0" parTransId="{F70BC14C-0649-4B35-B73B-50878A685CCC}" sibTransId="{0EC4E443-3677-44F0-888A-BB58FECEB91D}"/>
+    <dgm:cxn modelId="{668162C4-D7BA-4441-9A21-59F7667043E0}" srcId="{6A8546E9-E9B2-4F2B-8A07-1A72163BC7E6}" destId="{4D4D000D-974A-48CB-A566-4EBD4E8EDB25}" srcOrd="1" destOrd="0" parTransId="{8F9930B4-275D-4451-81BC-006ACBA4F2FB}" sibTransId="{EC5238F9-15D4-4FDB-A904-66845C8EF287}"/>
+    <dgm:cxn modelId="{01774D77-9A6D-4862-BE85-DA2EDE710E58}" type="presOf" srcId="{4881E3A9-31F4-46BA-B863-70B1C54FAC2D}" destId="{6A9781BF-7230-4DD5-9A8B-E4869886CC12}" srcOrd="0" destOrd="0" presId="urn:microsoft.com/office/officeart/2005/8/layout/hChevron3"/>
+    <dgm:cxn modelId="{69DB88C4-AA14-468C-BC72-85FC28B9A2AF}" srcId="{6A8546E9-E9B2-4F2B-8A07-1A72163BC7E6}" destId="{2771C318-91EC-480A-874D-DCA64E759094}" srcOrd="3" destOrd="0" parTransId="{878EAAE6-21C2-4F81-BBB6-2273AEFB1FAF}" sibTransId="{A5A973E9-BA36-49FF-8C14-3D7C338FBFF3}"/>
     <dgm:cxn modelId="{877B8DE7-47EB-47F2-82B3-3C4A72057E66}" type="presOf" srcId="{FC3112A3-EEDF-40FD-9BED-6112639D5D01}" destId="{30C4040E-3A67-4FAE-8B9A-AC72E751EC50}" srcOrd="0" destOrd="0" presId="urn:microsoft.com/office/officeart/2005/8/layout/hChevron3"/>
-    <dgm:cxn modelId="{35C87F2F-A7EC-43F6-834F-EDE8CF6E0D41}" type="presOf" srcId="{6A8546E9-E9B2-4F2B-8A07-1A72163BC7E6}" destId="{E2E10B8C-B192-41A8-9C93-1563F212AF2D}" srcOrd="0" destOrd="0" presId="urn:microsoft.com/office/officeart/2005/8/layout/hChevron3"/>
-    <dgm:cxn modelId="{51E8CDAD-7133-409B-930B-10CB675B00DB}" srcId="{6A8546E9-E9B2-4F2B-8A07-1A72163BC7E6}" destId="{B484E091-564B-442C-8073-4907955BE5A3}" srcOrd="2" destOrd="0" parTransId="{F70BC14C-0649-4B35-B73B-50878A685CCC}" sibTransId="{0EC4E443-3677-44F0-888A-BB58FECEB91D}"/>
+    <dgm:cxn modelId="{07BD7917-4863-4E72-B476-0A2F307C0B9B}" type="presOf" srcId="{B484E091-564B-442C-8073-4907955BE5A3}" destId="{E64072B9-64A8-4DF1-804A-B16CFFB1216B}" srcOrd="0" destOrd="0" presId="urn:microsoft.com/office/officeart/2005/8/layout/hChevron3"/>
+    <dgm:cxn modelId="{CB0BE069-FF04-4354-BA9E-F06694E79852}" srcId="{6A8546E9-E9B2-4F2B-8A07-1A72163BC7E6}" destId="{FC3112A3-EEDF-40FD-9BED-6112639D5D01}" srcOrd="6" destOrd="0" parTransId="{8BD5A70A-10CB-4EFA-91E5-F7A1A54877B1}" sibTransId="{34880B58-17EB-4A72-9340-5FC96A4518EC}"/>
+    <dgm:cxn modelId="{6E9FD2CF-326D-4A2E-B8BA-AFF3F96FC3F0}" type="presOf" srcId="{41B00F3F-378E-426C-9B19-05B0F41C67C7}" destId="{864B40E2-5677-4629-A8CD-89A9B756124E}" srcOrd="0" destOrd="0" presId="urn:microsoft.com/office/officeart/2005/8/layout/hChevron3"/>
+    <dgm:cxn modelId="{A26994C9-24EC-46AF-85B7-5891DFFEDD9B}" type="presOf" srcId="{2771C318-91EC-480A-874D-DCA64E759094}" destId="{DB1159B9-80FD-430B-86E2-A75B606C2F1F}" srcOrd="0" destOrd="0" presId="urn:microsoft.com/office/officeart/2005/8/layout/hChevron3"/>
     <dgm:cxn modelId="{6173745F-3672-49CD-B7DE-38FFF0920964}" srcId="{6A8546E9-E9B2-4F2B-8A07-1A72163BC7E6}" destId="{4E86C8DD-C111-414B-8787-FCC4CF22BC51}" srcOrd="0" destOrd="0" parTransId="{A71C5E6B-D401-46B5-A9DC-B4D913B13607}" sibTransId="{CD6D0568-93C6-4A17-8AA2-FDBB171E9BC5}"/>
-    <dgm:cxn modelId="{69DB88C4-AA14-468C-BC72-85FC28B9A2AF}" srcId="{6A8546E9-E9B2-4F2B-8A07-1A72163BC7E6}" destId="{2771C318-91EC-480A-874D-DCA64E759094}" srcOrd="3" destOrd="0" parTransId="{878EAAE6-21C2-4F81-BBB6-2273AEFB1FAF}" sibTransId="{A5A973E9-BA36-49FF-8C14-3D7C338FBFF3}"/>
-    <dgm:cxn modelId="{A26994C9-24EC-46AF-85B7-5891DFFEDD9B}" type="presOf" srcId="{2771C318-91EC-480A-874D-DCA64E759094}" destId="{DB1159B9-80FD-430B-86E2-A75B606C2F1F}" srcOrd="0" destOrd="0" presId="urn:microsoft.com/office/officeart/2005/8/layout/hChevron3"/>
-    <dgm:cxn modelId="{CB0BE069-FF04-4354-BA9E-F06694E79852}" srcId="{6A8546E9-E9B2-4F2B-8A07-1A72163BC7E6}" destId="{FC3112A3-EEDF-40FD-9BED-6112639D5D01}" srcOrd="6" destOrd="0" parTransId="{8BD5A70A-10CB-4EFA-91E5-F7A1A54877B1}" sibTransId="{34880B58-17EB-4A72-9340-5FC96A4518EC}"/>
-    <dgm:cxn modelId="{668162C4-D7BA-4441-9A21-59F7667043E0}" srcId="{6A8546E9-E9B2-4F2B-8A07-1A72163BC7E6}" destId="{4D4D000D-974A-48CB-A566-4EBD4E8EDB25}" srcOrd="1" destOrd="0" parTransId="{8F9930B4-275D-4451-81BC-006ACBA4F2FB}" sibTransId="{EC5238F9-15D4-4FDB-A904-66845C8EF287}"/>
-    <dgm:cxn modelId="{7E1842DD-4CBE-4AB5-BDDB-1296568EC0F4}" srcId="{6A8546E9-E9B2-4F2B-8A07-1A72163BC7E6}" destId="{4881E3A9-31F4-46BA-B863-70B1C54FAC2D}" srcOrd="4" destOrd="0" parTransId="{9051010D-105C-42DA-BA84-3B8AB4A30E15}" sibTransId="{9DF80EA9-09B9-431A-8640-A670C5390623}"/>
     <dgm:cxn modelId="{6D0D4454-F092-452F-A7DE-4AC86D15687C}" type="presOf" srcId="{4E86C8DD-C111-414B-8787-FCC4CF22BC51}" destId="{2FD73B5B-C67A-4CA2-AE6F-C449126E1582}" srcOrd="0" destOrd="0" presId="urn:microsoft.com/office/officeart/2005/8/layout/hChevron3"/>
     <dgm:cxn modelId="{9D6786F2-2C57-4B9E-A5D8-746C36FC05BE}" srcId="{6A8546E9-E9B2-4F2B-8A07-1A72163BC7E6}" destId="{41B00F3F-378E-426C-9B19-05B0F41C67C7}" srcOrd="5" destOrd="0" parTransId="{C622839D-6FD8-40E6-AAC9-EDD8E101A37C}" sibTransId="{2671AA3C-CC31-4706-9B03-91D01DBEE6D5}"/>
+    <dgm:cxn modelId="{7E1842DD-4CBE-4AB5-BDDB-1296568EC0F4}" srcId="{6A8546E9-E9B2-4F2B-8A07-1A72163BC7E6}" destId="{4881E3A9-31F4-46BA-B863-70B1C54FAC2D}" srcOrd="4" destOrd="0" parTransId="{9051010D-105C-42DA-BA84-3B8AB4A30E15}" sibTransId="{9DF80EA9-09B9-431A-8640-A670C5390623}"/>
+    <dgm:cxn modelId="{35C87F2F-A7EC-43F6-834F-EDE8CF6E0D41}" type="presOf" srcId="{6A8546E9-E9B2-4F2B-8A07-1A72163BC7E6}" destId="{E2E10B8C-B192-41A8-9C93-1563F212AF2D}" srcOrd="0" destOrd="0" presId="urn:microsoft.com/office/officeart/2005/8/layout/hChevron3"/>
     <dgm:cxn modelId="{002FC622-32D8-4BE2-8335-A9B73B3E3B43}" type="presOf" srcId="{4D4D000D-974A-48CB-A566-4EBD4E8EDB25}" destId="{41E8FBBF-A987-4DF4-B0D1-6484B49C5F63}" srcOrd="0" destOrd="0" presId="urn:microsoft.com/office/officeart/2005/8/layout/hChevron3"/>
-    <dgm:cxn modelId="{6E9FD2CF-326D-4A2E-B8BA-AFF3F96FC3F0}" type="presOf" srcId="{41B00F3F-378E-426C-9B19-05B0F41C67C7}" destId="{864B40E2-5677-4629-A8CD-89A9B756124E}" srcOrd="0" destOrd="0" presId="urn:microsoft.com/office/officeart/2005/8/layout/hChevron3"/>
-    <dgm:cxn modelId="{01774D77-9A6D-4862-BE85-DA2EDE710E58}" type="presOf" srcId="{4881E3A9-31F4-46BA-B863-70B1C54FAC2D}" destId="{6A9781BF-7230-4DD5-9A8B-E4869886CC12}" srcOrd="0" destOrd="0" presId="urn:microsoft.com/office/officeart/2005/8/layout/hChevron3"/>
-    <dgm:cxn modelId="{07BD7917-4863-4E72-B476-0A2F307C0B9B}" type="presOf" srcId="{B484E091-564B-442C-8073-4907955BE5A3}" destId="{E64072B9-64A8-4DF1-804A-B16CFFB1216B}" srcOrd="0" destOrd="0" presId="urn:microsoft.com/office/officeart/2005/8/layout/hChevron3"/>
     <dgm:cxn modelId="{B05D713E-7633-48EE-9B90-FB72E882049B}" type="presParOf" srcId="{E2E10B8C-B192-41A8-9C93-1563F212AF2D}" destId="{2FD73B5B-C67A-4CA2-AE6F-C449126E1582}" srcOrd="0" destOrd="0" presId="urn:microsoft.com/office/officeart/2005/8/layout/hChevron3"/>
     <dgm:cxn modelId="{A2858734-404F-40E0-8A16-D7DF547BB6E4}" type="presParOf" srcId="{E2E10B8C-B192-41A8-9C93-1563F212AF2D}" destId="{99FD6387-84D1-47CE-9AD5-0EAD321B3553}" srcOrd="1" destOrd="0" presId="urn:microsoft.com/office/officeart/2005/8/layout/hChevron3"/>
     <dgm:cxn modelId="{350D1C8F-66B8-4094-8ECA-2F5AEEE03632}" type="presParOf" srcId="{E2E10B8C-B192-41A8-9C93-1563F212AF2D}" destId="{41E8FBBF-A987-4DF4-B0D1-6484B49C5F63}" srcOrd="2" destOrd="0" presId="urn:microsoft.com/office/officeart/2005/8/layout/hChevron3"/>
@@ -12476,7 +11212,7 @@
   <dgm:whole/>
   <dgm:extLst>
     <a:ext uri="http://schemas.microsoft.com/office/drawing/2008/diagram">
-      <dsp:dataModelExt xmlns:dsp="http://schemas.microsoft.com/office/drawing/2008/diagram" xmlns="" relId="rId6" minVer="http://schemas.openxmlformats.org/drawingml/2006/diagram"/>
+      <dsp:dataModelExt xmlns:dsp="http://schemas.microsoft.com/office/drawing/2008/diagram" relId="rId6" minVer="http://schemas.openxmlformats.org/drawingml/2006/diagram"/>
     </a:ext>
   </dgm:extLst>
 </dgm:dataModel>
@@ -12964,21 +11700,21 @@
     </dgm:pt>
   </dgm:ptLst>
   <dgm:cxnLst>
+    <dgm:cxn modelId="{51E8CDAD-7133-409B-930B-10CB675B00DB}" srcId="{6A8546E9-E9B2-4F2B-8A07-1A72163BC7E6}" destId="{B484E091-564B-442C-8073-4907955BE5A3}" srcOrd="2" destOrd="0" parTransId="{F70BC14C-0649-4B35-B73B-50878A685CCC}" sibTransId="{0EC4E443-3677-44F0-888A-BB58FECEB91D}"/>
+    <dgm:cxn modelId="{668162C4-D7BA-4441-9A21-59F7667043E0}" srcId="{6A8546E9-E9B2-4F2B-8A07-1A72163BC7E6}" destId="{4D4D000D-974A-48CB-A566-4EBD4E8EDB25}" srcOrd="1" destOrd="0" parTransId="{8F9930B4-275D-4451-81BC-006ACBA4F2FB}" sibTransId="{EC5238F9-15D4-4FDB-A904-66845C8EF287}"/>
+    <dgm:cxn modelId="{D1DFF772-FB11-477D-A8FE-0516F3238EE9}" type="presOf" srcId="{FC3112A3-EEDF-40FD-9BED-6112639D5D01}" destId="{30C4040E-3A67-4FAE-8B9A-AC72E751EC50}" srcOrd="0" destOrd="0" presId="urn:microsoft.com/office/officeart/2005/8/layout/hChevron3"/>
     <dgm:cxn modelId="{69DB88C4-AA14-468C-BC72-85FC28B9A2AF}" srcId="{6A8546E9-E9B2-4F2B-8A07-1A72163BC7E6}" destId="{2771C318-91EC-480A-874D-DCA64E759094}" srcOrd="3" destOrd="0" parTransId="{878EAAE6-21C2-4F81-BBB6-2273AEFB1FAF}" sibTransId="{A5A973E9-BA36-49FF-8C14-3D7C338FBFF3}"/>
+    <dgm:cxn modelId="{992FC43A-43E6-4DB5-97D0-A260E5A6F0D6}" type="presOf" srcId="{6A8546E9-E9B2-4F2B-8A07-1A72163BC7E6}" destId="{E2E10B8C-B192-41A8-9C93-1563F212AF2D}" srcOrd="0" destOrd="0" presId="urn:microsoft.com/office/officeart/2005/8/layout/hChevron3"/>
+    <dgm:cxn modelId="{A07C4573-8F2A-423B-86A7-3141B3162615}" type="presOf" srcId="{4E86C8DD-C111-414B-8787-FCC4CF22BC51}" destId="{2FD73B5B-C67A-4CA2-AE6F-C449126E1582}" srcOrd="0" destOrd="0" presId="urn:microsoft.com/office/officeart/2005/8/layout/hChevron3"/>
+    <dgm:cxn modelId="{29348DF2-B8A2-4E70-A35B-009B025EA368}" type="presOf" srcId="{B484E091-564B-442C-8073-4907955BE5A3}" destId="{E64072B9-64A8-4DF1-804A-B16CFFB1216B}" srcOrd="0" destOrd="0" presId="urn:microsoft.com/office/officeart/2005/8/layout/hChevron3"/>
+    <dgm:cxn modelId="{CB0BE069-FF04-4354-BA9E-F06694E79852}" srcId="{6A8546E9-E9B2-4F2B-8A07-1A72163BC7E6}" destId="{FC3112A3-EEDF-40FD-9BED-6112639D5D01}" srcOrd="6" destOrd="0" parTransId="{8BD5A70A-10CB-4EFA-91E5-F7A1A54877B1}" sibTransId="{34880B58-17EB-4A72-9340-5FC96A4518EC}"/>
+    <dgm:cxn modelId="{6173745F-3672-49CD-B7DE-38FFF0920964}" srcId="{6A8546E9-E9B2-4F2B-8A07-1A72163BC7E6}" destId="{4E86C8DD-C111-414B-8787-FCC4CF22BC51}" srcOrd="0" destOrd="0" parTransId="{A71C5E6B-D401-46B5-A9DC-B4D913B13607}" sibTransId="{CD6D0568-93C6-4A17-8AA2-FDBB171E9BC5}"/>
+    <dgm:cxn modelId="{8FF8F30D-AB5C-4309-8EC7-5FEEAB2F2ADE}" type="presOf" srcId="{41B00F3F-378E-426C-9B19-05B0F41C67C7}" destId="{864B40E2-5677-4629-A8CD-89A9B756124E}" srcOrd="0" destOrd="0" presId="urn:microsoft.com/office/officeart/2005/8/layout/hChevron3"/>
     <dgm:cxn modelId="{9D6786F2-2C57-4B9E-A5D8-746C36FC05BE}" srcId="{6A8546E9-E9B2-4F2B-8A07-1A72163BC7E6}" destId="{41B00F3F-378E-426C-9B19-05B0F41C67C7}" srcOrd="5" destOrd="0" parTransId="{C622839D-6FD8-40E6-AAC9-EDD8E101A37C}" sibTransId="{2671AA3C-CC31-4706-9B03-91D01DBEE6D5}"/>
+    <dgm:cxn modelId="{738A9561-E4DC-423F-8852-DF456087EF3F}" type="presOf" srcId="{4D4D000D-974A-48CB-A566-4EBD4E8EDB25}" destId="{41E8FBBF-A987-4DF4-B0D1-6484B49C5F63}" srcOrd="0" destOrd="0" presId="urn:microsoft.com/office/officeart/2005/8/layout/hChevron3"/>
     <dgm:cxn modelId="{F9F3474F-3D5A-4FFF-9F4D-A3A7D84DE1E4}" type="presOf" srcId="{2771C318-91EC-480A-874D-DCA64E759094}" destId="{DB1159B9-80FD-430B-86E2-A75B606C2F1F}" srcOrd="0" destOrd="0" presId="urn:microsoft.com/office/officeart/2005/8/layout/hChevron3"/>
-    <dgm:cxn modelId="{29348DF2-B8A2-4E70-A35B-009B025EA368}" type="presOf" srcId="{B484E091-564B-442C-8073-4907955BE5A3}" destId="{E64072B9-64A8-4DF1-804A-B16CFFB1216B}" srcOrd="0" destOrd="0" presId="urn:microsoft.com/office/officeart/2005/8/layout/hChevron3"/>
+    <dgm:cxn modelId="{7E1842DD-4CBE-4AB5-BDDB-1296568EC0F4}" srcId="{6A8546E9-E9B2-4F2B-8A07-1A72163BC7E6}" destId="{4881E3A9-31F4-46BA-B863-70B1C54FAC2D}" srcOrd="4" destOrd="0" parTransId="{9051010D-105C-42DA-BA84-3B8AB4A30E15}" sibTransId="{9DF80EA9-09B9-431A-8640-A670C5390623}"/>
     <dgm:cxn modelId="{6325807C-0754-46C2-A3FA-5667007CADB9}" type="presOf" srcId="{4881E3A9-31F4-46BA-B863-70B1C54FAC2D}" destId="{6A9781BF-7230-4DD5-9A8B-E4869886CC12}" srcOrd="0" destOrd="0" presId="urn:microsoft.com/office/officeart/2005/8/layout/hChevron3"/>
-    <dgm:cxn modelId="{668162C4-D7BA-4441-9A21-59F7667043E0}" srcId="{6A8546E9-E9B2-4F2B-8A07-1A72163BC7E6}" destId="{4D4D000D-974A-48CB-A566-4EBD4E8EDB25}" srcOrd="1" destOrd="0" parTransId="{8F9930B4-275D-4451-81BC-006ACBA4F2FB}" sibTransId="{EC5238F9-15D4-4FDB-A904-66845C8EF287}"/>
-    <dgm:cxn modelId="{738A9561-E4DC-423F-8852-DF456087EF3F}" type="presOf" srcId="{4D4D000D-974A-48CB-A566-4EBD4E8EDB25}" destId="{41E8FBBF-A987-4DF4-B0D1-6484B49C5F63}" srcOrd="0" destOrd="0" presId="urn:microsoft.com/office/officeart/2005/8/layout/hChevron3"/>
-    <dgm:cxn modelId="{7E1842DD-4CBE-4AB5-BDDB-1296568EC0F4}" srcId="{6A8546E9-E9B2-4F2B-8A07-1A72163BC7E6}" destId="{4881E3A9-31F4-46BA-B863-70B1C54FAC2D}" srcOrd="4" destOrd="0" parTransId="{9051010D-105C-42DA-BA84-3B8AB4A30E15}" sibTransId="{9DF80EA9-09B9-431A-8640-A670C5390623}"/>
-    <dgm:cxn modelId="{CB0BE069-FF04-4354-BA9E-F06694E79852}" srcId="{6A8546E9-E9B2-4F2B-8A07-1A72163BC7E6}" destId="{FC3112A3-EEDF-40FD-9BED-6112639D5D01}" srcOrd="6" destOrd="0" parTransId="{8BD5A70A-10CB-4EFA-91E5-F7A1A54877B1}" sibTransId="{34880B58-17EB-4A72-9340-5FC96A4518EC}"/>
-    <dgm:cxn modelId="{8FF8F30D-AB5C-4309-8EC7-5FEEAB2F2ADE}" type="presOf" srcId="{41B00F3F-378E-426C-9B19-05B0F41C67C7}" destId="{864B40E2-5677-4629-A8CD-89A9B756124E}" srcOrd="0" destOrd="0" presId="urn:microsoft.com/office/officeart/2005/8/layout/hChevron3"/>
-    <dgm:cxn modelId="{D1DFF772-FB11-477D-A8FE-0516F3238EE9}" type="presOf" srcId="{FC3112A3-EEDF-40FD-9BED-6112639D5D01}" destId="{30C4040E-3A67-4FAE-8B9A-AC72E751EC50}" srcOrd="0" destOrd="0" presId="urn:microsoft.com/office/officeart/2005/8/layout/hChevron3"/>
-    <dgm:cxn modelId="{A07C4573-8F2A-423B-86A7-3141B3162615}" type="presOf" srcId="{4E86C8DD-C111-414B-8787-FCC4CF22BC51}" destId="{2FD73B5B-C67A-4CA2-AE6F-C449126E1582}" srcOrd="0" destOrd="0" presId="urn:microsoft.com/office/officeart/2005/8/layout/hChevron3"/>
-    <dgm:cxn modelId="{992FC43A-43E6-4DB5-97D0-A260E5A6F0D6}" type="presOf" srcId="{6A8546E9-E9B2-4F2B-8A07-1A72163BC7E6}" destId="{E2E10B8C-B192-41A8-9C93-1563F212AF2D}" srcOrd="0" destOrd="0" presId="urn:microsoft.com/office/officeart/2005/8/layout/hChevron3"/>
-    <dgm:cxn modelId="{51E8CDAD-7133-409B-930B-10CB675B00DB}" srcId="{6A8546E9-E9B2-4F2B-8A07-1A72163BC7E6}" destId="{B484E091-564B-442C-8073-4907955BE5A3}" srcOrd="2" destOrd="0" parTransId="{F70BC14C-0649-4B35-B73B-50878A685CCC}" sibTransId="{0EC4E443-3677-44F0-888A-BB58FECEB91D}"/>
-    <dgm:cxn modelId="{6173745F-3672-49CD-B7DE-38FFF0920964}" srcId="{6A8546E9-E9B2-4F2B-8A07-1A72163BC7E6}" destId="{4E86C8DD-C111-414B-8787-FCC4CF22BC51}" srcOrd="0" destOrd="0" parTransId="{A71C5E6B-D401-46B5-A9DC-B4D913B13607}" sibTransId="{CD6D0568-93C6-4A17-8AA2-FDBB171E9BC5}"/>
     <dgm:cxn modelId="{DCA358D4-DFD7-440A-B90C-BE559A076D45}" type="presParOf" srcId="{E2E10B8C-B192-41A8-9C93-1563F212AF2D}" destId="{2FD73B5B-C67A-4CA2-AE6F-C449126E1582}" srcOrd="0" destOrd="0" presId="urn:microsoft.com/office/officeart/2005/8/layout/hChevron3"/>
     <dgm:cxn modelId="{A71F86F9-A887-4BE3-A32C-72C3229F4C9F}" type="presParOf" srcId="{E2E10B8C-B192-41A8-9C93-1563F212AF2D}" destId="{99FD6387-84D1-47CE-9AD5-0EAD321B3553}" srcOrd="1" destOrd="0" presId="urn:microsoft.com/office/officeart/2005/8/layout/hChevron3"/>
     <dgm:cxn modelId="{7A4B5BD2-6C9E-49A8-A250-6D3D8BFC2F51}" type="presParOf" srcId="{E2E10B8C-B192-41A8-9C93-1563F212AF2D}" destId="{41E8FBBF-A987-4DF4-B0D1-6484B49C5F63}" srcOrd="2" destOrd="0" presId="urn:microsoft.com/office/officeart/2005/8/layout/hChevron3"/>
@@ -12997,7 +11733,7 @@
   <dgm:whole/>
   <dgm:extLst>
     <a:ext uri="http://schemas.microsoft.com/office/drawing/2008/diagram">
-      <dsp:dataModelExt xmlns:dsp="http://schemas.microsoft.com/office/drawing/2008/diagram" xmlns="" relId="rId9" minVer="http://schemas.openxmlformats.org/drawingml/2006/diagram"/>
+      <dsp:dataModelExt xmlns:dsp="http://schemas.microsoft.com/office/drawing/2008/diagram" relId="rId9" minVer="http://schemas.openxmlformats.org/drawingml/2006/diagram"/>
     </a:ext>
   </dgm:extLst>
 </dgm:dataModel>
@@ -13485,21 +12221,21 @@
     </dgm:pt>
   </dgm:ptLst>
   <dgm:cxnLst>
+    <dgm:cxn modelId="{51E8CDAD-7133-409B-930B-10CB675B00DB}" srcId="{6A8546E9-E9B2-4F2B-8A07-1A72163BC7E6}" destId="{B484E091-564B-442C-8073-4907955BE5A3}" srcOrd="2" destOrd="0" parTransId="{F70BC14C-0649-4B35-B73B-50878A685CCC}" sibTransId="{0EC4E443-3677-44F0-888A-BB58FECEB91D}"/>
+    <dgm:cxn modelId="{668162C4-D7BA-4441-9A21-59F7667043E0}" srcId="{6A8546E9-E9B2-4F2B-8A07-1A72163BC7E6}" destId="{4D4D000D-974A-48CB-A566-4EBD4E8EDB25}" srcOrd="1" destOrd="0" parTransId="{8F9930B4-275D-4451-81BC-006ACBA4F2FB}" sibTransId="{EC5238F9-15D4-4FDB-A904-66845C8EF287}"/>
+    <dgm:cxn modelId="{69DB88C4-AA14-468C-BC72-85FC28B9A2AF}" srcId="{6A8546E9-E9B2-4F2B-8A07-1A72163BC7E6}" destId="{2771C318-91EC-480A-874D-DCA64E759094}" srcOrd="3" destOrd="0" parTransId="{878EAAE6-21C2-4F81-BBB6-2273AEFB1FAF}" sibTransId="{A5A973E9-BA36-49FF-8C14-3D7C338FBFF3}"/>
+    <dgm:cxn modelId="{CB0BE069-FF04-4354-BA9E-F06694E79852}" srcId="{6A8546E9-E9B2-4F2B-8A07-1A72163BC7E6}" destId="{FC3112A3-EEDF-40FD-9BED-6112639D5D01}" srcOrd="6" destOrd="0" parTransId="{8BD5A70A-10CB-4EFA-91E5-F7A1A54877B1}" sibTransId="{34880B58-17EB-4A72-9340-5FC96A4518EC}"/>
+    <dgm:cxn modelId="{F436E719-62F9-430A-B00F-B71B33D880C6}" type="presOf" srcId="{4D4D000D-974A-48CB-A566-4EBD4E8EDB25}" destId="{41E8FBBF-A987-4DF4-B0D1-6484B49C5F63}" srcOrd="0" destOrd="0" presId="urn:microsoft.com/office/officeart/2005/8/layout/hChevron3"/>
+    <dgm:cxn modelId="{6173745F-3672-49CD-B7DE-38FFF0920964}" srcId="{6A8546E9-E9B2-4F2B-8A07-1A72163BC7E6}" destId="{4E86C8DD-C111-414B-8787-FCC4CF22BC51}" srcOrd="0" destOrd="0" parTransId="{A71C5E6B-D401-46B5-A9DC-B4D913B13607}" sibTransId="{CD6D0568-93C6-4A17-8AA2-FDBB171E9BC5}"/>
+    <dgm:cxn modelId="{368A00CD-CA6C-4274-AC89-95B08D6017FB}" type="presOf" srcId="{41B00F3F-378E-426C-9B19-05B0F41C67C7}" destId="{864B40E2-5677-4629-A8CD-89A9B756124E}" srcOrd="0" destOrd="0" presId="urn:microsoft.com/office/officeart/2005/8/layout/hChevron3"/>
+    <dgm:cxn modelId="{467FF9C0-366E-4715-AA1D-9C03D6E8BC83}" type="presOf" srcId="{6A8546E9-E9B2-4F2B-8A07-1A72163BC7E6}" destId="{E2E10B8C-B192-41A8-9C93-1563F212AF2D}" srcOrd="0" destOrd="0" presId="urn:microsoft.com/office/officeart/2005/8/layout/hChevron3"/>
     <dgm:cxn modelId="{7FA4389D-2806-4C47-B089-CC11A58A2B45}" type="presOf" srcId="{FC3112A3-EEDF-40FD-9BED-6112639D5D01}" destId="{30C4040E-3A67-4FAE-8B9A-AC72E751EC50}" srcOrd="0" destOrd="0" presId="urn:microsoft.com/office/officeart/2005/8/layout/hChevron3"/>
-    <dgm:cxn modelId="{69DB88C4-AA14-468C-BC72-85FC28B9A2AF}" srcId="{6A8546E9-E9B2-4F2B-8A07-1A72163BC7E6}" destId="{2771C318-91EC-480A-874D-DCA64E759094}" srcOrd="3" destOrd="0" parTransId="{878EAAE6-21C2-4F81-BBB6-2273AEFB1FAF}" sibTransId="{A5A973E9-BA36-49FF-8C14-3D7C338FBFF3}"/>
+    <dgm:cxn modelId="{AAAE6D0B-C816-4D58-A0BD-330ED9CCA6DF}" type="presOf" srcId="{2771C318-91EC-480A-874D-DCA64E759094}" destId="{DB1159B9-80FD-430B-86E2-A75B606C2F1F}" srcOrd="0" destOrd="0" presId="urn:microsoft.com/office/officeart/2005/8/layout/hChevron3"/>
     <dgm:cxn modelId="{9D6786F2-2C57-4B9E-A5D8-746C36FC05BE}" srcId="{6A8546E9-E9B2-4F2B-8A07-1A72163BC7E6}" destId="{41B00F3F-378E-426C-9B19-05B0F41C67C7}" srcOrd="5" destOrd="0" parTransId="{C622839D-6FD8-40E6-AAC9-EDD8E101A37C}" sibTransId="{2671AA3C-CC31-4706-9B03-91D01DBEE6D5}"/>
-    <dgm:cxn modelId="{668162C4-D7BA-4441-9A21-59F7667043E0}" srcId="{6A8546E9-E9B2-4F2B-8A07-1A72163BC7E6}" destId="{4D4D000D-974A-48CB-A566-4EBD4E8EDB25}" srcOrd="1" destOrd="0" parTransId="{8F9930B4-275D-4451-81BC-006ACBA4F2FB}" sibTransId="{EC5238F9-15D4-4FDB-A904-66845C8EF287}"/>
     <dgm:cxn modelId="{7E1842DD-4CBE-4AB5-BDDB-1296568EC0F4}" srcId="{6A8546E9-E9B2-4F2B-8A07-1A72163BC7E6}" destId="{4881E3A9-31F4-46BA-B863-70B1C54FAC2D}" srcOrd="4" destOrd="0" parTransId="{9051010D-105C-42DA-BA84-3B8AB4A30E15}" sibTransId="{9DF80EA9-09B9-431A-8640-A670C5390623}"/>
-    <dgm:cxn modelId="{CB0BE069-FF04-4354-BA9E-F06694E79852}" srcId="{6A8546E9-E9B2-4F2B-8A07-1A72163BC7E6}" destId="{FC3112A3-EEDF-40FD-9BED-6112639D5D01}" srcOrd="6" destOrd="0" parTransId="{8BD5A70A-10CB-4EFA-91E5-F7A1A54877B1}" sibTransId="{34880B58-17EB-4A72-9340-5FC96A4518EC}"/>
-    <dgm:cxn modelId="{467FF9C0-366E-4715-AA1D-9C03D6E8BC83}" type="presOf" srcId="{6A8546E9-E9B2-4F2B-8A07-1A72163BC7E6}" destId="{E2E10B8C-B192-41A8-9C93-1563F212AF2D}" srcOrd="0" destOrd="0" presId="urn:microsoft.com/office/officeart/2005/8/layout/hChevron3"/>
-    <dgm:cxn modelId="{AAAE6D0B-C816-4D58-A0BD-330ED9CCA6DF}" type="presOf" srcId="{2771C318-91EC-480A-874D-DCA64E759094}" destId="{DB1159B9-80FD-430B-86E2-A75B606C2F1F}" srcOrd="0" destOrd="0" presId="urn:microsoft.com/office/officeart/2005/8/layout/hChevron3"/>
-    <dgm:cxn modelId="{368A00CD-CA6C-4274-AC89-95B08D6017FB}" type="presOf" srcId="{41B00F3F-378E-426C-9B19-05B0F41C67C7}" destId="{864B40E2-5677-4629-A8CD-89A9B756124E}" srcOrd="0" destOrd="0" presId="urn:microsoft.com/office/officeart/2005/8/layout/hChevron3"/>
-    <dgm:cxn modelId="{51E8CDAD-7133-409B-930B-10CB675B00DB}" srcId="{6A8546E9-E9B2-4F2B-8A07-1A72163BC7E6}" destId="{B484E091-564B-442C-8073-4907955BE5A3}" srcOrd="2" destOrd="0" parTransId="{F70BC14C-0649-4B35-B73B-50878A685CCC}" sibTransId="{0EC4E443-3677-44F0-888A-BB58FECEB91D}"/>
+    <dgm:cxn modelId="{584FEA21-327A-4D52-86D7-0E2738F81FF2}" type="presOf" srcId="{4881E3A9-31F4-46BA-B863-70B1C54FAC2D}" destId="{6A9781BF-7230-4DD5-9A8B-E4869886CC12}" srcOrd="0" destOrd="0" presId="urn:microsoft.com/office/officeart/2005/8/layout/hChevron3"/>
+    <dgm:cxn modelId="{90D66717-1D9E-4E23-9BDE-0B9291E502A1}" type="presOf" srcId="{B484E091-564B-442C-8073-4907955BE5A3}" destId="{E64072B9-64A8-4DF1-804A-B16CFFB1216B}" srcOrd="0" destOrd="0" presId="urn:microsoft.com/office/officeart/2005/8/layout/hChevron3"/>
     <dgm:cxn modelId="{AFD92F97-B190-4E06-89C6-A2C3B2470E59}" type="presOf" srcId="{4E86C8DD-C111-414B-8787-FCC4CF22BC51}" destId="{2FD73B5B-C67A-4CA2-AE6F-C449126E1582}" srcOrd="0" destOrd="0" presId="urn:microsoft.com/office/officeart/2005/8/layout/hChevron3"/>
-    <dgm:cxn modelId="{90D66717-1D9E-4E23-9BDE-0B9291E502A1}" type="presOf" srcId="{B484E091-564B-442C-8073-4907955BE5A3}" destId="{E64072B9-64A8-4DF1-804A-B16CFFB1216B}" srcOrd="0" destOrd="0" presId="urn:microsoft.com/office/officeart/2005/8/layout/hChevron3"/>
-    <dgm:cxn modelId="{F436E719-62F9-430A-B00F-B71B33D880C6}" type="presOf" srcId="{4D4D000D-974A-48CB-A566-4EBD4E8EDB25}" destId="{41E8FBBF-A987-4DF4-B0D1-6484B49C5F63}" srcOrd="0" destOrd="0" presId="urn:microsoft.com/office/officeart/2005/8/layout/hChevron3"/>
-    <dgm:cxn modelId="{584FEA21-327A-4D52-86D7-0E2738F81FF2}" type="presOf" srcId="{4881E3A9-31F4-46BA-B863-70B1C54FAC2D}" destId="{6A9781BF-7230-4DD5-9A8B-E4869886CC12}" srcOrd="0" destOrd="0" presId="urn:microsoft.com/office/officeart/2005/8/layout/hChevron3"/>
-    <dgm:cxn modelId="{6173745F-3672-49CD-B7DE-38FFF0920964}" srcId="{6A8546E9-E9B2-4F2B-8A07-1A72163BC7E6}" destId="{4E86C8DD-C111-414B-8787-FCC4CF22BC51}" srcOrd="0" destOrd="0" parTransId="{A71C5E6B-D401-46B5-A9DC-B4D913B13607}" sibTransId="{CD6D0568-93C6-4A17-8AA2-FDBB171E9BC5}"/>
     <dgm:cxn modelId="{50CB5587-7205-4697-9079-BC845C66D64F}" type="presParOf" srcId="{E2E10B8C-B192-41A8-9C93-1563F212AF2D}" destId="{2FD73B5B-C67A-4CA2-AE6F-C449126E1582}" srcOrd="0" destOrd="0" presId="urn:microsoft.com/office/officeart/2005/8/layout/hChevron3"/>
     <dgm:cxn modelId="{439DFAE3-B55D-4412-BDB2-E23ABC6E974A}" type="presParOf" srcId="{E2E10B8C-B192-41A8-9C93-1563F212AF2D}" destId="{99FD6387-84D1-47CE-9AD5-0EAD321B3553}" srcOrd="1" destOrd="0" presId="urn:microsoft.com/office/officeart/2005/8/layout/hChevron3"/>
     <dgm:cxn modelId="{6AE2E314-B855-4D7D-BE87-99A7ABB5B5C1}" type="presParOf" srcId="{E2E10B8C-B192-41A8-9C93-1563F212AF2D}" destId="{41E8FBBF-A987-4DF4-B0D1-6484B49C5F63}" srcOrd="2" destOrd="0" presId="urn:microsoft.com/office/officeart/2005/8/layout/hChevron3"/>
@@ -13518,7 +12254,7 @@
   <dgm:whole/>
   <dgm:extLst>
     <a:ext uri="http://schemas.microsoft.com/office/drawing/2008/diagram">
-      <dsp:dataModelExt xmlns:dsp="http://schemas.microsoft.com/office/drawing/2008/diagram" xmlns="" relId="rId9" minVer="http://schemas.openxmlformats.org/drawingml/2006/diagram"/>
+      <dsp:dataModelExt xmlns:dsp="http://schemas.microsoft.com/office/drawing/2008/diagram" relId="rId9" minVer="http://schemas.openxmlformats.org/drawingml/2006/diagram"/>
     </a:ext>
   </dgm:extLst>
 </dgm:dataModel>
@@ -14006,21 +12742,21 @@
     </dgm:pt>
   </dgm:ptLst>
   <dgm:cxnLst>
-    <dgm:cxn modelId="{BD22BB6F-A6E8-4E75-BF4F-448429DF3143}" type="presOf" srcId="{FC3112A3-EEDF-40FD-9BED-6112639D5D01}" destId="{30C4040E-3A67-4FAE-8B9A-AC72E751EC50}" srcOrd="0" destOrd="0" presId="urn:microsoft.com/office/officeart/2005/8/layout/hChevron3"/>
+    <dgm:cxn modelId="{51E8CDAD-7133-409B-930B-10CB675B00DB}" srcId="{6A8546E9-E9B2-4F2B-8A07-1A72163BC7E6}" destId="{B484E091-564B-442C-8073-4907955BE5A3}" srcOrd="2" destOrd="0" parTransId="{F70BC14C-0649-4B35-B73B-50878A685CCC}" sibTransId="{0EC4E443-3677-44F0-888A-BB58FECEB91D}"/>
+    <dgm:cxn modelId="{668162C4-D7BA-4441-9A21-59F7667043E0}" srcId="{6A8546E9-E9B2-4F2B-8A07-1A72163BC7E6}" destId="{4D4D000D-974A-48CB-A566-4EBD4E8EDB25}" srcOrd="1" destOrd="0" parTransId="{8F9930B4-275D-4451-81BC-006ACBA4F2FB}" sibTransId="{EC5238F9-15D4-4FDB-A904-66845C8EF287}"/>
+    <dgm:cxn modelId="{79C6A421-00B6-44C7-B3A4-A9E38797A356}" type="presOf" srcId="{2771C318-91EC-480A-874D-DCA64E759094}" destId="{DB1159B9-80FD-430B-86E2-A75B606C2F1F}" srcOrd="0" destOrd="0" presId="urn:microsoft.com/office/officeart/2005/8/layout/hChevron3"/>
     <dgm:cxn modelId="{69DB88C4-AA14-468C-BC72-85FC28B9A2AF}" srcId="{6A8546E9-E9B2-4F2B-8A07-1A72163BC7E6}" destId="{2771C318-91EC-480A-874D-DCA64E759094}" srcOrd="3" destOrd="0" parTransId="{878EAAE6-21C2-4F81-BBB6-2273AEFB1FAF}" sibTransId="{A5A973E9-BA36-49FF-8C14-3D7C338FBFF3}"/>
-    <dgm:cxn modelId="{9D6786F2-2C57-4B9E-A5D8-746C36FC05BE}" srcId="{6A8546E9-E9B2-4F2B-8A07-1A72163BC7E6}" destId="{41B00F3F-378E-426C-9B19-05B0F41C67C7}" srcOrd="5" destOrd="0" parTransId="{C622839D-6FD8-40E6-AAC9-EDD8E101A37C}" sibTransId="{2671AA3C-CC31-4706-9B03-91D01DBEE6D5}"/>
-    <dgm:cxn modelId="{668162C4-D7BA-4441-9A21-59F7667043E0}" srcId="{6A8546E9-E9B2-4F2B-8A07-1A72163BC7E6}" destId="{4D4D000D-974A-48CB-A566-4EBD4E8EDB25}" srcOrd="1" destOrd="0" parTransId="{8F9930B4-275D-4451-81BC-006ACBA4F2FB}" sibTransId="{EC5238F9-15D4-4FDB-A904-66845C8EF287}"/>
+    <dgm:cxn modelId="{CB0BE069-FF04-4354-BA9E-F06694E79852}" srcId="{6A8546E9-E9B2-4F2B-8A07-1A72163BC7E6}" destId="{FC3112A3-EEDF-40FD-9BED-6112639D5D01}" srcOrd="6" destOrd="0" parTransId="{8BD5A70A-10CB-4EFA-91E5-F7A1A54877B1}" sibTransId="{34880B58-17EB-4A72-9340-5FC96A4518EC}"/>
+    <dgm:cxn modelId="{1D5D692A-4AE1-48D6-A963-5BE69AAE29B9}" type="presOf" srcId="{6A8546E9-E9B2-4F2B-8A07-1A72163BC7E6}" destId="{E2E10B8C-B192-41A8-9C93-1563F212AF2D}" srcOrd="0" destOrd="0" presId="urn:microsoft.com/office/officeart/2005/8/layout/hChevron3"/>
+    <dgm:cxn modelId="{2E263DB7-E73E-46AF-976C-96F7DAC3D156}" type="presOf" srcId="{41B00F3F-378E-426C-9B19-05B0F41C67C7}" destId="{864B40E2-5677-4629-A8CD-89A9B756124E}" srcOrd="0" destOrd="0" presId="urn:microsoft.com/office/officeart/2005/8/layout/hChevron3"/>
     <dgm:cxn modelId="{98D3D988-3079-4205-BEB9-41852B1B43AB}" type="presOf" srcId="{4E86C8DD-C111-414B-8787-FCC4CF22BC51}" destId="{2FD73B5B-C67A-4CA2-AE6F-C449126E1582}" srcOrd="0" destOrd="0" presId="urn:microsoft.com/office/officeart/2005/8/layout/hChevron3"/>
-    <dgm:cxn modelId="{7E1842DD-4CBE-4AB5-BDDB-1296568EC0F4}" srcId="{6A8546E9-E9B2-4F2B-8A07-1A72163BC7E6}" destId="{4881E3A9-31F4-46BA-B863-70B1C54FAC2D}" srcOrd="4" destOrd="0" parTransId="{9051010D-105C-42DA-BA84-3B8AB4A30E15}" sibTransId="{9DF80EA9-09B9-431A-8640-A670C5390623}"/>
-    <dgm:cxn modelId="{CB0BE069-FF04-4354-BA9E-F06694E79852}" srcId="{6A8546E9-E9B2-4F2B-8A07-1A72163BC7E6}" destId="{FC3112A3-EEDF-40FD-9BED-6112639D5D01}" srcOrd="6" destOrd="0" parTransId="{8BD5A70A-10CB-4EFA-91E5-F7A1A54877B1}" sibTransId="{34880B58-17EB-4A72-9340-5FC96A4518EC}"/>
-    <dgm:cxn modelId="{51E8CDAD-7133-409B-930B-10CB675B00DB}" srcId="{6A8546E9-E9B2-4F2B-8A07-1A72163BC7E6}" destId="{B484E091-564B-442C-8073-4907955BE5A3}" srcOrd="2" destOrd="0" parTransId="{F70BC14C-0649-4B35-B73B-50878A685CCC}" sibTransId="{0EC4E443-3677-44F0-888A-BB58FECEB91D}"/>
-    <dgm:cxn modelId="{1D5D692A-4AE1-48D6-A963-5BE69AAE29B9}" type="presOf" srcId="{6A8546E9-E9B2-4F2B-8A07-1A72163BC7E6}" destId="{E2E10B8C-B192-41A8-9C93-1563F212AF2D}" srcOrd="0" destOrd="0" presId="urn:microsoft.com/office/officeart/2005/8/layout/hChevron3"/>
-    <dgm:cxn modelId="{394431C3-FCE4-4994-A1B8-DB34438103A4}" type="presOf" srcId="{4D4D000D-974A-48CB-A566-4EBD4E8EDB25}" destId="{41E8FBBF-A987-4DF4-B0D1-6484B49C5F63}" srcOrd="0" destOrd="0" presId="urn:microsoft.com/office/officeart/2005/8/layout/hChevron3"/>
+    <dgm:cxn modelId="{6173745F-3672-49CD-B7DE-38FFF0920964}" srcId="{6A8546E9-E9B2-4F2B-8A07-1A72163BC7E6}" destId="{4E86C8DD-C111-414B-8787-FCC4CF22BC51}" srcOrd="0" destOrd="0" parTransId="{A71C5E6B-D401-46B5-A9DC-B4D913B13607}" sibTransId="{CD6D0568-93C6-4A17-8AA2-FDBB171E9BC5}"/>
     <dgm:cxn modelId="{1EB1FA3B-5749-4400-8809-27CF86BDA419}" type="presOf" srcId="{B484E091-564B-442C-8073-4907955BE5A3}" destId="{E64072B9-64A8-4DF1-804A-B16CFFB1216B}" srcOrd="0" destOrd="0" presId="urn:microsoft.com/office/officeart/2005/8/layout/hChevron3"/>
     <dgm:cxn modelId="{3245EBEC-3702-4288-AE08-97F98F3DBB0D}" type="presOf" srcId="{4881E3A9-31F4-46BA-B863-70B1C54FAC2D}" destId="{6A9781BF-7230-4DD5-9A8B-E4869886CC12}" srcOrd="0" destOrd="0" presId="urn:microsoft.com/office/officeart/2005/8/layout/hChevron3"/>
-    <dgm:cxn modelId="{6173745F-3672-49CD-B7DE-38FFF0920964}" srcId="{6A8546E9-E9B2-4F2B-8A07-1A72163BC7E6}" destId="{4E86C8DD-C111-414B-8787-FCC4CF22BC51}" srcOrd="0" destOrd="0" parTransId="{A71C5E6B-D401-46B5-A9DC-B4D913B13607}" sibTransId="{CD6D0568-93C6-4A17-8AA2-FDBB171E9BC5}"/>
-    <dgm:cxn modelId="{79C6A421-00B6-44C7-B3A4-A9E38797A356}" type="presOf" srcId="{2771C318-91EC-480A-874D-DCA64E759094}" destId="{DB1159B9-80FD-430B-86E2-A75B606C2F1F}" srcOrd="0" destOrd="0" presId="urn:microsoft.com/office/officeart/2005/8/layout/hChevron3"/>
-    <dgm:cxn modelId="{2E263DB7-E73E-46AF-976C-96F7DAC3D156}" type="presOf" srcId="{41B00F3F-378E-426C-9B19-05B0F41C67C7}" destId="{864B40E2-5677-4629-A8CD-89A9B756124E}" srcOrd="0" destOrd="0" presId="urn:microsoft.com/office/officeart/2005/8/layout/hChevron3"/>
+    <dgm:cxn modelId="{9D6786F2-2C57-4B9E-A5D8-746C36FC05BE}" srcId="{6A8546E9-E9B2-4F2B-8A07-1A72163BC7E6}" destId="{41B00F3F-378E-426C-9B19-05B0F41C67C7}" srcOrd="5" destOrd="0" parTransId="{C622839D-6FD8-40E6-AAC9-EDD8E101A37C}" sibTransId="{2671AA3C-CC31-4706-9B03-91D01DBEE6D5}"/>
+    <dgm:cxn modelId="{7E1842DD-4CBE-4AB5-BDDB-1296568EC0F4}" srcId="{6A8546E9-E9B2-4F2B-8A07-1A72163BC7E6}" destId="{4881E3A9-31F4-46BA-B863-70B1C54FAC2D}" srcOrd="4" destOrd="0" parTransId="{9051010D-105C-42DA-BA84-3B8AB4A30E15}" sibTransId="{9DF80EA9-09B9-431A-8640-A670C5390623}"/>
+    <dgm:cxn modelId="{BD22BB6F-A6E8-4E75-BF4F-448429DF3143}" type="presOf" srcId="{FC3112A3-EEDF-40FD-9BED-6112639D5D01}" destId="{30C4040E-3A67-4FAE-8B9A-AC72E751EC50}" srcOrd="0" destOrd="0" presId="urn:microsoft.com/office/officeart/2005/8/layout/hChevron3"/>
+    <dgm:cxn modelId="{394431C3-FCE4-4994-A1B8-DB34438103A4}" type="presOf" srcId="{4D4D000D-974A-48CB-A566-4EBD4E8EDB25}" destId="{41E8FBBF-A987-4DF4-B0D1-6484B49C5F63}" srcOrd="0" destOrd="0" presId="urn:microsoft.com/office/officeart/2005/8/layout/hChevron3"/>
     <dgm:cxn modelId="{0B004807-13F6-4F3F-A066-D80C1A3E01C1}" type="presParOf" srcId="{E2E10B8C-B192-41A8-9C93-1563F212AF2D}" destId="{2FD73B5B-C67A-4CA2-AE6F-C449126E1582}" srcOrd="0" destOrd="0" presId="urn:microsoft.com/office/officeart/2005/8/layout/hChevron3"/>
     <dgm:cxn modelId="{4D33EA6F-18EB-4E83-9534-C09CEF8F733F}" type="presParOf" srcId="{E2E10B8C-B192-41A8-9C93-1563F212AF2D}" destId="{99FD6387-84D1-47CE-9AD5-0EAD321B3553}" srcOrd="1" destOrd="0" presId="urn:microsoft.com/office/officeart/2005/8/layout/hChevron3"/>
     <dgm:cxn modelId="{6DB376C4-D413-4D48-96DB-D8E2BD4AFFAF}" type="presParOf" srcId="{E2E10B8C-B192-41A8-9C93-1563F212AF2D}" destId="{41E8FBBF-A987-4DF4-B0D1-6484B49C5F63}" srcOrd="2" destOrd="0" presId="urn:microsoft.com/office/officeart/2005/8/layout/hChevron3"/>
@@ -14039,7 +12775,7 @@
   <dgm:whole/>
   <dgm:extLst>
     <a:ext uri="http://schemas.microsoft.com/office/drawing/2008/diagram">
-      <dsp:dataModelExt xmlns:dsp="http://schemas.microsoft.com/office/drawing/2008/diagram" xmlns="" relId="rId9" minVer="http://schemas.openxmlformats.org/drawingml/2006/diagram"/>
+      <dsp:dataModelExt xmlns:dsp="http://schemas.microsoft.com/office/drawing/2008/diagram" relId="rId9" minVer="http://schemas.openxmlformats.org/drawingml/2006/diagram"/>
     </a:ext>
   </dgm:extLst>
 </dgm:dataModel>
@@ -14527,21 +13263,21 @@
     </dgm:pt>
   </dgm:ptLst>
   <dgm:cxnLst>
-    <dgm:cxn modelId="{D97900AD-584B-48B4-8A96-410A7D2E9F2D}" type="presOf" srcId="{41B00F3F-378E-426C-9B19-05B0F41C67C7}" destId="{864B40E2-5677-4629-A8CD-89A9B756124E}" srcOrd="0" destOrd="0" presId="urn:microsoft.com/office/officeart/2005/8/layout/hChevron3"/>
     <dgm:cxn modelId="{6AE245E7-0E92-40B5-9713-76693267CB15}" type="presOf" srcId="{6A8546E9-E9B2-4F2B-8A07-1A72163BC7E6}" destId="{E2E10B8C-B192-41A8-9C93-1563F212AF2D}" srcOrd="0" destOrd="0" presId="urn:microsoft.com/office/officeart/2005/8/layout/hChevron3"/>
     <dgm:cxn modelId="{69DB88C4-AA14-468C-BC72-85FC28B9A2AF}" srcId="{6A8546E9-E9B2-4F2B-8A07-1A72163BC7E6}" destId="{2771C318-91EC-480A-874D-DCA64E759094}" srcOrd="3" destOrd="0" parTransId="{878EAAE6-21C2-4F81-BBB6-2273AEFB1FAF}" sibTransId="{A5A973E9-BA36-49FF-8C14-3D7C338FBFF3}"/>
-    <dgm:cxn modelId="{9D6786F2-2C57-4B9E-A5D8-746C36FC05BE}" srcId="{6A8546E9-E9B2-4F2B-8A07-1A72163BC7E6}" destId="{41B00F3F-378E-426C-9B19-05B0F41C67C7}" srcOrd="5" destOrd="0" parTransId="{C622839D-6FD8-40E6-AAC9-EDD8E101A37C}" sibTransId="{2671AA3C-CC31-4706-9B03-91D01DBEE6D5}"/>
+    <dgm:cxn modelId="{668162C4-D7BA-4441-9A21-59F7667043E0}" srcId="{6A8546E9-E9B2-4F2B-8A07-1A72163BC7E6}" destId="{4D4D000D-974A-48CB-A566-4EBD4E8EDB25}" srcOrd="1" destOrd="0" parTransId="{8F9930B4-275D-4451-81BC-006ACBA4F2FB}" sibTransId="{EC5238F9-15D4-4FDB-A904-66845C8EF287}"/>
+    <dgm:cxn modelId="{92CB0CE2-FDF2-4FF6-B87E-874A905AB023}" type="presOf" srcId="{B484E091-564B-442C-8073-4907955BE5A3}" destId="{E64072B9-64A8-4DF1-804A-B16CFFB1216B}" srcOrd="0" destOrd="0" presId="urn:microsoft.com/office/officeart/2005/8/layout/hChevron3"/>
+    <dgm:cxn modelId="{D97900AD-584B-48B4-8A96-410A7D2E9F2D}" type="presOf" srcId="{41B00F3F-378E-426C-9B19-05B0F41C67C7}" destId="{864B40E2-5677-4629-A8CD-89A9B756124E}" srcOrd="0" destOrd="0" presId="urn:microsoft.com/office/officeart/2005/8/layout/hChevron3"/>
     <dgm:cxn modelId="{F415209E-93AB-4EA9-845D-A4708D1EA334}" type="presOf" srcId="{4E86C8DD-C111-414B-8787-FCC4CF22BC51}" destId="{2FD73B5B-C67A-4CA2-AE6F-C449126E1582}" srcOrd="0" destOrd="0" presId="urn:microsoft.com/office/officeart/2005/8/layout/hChevron3"/>
-    <dgm:cxn modelId="{668162C4-D7BA-4441-9A21-59F7667043E0}" srcId="{6A8546E9-E9B2-4F2B-8A07-1A72163BC7E6}" destId="{4D4D000D-974A-48CB-A566-4EBD4E8EDB25}" srcOrd="1" destOrd="0" parTransId="{8F9930B4-275D-4451-81BC-006ACBA4F2FB}" sibTransId="{EC5238F9-15D4-4FDB-A904-66845C8EF287}"/>
+    <dgm:cxn modelId="{CB0BE069-FF04-4354-BA9E-F06694E79852}" srcId="{6A8546E9-E9B2-4F2B-8A07-1A72163BC7E6}" destId="{FC3112A3-EEDF-40FD-9BED-6112639D5D01}" srcOrd="6" destOrd="0" parTransId="{8BD5A70A-10CB-4EFA-91E5-F7A1A54877B1}" sibTransId="{34880B58-17EB-4A72-9340-5FC96A4518EC}"/>
     <dgm:cxn modelId="{7E1842DD-4CBE-4AB5-BDDB-1296568EC0F4}" srcId="{6A8546E9-E9B2-4F2B-8A07-1A72163BC7E6}" destId="{4881E3A9-31F4-46BA-B863-70B1C54FAC2D}" srcOrd="4" destOrd="0" parTransId="{9051010D-105C-42DA-BA84-3B8AB4A30E15}" sibTransId="{9DF80EA9-09B9-431A-8640-A670C5390623}"/>
-    <dgm:cxn modelId="{CB0BE069-FF04-4354-BA9E-F06694E79852}" srcId="{6A8546E9-E9B2-4F2B-8A07-1A72163BC7E6}" destId="{FC3112A3-EEDF-40FD-9BED-6112639D5D01}" srcOrd="6" destOrd="0" parTransId="{8BD5A70A-10CB-4EFA-91E5-F7A1A54877B1}" sibTransId="{34880B58-17EB-4A72-9340-5FC96A4518EC}"/>
-    <dgm:cxn modelId="{B908F0D3-0DDC-4D7A-BF08-26C06E8D6892}" type="presOf" srcId="{FC3112A3-EEDF-40FD-9BED-6112639D5D01}" destId="{30C4040E-3A67-4FAE-8B9A-AC72E751EC50}" srcOrd="0" destOrd="0" presId="urn:microsoft.com/office/officeart/2005/8/layout/hChevron3"/>
-    <dgm:cxn modelId="{2EDBF7F9-1C1C-42A0-88D9-A61415CC5FEF}" type="presOf" srcId="{4881E3A9-31F4-46BA-B863-70B1C54FAC2D}" destId="{6A9781BF-7230-4DD5-9A8B-E4869886CC12}" srcOrd="0" destOrd="0" presId="urn:microsoft.com/office/officeart/2005/8/layout/hChevron3"/>
-    <dgm:cxn modelId="{92CB0CE2-FDF2-4FF6-B87E-874A905AB023}" type="presOf" srcId="{B484E091-564B-442C-8073-4907955BE5A3}" destId="{E64072B9-64A8-4DF1-804A-B16CFFB1216B}" srcOrd="0" destOrd="0" presId="urn:microsoft.com/office/officeart/2005/8/layout/hChevron3"/>
-    <dgm:cxn modelId="{0A913AEF-F23C-4565-BD3F-7B39371A5E97}" type="presOf" srcId="{4D4D000D-974A-48CB-A566-4EBD4E8EDB25}" destId="{41E8FBBF-A987-4DF4-B0D1-6484B49C5F63}" srcOrd="0" destOrd="0" presId="urn:microsoft.com/office/officeart/2005/8/layout/hChevron3"/>
-    <dgm:cxn modelId="{51E8CDAD-7133-409B-930B-10CB675B00DB}" srcId="{6A8546E9-E9B2-4F2B-8A07-1A72163BC7E6}" destId="{B484E091-564B-442C-8073-4907955BE5A3}" srcOrd="2" destOrd="0" parTransId="{F70BC14C-0649-4B35-B73B-50878A685CCC}" sibTransId="{0EC4E443-3677-44F0-888A-BB58FECEB91D}"/>
     <dgm:cxn modelId="{0546510A-4937-4A1E-B92D-38E10876F67A}" type="presOf" srcId="{2771C318-91EC-480A-874D-DCA64E759094}" destId="{DB1159B9-80FD-430B-86E2-A75B606C2F1F}" srcOrd="0" destOrd="0" presId="urn:microsoft.com/office/officeart/2005/8/layout/hChevron3"/>
     <dgm:cxn modelId="{6173745F-3672-49CD-B7DE-38FFF0920964}" srcId="{6A8546E9-E9B2-4F2B-8A07-1A72163BC7E6}" destId="{4E86C8DD-C111-414B-8787-FCC4CF22BC51}" srcOrd="0" destOrd="0" parTransId="{A71C5E6B-D401-46B5-A9DC-B4D913B13607}" sibTransId="{CD6D0568-93C6-4A17-8AA2-FDBB171E9BC5}"/>
+    <dgm:cxn modelId="{0A913AEF-F23C-4565-BD3F-7B39371A5E97}" type="presOf" srcId="{4D4D000D-974A-48CB-A566-4EBD4E8EDB25}" destId="{41E8FBBF-A987-4DF4-B0D1-6484B49C5F63}" srcOrd="0" destOrd="0" presId="urn:microsoft.com/office/officeart/2005/8/layout/hChevron3"/>
+    <dgm:cxn modelId="{9D6786F2-2C57-4B9E-A5D8-746C36FC05BE}" srcId="{6A8546E9-E9B2-4F2B-8A07-1A72163BC7E6}" destId="{41B00F3F-378E-426C-9B19-05B0F41C67C7}" srcOrd="5" destOrd="0" parTransId="{C622839D-6FD8-40E6-AAC9-EDD8E101A37C}" sibTransId="{2671AA3C-CC31-4706-9B03-91D01DBEE6D5}"/>
+    <dgm:cxn modelId="{2EDBF7F9-1C1C-42A0-88D9-A61415CC5FEF}" type="presOf" srcId="{4881E3A9-31F4-46BA-B863-70B1C54FAC2D}" destId="{6A9781BF-7230-4DD5-9A8B-E4869886CC12}" srcOrd="0" destOrd="0" presId="urn:microsoft.com/office/officeart/2005/8/layout/hChevron3"/>
+    <dgm:cxn modelId="{B908F0D3-0DDC-4D7A-BF08-26C06E8D6892}" type="presOf" srcId="{FC3112A3-EEDF-40FD-9BED-6112639D5D01}" destId="{30C4040E-3A67-4FAE-8B9A-AC72E751EC50}" srcOrd="0" destOrd="0" presId="urn:microsoft.com/office/officeart/2005/8/layout/hChevron3"/>
+    <dgm:cxn modelId="{51E8CDAD-7133-409B-930B-10CB675B00DB}" srcId="{6A8546E9-E9B2-4F2B-8A07-1A72163BC7E6}" destId="{B484E091-564B-442C-8073-4907955BE5A3}" srcOrd="2" destOrd="0" parTransId="{F70BC14C-0649-4B35-B73B-50878A685CCC}" sibTransId="{0EC4E443-3677-44F0-888A-BB58FECEB91D}"/>
     <dgm:cxn modelId="{4B7FE8B6-4FBC-40B4-931F-17E827CA3EA2}" type="presParOf" srcId="{E2E10B8C-B192-41A8-9C93-1563F212AF2D}" destId="{2FD73B5B-C67A-4CA2-AE6F-C449126E1582}" srcOrd="0" destOrd="0" presId="urn:microsoft.com/office/officeart/2005/8/layout/hChevron3"/>
     <dgm:cxn modelId="{B3F55025-01F6-40F5-B041-9CBA1B809719}" type="presParOf" srcId="{E2E10B8C-B192-41A8-9C93-1563F212AF2D}" destId="{99FD6387-84D1-47CE-9AD5-0EAD321B3553}" srcOrd="1" destOrd="0" presId="urn:microsoft.com/office/officeart/2005/8/layout/hChevron3"/>
     <dgm:cxn modelId="{4E20929A-1FCE-44B7-9109-94274658D0AC}" type="presParOf" srcId="{E2E10B8C-B192-41A8-9C93-1563F212AF2D}" destId="{41E8FBBF-A987-4DF4-B0D1-6484B49C5F63}" srcOrd="2" destOrd="0" presId="urn:microsoft.com/office/officeart/2005/8/layout/hChevron3"/>
@@ -14560,534 +13296,13 @@
   <dgm:whole/>
   <dgm:extLst>
     <a:ext uri="http://schemas.microsoft.com/office/drawing/2008/diagram">
-      <dsp:dataModelExt xmlns:dsp="http://schemas.microsoft.com/office/drawing/2008/diagram" xmlns="" relId="rId6" minVer="http://schemas.openxmlformats.org/drawingml/2006/diagram"/>
+      <dsp:dataModelExt xmlns:dsp="http://schemas.microsoft.com/office/drawing/2008/diagram" relId="rId6" minVer="http://schemas.openxmlformats.org/drawingml/2006/diagram"/>
     </a:ext>
   </dgm:extLst>
 </dgm:dataModel>
 </file>
 
 <file path=ppt/diagrams/data6.xml><?xml version="1.0" encoding="utf-8"?>
-<dgm:dataModel xmlns:dgm="http://schemas.openxmlformats.org/drawingml/2006/diagram" xmlns:a="http://schemas.openxmlformats.org/drawingml/2006/main">
-  <dgm:ptLst>
-    <dgm:pt modelId="{6A8546E9-E9B2-4F2B-8A07-1A72163BC7E6}" type="doc">
-      <dgm:prSet loTypeId="urn:microsoft.com/office/officeart/2005/8/layout/hChevron3" loCatId="process" qsTypeId="urn:microsoft.com/office/officeart/2005/8/quickstyle/simple1" qsCatId="simple" csTypeId="urn:microsoft.com/office/officeart/2005/8/colors/accent0_3" csCatId="mainScheme" phldr="1"/>
-      <dgm:spPr/>
-    </dgm:pt>
-    <dgm:pt modelId="{4E86C8DD-C111-414B-8787-FCC4CF22BC51}">
-      <dgm:prSet phldrT="[Text]" custT="1"/>
-      <dgm:spPr/>
-      <dgm:t>
-        <a:bodyPr/>
-        <a:lstStyle/>
-        <a:p>
-          <a:r>
-            <a:rPr lang="sv-SE" altLang="zh-CN" sz="900" dirty="0" smtClean="0"/>
-            <a:t>Motivation</a:t>
-          </a:r>
-          <a:endParaRPr lang="zh-CN" altLang="en-US" sz="900" dirty="0"/>
-        </a:p>
-      </dgm:t>
-    </dgm:pt>
-    <dgm:pt modelId="{A71C5E6B-D401-46B5-A9DC-B4D913B13607}" type="parTrans" cxnId="{6173745F-3672-49CD-B7DE-38FFF0920964}">
-      <dgm:prSet/>
-      <dgm:spPr/>
-      <dgm:t>
-        <a:bodyPr/>
-        <a:lstStyle/>
-        <a:p>
-          <a:endParaRPr lang="zh-CN" altLang="en-US" sz="900">
-            <a:solidFill>
-              <a:schemeClr val="bg1"/>
-            </a:solidFill>
-          </a:endParaRPr>
-        </a:p>
-      </dgm:t>
-    </dgm:pt>
-    <dgm:pt modelId="{CD6D0568-93C6-4A17-8AA2-FDBB171E9BC5}" type="sibTrans" cxnId="{6173745F-3672-49CD-B7DE-38FFF0920964}">
-      <dgm:prSet/>
-      <dgm:spPr/>
-      <dgm:t>
-        <a:bodyPr/>
-        <a:lstStyle/>
-        <a:p>
-          <a:endParaRPr lang="zh-CN" altLang="en-US" sz="900">
-            <a:solidFill>
-              <a:schemeClr val="bg1"/>
-            </a:solidFill>
-          </a:endParaRPr>
-        </a:p>
-      </dgm:t>
-    </dgm:pt>
-    <dgm:pt modelId="{4D4D000D-974A-48CB-A566-4EBD4E8EDB25}">
-      <dgm:prSet phldrT="[Text]" custT="1"/>
-      <dgm:spPr/>
-      <dgm:t>
-        <a:bodyPr/>
-        <a:lstStyle/>
-        <a:p>
-          <a:r>
-            <a:rPr lang="sv-SE" altLang="zh-CN" sz="900" dirty="0" smtClean="0"/>
-            <a:t>Problem Formulation</a:t>
-          </a:r>
-          <a:endParaRPr lang="zh-CN" altLang="en-US" sz="900" dirty="0"/>
-        </a:p>
-      </dgm:t>
-    </dgm:pt>
-    <dgm:pt modelId="{8F9930B4-275D-4451-81BC-006ACBA4F2FB}" type="parTrans" cxnId="{668162C4-D7BA-4441-9A21-59F7667043E0}">
-      <dgm:prSet/>
-      <dgm:spPr/>
-      <dgm:t>
-        <a:bodyPr/>
-        <a:lstStyle/>
-        <a:p>
-          <a:endParaRPr lang="zh-CN" altLang="en-US" sz="900">
-            <a:solidFill>
-              <a:schemeClr val="bg1"/>
-            </a:solidFill>
-          </a:endParaRPr>
-        </a:p>
-      </dgm:t>
-    </dgm:pt>
-    <dgm:pt modelId="{EC5238F9-15D4-4FDB-A904-66845C8EF287}" type="sibTrans" cxnId="{668162C4-D7BA-4441-9A21-59F7667043E0}">
-      <dgm:prSet/>
-      <dgm:spPr/>
-      <dgm:t>
-        <a:bodyPr/>
-        <a:lstStyle/>
-        <a:p>
-          <a:endParaRPr lang="zh-CN" altLang="en-US" sz="900">
-            <a:solidFill>
-              <a:schemeClr val="bg1"/>
-            </a:solidFill>
-          </a:endParaRPr>
-        </a:p>
-      </dgm:t>
-    </dgm:pt>
-    <dgm:pt modelId="{B484E091-564B-442C-8073-4907955BE5A3}">
-      <dgm:prSet phldrT="[Text]" custT="1"/>
-      <dgm:spPr/>
-      <dgm:t>
-        <a:bodyPr/>
-        <a:lstStyle/>
-        <a:p>
-          <a:r>
-            <a:rPr lang="sv-SE" altLang="zh-CN" sz="900" dirty="0" smtClean="0">
-              <a:solidFill>
-                <a:srgbClr val="FF0000"/>
-              </a:solidFill>
-            </a:rPr>
-            <a:t>System Model</a:t>
-          </a:r>
-          <a:endParaRPr lang="zh-CN" altLang="en-US" sz="900" dirty="0">
-            <a:solidFill>
-              <a:srgbClr val="FF0000"/>
-            </a:solidFill>
-          </a:endParaRPr>
-        </a:p>
-      </dgm:t>
-    </dgm:pt>
-    <dgm:pt modelId="{F70BC14C-0649-4B35-B73B-50878A685CCC}" type="parTrans" cxnId="{51E8CDAD-7133-409B-930B-10CB675B00DB}">
-      <dgm:prSet/>
-      <dgm:spPr/>
-      <dgm:t>
-        <a:bodyPr/>
-        <a:lstStyle/>
-        <a:p>
-          <a:endParaRPr lang="zh-CN" altLang="en-US" sz="900">
-            <a:solidFill>
-              <a:schemeClr val="bg1"/>
-            </a:solidFill>
-          </a:endParaRPr>
-        </a:p>
-      </dgm:t>
-    </dgm:pt>
-    <dgm:pt modelId="{0EC4E443-3677-44F0-888A-BB58FECEB91D}" type="sibTrans" cxnId="{51E8CDAD-7133-409B-930B-10CB675B00DB}">
-      <dgm:prSet/>
-      <dgm:spPr/>
-      <dgm:t>
-        <a:bodyPr/>
-        <a:lstStyle/>
-        <a:p>
-          <a:endParaRPr lang="zh-CN" altLang="en-US" sz="900">
-            <a:solidFill>
-              <a:schemeClr val="bg1"/>
-            </a:solidFill>
-          </a:endParaRPr>
-        </a:p>
-      </dgm:t>
-    </dgm:pt>
-    <dgm:pt modelId="{2771C318-91EC-480A-874D-DCA64E759094}">
-      <dgm:prSet phldrT="[Text]" custT="1"/>
-      <dgm:spPr/>
-      <dgm:t>
-        <a:bodyPr/>
-        <a:lstStyle/>
-        <a:p>
-          <a:r>
-            <a:rPr lang="sv-SE" altLang="zh-CN" sz="900" dirty="0" smtClean="0"/>
-            <a:t>Techniques Overview</a:t>
-          </a:r>
-          <a:endParaRPr lang="zh-CN" altLang="en-US" sz="900" dirty="0"/>
-        </a:p>
-      </dgm:t>
-    </dgm:pt>
-    <dgm:pt modelId="{878EAAE6-21C2-4F81-BBB6-2273AEFB1FAF}" type="parTrans" cxnId="{69DB88C4-AA14-468C-BC72-85FC28B9A2AF}">
-      <dgm:prSet/>
-      <dgm:spPr/>
-      <dgm:t>
-        <a:bodyPr/>
-        <a:lstStyle/>
-        <a:p>
-          <a:endParaRPr lang="zh-CN" altLang="en-US" sz="900">
-            <a:solidFill>
-              <a:schemeClr val="bg1"/>
-            </a:solidFill>
-          </a:endParaRPr>
-        </a:p>
-      </dgm:t>
-    </dgm:pt>
-    <dgm:pt modelId="{A5A973E9-BA36-49FF-8C14-3D7C338FBFF3}" type="sibTrans" cxnId="{69DB88C4-AA14-468C-BC72-85FC28B9A2AF}">
-      <dgm:prSet/>
-      <dgm:spPr/>
-      <dgm:t>
-        <a:bodyPr/>
-        <a:lstStyle/>
-        <a:p>
-          <a:endParaRPr lang="zh-CN" altLang="en-US" sz="900">
-            <a:solidFill>
-              <a:schemeClr val="bg1"/>
-            </a:solidFill>
-          </a:endParaRPr>
-        </a:p>
-      </dgm:t>
-    </dgm:pt>
-    <dgm:pt modelId="{4881E3A9-31F4-46BA-B863-70B1C54FAC2D}">
-      <dgm:prSet phldrT="[Text]" custT="1"/>
-      <dgm:spPr/>
-      <dgm:t>
-        <a:bodyPr/>
-        <a:lstStyle/>
-        <a:p>
-          <a:r>
-            <a:rPr lang="sv-SE" altLang="zh-CN" sz="900" dirty="0" smtClean="0">
-              <a:solidFill>
-                <a:schemeClr val="bg1"/>
-              </a:solidFill>
-            </a:rPr>
-            <a:t>Result</a:t>
-          </a:r>
-          <a:endParaRPr lang="zh-CN" altLang="en-US" sz="900" dirty="0">
-            <a:solidFill>
-              <a:schemeClr val="bg1"/>
-            </a:solidFill>
-          </a:endParaRPr>
-        </a:p>
-      </dgm:t>
-    </dgm:pt>
-    <dgm:pt modelId="{9051010D-105C-42DA-BA84-3B8AB4A30E15}" type="parTrans" cxnId="{7E1842DD-4CBE-4AB5-BDDB-1296568EC0F4}">
-      <dgm:prSet/>
-      <dgm:spPr/>
-      <dgm:t>
-        <a:bodyPr/>
-        <a:lstStyle/>
-        <a:p>
-          <a:endParaRPr lang="zh-CN" altLang="en-US" sz="900">
-            <a:solidFill>
-              <a:schemeClr val="bg1"/>
-            </a:solidFill>
-          </a:endParaRPr>
-        </a:p>
-      </dgm:t>
-    </dgm:pt>
-    <dgm:pt modelId="{9DF80EA9-09B9-431A-8640-A670C5390623}" type="sibTrans" cxnId="{7E1842DD-4CBE-4AB5-BDDB-1296568EC0F4}">
-      <dgm:prSet/>
-      <dgm:spPr/>
-      <dgm:t>
-        <a:bodyPr/>
-        <a:lstStyle/>
-        <a:p>
-          <a:endParaRPr lang="zh-CN" altLang="en-US" sz="900">
-            <a:solidFill>
-              <a:schemeClr val="bg1"/>
-            </a:solidFill>
-          </a:endParaRPr>
-        </a:p>
-      </dgm:t>
-    </dgm:pt>
-    <dgm:pt modelId="{41B00F3F-378E-426C-9B19-05B0F41C67C7}">
-      <dgm:prSet phldrT="[Text]" custT="1"/>
-      <dgm:spPr/>
-      <dgm:t>
-        <a:bodyPr/>
-        <a:lstStyle/>
-        <a:p>
-          <a:r>
-            <a:rPr lang="sv-SE" altLang="zh-CN" sz="900" b="1" dirty="0" smtClean="0">
-              <a:solidFill>
-                <a:schemeClr val="bg1"/>
-              </a:solidFill>
-            </a:rPr>
-            <a:t>Conclusion</a:t>
-          </a:r>
-          <a:endParaRPr lang="zh-CN" altLang="en-US" sz="900" b="1" dirty="0">
-            <a:solidFill>
-              <a:schemeClr val="bg1"/>
-            </a:solidFill>
-          </a:endParaRPr>
-        </a:p>
-      </dgm:t>
-    </dgm:pt>
-    <dgm:pt modelId="{C622839D-6FD8-40E6-AAC9-EDD8E101A37C}" type="parTrans" cxnId="{9D6786F2-2C57-4B9E-A5D8-746C36FC05BE}">
-      <dgm:prSet/>
-      <dgm:spPr/>
-      <dgm:t>
-        <a:bodyPr/>
-        <a:lstStyle/>
-        <a:p>
-          <a:endParaRPr lang="zh-CN" altLang="en-US" sz="900">
-            <a:solidFill>
-              <a:schemeClr val="bg1"/>
-            </a:solidFill>
-          </a:endParaRPr>
-        </a:p>
-      </dgm:t>
-    </dgm:pt>
-    <dgm:pt modelId="{2671AA3C-CC31-4706-9B03-91D01DBEE6D5}" type="sibTrans" cxnId="{9D6786F2-2C57-4B9E-A5D8-746C36FC05BE}">
-      <dgm:prSet/>
-      <dgm:spPr/>
-      <dgm:t>
-        <a:bodyPr/>
-        <a:lstStyle/>
-        <a:p>
-          <a:endParaRPr lang="zh-CN" altLang="en-US" sz="900">
-            <a:solidFill>
-              <a:schemeClr val="bg1"/>
-            </a:solidFill>
-          </a:endParaRPr>
-        </a:p>
-      </dgm:t>
-    </dgm:pt>
-    <dgm:pt modelId="{FC3112A3-EEDF-40FD-9BED-6112639D5D01}">
-      <dgm:prSet phldrT="[Text]" custT="1"/>
-      <dgm:spPr/>
-      <dgm:t>
-        <a:bodyPr/>
-        <a:lstStyle/>
-        <a:p>
-          <a:r>
-            <a:rPr lang="en-US" altLang="zh-CN" sz="900" dirty="0" smtClean="0"/>
-            <a:t>Future Work</a:t>
-          </a:r>
-          <a:endParaRPr lang="zh-CN" altLang="en-US" sz="900" b="1" dirty="0">
-            <a:solidFill>
-              <a:srgbClr val="FF0000"/>
-            </a:solidFill>
-          </a:endParaRPr>
-        </a:p>
-      </dgm:t>
-    </dgm:pt>
-    <dgm:pt modelId="{8BD5A70A-10CB-4EFA-91E5-F7A1A54877B1}" type="parTrans" cxnId="{CB0BE069-FF04-4354-BA9E-F06694E79852}">
-      <dgm:prSet/>
-      <dgm:spPr/>
-      <dgm:t>
-        <a:bodyPr/>
-        <a:lstStyle/>
-        <a:p>
-          <a:endParaRPr lang="zh-CN" altLang="en-US" sz="900"/>
-        </a:p>
-      </dgm:t>
-    </dgm:pt>
-    <dgm:pt modelId="{34880B58-17EB-4A72-9340-5FC96A4518EC}" type="sibTrans" cxnId="{CB0BE069-FF04-4354-BA9E-F06694E79852}">
-      <dgm:prSet/>
-      <dgm:spPr/>
-      <dgm:t>
-        <a:bodyPr/>
-        <a:lstStyle/>
-        <a:p>
-          <a:endParaRPr lang="zh-CN" altLang="en-US" sz="900"/>
-        </a:p>
-      </dgm:t>
-    </dgm:pt>
-    <dgm:pt modelId="{E2E10B8C-B192-41A8-9C93-1563F212AF2D}" type="pres">
-      <dgm:prSet presAssocID="{6A8546E9-E9B2-4F2B-8A07-1A72163BC7E6}" presName="Name0" presStyleCnt="0">
-        <dgm:presLayoutVars>
-          <dgm:dir/>
-          <dgm:resizeHandles val="exact"/>
-        </dgm:presLayoutVars>
-      </dgm:prSet>
-      <dgm:spPr/>
-    </dgm:pt>
-    <dgm:pt modelId="{2FD73B5B-C67A-4CA2-AE6F-C449126E1582}" type="pres">
-      <dgm:prSet presAssocID="{4E86C8DD-C111-414B-8787-FCC4CF22BC51}" presName="parTxOnly" presStyleLbl="node1" presStyleIdx="0" presStyleCnt="7" custScaleX="67968" custLinFactNeighborX="-88919" custLinFactNeighborY="25000">
-        <dgm:presLayoutVars>
-          <dgm:bulletEnabled val="1"/>
-        </dgm:presLayoutVars>
-      </dgm:prSet>
-      <dgm:spPr/>
-      <dgm:t>
-        <a:bodyPr/>
-        <a:lstStyle/>
-        <a:p>
-          <a:endParaRPr lang="zh-CN" altLang="en-US"/>
-        </a:p>
-      </dgm:t>
-    </dgm:pt>
-    <dgm:pt modelId="{99FD6387-84D1-47CE-9AD5-0EAD321B3553}" type="pres">
-      <dgm:prSet presAssocID="{CD6D0568-93C6-4A17-8AA2-FDBB171E9BC5}" presName="parSpace" presStyleCnt="0"/>
-      <dgm:spPr/>
-    </dgm:pt>
-    <dgm:pt modelId="{41E8FBBF-A987-4DF4-B0D1-6484B49C5F63}" type="pres">
-      <dgm:prSet presAssocID="{4D4D000D-974A-48CB-A566-4EBD4E8EDB25}" presName="parTxOnly" presStyleLbl="node1" presStyleIdx="1" presStyleCnt="7" custScaleX="96195">
-        <dgm:presLayoutVars>
-          <dgm:bulletEnabled val="1"/>
-        </dgm:presLayoutVars>
-      </dgm:prSet>
-      <dgm:spPr/>
-      <dgm:t>
-        <a:bodyPr/>
-        <a:lstStyle/>
-        <a:p>
-          <a:endParaRPr lang="zh-CN" altLang="en-US"/>
-        </a:p>
-      </dgm:t>
-    </dgm:pt>
-    <dgm:pt modelId="{FC6774B3-2F08-416C-97A4-98B246BCB46E}" type="pres">
-      <dgm:prSet presAssocID="{EC5238F9-15D4-4FDB-A904-66845C8EF287}" presName="parSpace" presStyleCnt="0"/>
-      <dgm:spPr/>
-    </dgm:pt>
-    <dgm:pt modelId="{E64072B9-64A8-4DF1-804A-B16CFFB1216B}" type="pres">
-      <dgm:prSet presAssocID="{B484E091-564B-442C-8073-4907955BE5A3}" presName="parTxOnly" presStyleLbl="node1" presStyleIdx="2" presStyleCnt="7" custScaleX="68957">
-        <dgm:presLayoutVars>
-          <dgm:bulletEnabled val="1"/>
-        </dgm:presLayoutVars>
-      </dgm:prSet>
-      <dgm:spPr/>
-      <dgm:t>
-        <a:bodyPr/>
-        <a:lstStyle/>
-        <a:p>
-          <a:endParaRPr lang="zh-CN" altLang="en-US"/>
-        </a:p>
-      </dgm:t>
-    </dgm:pt>
-    <dgm:pt modelId="{606E756F-24B8-4B45-9DC9-2134662BDD05}" type="pres">
-      <dgm:prSet presAssocID="{0EC4E443-3677-44F0-888A-BB58FECEB91D}" presName="parSpace" presStyleCnt="0"/>
-      <dgm:spPr/>
-    </dgm:pt>
-    <dgm:pt modelId="{DB1159B9-80FD-430B-86E2-A75B606C2F1F}" type="pres">
-      <dgm:prSet presAssocID="{2771C318-91EC-480A-874D-DCA64E759094}" presName="parTxOnly" presStyleLbl="node1" presStyleIdx="3" presStyleCnt="7">
-        <dgm:presLayoutVars>
-          <dgm:bulletEnabled val="1"/>
-        </dgm:presLayoutVars>
-      </dgm:prSet>
-      <dgm:spPr/>
-      <dgm:t>
-        <a:bodyPr/>
-        <a:lstStyle/>
-        <a:p>
-          <a:endParaRPr lang="zh-CN" altLang="en-US"/>
-        </a:p>
-      </dgm:t>
-    </dgm:pt>
-    <dgm:pt modelId="{6EF78963-B021-48BF-B05C-DDBC53E6FD8C}" type="pres">
-      <dgm:prSet presAssocID="{A5A973E9-BA36-49FF-8C14-3D7C338FBFF3}" presName="parSpace" presStyleCnt="0"/>
-      <dgm:spPr/>
-    </dgm:pt>
-    <dgm:pt modelId="{6A9781BF-7230-4DD5-9A8B-E4869886CC12}" type="pres">
-      <dgm:prSet presAssocID="{4881E3A9-31F4-46BA-B863-70B1C54FAC2D}" presName="parTxOnly" presStyleLbl="node1" presStyleIdx="4" presStyleCnt="7" custScaleX="68623">
-        <dgm:presLayoutVars>
-          <dgm:bulletEnabled val="1"/>
-        </dgm:presLayoutVars>
-      </dgm:prSet>
-      <dgm:spPr/>
-      <dgm:t>
-        <a:bodyPr/>
-        <a:lstStyle/>
-        <a:p>
-          <a:endParaRPr lang="zh-CN" altLang="en-US"/>
-        </a:p>
-      </dgm:t>
-    </dgm:pt>
-    <dgm:pt modelId="{BF30EA5B-A7EB-4829-8E08-B2E9CA243432}" type="pres">
-      <dgm:prSet presAssocID="{9DF80EA9-09B9-431A-8640-A670C5390623}" presName="parSpace" presStyleCnt="0"/>
-      <dgm:spPr/>
-    </dgm:pt>
-    <dgm:pt modelId="{864B40E2-5677-4629-A8CD-89A9B756124E}" type="pres">
-      <dgm:prSet presAssocID="{41B00F3F-378E-426C-9B19-05B0F41C67C7}" presName="parTxOnly" presStyleLbl="node1" presStyleIdx="5" presStyleCnt="7" custScaleX="108314" custLinFactNeighborX="10429">
-        <dgm:presLayoutVars>
-          <dgm:bulletEnabled val="1"/>
-        </dgm:presLayoutVars>
-      </dgm:prSet>
-      <dgm:spPr/>
-      <dgm:t>
-        <a:bodyPr/>
-        <a:lstStyle/>
-        <a:p>
-          <a:endParaRPr lang="zh-CN" altLang="en-US"/>
-        </a:p>
-      </dgm:t>
-    </dgm:pt>
-    <dgm:pt modelId="{532EF2FA-D261-4872-95A9-891FB36F0837}" type="pres">
-      <dgm:prSet presAssocID="{2671AA3C-CC31-4706-9B03-91D01DBEE6D5}" presName="parSpace" presStyleCnt="0"/>
-      <dgm:spPr/>
-    </dgm:pt>
-    <dgm:pt modelId="{30C4040E-3A67-4FAE-8B9A-AC72E751EC50}" type="pres">
-      <dgm:prSet presAssocID="{FC3112A3-EEDF-40FD-9BED-6112639D5D01}" presName="parTxOnly" presStyleLbl="node1" presStyleIdx="6" presStyleCnt="7" custScaleX="70392" custLinFactNeighborX="-44365">
-        <dgm:presLayoutVars>
-          <dgm:bulletEnabled val="1"/>
-        </dgm:presLayoutVars>
-      </dgm:prSet>
-      <dgm:spPr/>
-      <dgm:t>
-        <a:bodyPr/>
-        <a:lstStyle/>
-        <a:p>
-          <a:endParaRPr lang="zh-CN" altLang="en-US"/>
-        </a:p>
-      </dgm:t>
-    </dgm:pt>
-  </dgm:ptLst>
-  <dgm:cxnLst>
-    <dgm:cxn modelId="{1B0160E6-A824-4EB6-A5CB-52EDA9708434}" type="presOf" srcId="{4D4D000D-974A-48CB-A566-4EBD4E8EDB25}" destId="{41E8FBBF-A987-4DF4-B0D1-6484B49C5F63}" srcOrd="0" destOrd="0" presId="urn:microsoft.com/office/officeart/2005/8/layout/hChevron3"/>
-    <dgm:cxn modelId="{71FCEA0A-CA1D-4825-B4A9-BC5418E84D7C}" type="presOf" srcId="{6A8546E9-E9B2-4F2B-8A07-1A72163BC7E6}" destId="{E2E10B8C-B192-41A8-9C93-1563F212AF2D}" srcOrd="0" destOrd="0" presId="urn:microsoft.com/office/officeart/2005/8/layout/hChevron3"/>
-    <dgm:cxn modelId="{69DB88C4-AA14-468C-BC72-85FC28B9A2AF}" srcId="{6A8546E9-E9B2-4F2B-8A07-1A72163BC7E6}" destId="{2771C318-91EC-480A-874D-DCA64E759094}" srcOrd="3" destOrd="0" parTransId="{878EAAE6-21C2-4F81-BBB6-2273AEFB1FAF}" sibTransId="{A5A973E9-BA36-49FF-8C14-3D7C338FBFF3}"/>
-    <dgm:cxn modelId="{9D6786F2-2C57-4B9E-A5D8-746C36FC05BE}" srcId="{6A8546E9-E9B2-4F2B-8A07-1A72163BC7E6}" destId="{41B00F3F-378E-426C-9B19-05B0F41C67C7}" srcOrd="5" destOrd="0" parTransId="{C622839D-6FD8-40E6-AAC9-EDD8E101A37C}" sibTransId="{2671AA3C-CC31-4706-9B03-91D01DBEE6D5}"/>
-    <dgm:cxn modelId="{315C0EFE-8780-4C49-803E-D75EE4E08E58}" type="presOf" srcId="{41B00F3F-378E-426C-9B19-05B0F41C67C7}" destId="{864B40E2-5677-4629-A8CD-89A9B756124E}" srcOrd="0" destOrd="0" presId="urn:microsoft.com/office/officeart/2005/8/layout/hChevron3"/>
-    <dgm:cxn modelId="{668162C4-D7BA-4441-9A21-59F7667043E0}" srcId="{6A8546E9-E9B2-4F2B-8A07-1A72163BC7E6}" destId="{4D4D000D-974A-48CB-A566-4EBD4E8EDB25}" srcOrd="1" destOrd="0" parTransId="{8F9930B4-275D-4451-81BC-006ACBA4F2FB}" sibTransId="{EC5238F9-15D4-4FDB-A904-66845C8EF287}"/>
-    <dgm:cxn modelId="{7A757D97-AA5A-407E-8095-530718C5DDE5}" type="presOf" srcId="{FC3112A3-EEDF-40FD-9BED-6112639D5D01}" destId="{30C4040E-3A67-4FAE-8B9A-AC72E751EC50}" srcOrd="0" destOrd="0" presId="urn:microsoft.com/office/officeart/2005/8/layout/hChevron3"/>
-    <dgm:cxn modelId="{4255928E-C29A-492D-BD3B-6283B1E79959}" type="presOf" srcId="{2771C318-91EC-480A-874D-DCA64E759094}" destId="{DB1159B9-80FD-430B-86E2-A75B606C2F1F}" srcOrd="0" destOrd="0" presId="urn:microsoft.com/office/officeart/2005/8/layout/hChevron3"/>
-    <dgm:cxn modelId="{7E1842DD-4CBE-4AB5-BDDB-1296568EC0F4}" srcId="{6A8546E9-E9B2-4F2B-8A07-1A72163BC7E6}" destId="{4881E3A9-31F4-46BA-B863-70B1C54FAC2D}" srcOrd="4" destOrd="0" parTransId="{9051010D-105C-42DA-BA84-3B8AB4A30E15}" sibTransId="{9DF80EA9-09B9-431A-8640-A670C5390623}"/>
-    <dgm:cxn modelId="{B0CB6D74-CDC5-43D0-B7A1-F517A35DD721}" type="presOf" srcId="{B484E091-564B-442C-8073-4907955BE5A3}" destId="{E64072B9-64A8-4DF1-804A-B16CFFB1216B}" srcOrd="0" destOrd="0" presId="urn:microsoft.com/office/officeart/2005/8/layout/hChevron3"/>
-    <dgm:cxn modelId="{CB0BE069-FF04-4354-BA9E-F06694E79852}" srcId="{6A8546E9-E9B2-4F2B-8A07-1A72163BC7E6}" destId="{FC3112A3-EEDF-40FD-9BED-6112639D5D01}" srcOrd="6" destOrd="0" parTransId="{8BD5A70A-10CB-4EFA-91E5-F7A1A54877B1}" sibTransId="{34880B58-17EB-4A72-9340-5FC96A4518EC}"/>
-    <dgm:cxn modelId="{F529ACEC-92A8-4A06-B929-C6595A60848D}" type="presOf" srcId="{4E86C8DD-C111-414B-8787-FCC4CF22BC51}" destId="{2FD73B5B-C67A-4CA2-AE6F-C449126E1582}" srcOrd="0" destOrd="0" presId="urn:microsoft.com/office/officeart/2005/8/layout/hChevron3"/>
-    <dgm:cxn modelId="{51E8CDAD-7133-409B-930B-10CB675B00DB}" srcId="{6A8546E9-E9B2-4F2B-8A07-1A72163BC7E6}" destId="{B484E091-564B-442C-8073-4907955BE5A3}" srcOrd="2" destOrd="0" parTransId="{F70BC14C-0649-4B35-B73B-50878A685CCC}" sibTransId="{0EC4E443-3677-44F0-888A-BB58FECEB91D}"/>
-    <dgm:cxn modelId="{0937CBE8-2859-473E-8EDD-52B043C9F16C}" type="presOf" srcId="{4881E3A9-31F4-46BA-B863-70B1C54FAC2D}" destId="{6A9781BF-7230-4DD5-9A8B-E4869886CC12}" srcOrd="0" destOrd="0" presId="urn:microsoft.com/office/officeart/2005/8/layout/hChevron3"/>
-    <dgm:cxn modelId="{6173745F-3672-49CD-B7DE-38FFF0920964}" srcId="{6A8546E9-E9B2-4F2B-8A07-1A72163BC7E6}" destId="{4E86C8DD-C111-414B-8787-FCC4CF22BC51}" srcOrd="0" destOrd="0" parTransId="{A71C5E6B-D401-46B5-A9DC-B4D913B13607}" sibTransId="{CD6D0568-93C6-4A17-8AA2-FDBB171E9BC5}"/>
-    <dgm:cxn modelId="{E8BC96DC-3B70-40D8-A68A-D4BF7F8A6048}" type="presParOf" srcId="{E2E10B8C-B192-41A8-9C93-1563F212AF2D}" destId="{2FD73B5B-C67A-4CA2-AE6F-C449126E1582}" srcOrd="0" destOrd="0" presId="urn:microsoft.com/office/officeart/2005/8/layout/hChevron3"/>
-    <dgm:cxn modelId="{125354A4-74A3-40F6-B085-B656C4B3427E}" type="presParOf" srcId="{E2E10B8C-B192-41A8-9C93-1563F212AF2D}" destId="{99FD6387-84D1-47CE-9AD5-0EAD321B3553}" srcOrd="1" destOrd="0" presId="urn:microsoft.com/office/officeart/2005/8/layout/hChevron3"/>
-    <dgm:cxn modelId="{EF6B518F-CDE5-438E-869C-C42549C1A16E}" type="presParOf" srcId="{E2E10B8C-B192-41A8-9C93-1563F212AF2D}" destId="{41E8FBBF-A987-4DF4-B0D1-6484B49C5F63}" srcOrd="2" destOrd="0" presId="urn:microsoft.com/office/officeart/2005/8/layout/hChevron3"/>
-    <dgm:cxn modelId="{CED294B8-66F1-4086-AE35-2175873EB1D9}" type="presParOf" srcId="{E2E10B8C-B192-41A8-9C93-1563F212AF2D}" destId="{FC6774B3-2F08-416C-97A4-98B246BCB46E}" srcOrd="3" destOrd="0" presId="urn:microsoft.com/office/officeart/2005/8/layout/hChevron3"/>
-    <dgm:cxn modelId="{DCEAAE4E-E38A-4560-8017-BC85B0CAE565}" type="presParOf" srcId="{E2E10B8C-B192-41A8-9C93-1563F212AF2D}" destId="{E64072B9-64A8-4DF1-804A-B16CFFB1216B}" srcOrd="4" destOrd="0" presId="urn:microsoft.com/office/officeart/2005/8/layout/hChevron3"/>
-    <dgm:cxn modelId="{8D90E284-E914-4984-A5AF-5BBA1816FE74}" type="presParOf" srcId="{E2E10B8C-B192-41A8-9C93-1563F212AF2D}" destId="{606E756F-24B8-4B45-9DC9-2134662BDD05}" srcOrd="5" destOrd="0" presId="urn:microsoft.com/office/officeart/2005/8/layout/hChevron3"/>
-    <dgm:cxn modelId="{E0E45C06-6B2F-44C1-A634-8A61CBE41043}" type="presParOf" srcId="{E2E10B8C-B192-41A8-9C93-1563F212AF2D}" destId="{DB1159B9-80FD-430B-86E2-A75B606C2F1F}" srcOrd="6" destOrd="0" presId="urn:microsoft.com/office/officeart/2005/8/layout/hChevron3"/>
-    <dgm:cxn modelId="{10277D04-DD7C-43D6-9F13-606515E1B00C}" type="presParOf" srcId="{E2E10B8C-B192-41A8-9C93-1563F212AF2D}" destId="{6EF78963-B021-48BF-B05C-DDBC53E6FD8C}" srcOrd="7" destOrd="0" presId="urn:microsoft.com/office/officeart/2005/8/layout/hChevron3"/>
-    <dgm:cxn modelId="{6ECE630B-0DC3-4EE9-852A-6E466ECB3F71}" type="presParOf" srcId="{E2E10B8C-B192-41A8-9C93-1563F212AF2D}" destId="{6A9781BF-7230-4DD5-9A8B-E4869886CC12}" srcOrd="8" destOrd="0" presId="urn:microsoft.com/office/officeart/2005/8/layout/hChevron3"/>
-    <dgm:cxn modelId="{FD5318AF-88A3-4E56-9869-417D683C7A38}" type="presParOf" srcId="{E2E10B8C-B192-41A8-9C93-1563F212AF2D}" destId="{BF30EA5B-A7EB-4829-8E08-B2E9CA243432}" srcOrd="9" destOrd="0" presId="urn:microsoft.com/office/officeart/2005/8/layout/hChevron3"/>
-    <dgm:cxn modelId="{FA243B80-E971-4BDA-BBD8-ED7899C2F7CF}" type="presParOf" srcId="{E2E10B8C-B192-41A8-9C93-1563F212AF2D}" destId="{864B40E2-5677-4629-A8CD-89A9B756124E}" srcOrd="10" destOrd="0" presId="urn:microsoft.com/office/officeart/2005/8/layout/hChevron3"/>
-    <dgm:cxn modelId="{9DF2D499-B670-4667-8EA1-3B75F6268D32}" type="presParOf" srcId="{E2E10B8C-B192-41A8-9C93-1563F212AF2D}" destId="{532EF2FA-D261-4872-95A9-891FB36F0837}" srcOrd="11" destOrd="0" presId="urn:microsoft.com/office/officeart/2005/8/layout/hChevron3"/>
-    <dgm:cxn modelId="{3E732D1F-A400-4CC0-9B48-6281DA927784}" type="presParOf" srcId="{E2E10B8C-B192-41A8-9C93-1563F212AF2D}" destId="{30C4040E-3A67-4FAE-8B9A-AC72E751EC50}" srcOrd="12" destOrd="0" presId="urn:microsoft.com/office/officeart/2005/8/layout/hChevron3"/>
-  </dgm:cxnLst>
-  <dgm:bg/>
-  <dgm:whole/>
-  <dgm:extLst>
-    <a:ext uri="http://schemas.microsoft.com/office/drawing/2008/diagram">
-      <dsp:dataModelExt xmlns:dsp="http://schemas.microsoft.com/office/drawing/2008/diagram" xmlns="" relId="rId6" minVer="http://schemas.openxmlformats.org/drawingml/2006/diagram"/>
-    </a:ext>
-  </dgm:extLst>
-</dgm:dataModel>
-</file>
-
-<file path=ppt/diagrams/data7.xml><?xml version="1.0" encoding="utf-8"?>
 <dgm:dataModel xmlns:dgm="http://schemas.openxmlformats.org/drawingml/2006/diagram" xmlns:a="http://schemas.openxmlformats.org/drawingml/2006/main">
   <dgm:ptLst>
     <dgm:pt modelId="{6A8546E9-E9B2-4F2B-8A07-1A72163BC7E6}" type="doc">
@@ -15569,21 +13784,21 @@
     </dgm:pt>
   </dgm:ptLst>
   <dgm:cxnLst>
+    <dgm:cxn modelId="{C18B113B-391A-4CA2-B4A3-D0D929A5EA64}" type="presOf" srcId="{FC3112A3-EEDF-40FD-9BED-6112639D5D01}" destId="{30C4040E-3A67-4FAE-8B9A-AC72E751EC50}" srcOrd="0" destOrd="0" presId="urn:microsoft.com/office/officeart/2005/8/layout/hChevron3"/>
+    <dgm:cxn modelId="{1FC1DDBE-5642-4861-85A9-B96379B22824}" type="presOf" srcId="{4E86C8DD-C111-414B-8787-FCC4CF22BC51}" destId="{2FD73B5B-C67A-4CA2-AE6F-C449126E1582}" srcOrd="0" destOrd="0" presId="urn:microsoft.com/office/officeart/2005/8/layout/hChevron3"/>
+    <dgm:cxn modelId="{9D6786F2-2C57-4B9E-A5D8-746C36FC05BE}" srcId="{6A8546E9-E9B2-4F2B-8A07-1A72163BC7E6}" destId="{41B00F3F-378E-426C-9B19-05B0F41C67C7}" srcOrd="5" destOrd="0" parTransId="{C622839D-6FD8-40E6-AAC9-EDD8E101A37C}" sibTransId="{2671AA3C-CC31-4706-9B03-91D01DBEE6D5}"/>
+    <dgm:cxn modelId="{6173745F-3672-49CD-B7DE-38FFF0920964}" srcId="{6A8546E9-E9B2-4F2B-8A07-1A72163BC7E6}" destId="{4E86C8DD-C111-414B-8787-FCC4CF22BC51}" srcOrd="0" destOrd="0" parTransId="{A71C5E6B-D401-46B5-A9DC-B4D913B13607}" sibTransId="{CD6D0568-93C6-4A17-8AA2-FDBB171E9BC5}"/>
+    <dgm:cxn modelId="{4CCCA1C6-148A-42E0-8254-4AF1A62DCDD0}" type="presOf" srcId="{41B00F3F-378E-426C-9B19-05B0F41C67C7}" destId="{864B40E2-5677-4629-A8CD-89A9B756124E}" srcOrd="0" destOrd="0" presId="urn:microsoft.com/office/officeart/2005/8/layout/hChevron3"/>
+    <dgm:cxn modelId="{668162C4-D7BA-4441-9A21-59F7667043E0}" srcId="{6A8546E9-E9B2-4F2B-8A07-1A72163BC7E6}" destId="{4D4D000D-974A-48CB-A566-4EBD4E8EDB25}" srcOrd="1" destOrd="0" parTransId="{8F9930B4-275D-4451-81BC-006ACBA4F2FB}" sibTransId="{EC5238F9-15D4-4FDB-A904-66845C8EF287}"/>
+    <dgm:cxn modelId="{12FD6065-D6FA-458D-B5EF-CB9063926B85}" type="presOf" srcId="{4881E3A9-31F4-46BA-B863-70B1C54FAC2D}" destId="{6A9781BF-7230-4DD5-9A8B-E4869886CC12}" srcOrd="0" destOrd="0" presId="urn:microsoft.com/office/officeart/2005/8/layout/hChevron3"/>
+    <dgm:cxn modelId="{CB0BE069-FF04-4354-BA9E-F06694E79852}" srcId="{6A8546E9-E9B2-4F2B-8A07-1A72163BC7E6}" destId="{FC3112A3-EEDF-40FD-9BED-6112639D5D01}" srcOrd="6" destOrd="0" parTransId="{8BD5A70A-10CB-4EFA-91E5-F7A1A54877B1}" sibTransId="{34880B58-17EB-4A72-9340-5FC96A4518EC}"/>
+    <dgm:cxn modelId="{51E8CDAD-7133-409B-930B-10CB675B00DB}" srcId="{6A8546E9-E9B2-4F2B-8A07-1A72163BC7E6}" destId="{B484E091-564B-442C-8073-4907955BE5A3}" srcOrd="2" destOrd="0" parTransId="{F70BC14C-0649-4B35-B73B-50878A685CCC}" sibTransId="{0EC4E443-3677-44F0-888A-BB58FECEB91D}"/>
     <dgm:cxn modelId="{69DB88C4-AA14-468C-BC72-85FC28B9A2AF}" srcId="{6A8546E9-E9B2-4F2B-8A07-1A72163BC7E6}" destId="{2771C318-91EC-480A-874D-DCA64E759094}" srcOrd="3" destOrd="0" parTransId="{878EAAE6-21C2-4F81-BBB6-2273AEFB1FAF}" sibTransId="{A5A973E9-BA36-49FF-8C14-3D7C338FBFF3}"/>
-    <dgm:cxn modelId="{9D6786F2-2C57-4B9E-A5D8-746C36FC05BE}" srcId="{6A8546E9-E9B2-4F2B-8A07-1A72163BC7E6}" destId="{41B00F3F-378E-426C-9B19-05B0F41C67C7}" srcOrd="5" destOrd="0" parTransId="{C622839D-6FD8-40E6-AAC9-EDD8E101A37C}" sibTransId="{2671AA3C-CC31-4706-9B03-91D01DBEE6D5}"/>
-    <dgm:cxn modelId="{668162C4-D7BA-4441-9A21-59F7667043E0}" srcId="{6A8546E9-E9B2-4F2B-8A07-1A72163BC7E6}" destId="{4D4D000D-974A-48CB-A566-4EBD4E8EDB25}" srcOrd="1" destOrd="0" parTransId="{8F9930B4-275D-4451-81BC-006ACBA4F2FB}" sibTransId="{EC5238F9-15D4-4FDB-A904-66845C8EF287}"/>
+    <dgm:cxn modelId="{ADA543BE-6D10-4CAE-B531-D20A83736E25}" type="presOf" srcId="{6A8546E9-E9B2-4F2B-8A07-1A72163BC7E6}" destId="{E2E10B8C-B192-41A8-9C93-1563F212AF2D}" srcOrd="0" destOrd="0" presId="urn:microsoft.com/office/officeart/2005/8/layout/hChevron3"/>
+    <dgm:cxn modelId="{BE67C299-65E3-44D7-A2CB-A2D74149D0B8}" type="presOf" srcId="{4D4D000D-974A-48CB-A566-4EBD4E8EDB25}" destId="{41E8FBBF-A987-4DF4-B0D1-6484B49C5F63}" srcOrd="0" destOrd="0" presId="urn:microsoft.com/office/officeart/2005/8/layout/hChevron3"/>
     <dgm:cxn modelId="{A2A6777E-17AD-4AF5-81E4-97BB1587CB10}" type="presOf" srcId="{2771C318-91EC-480A-874D-DCA64E759094}" destId="{DB1159B9-80FD-430B-86E2-A75B606C2F1F}" srcOrd="0" destOrd="0" presId="urn:microsoft.com/office/officeart/2005/8/layout/hChevron3"/>
     <dgm:cxn modelId="{7E1842DD-4CBE-4AB5-BDDB-1296568EC0F4}" srcId="{6A8546E9-E9B2-4F2B-8A07-1A72163BC7E6}" destId="{4881E3A9-31F4-46BA-B863-70B1C54FAC2D}" srcOrd="4" destOrd="0" parTransId="{9051010D-105C-42DA-BA84-3B8AB4A30E15}" sibTransId="{9DF80EA9-09B9-431A-8640-A670C5390623}"/>
-    <dgm:cxn modelId="{CB0BE069-FF04-4354-BA9E-F06694E79852}" srcId="{6A8546E9-E9B2-4F2B-8A07-1A72163BC7E6}" destId="{FC3112A3-EEDF-40FD-9BED-6112639D5D01}" srcOrd="6" destOrd="0" parTransId="{8BD5A70A-10CB-4EFA-91E5-F7A1A54877B1}" sibTransId="{34880B58-17EB-4A72-9340-5FC96A4518EC}"/>
-    <dgm:cxn modelId="{4CCCA1C6-148A-42E0-8254-4AF1A62DCDD0}" type="presOf" srcId="{41B00F3F-378E-426C-9B19-05B0F41C67C7}" destId="{864B40E2-5677-4629-A8CD-89A9B756124E}" srcOrd="0" destOrd="0" presId="urn:microsoft.com/office/officeart/2005/8/layout/hChevron3"/>
-    <dgm:cxn modelId="{1FC1DDBE-5642-4861-85A9-B96379B22824}" type="presOf" srcId="{4E86C8DD-C111-414B-8787-FCC4CF22BC51}" destId="{2FD73B5B-C67A-4CA2-AE6F-C449126E1582}" srcOrd="0" destOrd="0" presId="urn:microsoft.com/office/officeart/2005/8/layout/hChevron3"/>
-    <dgm:cxn modelId="{BE67C299-65E3-44D7-A2CB-A2D74149D0B8}" type="presOf" srcId="{4D4D000D-974A-48CB-A566-4EBD4E8EDB25}" destId="{41E8FBBF-A987-4DF4-B0D1-6484B49C5F63}" srcOrd="0" destOrd="0" presId="urn:microsoft.com/office/officeart/2005/8/layout/hChevron3"/>
     <dgm:cxn modelId="{B240D5FA-F740-4B1C-8D90-3E868BBC4439}" type="presOf" srcId="{B484E091-564B-442C-8073-4907955BE5A3}" destId="{E64072B9-64A8-4DF1-804A-B16CFFB1216B}" srcOrd="0" destOrd="0" presId="urn:microsoft.com/office/officeart/2005/8/layout/hChevron3"/>
-    <dgm:cxn modelId="{51E8CDAD-7133-409B-930B-10CB675B00DB}" srcId="{6A8546E9-E9B2-4F2B-8A07-1A72163BC7E6}" destId="{B484E091-564B-442C-8073-4907955BE5A3}" srcOrd="2" destOrd="0" parTransId="{F70BC14C-0649-4B35-B73B-50878A685CCC}" sibTransId="{0EC4E443-3677-44F0-888A-BB58FECEB91D}"/>
-    <dgm:cxn modelId="{ADA543BE-6D10-4CAE-B531-D20A83736E25}" type="presOf" srcId="{6A8546E9-E9B2-4F2B-8A07-1A72163BC7E6}" destId="{E2E10B8C-B192-41A8-9C93-1563F212AF2D}" srcOrd="0" destOrd="0" presId="urn:microsoft.com/office/officeart/2005/8/layout/hChevron3"/>
-    <dgm:cxn modelId="{C18B113B-391A-4CA2-B4A3-D0D929A5EA64}" type="presOf" srcId="{FC3112A3-EEDF-40FD-9BED-6112639D5D01}" destId="{30C4040E-3A67-4FAE-8B9A-AC72E751EC50}" srcOrd="0" destOrd="0" presId="urn:microsoft.com/office/officeart/2005/8/layout/hChevron3"/>
-    <dgm:cxn modelId="{6173745F-3672-49CD-B7DE-38FFF0920964}" srcId="{6A8546E9-E9B2-4F2B-8A07-1A72163BC7E6}" destId="{4E86C8DD-C111-414B-8787-FCC4CF22BC51}" srcOrd="0" destOrd="0" parTransId="{A71C5E6B-D401-46B5-A9DC-B4D913B13607}" sibTransId="{CD6D0568-93C6-4A17-8AA2-FDBB171E9BC5}"/>
-    <dgm:cxn modelId="{12FD6065-D6FA-458D-B5EF-CB9063926B85}" type="presOf" srcId="{4881E3A9-31F4-46BA-B863-70B1C54FAC2D}" destId="{6A9781BF-7230-4DD5-9A8B-E4869886CC12}" srcOrd="0" destOrd="0" presId="urn:microsoft.com/office/officeart/2005/8/layout/hChevron3"/>
     <dgm:cxn modelId="{1A2C216B-537D-4DE7-87E8-B6F9E225550A}" type="presParOf" srcId="{E2E10B8C-B192-41A8-9C93-1563F212AF2D}" destId="{2FD73B5B-C67A-4CA2-AE6F-C449126E1582}" srcOrd="0" destOrd="0" presId="urn:microsoft.com/office/officeart/2005/8/layout/hChevron3"/>
     <dgm:cxn modelId="{8EA22F87-AA69-47AF-9F29-11D08E87F2CA}" type="presParOf" srcId="{E2E10B8C-B192-41A8-9C93-1563F212AF2D}" destId="{99FD6387-84D1-47CE-9AD5-0EAD321B3553}" srcOrd="1" destOrd="0" presId="urn:microsoft.com/office/officeart/2005/8/layout/hChevron3"/>
     <dgm:cxn modelId="{84373339-B16C-4022-8647-638CE850DBBF}" type="presParOf" srcId="{E2E10B8C-B192-41A8-9C93-1563F212AF2D}" destId="{41E8FBBF-A987-4DF4-B0D1-6484B49C5F63}" srcOrd="2" destOrd="0" presId="urn:microsoft.com/office/officeart/2005/8/layout/hChevron3"/>
@@ -15602,7 +13817,520 @@
   <dgm:whole/>
   <dgm:extLst>
     <a:ext uri="http://schemas.microsoft.com/office/drawing/2008/diagram">
-      <dsp:dataModelExt xmlns:dsp="http://schemas.microsoft.com/office/drawing/2008/diagram" xmlns="" relId="rId6" minVer="http://schemas.openxmlformats.org/drawingml/2006/diagram"/>
+      <dsp:dataModelExt xmlns:dsp="http://schemas.microsoft.com/office/drawing/2008/diagram" relId="rId6" minVer="http://schemas.openxmlformats.org/drawingml/2006/diagram"/>
+    </a:ext>
+  </dgm:extLst>
+</dgm:dataModel>
+</file>
+
+<file path=ppt/diagrams/data7.xml><?xml version="1.0" encoding="utf-8"?>
+<dgm:dataModel xmlns:dgm="http://schemas.openxmlformats.org/drawingml/2006/diagram" xmlns:a="http://schemas.openxmlformats.org/drawingml/2006/main">
+  <dgm:ptLst>
+    <dgm:pt modelId="{6A8546E9-E9B2-4F2B-8A07-1A72163BC7E6}" type="doc">
+      <dgm:prSet loTypeId="urn:microsoft.com/office/officeart/2005/8/layout/hChevron3" loCatId="process" qsTypeId="urn:microsoft.com/office/officeart/2005/8/quickstyle/simple1" qsCatId="simple" csTypeId="urn:microsoft.com/office/officeart/2005/8/colors/accent0_3" csCatId="mainScheme" phldr="1"/>
+      <dgm:spPr/>
+    </dgm:pt>
+    <dgm:pt modelId="{4E86C8DD-C111-414B-8787-FCC4CF22BC51}">
+      <dgm:prSet phldrT="[Text]" custT="1"/>
+      <dgm:spPr/>
+      <dgm:t>
+        <a:bodyPr/>
+        <a:lstStyle/>
+        <a:p>
+          <a:r>
+            <a:rPr lang="sv-SE" altLang="zh-CN" sz="900" dirty="0" smtClean="0"/>
+            <a:t>Motivation</a:t>
+          </a:r>
+          <a:endParaRPr lang="zh-CN" altLang="en-US" sz="900" dirty="0"/>
+        </a:p>
+      </dgm:t>
+    </dgm:pt>
+    <dgm:pt modelId="{A71C5E6B-D401-46B5-A9DC-B4D913B13607}" type="parTrans" cxnId="{6173745F-3672-49CD-B7DE-38FFF0920964}">
+      <dgm:prSet/>
+      <dgm:spPr/>
+      <dgm:t>
+        <a:bodyPr/>
+        <a:lstStyle/>
+        <a:p>
+          <a:endParaRPr lang="zh-CN" altLang="en-US" sz="900">
+            <a:solidFill>
+              <a:schemeClr val="bg1"/>
+            </a:solidFill>
+          </a:endParaRPr>
+        </a:p>
+      </dgm:t>
+    </dgm:pt>
+    <dgm:pt modelId="{CD6D0568-93C6-4A17-8AA2-FDBB171E9BC5}" type="sibTrans" cxnId="{6173745F-3672-49CD-B7DE-38FFF0920964}">
+      <dgm:prSet/>
+      <dgm:spPr/>
+      <dgm:t>
+        <a:bodyPr/>
+        <a:lstStyle/>
+        <a:p>
+          <a:endParaRPr lang="zh-CN" altLang="en-US" sz="900">
+            <a:solidFill>
+              <a:schemeClr val="bg1"/>
+            </a:solidFill>
+          </a:endParaRPr>
+        </a:p>
+      </dgm:t>
+    </dgm:pt>
+    <dgm:pt modelId="{4D4D000D-974A-48CB-A566-4EBD4E8EDB25}">
+      <dgm:prSet phldrT="[Text]" custT="1"/>
+      <dgm:spPr/>
+      <dgm:t>
+        <a:bodyPr/>
+        <a:lstStyle/>
+        <a:p>
+          <a:r>
+            <a:rPr lang="sv-SE" altLang="zh-CN" sz="900" dirty="0" smtClean="0"/>
+            <a:t>Problem Formulation</a:t>
+          </a:r>
+          <a:endParaRPr lang="zh-CN" altLang="en-US" sz="900" dirty="0"/>
+        </a:p>
+      </dgm:t>
+    </dgm:pt>
+    <dgm:pt modelId="{8F9930B4-275D-4451-81BC-006ACBA4F2FB}" type="parTrans" cxnId="{668162C4-D7BA-4441-9A21-59F7667043E0}">
+      <dgm:prSet/>
+      <dgm:spPr/>
+      <dgm:t>
+        <a:bodyPr/>
+        <a:lstStyle/>
+        <a:p>
+          <a:endParaRPr lang="zh-CN" altLang="en-US" sz="900">
+            <a:solidFill>
+              <a:schemeClr val="bg1"/>
+            </a:solidFill>
+          </a:endParaRPr>
+        </a:p>
+      </dgm:t>
+    </dgm:pt>
+    <dgm:pt modelId="{EC5238F9-15D4-4FDB-A904-66845C8EF287}" type="sibTrans" cxnId="{668162C4-D7BA-4441-9A21-59F7667043E0}">
+      <dgm:prSet/>
+      <dgm:spPr/>
+      <dgm:t>
+        <a:bodyPr/>
+        <a:lstStyle/>
+        <a:p>
+          <a:endParaRPr lang="zh-CN" altLang="en-US" sz="900">
+            <a:solidFill>
+              <a:schemeClr val="bg1"/>
+            </a:solidFill>
+          </a:endParaRPr>
+        </a:p>
+      </dgm:t>
+    </dgm:pt>
+    <dgm:pt modelId="{B484E091-564B-442C-8073-4907955BE5A3}">
+      <dgm:prSet phldrT="[Text]" custT="1"/>
+      <dgm:spPr/>
+      <dgm:t>
+        <a:bodyPr/>
+        <a:lstStyle/>
+        <a:p>
+          <a:r>
+            <a:rPr lang="sv-SE" altLang="zh-CN" sz="900" dirty="0" smtClean="0"/>
+            <a:t>System Model</a:t>
+          </a:r>
+          <a:endParaRPr lang="zh-CN" altLang="en-US" sz="900" dirty="0"/>
+        </a:p>
+      </dgm:t>
+    </dgm:pt>
+    <dgm:pt modelId="{F70BC14C-0649-4B35-B73B-50878A685CCC}" type="parTrans" cxnId="{51E8CDAD-7133-409B-930B-10CB675B00DB}">
+      <dgm:prSet/>
+      <dgm:spPr/>
+      <dgm:t>
+        <a:bodyPr/>
+        <a:lstStyle/>
+        <a:p>
+          <a:endParaRPr lang="zh-CN" altLang="en-US" sz="900">
+            <a:solidFill>
+              <a:schemeClr val="bg1"/>
+            </a:solidFill>
+          </a:endParaRPr>
+        </a:p>
+      </dgm:t>
+    </dgm:pt>
+    <dgm:pt modelId="{0EC4E443-3677-44F0-888A-BB58FECEB91D}" type="sibTrans" cxnId="{51E8CDAD-7133-409B-930B-10CB675B00DB}">
+      <dgm:prSet/>
+      <dgm:spPr/>
+      <dgm:t>
+        <a:bodyPr/>
+        <a:lstStyle/>
+        <a:p>
+          <a:endParaRPr lang="zh-CN" altLang="en-US" sz="900">
+            <a:solidFill>
+              <a:schemeClr val="bg1"/>
+            </a:solidFill>
+          </a:endParaRPr>
+        </a:p>
+      </dgm:t>
+    </dgm:pt>
+    <dgm:pt modelId="{2771C318-91EC-480A-874D-DCA64E759094}">
+      <dgm:prSet phldrT="[Text]" custT="1"/>
+      <dgm:spPr/>
+      <dgm:t>
+        <a:bodyPr/>
+        <a:lstStyle/>
+        <a:p>
+          <a:r>
+            <a:rPr lang="sv-SE" altLang="zh-CN" sz="900" dirty="0" smtClean="0"/>
+            <a:t>Techniques Overview</a:t>
+          </a:r>
+          <a:endParaRPr lang="zh-CN" altLang="en-US" sz="900" dirty="0"/>
+        </a:p>
+      </dgm:t>
+    </dgm:pt>
+    <dgm:pt modelId="{878EAAE6-21C2-4F81-BBB6-2273AEFB1FAF}" type="parTrans" cxnId="{69DB88C4-AA14-468C-BC72-85FC28B9A2AF}">
+      <dgm:prSet/>
+      <dgm:spPr/>
+      <dgm:t>
+        <a:bodyPr/>
+        <a:lstStyle/>
+        <a:p>
+          <a:endParaRPr lang="zh-CN" altLang="en-US" sz="900">
+            <a:solidFill>
+              <a:schemeClr val="bg1"/>
+            </a:solidFill>
+          </a:endParaRPr>
+        </a:p>
+      </dgm:t>
+    </dgm:pt>
+    <dgm:pt modelId="{A5A973E9-BA36-49FF-8C14-3D7C338FBFF3}" type="sibTrans" cxnId="{69DB88C4-AA14-468C-BC72-85FC28B9A2AF}">
+      <dgm:prSet/>
+      <dgm:spPr/>
+      <dgm:t>
+        <a:bodyPr/>
+        <a:lstStyle/>
+        <a:p>
+          <a:endParaRPr lang="zh-CN" altLang="en-US" sz="900">
+            <a:solidFill>
+              <a:schemeClr val="bg1"/>
+            </a:solidFill>
+          </a:endParaRPr>
+        </a:p>
+      </dgm:t>
+    </dgm:pt>
+    <dgm:pt modelId="{4881E3A9-31F4-46BA-B863-70B1C54FAC2D}">
+      <dgm:prSet phldrT="[Text]" custT="1"/>
+      <dgm:spPr/>
+      <dgm:t>
+        <a:bodyPr/>
+        <a:lstStyle/>
+        <a:p>
+          <a:r>
+            <a:rPr lang="sv-SE" altLang="zh-CN" sz="900" dirty="0" smtClean="0">
+              <a:solidFill>
+                <a:srgbClr val="FF0000"/>
+              </a:solidFill>
+            </a:rPr>
+            <a:t>Result</a:t>
+          </a:r>
+          <a:endParaRPr lang="zh-CN" altLang="en-US" sz="900" dirty="0">
+            <a:solidFill>
+              <a:srgbClr val="FF0000"/>
+            </a:solidFill>
+          </a:endParaRPr>
+        </a:p>
+      </dgm:t>
+    </dgm:pt>
+    <dgm:pt modelId="{9051010D-105C-42DA-BA84-3B8AB4A30E15}" type="parTrans" cxnId="{7E1842DD-4CBE-4AB5-BDDB-1296568EC0F4}">
+      <dgm:prSet/>
+      <dgm:spPr/>
+      <dgm:t>
+        <a:bodyPr/>
+        <a:lstStyle/>
+        <a:p>
+          <a:endParaRPr lang="zh-CN" altLang="en-US" sz="900">
+            <a:solidFill>
+              <a:schemeClr val="bg1"/>
+            </a:solidFill>
+          </a:endParaRPr>
+        </a:p>
+      </dgm:t>
+    </dgm:pt>
+    <dgm:pt modelId="{9DF80EA9-09B9-431A-8640-A670C5390623}" type="sibTrans" cxnId="{7E1842DD-4CBE-4AB5-BDDB-1296568EC0F4}">
+      <dgm:prSet/>
+      <dgm:spPr/>
+      <dgm:t>
+        <a:bodyPr/>
+        <a:lstStyle/>
+        <a:p>
+          <a:endParaRPr lang="zh-CN" altLang="en-US" sz="900">
+            <a:solidFill>
+              <a:schemeClr val="bg1"/>
+            </a:solidFill>
+          </a:endParaRPr>
+        </a:p>
+      </dgm:t>
+    </dgm:pt>
+    <dgm:pt modelId="{41B00F3F-378E-426C-9B19-05B0F41C67C7}">
+      <dgm:prSet phldrT="[Text]" custT="1"/>
+      <dgm:spPr/>
+      <dgm:t>
+        <a:bodyPr/>
+        <a:lstStyle/>
+        <a:p>
+          <a:r>
+            <a:rPr lang="sv-SE" altLang="zh-CN" sz="900" b="1" dirty="0" smtClean="0">
+              <a:solidFill>
+                <a:schemeClr val="bg1"/>
+              </a:solidFill>
+            </a:rPr>
+            <a:t>Conclusion</a:t>
+          </a:r>
+          <a:endParaRPr lang="zh-CN" altLang="en-US" sz="900" b="1" dirty="0">
+            <a:solidFill>
+              <a:schemeClr val="bg1"/>
+            </a:solidFill>
+          </a:endParaRPr>
+        </a:p>
+      </dgm:t>
+    </dgm:pt>
+    <dgm:pt modelId="{C622839D-6FD8-40E6-AAC9-EDD8E101A37C}" type="parTrans" cxnId="{9D6786F2-2C57-4B9E-A5D8-746C36FC05BE}">
+      <dgm:prSet/>
+      <dgm:spPr/>
+      <dgm:t>
+        <a:bodyPr/>
+        <a:lstStyle/>
+        <a:p>
+          <a:endParaRPr lang="zh-CN" altLang="en-US" sz="900">
+            <a:solidFill>
+              <a:schemeClr val="bg1"/>
+            </a:solidFill>
+          </a:endParaRPr>
+        </a:p>
+      </dgm:t>
+    </dgm:pt>
+    <dgm:pt modelId="{2671AA3C-CC31-4706-9B03-91D01DBEE6D5}" type="sibTrans" cxnId="{9D6786F2-2C57-4B9E-A5D8-746C36FC05BE}">
+      <dgm:prSet/>
+      <dgm:spPr/>
+      <dgm:t>
+        <a:bodyPr/>
+        <a:lstStyle/>
+        <a:p>
+          <a:endParaRPr lang="zh-CN" altLang="en-US" sz="900">
+            <a:solidFill>
+              <a:schemeClr val="bg1"/>
+            </a:solidFill>
+          </a:endParaRPr>
+        </a:p>
+      </dgm:t>
+    </dgm:pt>
+    <dgm:pt modelId="{FC3112A3-EEDF-40FD-9BED-6112639D5D01}">
+      <dgm:prSet phldrT="[Text]" custT="1"/>
+      <dgm:spPr/>
+      <dgm:t>
+        <a:bodyPr/>
+        <a:lstStyle/>
+        <a:p>
+          <a:r>
+            <a:rPr lang="en-US" altLang="zh-CN" sz="900" dirty="0" smtClean="0"/>
+            <a:t>Future Work</a:t>
+          </a:r>
+          <a:endParaRPr lang="zh-CN" altLang="en-US" sz="900" b="1" dirty="0">
+            <a:solidFill>
+              <a:srgbClr val="FF0000"/>
+            </a:solidFill>
+          </a:endParaRPr>
+        </a:p>
+      </dgm:t>
+    </dgm:pt>
+    <dgm:pt modelId="{8BD5A70A-10CB-4EFA-91E5-F7A1A54877B1}" type="parTrans" cxnId="{CB0BE069-FF04-4354-BA9E-F06694E79852}">
+      <dgm:prSet/>
+      <dgm:spPr/>
+      <dgm:t>
+        <a:bodyPr/>
+        <a:lstStyle/>
+        <a:p>
+          <a:endParaRPr lang="zh-CN" altLang="en-US" sz="900"/>
+        </a:p>
+      </dgm:t>
+    </dgm:pt>
+    <dgm:pt modelId="{34880B58-17EB-4A72-9340-5FC96A4518EC}" type="sibTrans" cxnId="{CB0BE069-FF04-4354-BA9E-F06694E79852}">
+      <dgm:prSet/>
+      <dgm:spPr/>
+      <dgm:t>
+        <a:bodyPr/>
+        <a:lstStyle/>
+        <a:p>
+          <a:endParaRPr lang="zh-CN" altLang="en-US" sz="900"/>
+        </a:p>
+      </dgm:t>
+    </dgm:pt>
+    <dgm:pt modelId="{E2E10B8C-B192-41A8-9C93-1563F212AF2D}" type="pres">
+      <dgm:prSet presAssocID="{6A8546E9-E9B2-4F2B-8A07-1A72163BC7E6}" presName="Name0" presStyleCnt="0">
+        <dgm:presLayoutVars>
+          <dgm:dir/>
+          <dgm:resizeHandles val="exact"/>
+        </dgm:presLayoutVars>
+      </dgm:prSet>
+      <dgm:spPr/>
+    </dgm:pt>
+    <dgm:pt modelId="{2FD73B5B-C67A-4CA2-AE6F-C449126E1582}" type="pres">
+      <dgm:prSet presAssocID="{4E86C8DD-C111-414B-8787-FCC4CF22BC51}" presName="parTxOnly" presStyleLbl="node1" presStyleIdx="0" presStyleCnt="7" custScaleX="67968" custLinFactNeighborX="-88919" custLinFactNeighborY="25000">
+        <dgm:presLayoutVars>
+          <dgm:bulletEnabled val="1"/>
+        </dgm:presLayoutVars>
+      </dgm:prSet>
+      <dgm:spPr/>
+      <dgm:t>
+        <a:bodyPr/>
+        <a:lstStyle/>
+        <a:p>
+          <a:endParaRPr lang="zh-CN" altLang="en-US"/>
+        </a:p>
+      </dgm:t>
+    </dgm:pt>
+    <dgm:pt modelId="{99FD6387-84D1-47CE-9AD5-0EAD321B3553}" type="pres">
+      <dgm:prSet presAssocID="{CD6D0568-93C6-4A17-8AA2-FDBB171E9BC5}" presName="parSpace" presStyleCnt="0"/>
+      <dgm:spPr/>
+    </dgm:pt>
+    <dgm:pt modelId="{41E8FBBF-A987-4DF4-B0D1-6484B49C5F63}" type="pres">
+      <dgm:prSet presAssocID="{4D4D000D-974A-48CB-A566-4EBD4E8EDB25}" presName="parTxOnly" presStyleLbl="node1" presStyleIdx="1" presStyleCnt="7" custScaleX="96195">
+        <dgm:presLayoutVars>
+          <dgm:bulletEnabled val="1"/>
+        </dgm:presLayoutVars>
+      </dgm:prSet>
+      <dgm:spPr/>
+      <dgm:t>
+        <a:bodyPr/>
+        <a:lstStyle/>
+        <a:p>
+          <a:endParaRPr lang="zh-CN" altLang="en-US"/>
+        </a:p>
+      </dgm:t>
+    </dgm:pt>
+    <dgm:pt modelId="{FC6774B3-2F08-416C-97A4-98B246BCB46E}" type="pres">
+      <dgm:prSet presAssocID="{EC5238F9-15D4-4FDB-A904-66845C8EF287}" presName="parSpace" presStyleCnt="0"/>
+      <dgm:spPr/>
+    </dgm:pt>
+    <dgm:pt modelId="{E64072B9-64A8-4DF1-804A-B16CFFB1216B}" type="pres">
+      <dgm:prSet presAssocID="{B484E091-564B-442C-8073-4907955BE5A3}" presName="parTxOnly" presStyleLbl="node1" presStyleIdx="2" presStyleCnt="7" custScaleX="68957">
+        <dgm:presLayoutVars>
+          <dgm:bulletEnabled val="1"/>
+        </dgm:presLayoutVars>
+      </dgm:prSet>
+      <dgm:spPr/>
+      <dgm:t>
+        <a:bodyPr/>
+        <a:lstStyle/>
+        <a:p>
+          <a:endParaRPr lang="zh-CN" altLang="en-US"/>
+        </a:p>
+      </dgm:t>
+    </dgm:pt>
+    <dgm:pt modelId="{606E756F-24B8-4B45-9DC9-2134662BDD05}" type="pres">
+      <dgm:prSet presAssocID="{0EC4E443-3677-44F0-888A-BB58FECEB91D}" presName="parSpace" presStyleCnt="0"/>
+      <dgm:spPr/>
+    </dgm:pt>
+    <dgm:pt modelId="{DB1159B9-80FD-430B-86E2-A75B606C2F1F}" type="pres">
+      <dgm:prSet presAssocID="{2771C318-91EC-480A-874D-DCA64E759094}" presName="parTxOnly" presStyleLbl="node1" presStyleIdx="3" presStyleCnt="7">
+        <dgm:presLayoutVars>
+          <dgm:bulletEnabled val="1"/>
+        </dgm:presLayoutVars>
+      </dgm:prSet>
+      <dgm:spPr/>
+      <dgm:t>
+        <a:bodyPr/>
+        <a:lstStyle/>
+        <a:p>
+          <a:endParaRPr lang="zh-CN" altLang="en-US"/>
+        </a:p>
+      </dgm:t>
+    </dgm:pt>
+    <dgm:pt modelId="{6EF78963-B021-48BF-B05C-DDBC53E6FD8C}" type="pres">
+      <dgm:prSet presAssocID="{A5A973E9-BA36-49FF-8C14-3D7C338FBFF3}" presName="parSpace" presStyleCnt="0"/>
+      <dgm:spPr/>
+    </dgm:pt>
+    <dgm:pt modelId="{6A9781BF-7230-4DD5-9A8B-E4869886CC12}" type="pres">
+      <dgm:prSet presAssocID="{4881E3A9-31F4-46BA-B863-70B1C54FAC2D}" presName="parTxOnly" presStyleLbl="node1" presStyleIdx="4" presStyleCnt="7" custScaleX="68623">
+        <dgm:presLayoutVars>
+          <dgm:bulletEnabled val="1"/>
+        </dgm:presLayoutVars>
+      </dgm:prSet>
+      <dgm:spPr/>
+      <dgm:t>
+        <a:bodyPr/>
+        <a:lstStyle/>
+        <a:p>
+          <a:endParaRPr lang="zh-CN" altLang="en-US"/>
+        </a:p>
+      </dgm:t>
+    </dgm:pt>
+    <dgm:pt modelId="{BF30EA5B-A7EB-4829-8E08-B2E9CA243432}" type="pres">
+      <dgm:prSet presAssocID="{9DF80EA9-09B9-431A-8640-A670C5390623}" presName="parSpace" presStyleCnt="0"/>
+      <dgm:spPr/>
+    </dgm:pt>
+    <dgm:pt modelId="{864B40E2-5677-4629-A8CD-89A9B756124E}" type="pres">
+      <dgm:prSet presAssocID="{41B00F3F-378E-426C-9B19-05B0F41C67C7}" presName="parTxOnly" presStyleLbl="node1" presStyleIdx="5" presStyleCnt="7" custScaleX="108314" custLinFactNeighborX="10429">
+        <dgm:presLayoutVars>
+          <dgm:bulletEnabled val="1"/>
+        </dgm:presLayoutVars>
+      </dgm:prSet>
+      <dgm:spPr/>
+      <dgm:t>
+        <a:bodyPr/>
+        <a:lstStyle/>
+        <a:p>
+          <a:endParaRPr lang="zh-CN" altLang="en-US"/>
+        </a:p>
+      </dgm:t>
+    </dgm:pt>
+    <dgm:pt modelId="{532EF2FA-D261-4872-95A9-891FB36F0837}" type="pres">
+      <dgm:prSet presAssocID="{2671AA3C-CC31-4706-9B03-91D01DBEE6D5}" presName="parSpace" presStyleCnt="0"/>
+      <dgm:spPr/>
+    </dgm:pt>
+    <dgm:pt modelId="{30C4040E-3A67-4FAE-8B9A-AC72E751EC50}" type="pres">
+      <dgm:prSet presAssocID="{FC3112A3-EEDF-40FD-9BED-6112639D5D01}" presName="parTxOnly" presStyleLbl="node1" presStyleIdx="6" presStyleCnt="7" custScaleX="70392" custLinFactNeighborX="-44365">
+        <dgm:presLayoutVars>
+          <dgm:bulletEnabled val="1"/>
+        </dgm:presLayoutVars>
+      </dgm:prSet>
+      <dgm:spPr/>
+      <dgm:t>
+        <a:bodyPr/>
+        <a:lstStyle/>
+        <a:p>
+          <a:endParaRPr lang="zh-CN" altLang="en-US"/>
+        </a:p>
+      </dgm:t>
+    </dgm:pt>
+  </dgm:ptLst>
+  <dgm:cxnLst>
+    <dgm:cxn modelId="{51E8CDAD-7133-409B-930B-10CB675B00DB}" srcId="{6A8546E9-E9B2-4F2B-8A07-1A72163BC7E6}" destId="{B484E091-564B-442C-8073-4907955BE5A3}" srcOrd="2" destOrd="0" parTransId="{F70BC14C-0649-4B35-B73B-50878A685CCC}" sibTransId="{0EC4E443-3677-44F0-888A-BB58FECEB91D}"/>
+    <dgm:cxn modelId="{668162C4-D7BA-4441-9A21-59F7667043E0}" srcId="{6A8546E9-E9B2-4F2B-8A07-1A72163BC7E6}" destId="{4D4D000D-974A-48CB-A566-4EBD4E8EDB25}" srcOrd="1" destOrd="0" parTransId="{8F9930B4-275D-4451-81BC-006ACBA4F2FB}" sibTransId="{EC5238F9-15D4-4FDB-A904-66845C8EF287}"/>
+    <dgm:cxn modelId="{69DB88C4-AA14-468C-BC72-85FC28B9A2AF}" srcId="{6A8546E9-E9B2-4F2B-8A07-1A72163BC7E6}" destId="{2771C318-91EC-480A-874D-DCA64E759094}" srcOrd="3" destOrd="0" parTransId="{878EAAE6-21C2-4F81-BBB6-2273AEFB1FAF}" sibTransId="{A5A973E9-BA36-49FF-8C14-3D7C338FBFF3}"/>
+    <dgm:cxn modelId="{C1BE21FF-6F2C-42E7-8729-C43DB92662F1}" type="presOf" srcId="{4881E3A9-31F4-46BA-B863-70B1C54FAC2D}" destId="{6A9781BF-7230-4DD5-9A8B-E4869886CC12}" srcOrd="0" destOrd="0" presId="urn:microsoft.com/office/officeart/2005/8/layout/hChevron3"/>
+    <dgm:cxn modelId="{3707360E-A7DA-4C95-9C5A-067BA176CC9F}" type="presOf" srcId="{2771C318-91EC-480A-874D-DCA64E759094}" destId="{DB1159B9-80FD-430B-86E2-A75B606C2F1F}" srcOrd="0" destOrd="0" presId="urn:microsoft.com/office/officeart/2005/8/layout/hChevron3"/>
+    <dgm:cxn modelId="{1C5DA290-B6B2-4EB6-9099-87E2E17F53BC}" type="presOf" srcId="{6A8546E9-E9B2-4F2B-8A07-1A72163BC7E6}" destId="{E2E10B8C-B192-41A8-9C93-1563F212AF2D}" srcOrd="0" destOrd="0" presId="urn:microsoft.com/office/officeart/2005/8/layout/hChevron3"/>
+    <dgm:cxn modelId="{CB0BE069-FF04-4354-BA9E-F06694E79852}" srcId="{6A8546E9-E9B2-4F2B-8A07-1A72163BC7E6}" destId="{FC3112A3-EEDF-40FD-9BED-6112639D5D01}" srcOrd="6" destOrd="0" parTransId="{8BD5A70A-10CB-4EFA-91E5-F7A1A54877B1}" sibTransId="{34880B58-17EB-4A72-9340-5FC96A4518EC}"/>
+    <dgm:cxn modelId="{5883FE8E-4442-4A0E-88FC-CEB3B2244954}" type="presOf" srcId="{41B00F3F-378E-426C-9B19-05B0F41C67C7}" destId="{864B40E2-5677-4629-A8CD-89A9B756124E}" srcOrd="0" destOrd="0" presId="urn:microsoft.com/office/officeart/2005/8/layout/hChevron3"/>
+    <dgm:cxn modelId="{6173745F-3672-49CD-B7DE-38FFF0920964}" srcId="{6A8546E9-E9B2-4F2B-8A07-1A72163BC7E6}" destId="{4E86C8DD-C111-414B-8787-FCC4CF22BC51}" srcOrd="0" destOrd="0" parTransId="{A71C5E6B-D401-46B5-A9DC-B4D913B13607}" sibTransId="{CD6D0568-93C6-4A17-8AA2-FDBB171E9BC5}"/>
+    <dgm:cxn modelId="{4B7782C1-BDF5-4350-9AF0-683CC0F0F99A}" type="presOf" srcId="{B484E091-564B-442C-8073-4907955BE5A3}" destId="{E64072B9-64A8-4DF1-804A-B16CFFB1216B}" srcOrd="0" destOrd="0" presId="urn:microsoft.com/office/officeart/2005/8/layout/hChevron3"/>
+    <dgm:cxn modelId="{0F681D04-C3C8-453C-A106-2EDBB644EA75}" type="presOf" srcId="{4D4D000D-974A-48CB-A566-4EBD4E8EDB25}" destId="{41E8FBBF-A987-4DF4-B0D1-6484B49C5F63}" srcOrd="0" destOrd="0" presId="urn:microsoft.com/office/officeart/2005/8/layout/hChevron3"/>
+    <dgm:cxn modelId="{ED524BF5-D226-4E50-B864-521D967CA95C}" type="presOf" srcId="{4E86C8DD-C111-414B-8787-FCC4CF22BC51}" destId="{2FD73B5B-C67A-4CA2-AE6F-C449126E1582}" srcOrd="0" destOrd="0" presId="urn:microsoft.com/office/officeart/2005/8/layout/hChevron3"/>
+    <dgm:cxn modelId="{9D6786F2-2C57-4B9E-A5D8-746C36FC05BE}" srcId="{6A8546E9-E9B2-4F2B-8A07-1A72163BC7E6}" destId="{41B00F3F-378E-426C-9B19-05B0F41C67C7}" srcOrd="5" destOrd="0" parTransId="{C622839D-6FD8-40E6-AAC9-EDD8E101A37C}" sibTransId="{2671AA3C-CC31-4706-9B03-91D01DBEE6D5}"/>
+    <dgm:cxn modelId="{B7A82EBD-BD12-42FC-B128-6EDB4341427F}" type="presOf" srcId="{FC3112A3-EEDF-40FD-9BED-6112639D5D01}" destId="{30C4040E-3A67-4FAE-8B9A-AC72E751EC50}" srcOrd="0" destOrd="0" presId="urn:microsoft.com/office/officeart/2005/8/layout/hChevron3"/>
+    <dgm:cxn modelId="{7E1842DD-4CBE-4AB5-BDDB-1296568EC0F4}" srcId="{6A8546E9-E9B2-4F2B-8A07-1A72163BC7E6}" destId="{4881E3A9-31F4-46BA-B863-70B1C54FAC2D}" srcOrd="4" destOrd="0" parTransId="{9051010D-105C-42DA-BA84-3B8AB4A30E15}" sibTransId="{9DF80EA9-09B9-431A-8640-A670C5390623}"/>
+    <dgm:cxn modelId="{476B4A4C-0806-4088-8A94-D4F907EC05D6}" type="presParOf" srcId="{E2E10B8C-B192-41A8-9C93-1563F212AF2D}" destId="{2FD73B5B-C67A-4CA2-AE6F-C449126E1582}" srcOrd="0" destOrd="0" presId="urn:microsoft.com/office/officeart/2005/8/layout/hChevron3"/>
+    <dgm:cxn modelId="{1EDBE377-9EE4-462B-8384-F2132E0653F4}" type="presParOf" srcId="{E2E10B8C-B192-41A8-9C93-1563F212AF2D}" destId="{99FD6387-84D1-47CE-9AD5-0EAD321B3553}" srcOrd="1" destOrd="0" presId="urn:microsoft.com/office/officeart/2005/8/layout/hChevron3"/>
+    <dgm:cxn modelId="{777C2A3E-56CA-4E3A-A0BD-05AFA5A888DC}" type="presParOf" srcId="{E2E10B8C-B192-41A8-9C93-1563F212AF2D}" destId="{41E8FBBF-A987-4DF4-B0D1-6484B49C5F63}" srcOrd="2" destOrd="0" presId="urn:microsoft.com/office/officeart/2005/8/layout/hChevron3"/>
+    <dgm:cxn modelId="{072D4A3D-D50B-4C04-9ACF-BFF00F5457BB}" type="presParOf" srcId="{E2E10B8C-B192-41A8-9C93-1563F212AF2D}" destId="{FC6774B3-2F08-416C-97A4-98B246BCB46E}" srcOrd="3" destOrd="0" presId="urn:microsoft.com/office/officeart/2005/8/layout/hChevron3"/>
+    <dgm:cxn modelId="{39A39375-5198-4430-A9A8-068EF6A86BD3}" type="presParOf" srcId="{E2E10B8C-B192-41A8-9C93-1563F212AF2D}" destId="{E64072B9-64A8-4DF1-804A-B16CFFB1216B}" srcOrd="4" destOrd="0" presId="urn:microsoft.com/office/officeart/2005/8/layout/hChevron3"/>
+    <dgm:cxn modelId="{F4652AA3-8879-43FC-B1FE-8E2B470E106B}" type="presParOf" srcId="{E2E10B8C-B192-41A8-9C93-1563F212AF2D}" destId="{606E756F-24B8-4B45-9DC9-2134662BDD05}" srcOrd="5" destOrd="0" presId="urn:microsoft.com/office/officeart/2005/8/layout/hChevron3"/>
+    <dgm:cxn modelId="{D04BAD3F-E154-4B20-B948-7A867D02DD86}" type="presParOf" srcId="{E2E10B8C-B192-41A8-9C93-1563F212AF2D}" destId="{DB1159B9-80FD-430B-86E2-A75B606C2F1F}" srcOrd="6" destOrd="0" presId="urn:microsoft.com/office/officeart/2005/8/layout/hChevron3"/>
+    <dgm:cxn modelId="{830D7DDD-B113-4976-94E8-DF09AA922D79}" type="presParOf" srcId="{E2E10B8C-B192-41A8-9C93-1563F212AF2D}" destId="{6EF78963-B021-48BF-B05C-DDBC53E6FD8C}" srcOrd="7" destOrd="0" presId="urn:microsoft.com/office/officeart/2005/8/layout/hChevron3"/>
+    <dgm:cxn modelId="{8DCC5341-AFEF-4213-B54A-36A43EC01492}" type="presParOf" srcId="{E2E10B8C-B192-41A8-9C93-1563F212AF2D}" destId="{6A9781BF-7230-4DD5-9A8B-E4869886CC12}" srcOrd="8" destOrd="0" presId="urn:microsoft.com/office/officeart/2005/8/layout/hChevron3"/>
+    <dgm:cxn modelId="{345CC72F-EC07-4EFC-B0FC-6110AFAD0D65}" type="presParOf" srcId="{E2E10B8C-B192-41A8-9C93-1563F212AF2D}" destId="{BF30EA5B-A7EB-4829-8E08-B2E9CA243432}" srcOrd="9" destOrd="0" presId="urn:microsoft.com/office/officeart/2005/8/layout/hChevron3"/>
+    <dgm:cxn modelId="{FCF43149-2F37-49C8-BF76-67288B133A16}" type="presParOf" srcId="{E2E10B8C-B192-41A8-9C93-1563F212AF2D}" destId="{864B40E2-5677-4629-A8CD-89A9B756124E}" srcOrd="10" destOrd="0" presId="urn:microsoft.com/office/officeart/2005/8/layout/hChevron3"/>
+    <dgm:cxn modelId="{0503AE0B-7D37-404D-96EC-D44A764688E1}" type="presParOf" srcId="{E2E10B8C-B192-41A8-9C93-1563F212AF2D}" destId="{532EF2FA-D261-4872-95A9-891FB36F0837}" srcOrd="11" destOrd="0" presId="urn:microsoft.com/office/officeart/2005/8/layout/hChevron3"/>
+    <dgm:cxn modelId="{1F846CD1-AAD9-43D0-8772-6EA2E24839C6}" type="presParOf" srcId="{E2E10B8C-B192-41A8-9C93-1563F212AF2D}" destId="{30C4040E-3A67-4FAE-8B9A-AC72E751EC50}" srcOrd="12" destOrd="0" presId="urn:microsoft.com/office/officeart/2005/8/layout/hChevron3"/>
+  </dgm:cxnLst>
+  <dgm:bg/>
+  <dgm:whole/>
+  <dgm:extLst>
+    <a:ext uri="http://schemas.microsoft.com/office/drawing/2008/diagram">
+      <dsp:dataModelExt xmlns:dsp="http://schemas.microsoft.com/office/drawing/2008/diagram" relId="rId6" minVer="http://schemas.openxmlformats.org/drawingml/2006/diagram"/>
     </a:ext>
   </dgm:extLst>
 </dgm:dataModel>
@@ -16082,40 +14810,40 @@
     </dgm:pt>
   </dgm:ptLst>
   <dgm:cxnLst>
-    <dgm:cxn modelId="{C1BE21FF-6F2C-42E7-8729-C43DB92662F1}" type="presOf" srcId="{4881E3A9-31F4-46BA-B863-70B1C54FAC2D}" destId="{6A9781BF-7230-4DD5-9A8B-E4869886CC12}" srcOrd="0" destOrd="0" presId="urn:microsoft.com/office/officeart/2005/8/layout/hChevron3"/>
-    <dgm:cxn modelId="{B7A82EBD-BD12-42FC-B128-6EDB4341427F}" type="presOf" srcId="{FC3112A3-EEDF-40FD-9BED-6112639D5D01}" destId="{30C4040E-3A67-4FAE-8B9A-AC72E751EC50}" srcOrd="0" destOrd="0" presId="urn:microsoft.com/office/officeart/2005/8/layout/hChevron3"/>
-    <dgm:cxn modelId="{3707360E-A7DA-4C95-9C5A-067BA176CC9F}" type="presOf" srcId="{2771C318-91EC-480A-874D-DCA64E759094}" destId="{DB1159B9-80FD-430B-86E2-A75B606C2F1F}" srcOrd="0" destOrd="0" presId="urn:microsoft.com/office/officeart/2005/8/layout/hChevron3"/>
     <dgm:cxn modelId="{69DB88C4-AA14-468C-BC72-85FC28B9A2AF}" srcId="{6A8546E9-E9B2-4F2B-8A07-1A72163BC7E6}" destId="{2771C318-91EC-480A-874D-DCA64E759094}" srcOrd="3" destOrd="0" parTransId="{878EAAE6-21C2-4F81-BBB6-2273AEFB1FAF}" sibTransId="{A5A973E9-BA36-49FF-8C14-3D7C338FBFF3}"/>
-    <dgm:cxn modelId="{9D6786F2-2C57-4B9E-A5D8-746C36FC05BE}" srcId="{6A8546E9-E9B2-4F2B-8A07-1A72163BC7E6}" destId="{41B00F3F-378E-426C-9B19-05B0F41C67C7}" srcOrd="5" destOrd="0" parTransId="{C622839D-6FD8-40E6-AAC9-EDD8E101A37C}" sibTransId="{2671AA3C-CC31-4706-9B03-91D01DBEE6D5}"/>
+    <dgm:cxn modelId="{64F7BDDF-2088-4312-84CE-607355F9A7D7}" type="presOf" srcId="{41B00F3F-378E-426C-9B19-05B0F41C67C7}" destId="{864B40E2-5677-4629-A8CD-89A9B756124E}" srcOrd="0" destOrd="0" presId="urn:microsoft.com/office/officeart/2005/8/layout/hChevron3"/>
     <dgm:cxn modelId="{668162C4-D7BA-4441-9A21-59F7667043E0}" srcId="{6A8546E9-E9B2-4F2B-8A07-1A72163BC7E6}" destId="{4D4D000D-974A-48CB-A566-4EBD4E8EDB25}" srcOrd="1" destOrd="0" parTransId="{8F9930B4-275D-4451-81BC-006ACBA4F2FB}" sibTransId="{EC5238F9-15D4-4FDB-A904-66845C8EF287}"/>
+    <dgm:cxn modelId="{79619FE8-EB2D-4B79-986C-09B87D36EB75}" type="presOf" srcId="{4D4D000D-974A-48CB-A566-4EBD4E8EDB25}" destId="{41E8FBBF-A987-4DF4-B0D1-6484B49C5F63}" srcOrd="0" destOrd="0" presId="urn:microsoft.com/office/officeart/2005/8/layout/hChevron3"/>
+    <dgm:cxn modelId="{7C2C6068-F5CC-4A22-8B27-74A2998B76C2}" type="presOf" srcId="{6A8546E9-E9B2-4F2B-8A07-1A72163BC7E6}" destId="{E2E10B8C-B192-41A8-9C93-1563F212AF2D}" srcOrd="0" destOrd="0" presId="urn:microsoft.com/office/officeart/2005/8/layout/hChevron3"/>
+    <dgm:cxn modelId="{ED4EAE52-2873-46A8-9A06-6BA1EBA785D2}" type="presOf" srcId="{B484E091-564B-442C-8073-4907955BE5A3}" destId="{E64072B9-64A8-4DF1-804A-B16CFFB1216B}" srcOrd="0" destOrd="0" presId="urn:microsoft.com/office/officeart/2005/8/layout/hChevron3"/>
+    <dgm:cxn modelId="{69DB8D30-D62A-4118-AB65-514AB0888819}" type="presOf" srcId="{4881E3A9-31F4-46BA-B863-70B1C54FAC2D}" destId="{6A9781BF-7230-4DD5-9A8B-E4869886CC12}" srcOrd="0" destOrd="0" presId="urn:microsoft.com/office/officeart/2005/8/layout/hChevron3"/>
     <dgm:cxn modelId="{7E1842DD-4CBE-4AB5-BDDB-1296568EC0F4}" srcId="{6A8546E9-E9B2-4F2B-8A07-1A72163BC7E6}" destId="{4881E3A9-31F4-46BA-B863-70B1C54FAC2D}" srcOrd="4" destOrd="0" parTransId="{9051010D-105C-42DA-BA84-3B8AB4A30E15}" sibTransId="{9DF80EA9-09B9-431A-8640-A670C5390623}"/>
     <dgm:cxn modelId="{CB0BE069-FF04-4354-BA9E-F06694E79852}" srcId="{6A8546E9-E9B2-4F2B-8A07-1A72163BC7E6}" destId="{FC3112A3-EEDF-40FD-9BED-6112639D5D01}" srcOrd="6" destOrd="0" parTransId="{8BD5A70A-10CB-4EFA-91E5-F7A1A54877B1}" sibTransId="{34880B58-17EB-4A72-9340-5FC96A4518EC}"/>
-    <dgm:cxn modelId="{5883FE8E-4442-4A0E-88FC-CEB3B2244954}" type="presOf" srcId="{41B00F3F-378E-426C-9B19-05B0F41C67C7}" destId="{864B40E2-5677-4629-A8CD-89A9B756124E}" srcOrd="0" destOrd="0" presId="urn:microsoft.com/office/officeart/2005/8/layout/hChevron3"/>
+    <dgm:cxn modelId="{6173745F-3672-49CD-B7DE-38FFF0920964}" srcId="{6A8546E9-E9B2-4F2B-8A07-1A72163BC7E6}" destId="{4E86C8DD-C111-414B-8787-FCC4CF22BC51}" srcOrd="0" destOrd="0" parTransId="{A71C5E6B-D401-46B5-A9DC-B4D913B13607}" sibTransId="{CD6D0568-93C6-4A17-8AA2-FDBB171E9BC5}"/>
+    <dgm:cxn modelId="{9D6786F2-2C57-4B9E-A5D8-746C36FC05BE}" srcId="{6A8546E9-E9B2-4F2B-8A07-1A72163BC7E6}" destId="{41B00F3F-378E-426C-9B19-05B0F41C67C7}" srcOrd="5" destOrd="0" parTransId="{C622839D-6FD8-40E6-AAC9-EDD8E101A37C}" sibTransId="{2671AA3C-CC31-4706-9B03-91D01DBEE6D5}"/>
+    <dgm:cxn modelId="{814BC713-E4B0-4D0B-A9AA-9B03EB7810D1}" type="presOf" srcId="{FC3112A3-EEDF-40FD-9BED-6112639D5D01}" destId="{30C4040E-3A67-4FAE-8B9A-AC72E751EC50}" srcOrd="0" destOrd="0" presId="urn:microsoft.com/office/officeart/2005/8/layout/hChevron3"/>
+    <dgm:cxn modelId="{117F71FE-321A-40F2-878D-ABA0E9D30FE5}" type="presOf" srcId="{4E86C8DD-C111-414B-8787-FCC4CF22BC51}" destId="{2FD73B5B-C67A-4CA2-AE6F-C449126E1582}" srcOrd="0" destOrd="0" presId="urn:microsoft.com/office/officeart/2005/8/layout/hChevron3"/>
     <dgm:cxn modelId="{51E8CDAD-7133-409B-930B-10CB675B00DB}" srcId="{6A8546E9-E9B2-4F2B-8A07-1A72163BC7E6}" destId="{B484E091-564B-442C-8073-4907955BE5A3}" srcOrd="2" destOrd="0" parTransId="{F70BC14C-0649-4B35-B73B-50878A685CCC}" sibTransId="{0EC4E443-3677-44F0-888A-BB58FECEB91D}"/>
-    <dgm:cxn modelId="{0F681D04-C3C8-453C-A106-2EDBB644EA75}" type="presOf" srcId="{4D4D000D-974A-48CB-A566-4EBD4E8EDB25}" destId="{41E8FBBF-A987-4DF4-B0D1-6484B49C5F63}" srcOrd="0" destOrd="0" presId="urn:microsoft.com/office/officeart/2005/8/layout/hChevron3"/>
-    <dgm:cxn modelId="{ED524BF5-D226-4E50-B864-521D967CA95C}" type="presOf" srcId="{4E86C8DD-C111-414B-8787-FCC4CF22BC51}" destId="{2FD73B5B-C67A-4CA2-AE6F-C449126E1582}" srcOrd="0" destOrd="0" presId="urn:microsoft.com/office/officeart/2005/8/layout/hChevron3"/>
-    <dgm:cxn modelId="{1C5DA290-B6B2-4EB6-9099-87E2E17F53BC}" type="presOf" srcId="{6A8546E9-E9B2-4F2B-8A07-1A72163BC7E6}" destId="{E2E10B8C-B192-41A8-9C93-1563F212AF2D}" srcOrd="0" destOrd="0" presId="urn:microsoft.com/office/officeart/2005/8/layout/hChevron3"/>
-    <dgm:cxn modelId="{4B7782C1-BDF5-4350-9AF0-683CC0F0F99A}" type="presOf" srcId="{B484E091-564B-442C-8073-4907955BE5A3}" destId="{E64072B9-64A8-4DF1-804A-B16CFFB1216B}" srcOrd="0" destOrd="0" presId="urn:microsoft.com/office/officeart/2005/8/layout/hChevron3"/>
-    <dgm:cxn modelId="{6173745F-3672-49CD-B7DE-38FFF0920964}" srcId="{6A8546E9-E9B2-4F2B-8A07-1A72163BC7E6}" destId="{4E86C8DD-C111-414B-8787-FCC4CF22BC51}" srcOrd="0" destOrd="0" parTransId="{A71C5E6B-D401-46B5-A9DC-B4D913B13607}" sibTransId="{CD6D0568-93C6-4A17-8AA2-FDBB171E9BC5}"/>
-    <dgm:cxn modelId="{476B4A4C-0806-4088-8A94-D4F907EC05D6}" type="presParOf" srcId="{E2E10B8C-B192-41A8-9C93-1563F212AF2D}" destId="{2FD73B5B-C67A-4CA2-AE6F-C449126E1582}" srcOrd="0" destOrd="0" presId="urn:microsoft.com/office/officeart/2005/8/layout/hChevron3"/>
-    <dgm:cxn modelId="{1EDBE377-9EE4-462B-8384-F2132E0653F4}" type="presParOf" srcId="{E2E10B8C-B192-41A8-9C93-1563F212AF2D}" destId="{99FD6387-84D1-47CE-9AD5-0EAD321B3553}" srcOrd="1" destOrd="0" presId="urn:microsoft.com/office/officeart/2005/8/layout/hChevron3"/>
-    <dgm:cxn modelId="{777C2A3E-56CA-4E3A-A0BD-05AFA5A888DC}" type="presParOf" srcId="{E2E10B8C-B192-41A8-9C93-1563F212AF2D}" destId="{41E8FBBF-A987-4DF4-B0D1-6484B49C5F63}" srcOrd="2" destOrd="0" presId="urn:microsoft.com/office/officeart/2005/8/layout/hChevron3"/>
-    <dgm:cxn modelId="{072D4A3D-D50B-4C04-9ACF-BFF00F5457BB}" type="presParOf" srcId="{E2E10B8C-B192-41A8-9C93-1563F212AF2D}" destId="{FC6774B3-2F08-416C-97A4-98B246BCB46E}" srcOrd="3" destOrd="0" presId="urn:microsoft.com/office/officeart/2005/8/layout/hChevron3"/>
-    <dgm:cxn modelId="{39A39375-5198-4430-A9A8-068EF6A86BD3}" type="presParOf" srcId="{E2E10B8C-B192-41A8-9C93-1563F212AF2D}" destId="{E64072B9-64A8-4DF1-804A-B16CFFB1216B}" srcOrd="4" destOrd="0" presId="urn:microsoft.com/office/officeart/2005/8/layout/hChevron3"/>
-    <dgm:cxn modelId="{F4652AA3-8879-43FC-B1FE-8E2B470E106B}" type="presParOf" srcId="{E2E10B8C-B192-41A8-9C93-1563F212AF2D}" destId="{606E756F-24B8-4B45-9DC9-2134662BDD05}" srcOrd="5" destOrd="0" presId="urn:microsoft.com/office/officeart/2005/8/layout/hChevron3"/>
-    <dgm:cxn modelId="{D04BAD3F-E154-4B20-B948-7A867D02DD86}" type="presParOf" srcId="{E2E10B8C-B192-41A8-9C93-1563F212AF2D}" destId="{DB1159B9-80FD-430B-86E2-A75B606C2F1F}" srcOrd="6" destOrd="0" presId="urn:microsoft.com/office/officeart/2005/8/layout/hChevron3"/>
-    <dgm:cxn modelId="{830D7DDD-B113-4976-94E8-DF09AA922D79}" type="presParOf" srcId="{E2E10B8C-B192-41A8-9C93-1563F212AF2D}" destId="{6EF78963-B021-48BF-B05C-DDBC53E6FD8C}" srcOrd="7" destOrd="0" presId="urn:microsoft.com/office/officeart/2005/8/layout/hChevron3"/>
-    <dgm:cxn modelId="{8DCC5341-AFEF-4213-B54A-36A43EC01492}" type="presParOf" srcId="{E2E10B8C-B192-41A8-9C93-1563F212AF2D}" destId="{6A9781BF-7230-4DD5-9A8B-E4869886CC12}" srcOrd="8" destOrd="0" presId="urn:microsoft.com/office/officeart/2005/8/layout/hChevron3"/>
-    <dgm:cxn modelId="{345CC72F-EC07-4EFC-B0FC-6110AFAD0D65}" type="presParOf" srcId="{E2E10B8C-B192-41A8-9C93-1563F212AF2D}" destId="{BF30EA5B-A7EB-4829-8E08-B2E9CA243432}" srcOrd="9" destOrd="0" presId="urn:microsoft.com/office/officeart/2005/8/layout/hChevron3"/>
-    <dgm:cxn modelId="{FCF43149-2F37-49C8-BF76-67288B133A16}" type="presParOf" srcId="{E2E10B8C-B192-41A8-9C93-1563F212AF2D}" destId="{864B40E2-5677-4629-A8CD-89A9B756124E}" srcOrd="10" destOrd="0" presId="urn:microsoft.com/office/officeart/2005/8/layout/hChevron3"/>
-    <dgm:cxn modelId="{0503AE0B-7D37-404D-96EC-D44A764688E1}" type="presParOf" srcId="{E2E10B8C-B192-41A8-9C93-1563F212AF2D}" destId="{532EF2FA-D261-4872-95A9-891FB36F0837}" srcOrd="11" destOrd="0" presId="urn:microsoft.com/office/officeart/2005/8/layout/hChevron3"/>
-    <dgm:cxn modelId="{1F846CD1-AAD9-43D0-8772-6EA2E24839C6}" type="presParOf" srcId="{E2E10B8C-B192-41A8-9C93-1563F212AF2D}" destId="{30C4040E-3A67-4FAE-8B9A-AC72E751EC50}" srcOrd="12" destOrd="0" presId="urn:microsoft.com/office/officeart/2005/8/layout/hChevron3"/>
+    <dgm:cxn modelId="{42BC9840-460C-4642-9FAC-E6C6D5F7BE3F}" type="presOf" srcId="{2771C318-91EC-480A-874D-DCA64E759094}" destId="{DB1159B9-80FD-430B-86E2-A75B606C2F1F}" srcOrd="0" destOrd="0" presId="urn:microsoft.com/office/officeart/2005/8/layout/hChevron3"/>
+    <dgm:cxn modelId="{DF9900D5-C424-4EAE-80EE-33F0AC6B8B6C}" type="presParOf" srcId="{E2E10B8C-B192-41A8-9C93-1563F212AF2D}" destId="{2FD73B5B-C67A-4CA2-AE6F-C449126E1582}" srcOrd="0" destOrd="0" presId="urn:microsoft.com/office/officeart/2005/8/layout/hChevron3"/>
+    <dgm:cxn modelId="{B08A7F37-37DB-4F6E-B5C5-8649BA480D3C}" type="presParOf" srcId="{E2E10B8C-B192-41A8-9C93-1563F212AF2D}" destId="{99FD6387-84D1-47CE-9AD5-0EAD321B3553}" srcOrd="1" destOrd="0" presId="urn:microsoft.com/office/officeart/2005/8/layout/hChevron3"/>
+    <dgm:cxn modelId="{3B180EA5-6B18-4D2B-A7C3-DD7BB91C5615}" type="presParOf" srcId="{E2E10B8C-B192-41A8-9C93-1563F212AF2D}" destId="{41E8FBBF-A987-4DF4-B0D1-6484B49C5F63}" srcOrd="2" destOrd="0" presId="urn:microsoft.com/office/officeart/2005/8/layout/hChevron3"/>
+    <dgm:cxn modelId="{5BA275E2-9488-4CDE-B022-B86E35775D6D}" type="presParOf" srcId="{E2E10B8C-B192-41A8-9C93-1563F212AF2D}" destId="{FC6774B3-2F08-416C-97A4-98B246BCB46E}" srcOrd="3" destOrd="0" presId="urn:microsoft.com/office/officeart/2005/8/layout/hChevron3"/>
+    <dgm:cxn modelId="{4A6D2B45-091F-4412-A0C3-1C5C298C7437}" type="presParOf" srcId="{E2E10B8C-B192-41A8-9C93-1563F212AF2D}" destId="{E64072B9-64A8-4DF1-804A-B16CFFB1216B}" srcOrd="4" destOrd="0" presId="urn:microsoft.com/office/officeart/2005/8/layout/hChevron3"/>
+    <dgm:cxn modelId="{71285E2E-F400-45AF-B511-A03170FA03DA}" type="presParOf" srcId="{E2E10B8C-B192-41A8-9C93-1563F212AF2D}" destId="{606E756F-24B8-4B45-9DC9-2134662BDD05}" srcOrd="5" destOrd="0" presId="urn:microsoft.com/office/officeart/2005/8/layout/hChevron3"/>
+    <dgm:cxn modelId="{528A475F-905D-409F-826F-2A6420C7778D}" type="presParOf" srcId="{E2E10B8C-B192-41A8-9C93-1563F212AF2D}" destId="{DB1159B9-80FD-430B-86E2-A75B606C2F1F}" srcOrd="6" destOrd="0" presId="urn:microsoft.com/office/officeart/2005/8/layout/hChevron3"/>
+    <dgm:cxn modelId="{327BADEF-34ED-4671-B1C3-45F24C1644A9}" type="presParOf" srcId="{E2E10B8C-B192-41A8-9C93-1563F212AF2D}" destId="{6EF78963-B021-48BF-B05C-DDBC53E6FD8C}" srcOrd="7" destOrd="0" presId="urn:microsoft.com/office/officeart/2005/8/layout/hChevron3"/>
+    <dgm:cxn modelId="{82A5C25B-25FF-424A-A726-C67EE42E50AC}" type="presParOf" srcId="{E2E10B8C-B192-41A8-9C93-1563F212AF2D}" destId="{6A9781BF-7230-4DD5-9A8B-E4869886CC12}" srcOrd="8" destOrd="0" presId="urn:microsoft.com/office/officeart/2005/8/layout/hChevron3"/>
+    <dgm:cxn modelId="{CCBCDB26-562A-438F-8C89-BB5624747439}" type="presParOf" srcId="{E2E10B8C-B192-41A8-9C93-1563F212AF2D}" destId="{BF30EA5B-A7EB-4829-8E08-B2E9CA243432}" srcOrd="9" destOrd="0" presId="urn:microsoft.com/office/officeart/2005/8/layout/hChevron3"/>
+    <dgm:cxn modelId="{0CF91D64-2276-4F78-BA1B-E195F73BA7B8}" type="presParOf" srcId="{E2E10B8C-B192-41A8-9C93-1563F212AF2D}" destId="{864B40E2-5677-4629-A8CD-89A9B756124E}" srcOrd="10" destOrd="0" presId="urn:microsoft.com/office/officeart/2005/8/layout/hChevron3"/>
+    <dgm:cxn modelId="{C00E6553-C575-4BFE-9653-F97F4E4636A7}" type="presParOf" srcId="{E2E10B8C-B192-41A8-9C93-1563F212AF2D}" destId="{532EF2FA-D261-4872-95A9-891FB36F0837}" srcOrd="11" destOrd="0" presId="urn:microsoft.com/office/officeart/2005/8/layout/hChevron3"/>
+    <dgm:cxn modelId="{14D64DAF-44DB-44F8-A84C-E3DCE244CBFC}" type="presParOf" srcId="{E2E10B8C-B192-41A8-9C93-1563F212AF2D}" destId="{30C4040E-3A67-4FAE-8B9A-AC72E751EC50}" srcOrd="12" destOrd="0" presId="urn:microsoft.com/office/officeart/2005/8/layout/hChevron3"/>
   </dgm:cxnLst>
   <dgm:bg/>
   <dgm:whole/>
   <dgm:extLst>
     <a:ext uri="http://schemas.microsoft.com/office/drawing/2008/diagram">
-      <dsp:dataModelExt xmlns:dsp="http://schemas.microsoft.com/office/drawing/2008/diagram" xmlns="" relId="rId6" minVer="http://schemas.openxmlformats.org/drawingml/2006/diagram"/>
+      <dsp:dataModelExt xmlns:dsp="http://schemas.microsoft.com/office/drawing/2008/diagram" relId="rId7" minVer="http://schemas.openxmlformats.org/drawingml/2006/diagram"/>
     </a:ext>
   </dgm:extLst>
 </dgm:dataModel>
@@ -16595,47 +15323,47 @@
     </dgm:pt>
   </dgm:ptLst>
   <dgm:cxnLst>
-    <dgm:cxn modelId="{64F7BDDF-2088-4312-84CE-607355F9A7D7}" type="presOf" srcId="{41B00F3F-378E-426C-9B19-05B0F41C67C7}" destId="{864B40E2-5677-4629-A8CD-89A9B756124E}" srcOrd="0" destOrd="0" presId="urn:microsoft.com/office/officeart/2005/8/layout/hChevron3"/>
+    <dgm:cxn modelId="{349210D0-7978-429A-BC33-C370F7A544CA}" type="presOf" srcId="{41B00F3F-378E-426C-9B19-05B0F41C67C7}" destId="{864B40E2-5677-4629-A8CD-89A9B756124E}" srcOrd="0" destOrd="0" presId="urn:microsoft.com/office/officeart/2005/8/layout/hChevron3"/>
+    <dgm:cxn modelId="{51E8CDAD-7133-409B-930B-10CB675B00DB}" srcId="{6A8546E9-E9B2-4F2B-8A07-1A72163BC7E6}" destId="{B484E091-564B-442C-8073-4907955BE5A3}" srcOrd="2" destOrd="0" parTransId="{F70BC14C-0649-4B35-B73B-50878A685CCC}" sibTransId="{0EC4E443-3677-44F0-888A-BB58FECEB91D}"/>
+    <dgm:cxn modelId="{668162C4-D7BA-4441-9A21-59F7667043E0}" srcId="{6A8546E9-E9B2-4F2B-8A07-1A72163BC7E6}" destId="{4D4D000D-974A-48CB-A566-4EBD4E8EDB25}" srcOrd="1" destOrd="0" parTransId="{8F9930B4-275D-4451-81BC-006ACBA4F2FB}" sibTransId="{EC5238F9-15D4-4FDB-A904-66845C8EF287}"/>
     <dgm:cxn modelId="{69DB88C4-AA14-468C-BC72-85FC28B9A2AF}" srcId="{6A8546E9-E9B2-4F2B-8A07-1A72163BC7E6}" destId="{2771C318-91EC-480A-874D-DCA64E759094}" srcOrd="3" destOrd="0" parTransId="{878EAAE6-21C2-4F81-BBB6-2273AEFB1FAF}" sibTransId="{A5A973E9-BA36-49FF-8C14-3D7C338FBFF3}"/>
+    <dgm:cxn modelId="{F3FFEDF0-6CF2-41D5-B291-4124107BDC15}" type="presOf" srcId="{4881E3A9-31F4-46BA-B863-70B1C54FAC2D}" destId="{6A9781BF-7230-4DD5-9A8B-E4869886CC12}" srcOrd="0" destOrd="0" presId="urn:microsoft.com/office/officeart/2005/8/layout/hChevron3"/>
+    <dgm:cxn modelId="{7A6F1673-DE84-4EDF-A92F-7FA8AFA866F6}" type="presOf" srcId="{2771C318-91EC-480A-874D-DCA64E759094}" destId="{DB1159B9-80FD-430B-86E2-A75B606C2F1F}" srcOrd="0" destOrd="0" presId="urn:microsoft.com/office/officeart/2005/8/layout/hChevron3"/>
+    <dgm:cxn modelId="{CB0BE069-FF04-4354-BA9E-F06694E79852}" srcId="{6A8546E9-E9B2-4F2B-8A07-1A72163BC7E6}" destId="{FC3112A3-EEDF-40FD-9BED-6112639D5D01}" srcOrd="6" destOrd="0" parTransId="{8BD5A70A-10CB-4EFA-91E5-F7A1A54877B1}" sibTransId="{34880B58-17EB-4A72-9340-5FC96A4518EC}"/>
+    <dgm:cxn modelId="{176C0655-9059-4D76-AD6D-E07303720A1B}" type="presOf" srcId="{6A8546E9-E9B2-4F2B-8A07-1A72163BC7E6}" destId="{E2E10B8C-B192-41A8-9C93-1563F212AF2D}" srcOrd="0" destOrd="0" presId="urn:microsoft.com/office/officeart/2005/8/layout/hChevron3"/>
+    <dgm:cxn modelId="{6173745F-3672-49CD-B7DE-38FFF0920964}" srcId="{6A8546E9-E9B2-4F2B-8A07-1A72163BC7E6}" destId="{4E86C8DD-C111-414B-8787-FCC4CF22BC51}" srcOrd="0" destOrd="0" parTransId="{A71C5E6B-D401-46B5-A9DC-B4D913B13607}" sibTransId="{CD6D0568-93C6-4A17-8AA2-FDBB171E9BC5}"/>
+    <dgm:cxn modelId="{6EA64348-ECB9-443F-A46B-86CEE098F24D}" type="presOf" srcId="{FC3112A3-EEDF-40FD-9BED-6112639D5D01}" destId="{30C4040E-3A67-4FAE-8B9A-AC72E751EC50}" srcOrd="0" destOrd="0" presId="urn:microsoft.com/office/officeart/2005/8/layout/hChevron3"/>
+    <dgm:cxn modelId="{4E4CA142-B9C9-4711-A815-98320EB1D0BF}" type="presOf" srcId="{4E86C8DD-C111-414B-8787-FCC4CF22BC51}" destId="{2FD73B5B-C67A-4CA2-AE6F-C449126E1582}" srcOrd="0" destOrd="0" presId="urn:microsoft.com/office/officeart/2005/8/layout/hChevron3"/>
+    <dgm:cxn modelId="{117EA726-BA9E-4ABB-A3F6-20A54807F6E3}" type="presOf" srcId="{4D4D000D-974A-48CB-A566-4EBD4E8EDB25}" destId="{41E8FBBF-A987-4DF4-B0D1-6484B49C5F63}" srcOrd="0" destOrd="0" presId="urn:microsoft.com/office/officeart/2005/8/layout/hChevron3"/>
     <dgm:cxn modelId="{9D6786F2-2C57-4B9E-A5D8-746C36FC05BE}" srcId="{6A8546E9-E9B2-4F2B-8A07-1A72163BC7E6}" destId="{41B00F3F-378E-426C-9B19-05B0F41C67C7}" srcOrd="5" destOrd="0" parTransId="{C622839D-6FD8-40E6-AAC9-EDD8E101A37C}" sibTransId="{2671AA3C-CC31-4706-9B03-91D01DBEE6D5}"/>
-    <dgm:cxn modelId="{668162C4-D7BA-4441-9A21-59F7667043E0}" srcId="{6A8546E9-E9B2-4F2B-8A07-1A72163BC7E6}" destId="{4D4D000D-974A-48CB-A566-4EBD4E8EDB25}" srcOrd="1" destOrd="0" parTransId="{8F9930B4-275D-4451-81BC-006ACBA4F2FB}" sibTransId="{EC5238F9-15D4-4FDB-A904-66845C8EF287}"/>
-    <dgm:cxn modelId="{117F71FE-321A-40F2-878D-ABA0E9D30FE5}" type="presOf" srcId="{4E86C8DD-C111-414B-8787-FCC4CF22BC51}" destId="{2FD73B5B-C67A-4CA2-AE6F-C449126E1582}" srcOrd="0" destOrd="0" presId="urn:microsoft.com/office/officeart/2005/8/layout/hChevron3"/>
-    <dgm:cxn modelId="{ED4EAE52-2873-46A8-9A06-6BA1EBA785D2}" type="presOf" srcId="{B484E091-564B-442C-8073-4907955BE5A3}" destId="{E64072B9-64A8-4DF1-804A-B16CFFB1216B}" srcOrd="0" destOrd="0" presId="urn:microsoft.com/office/officeart/2005/8/layout/hChevron3"/>
+    <dgm:cxn modelId="{D3120AFD-AD84-4AD5-8F40-D9CD54AEC1E0}" type="presOf" srcId="{B484E091-564B-442C-8073-4907955BE5A3}" destId="{E64072B9-64A8-4DF1-804A-B16CFFB1216B}" srcOrd="0" destOrd="0" presId="urn:microsoft.com/office/officeart/2005/8/layout/hChevron3"/>
     <dgm:cxn modelId="{7E1842DD-4CBE-4AB5-BDDB-1296568EC0F4}" srcId="{6A8546E9-E9B2-4F2B-8A07-1A72163BC7E6}" destId="{4881E3A9-31F4-46BA-B863-70B1C54FAC2D}" srcOrd="4" destOrd="0" parTransId="{9051010D-105C-42DA-BA84-3B8AB4A30E15}" sibTransId="{9DF80EA9-09B9-431A-8640-A670C5390623}"/>
-    <dgm:cxn modelId="{CB0BE069-FF04-4354-BA9E-F06694E79852}" srcId="{6A8546E9-E9B2-4F2B-8A07-1A72163BC7E6}" destId="{FC3112A3-EEDF-40FD-9BED-6112639D5D01}" srcOrd="6" destOrd="0" parTransId="{8BD5A70A-10CB-4EFA-91E5-F7A1A54877B1}" sibTransId="{34880B58-17EB-4A72-9340-5FC96A4518EC}"/>
-    <dgm:cxn modelId="{79619FE8-EB2D-4B79-986C-09B87D36EB75}" type="presOf" srcId="{4D4D000D-974A-48CB-A566-4EBD4E8EDB25}" destId="{41E8FBBF-A987-4DF4-B0D1-6484B49C5F63}" srcOrd="0" destOrd="0" presId="urn:microsoft.com/office/officeart/2005/8/layout/hChevron3"/>
-    <dgm:cxn modelId="{814BC713-E4B0-4D0B-A9AA-9B03EB7810D1}" type="presOf" srcId="{FC3112A3-EEDF-40FD-9BED-6112639D5D01}" destId="{30C4040E-3A67-4FAE-8B9A-AC72E751EC50}" srcOrd="0" destOrd="0" presId="urn:microsoft.com/office/officeart/2005/8/layout/hChevron3"/>
-    <dgm:cxn modelId="{7C2C6068-F5CC-4A22-8B27-74A2998B76C2}" type="presOf" srcId="{6A8546E9-E9B2-4F2B-8A07-1A72163BC7E6}" destId="{E2E10B8C-B192-41A8-9C93-1563F212AF2D}" srcOrd="0" destOrd="0" presId="urn:microsoft.com/office/officeart/2005/8/layout/hChevron3"/>
-    <dgm:cxn modelId="{51E8CDAD-7133-409B-930B-10CB675B00DB}" srcId="{6A8546E9-E9B2-4F2B-8A07-1A72163BC7E6}" destId="{B484E091-564B-442C-8073-4907955BE5A3}" srcOrd="2" destOrd="0" parTransId="{F70BC14C-0649-4B35-B73B-50878A685CCC}" sibTransId="{0EC4E443-3677-44F0-888A-BB58FECEB91D}"/>
-    <dgm:cxn modelId="{69DB8D30-D62A-4118-AB65-514AB0888819}" type="presOf" srcId="{4881E3A9-31F4-46BA-B863-70B1C54FAC2D}" destId="{6A9781BF-7230-4DD5-9A8B-E4869886CC12}" srcOrd="0" destOrd="0" presId="urn:microsoft.com/office/officeart/2005/8/layout/hChevron3"/>
-    <dgm:cxn modelId="{42BC9840-460C-4642-9FAC-E6C6D5F7BE3F}" type="presOf" srcId="{2771C318-91EC-480A-874D-DCA64E759094}" destId="{DB1159B9-80FD-430B-86E2-A75B606C2F1F}" srcOrd="0" destOrd="0" presId="urn:microsoft.com/office/officeart/2005/8/layout/hChevron3"/>
-    <dgm:cxn modelId="{6173745F-3672-49CD-B7DE-38FFF0920964}" srcId="{6A8546E9-E9B2-4F2B-8A07-1A72163BC7E6}" destId="{4E86C8DD-C111-414B-8787-FCC4CF22BC51}" srcOrd="0" destOrd="0" parTransId="{A71C5E6B-D401-46B5-A9DC-B4D913B13607}" sibTransId="{CD6D0568-93C6-4A17-8AA2-FDBB171E9BC5}"/>
-    <dgm:cxn modelId="{DF9900D5-C424-4EAE-80EE-33F0AC6B8B6C}" type="presParOf" srcId="{E2E10B8C-B192-41A8-9C93-1563F212AF2D}" destId="{2FD73B5B-C67A-4CA2-AE6F-C449126E1582}" srcOrd="0" destOrd="0" presId="urn:microsoft.com/office/officeart/2005/8/layout/hChevron3"/>
-    <dgm:cxn modelId="{B08A7F37-37DB-4F6E-B5C5-8649BA480D3C}" type="presParOf" srcId="{E2E10B8C-B192-41A8-9C93-1563F212AF2D}" destId="{99FD6387-84D1-47CE-9AD5-0EAD321B3553}" srcOrd="1" destOrd="0" presId="urn:microsoft.com/office/officeart/2005/8/layout/hChevron3"/>
-    <dgm:cxn modelId="{3B180EA5-6B18-4D2B-A7C3-DD7BB91C5615}" type="presParOf" srcId="{E2E10B8C-B192-41A8-9C93-1563F212AF2D}" destId="{41E8FBBF-A987-4DF4-B0D1-6484B49C5F63}" srcOrd="2" destOrd="0" presId="urn:microsoft.com/office/officeart/2005/8/layout/hChevron3"/>
-    <dgm:cxn modelId="{5BA275E2-9488-4CDE-B022-B86E35775D6D}" type="presParOf" srcId="{E2E10B8C-B192-41A8-9C93-1563F212AF2D}" destId="{FC6774B3-2F08-416C-97A4-98B246BCB46E}" srcOrd="3" destOrd="0" presId="urn:microsoft.com/office/officeart/2005/8/layout/hChevron3"/>
-    <dgm:cxn modelId="{4A6D2B45-091F-4412-A0C3-1C5C298C7437}" type="presParOf" srcId="{E2E10B8C-B192-41A8-9C93-1563F212AF2D}" destId="{E64072B9-64A8-4DF1-804A-B16CFFB1216B}" srcOrd="4" destOrd="0" presId="urn:microsoft.com/office/officeart/2005/8/layout/hChevron3"/>
-    <dgm:cxn modelId="{71285E2E-F400-45AF-B511-A03170FA03DA}" type="presParOf" srcId="{E2E10B8C-B192-41A8-9C93-1563F212AF2D}" destId="{606E756F-24B8-4B45-9DC9-2134662BDD05}" srcOrd="5" destOrd="0" presId="urn:microsoft.com/office/officeart/2005/8/layout/hChevron3"/>
-    <dgm:cxn modelId="{528A475F-905D-409F-826F-2A6420C7778D}" type="presParOf" srcId="{E2E10B8C-B192-41A8-9C93-1563F212AF2D}" destId="{DB1159B9-80FD-430B-86E2-A75B606C2F1F}" srcOrd="6" destOrd="0" presId="urn:microsoft.com/office/officeart/2005/8/layout/hChevron3"/>
-    <dgm:cxn modelId="{327BADEF-34ED-4671-B1C3-45F24C1644A9}" type="presParOf" srcId="{E2E10B8C-B192-41A8-9C93-1563F212AF2D}" destId="{6EF78963-B021-48BF-B05C-DDBC53E6FD8C}" srcOrd="7" destOrd="0" presId="urn:microsoft.com/office/officeart/2005/8/layout/hChevron3"/>
-    <dgm:cxn modelId="{82A5C25B-25FF-424A-A726-C67EE42E50AC}" type="presParOf" srcId="{E2E10B8C-B192-41A8-9C93-1563F212AF2D}" destId="{6A9781BF-7230-4DD5-9A8B-E4869886CC12}" srcOrd="8" destOrd="0" presId="urn:microsoft.com/office/officeart/2005/8/layout/hChevron3"/>
-    <dgm:cxn modelId="{CCBCDB26-562A-438F-8C89-BB5624747439}" type="presParOf" srcId="{E2E10B8C-B192-41A8-9C93-1563F212AF2D}" destId="{BF30EA5B-A7EB-4829-8E08-B2E9CA243432}" srcOrd="9" destOrd="0" presId="urn:microsoft.com/office/officeart/2005/8/layout/hChevron3"/>
-    <dgm:cxn modelId="{0CF91D64-2276-4F78-BA1B-E195F73BA7B8}" type="presParOf" srcId="{E2E10B8C-B192-41A8-9C93-1563F212AF2D}" destId="{864B40E2-5677-4629-A8CD-89A9B756124E}" srcOrd="10" destOrd="0" presId="urn:microsoft.com/office/officeart/2005/8/layout/hChevron3"/>
-    <dgm:cxn modelId="{C00E6553-C575-4BFE-9653-F97F4E4636A7}" type="presParOf" srcId="{E2E10B8C-B192-41A8-9C93-1563F212AF2D}" destId="{532EF2FA-D261-4872-95A9-891FB36F0837}" srcOrd="11" destOrd="0" presId="urn:microsoft.com/office/officeart/2005/8/layout/hChevron3"/>
-    <dgm:cxn modelId="{14D64DAF-44DB-44F8-A84C-E3DCE244CBFC}" type="presParOf" srcId="{E2E10B8C-B192-41A8-9C93-1563F212AF2D}" destId="{30C4040E-3A67-4FAE-8B9A-AC72E751EC50}" srcOrd="12" destOrd="0" presId="urn:microsoft.com/office/officeart/2005/8/layout/hChevron3"/>
+    <dgm:cxn modelId="{6948C417-A30B-40B6-AEB6-CC8BE7F72DF3}" type="presParOf" srcId="{E2E10B8C-B192-41A8-9C93-1563F212AF2D}" destId="{2FD73B5B-C67A-4CA2-AE6F-C449126E1582}" srcOrd="0" destOrd="0" presId="urn:microsoft.com/office/officeart/2005/8/layout/hChevron3"/>
+    <dgm:cxn modelId="{7D1365D2-D589-4E80-B73F-B99C931210C6}" type="presParOf" srcId="{E2E10B8C-B192-41A8-9C93-1563F212AF2D}" destId="{99FD6387-84D1-47CE-9AD5-0EAD321B3553}" srcOrd="1" destOrd="0" presId="urn:microsoft.com/office/officeart/2005/8/layout/hChevron3"/>
+    <dgm:cxn modelId="{7504B70C-FB0E-4C38-93C5-8CE2C70E6617}" type="presParOf" srcId="{E2E10B8C-B192-41A8-9C93-1563F212AF2D}" destId="{41E8FBBF-A987-4DF4-B0D1-6484B49C5F63}" srcOrd="2" destOrd="0" presId="urn:microsoft.com/office/officeart/2005/8/layout/hChevron3"/>
+    <dgm:cxn modelId="{1139D08C-DBA8-4547-9123-0227C413A0C8}" type="presParOf" srcId="{E2E10B8C-B192-41A8-9C93-1563F212AF2D}" destId="{FC6774B3-2F08-416C-97A4-98B246BCB46E}" srcOrd="3" destOrd="0" presId="urn:microsoft.com/office/officeart/2005/8/layout/hChevron3"/>
+    <dgm:cxn modelId="{3DE77241-81B5-46F1-99FD-386FC9398998}" type="presParOf" srcId="{E2E10B8C-B192-41A8-9C93-1563F212AF2D}" destId="{E64072B9-64A8-4DF1-804A-B16CFFB1216B}" srcOrd="4" destOrd="0" presId="urn:microsoft.com/office/officeart/2005/8/layout/hChevron3"/>
+    <dgm:cxn modelId="{1060D934-5C04-4D06-9EC9-1644B94AEC8A}" type="presParOf" srcId="{E2E10B8C-B192-41A8-9C93-1563F212AF2D}" destId="{606E756F-24B8-4B45-9DC9-2134662BDD05}" srcOrd="5" destOrd="0" presId="urn:microsoft.com/office/officeart/2005/8/layout/hChevron3"/>
+    <dgm:cxn modelId="{6E33AB97-1CEC-4FE3-AF62-313A4FBA2314}" type="presParOf" srcId="{E2E10B8C-B192-41A8-9C93-1563F212AF2D}" destId="{DB1159B9-80FD-430B-86E2-A75B606C2F1F}" srcOrd="6" destOrd="0" presId="urn:microsoft.com/office/officeart/2005/8/layout/hChevron3"/>
+    <dgm:cxn modelId="{4E211ED7-7C91-4178-BA20-65E544A5F537}" type="presParOf" srcId="{E2E10B8C-B192-41A8-9C93-1563F212AF2D}" destId="{6EF78963-B021-48BF-B05C-DDBC53E6FD8C}" srcOrd="7" destOrd="0" presId="urn:microsoft.com/office/officeart/2005/8/layout/hChevron3"/>
+    <dgm:cxn modelId="{06B78AF5-002C-4DE3-AFFE-F82B536BA578}" type="presParOf" srcId="{E2E10B8C-B192-41A8-9C93-1563F212AF2D}" destId="{6A9781BF-7230-4DD5-9A8B-E4869886CC12}" srcOrd="8" destOrd="0" presId="urn:microsoft.com/office/officeart/2005/8/layout/hChevron3"/>
+    <dgm:cxn modelId="{A1A3673A-8B61-4063-90C9-57E80E66ECE8}" type="presParOf" srcId="{E2E10B8C-B192-41A8-9C93-1563F212AF2D}" destId="{BF30EA5B-A7EB-4829-8E08-B2E9CA243432}" srcOrd="9" destOrd="0" presId="urn:microsoft.com/office/officeart/2005/8/layout/hChevron3"/>
+    <dgm:cxn modelId="{CE24060D-3139-4F3D-8FE0-021F0A4E8E23}" type="presParOf" srcId="{E2E10B8C-B192-41A8-9C93-1563F212AF2D}" destId="{864B40E2-5677-4629-A8CD-89A9B756124E}" srcOrd="10" destOrd="0" presId="urn:microsoft.com/office/officeart/2005/8/layout/hChevron3"/>
+    <dgm:cxn modelId="{0EA2E8F3-B4C6-458F-A29E-C36A3FABFE23}" type="presParOf" srcId="{E2E10B8C-B192-41A8-9C93-1563F212AF2D}" destId="{532EF2FA-D261-4872-95A9-891FB36F0837}" srcOrd="11" destOrd="0" presId="urn:microsoft.com/office/officeart/2005/8/layout/hChevron3"/>
+    <dgm:cxn modelId="{E29F5372-0670-46C1-BC2B-25B99F897F36}" type="presParOf" srcId="{E2E10B8C-B192-41A8-9C93-1563F212AF2D}" destId="{30C4040E-3A67-4FAE-8B9A-AC72E751EC50}" srcOrd="12" destOrd="0" presId="urn:microsoft.com/office/officeart/2005/8/layout/hChevron3"/>
   </dgm:cxnLst>
   <dgm:bg/>
   <dgm:whole/>
   <dgm:extLst>
     <a:ext uri="http://schemas.microsoft.com/office/drawing/2008/diagram">
-      <dsp:dataModelExt xmlns:dsp="http://schemas.microsoft.com/office/drawing/2008/diagram" xmlns="" relId="rId7" minVer="http://schemas.openxmlformats.org/drawingml/2006/diagram"/>
+      <dsp:dataModelExt xmlns:dsp="http://schemas.microsoft.com/office/drawing/2008/diagram" relId="rId6" minVer="http://schemas.openxmlformats.org/drawingml/2006/diagram"/>
     </a:ext>
   </dgm:extLst>
 </dgm:dataModel>
 </file>
 
 <file path=ppt/diagrams/drawing1.xml><?xml version="1.0" encoding="utf-8"?>
-<dsp:drawing xmlns:dgm="http://schemas.openxmlformats.org/drawingml/2006/diagram" xmlns:a="http://schemas.openxmlformats.org/drawingml/2006/main" xmlns:dsp="http://schemas.microsoft.com/office/drawing/2008/diagram">
+<dsp:drawing xmlns:dgm="http://schemas.openxmlformats.org/drawingml/2006/diagram" xmlns:dsp="http://schemas.microsoft.com/office/drawing/2008/diagram" xmlns:a="http://schemas.openxmlformats.org/drawingml/2006/main">
   <dsp:spTree>
     <dsp:nvGrpSpPr>
       <dsp:cNvPr id="0" name=""/>
@@ -16724,7 +15452,7 @@
       </dsp:txBody>
       <dsp:txXfrm>
         <a:off x="0" y="0"/>
-        <a:ext cx="770620" cy="288032"/>
+        <a:ext cx="698612" cy="288032"/>
       </dsp:txXfrm>
     </dsp:sp>
     <dsp:sp modelId="{41E8FBBF-A987-4DF4-B0D1-6484B49C5F63}">
@@ -16800,8 +15528,8 @@
         </a:p>
       </dsp:txBody>
       <dsp:txXfrm>
-        <a:off x="545523" y="0"/>
-        <a:ext cx="1090657" cy="288032"/>
+        <a:off x="689539" y="0"/>
+        <a:ext cx="802625" cy="288032"/>
       </dsp:txXfrm>
     </dsp:sp>
     <dsp:sp modelId="{E64072B9-64A8-4DF1-804A-B16CFFB1216B}">
@@ -16877,8 +15605,8 @@
         </a:p>
       </dsp:txBody>
       <dsp:txXfrm>
-        <a:off x="1409421" y="0"/>
-        <a:ext cx="781833" cy="288032"/>
+        <a:off x="1553437" y="0"/>
+        <a:ext cx="493801" cy="288032"/>
       </dsp:txXfrm>
     </dsp:sp>
     <dsp:sp modelId="{DB1159B9-80FD-430B-86E2-A75B606C2F1F}">
@@ -16954,8 +15682,8 @@
         </a:p>
       </dsp:txBody>
       <dsp:txXfrm>
-        <a:off x="1964495" y="0"/>
-        <a:ext cx="1133798" cy="288032"/>
+        <a:off x="2108511" y="0"/>
+        <a:ext cx="845766" cy="288032"/>
       </dsp:txXfrm>
     </dsp:sp>
     <dsp:sp modelId="{6A9781BF-7230-4DD5-9A8B-E4869886CC12}">
@@ -17039,8 +15767,8 @@
         </a:p>
       </dsp:txBody>
       <dsp:txXfrm>
-        <a:off x="2871534" y="0"/>
-        <a:ext cx="778046" cy="288032"/>
+        <a:off x="3015550" y="0"/>
+        <a:ext cx="490014" cy="288032"/>
       </dsp:txXfrm>
     </dsp:sp>
     <dsp:sp modelId="{864B40E2-5677-4629-A8CD-89A9B756124E}">
@@ -17124,8 +15852,8 @@
         </a:p>
       </dsp:txBody>
       <dsp:txXfrm>
-        <a:off x="3446470" y="0"/>
-        <a:ext cx="1228062" cy="288032"/>
+        <a:off x="3590486" y="0"/>
+        <a:ext cx="940030" cy="288032"/>
       </dsp:txXfrm>
     </dsp:sp>
     <dsp:sp modelId="{30C4040E-3A67-4FAE-8B9A-AC72E751EC50}">
@@ -17205,8 +15933,8 @@
         </a:p>
       </dsp:txBody>
       <dsp:txXfrm>
-        <a:off x="4323523" y="0"/>
-        <a:ext cx="798103" cy="288032"/>
+        <a:off x="4467539" y="0"/>
+        <a:ext cx="510071" cy="288032"/>
       </dsp:txXfrm>
     </dsp:sp>
   </dsp:spTree>
@@ -17214,7 +15942,7 @@
 </file>
 
 <file path=ppt/diagrams/drawing10.xml><?xml version="1.0" encoding="utf-8"?>
-<dsp:drawing xmlns:dgm="http://schemas.openxmlformats.org/drawingml/2006/diagram" xmlns:a="http://schemas.openxmlformats.org/drawingml/2006/main" xmlns:dsp="http://schemas.microsoft.com/office/drawing/2008/diagram">
+<dsp:drawing xmlns:dgm="http://schemas.openxmlformats.org/drawingml/2006/diagram" xmlns:dsp="http://schemas.microsoft.com/office/drawing/2008/diagram" xmlns:a="http://schemas.openxmlformats.org/drawingml/2006/main">
   <dsp:spTree>
     <dsp:nvGrpSpPr>
       <dsp:cNvPr id="0" name=""/>
@@ -17295,7 +16023,7 @@
       </dsp:txBody>
       <dsp:txXfrm>
         <a:off x="0" y="0"/>
-        <a:ext cx="770620" cy="288032"/>
+        <a:ext cx="698612" cy="288032"/>
       </dsp:txXfrm>
     </dsp:sp>
     <dsp:sp modelId="{41E8FBBF-A987-4DF4-B0D1-6484B49C5F63}">
@@ -17371,8 +16099,8 @@
         </a:p>
       </dsp:txBody>
       <dsp:txXfrm>
-        <a:off x="545523" y="0"/>
-        <a:ext cx="1090657" cy="288032"/>
+        <a:off x="689539" y="0"/>
+        <a:ext cx="802625" cy="288032"/>
       </dsp:txXfrm>
     </dsp:sp>
     <dsp:sp modelId="{E64072B9-64A8-4DF1-804A-B16CFFB1216B}">
@@ -17448,8 +16176,8 @@
         </a:p>
       </dsp:txBody>
       <dsp:txXfrm>
-        <a:off x="1409421" y="0"/>
-        <a:ext cx="781833" cy="288032"/>
+        <a:off x="1553437" y="0"/>
+        <a:ext cx="493801" cy="288032"/>
       </dsp:txXfrm>
     </dsp:sp>
     <dsp:sp modelId="{DB1159B9-80FD-430B-86E2-A75B606C2F1F}">
@@ -17525,8 +16253,8 @@
         </a:p>
       </dsp:txBody>
       <dsp:txXfrm>
-        <a:off x="1964495" y="0"/>
-        <a:ext cx="1133798" cy="288032"/>
+        <a:off x="2108511" y="0"/>
+        <a:ext cx="845766" cy="288032"/>
       </dsp:txXfrm>
     </dsp:sp>
     <dsp:sp modelId="{6A9781BF-7230-4DD5-9A8B-E4869886CC12}">
@@ -17610,8 +16338,8 @@
         </a:p>
       </dsp:txBody>
       <dsp:txXfrm>
-        <a:off x="2871534" y="0"/>
-        <a:ext cx="778046" cy="288032"/>
+        <a:off x="3015550" y="0"/>
+        <a:ext cx="490014" cy="288032"/>
       </dsp:txXfrm>
     </dsp:sp>
     <dsp:sp modelId="{864B40E2-5677-4629-A8CD-89A9B756124E}">
@@ -17695,8 +16423,8 @@
         </a:p>
       </dsp:txBody>
       <dsp:txXfrm>
-        <a:off x="3446470" y="0"/>
-        <a:ext cx="1228062" cy="288032"/>
+        <a:off x="3590486" y="0"/>
+        <a:ext cx="940030" cy="288032"/>
       </dsp:txXfrm>
     </dsp:sp>
     <dsp:sp modelId="{30C4040E-3A67-4FAE-8B9A-AC72E751EC50}">
@@ -17776,8 +16504,8 @@
         </a:p>
       </dsp:txBody>
       <dsp:txXfrm>
-        <a:off x="4323523" y="0"/>
-        <a:ext cx="798103" cy="288032"/>
+        <a:off x="4467539" y="0"/>
+        <a:ext cx="510071" cy="288032"/>
       </dsp:txXfrm>
     </dsp:sp>
   </dsp:spTree>
@@ -17785,1724 +16513,31 @@
 </file>
 
 <file path=ppt/diagrams/drawing11.xml><?xml version="1.0" encoding="utf-8"?>
-<dsp:drawing xmlns:dgm="http://schemas.openxmlformats.org/drawingml/2006/diagram" xmlns:a="http://schemas.openxmlformats.org/drawingml/2006/main" xmlns:dsp="http://schemas.microsoft.com/office/drawing/2008/diagram">
+<dsp:drawing xmlns:dgm="http://schemas.openxmlformats.org/drawingml/2006/diagram" xmlns:dsp="http://schemas.microsoft.com/office/drawing/2008/diagram" xmlns:a="http://schemas.openxmlformats.org/drawingml/2006/main">
   <dsp:spTree>
     <dsp:nvGrpSpPr>
       <dsp:cNvPr id="0" name=""/>
       <dsp:cNvGrpSpPr/>
     </dsp:nvGrpSpPr>
     <dsp:grpSpPr/>
-    <dsp:sp modelId="{2FD73B5B-C67A-4CA2-AE6F-C449126E1582}">
-      <dsp:nvSpPr>
-        <dsp:cNvPr id="0" name=""/>
-        <dsp:cNvSpPr/>
-      </dsp:nvSpPr>
-      <dsp:spPr>
-        <a:xfrm>
-          <a:off x="0" y="0"/>
-          <a:ext cx="770620" cy="288032"/>
-        </a:xfrm>
-        <a:prstGeom prst="homePlate">
-          <a:avLst/>
-        </a:prstGeom>
-        <a:solidFill>
-          <a:schemeClr val="dk2">
-            <a:hueOff val="0"/>
-            <a:satOff val="0"/>
-            <a:lumOff val="0"/>
-            <a:alphaOff val="0"/>
-          </a:schemeClr>
-        </a:solidFill>
-        <a:ln w="25400" cap="flat" cmpd="sng" algn="ctr">
-          <a:solidFill>
-            <a:schemeClr val="lt2">
-              <a:hueOff val="0"/>
-              <a:satOff val="0"/>
-              <a:lumOff val="0"/>
-              <a:alphaOff val="0"/>
-            </a:schemeClr>
-          </a:solidFill>
-          <a:prstDash val="solid"/>
-        </a:ln>
-        <a:effectLst/>
-      </dsp:spPr>
-      <dsp:style>
-        <a:lnRef idx="2">
-          <a:scrgbClr r="0" g="0" b="0"/>
-        </a:lnRef>
-        <a:fillRef idx="1">
-          <a:scrgbClr r="0" g="0" b="0"/>
-        </a:fillRef>
-        <a:effectRef idx="0">
-          <a:scrgbClr r="0" g="0" b="0"/>
-        </a:effectRef>
-        <a:fontRef idx="minor">
-          <a:schemeClr val="lt1"/>
-        </a:fontRef>
-      </dsp:style>
-      <dsp:txBody>
-        <a:bodyPr spcFirstLastPara="0" vert="horz" wrap="square" lIns="48006" tIns="24003" rIns="12002" bIns="24003" numCol="1" spcCol="1270" anchor="ctr" anchorCtr="0">
-          <a:noAutofit/>
-        </a:bodyPr>
-        <a:lstStyle/>
-        <a:p>
-          <a:pPr lvl="0" algn="ctr" defTabSz="400050">
-            <a:lnSpc>
-              <a:spcPct val="90000"/>
-            </a:lnSpc>
-            <a:spcBef>
-              <a:spcPct val="0"/>
-            </a:spcBef>
-            <a:spcAft>
-              <a:spcPct val="35000"/>
-            </a:spcAft>
-          </a:pPr>
-          <a:r>
-            <a:rPr lang="sv-SE" altLang="zh-CN" sz="900" kern="1200" dirty="0" smtClean="0"/>
-            <a:t>Motivation</a:t>
-          </a:r>
-          <a:endParaRPr lang="zh-CN" altLang="en-US" sz="900" kern="1200" dirty="0"/>
-        </a:p>
-      </dsp:txBody>
-      <dsp:txXfrm>
-        <a:off x="0" y="0"/>
-        <a:ext cx="770620" cy="288032"/>
-      </dsp:txXfrm>
-    </dsp:sp>
-    <dsp:sp modelId="{41E8FBBF-A987-4DF4-B0D1-6484B49C5F63}">
-      <dsp:nvSpPr>
-        <dsp:cNvPr id="0" name=""/>
-        <dsp:cNvSpPr/>
-      </dsp:nvSpPr>
-      <dsp:spPr>
-        <a:xfrm>
-          <a:off x="545523" y="0"/>
-          <a:ext cx="1090657" cy="288032"/>
-        </a:xfrm>
-        <a:prstGeom prst="chevron">
-          <a:avLst/>
-        </a:prstGeom>
-        <a:solidFill>
-          <a:schemeClr val="dk2">
-            <a:hueOff val="0"/>
-            <a:satOff val="0"/>
-            <a:lumOff val="0"/>
-            <a:alphaOff val="0"/>
-          </a:schemeClr>
-        </a:solidFill>
-        <a:ln w="25400" cap="flat" cmpd="sng" algn="ctr">
-          <a:solidFill>
-            <a:schemeClr val="lt2">
-              <a:hueOff val="0"/>
-              <a:satOff val="0"/>
-              <a:lumOff val="0"/>
-              <a:alphaOff val="0"/>
-            </a:schemeClr>
-          </a:solidFill>
-          <a:prstDash val="solid"/>
-        </a:ln>
-        <a:effectLst/>
-      </dsp:spPr>
-      <dsp:style>
-        <a:lnRef idx="2">
-          <a:scrgbClr r="0" g="0" b="0"/>
-        </a:lnRef>
-        <a:fillRef idx="1">
-          <a:scrgbClr r="0" g="0" b="0"/>
-        </a:fillRef>
-        <a:effectRef idx="0">
-          <a:scrgbClr r="0" g="0" b="0"/>
-        </a:effectRef>
-        <a:fontRef idx="minor">
-          <a:schemeClr val="lt1"/>
-        </a:fontRef>
-      </dsp:style>
-      <dsp:txBody>
-        <a:bodyPr spcFirstLastPara="0" vert="horz" wrap="square" lIns="36005" tIns="24003" rIns="12002" bIns="24003" numCol="1" spcCol="1270" anchor="ctr" anchorCtr="0">
-          <a:noAutofit/>
-        </a:bodyPr>
-        <a:lstStyle/>
-        <a:p>
-          <a:pPr lvl="0" algn="ctr" defTabSz="400050">
-            <a:lnSpc>
-              <a:spcPct val="90000"/>
-            </a:lnSpc>
-            <a:spcBef>
-              <a:spcPct val="0"/>
-            </a:spcBef>
-            <a:spcAft>
-              <a:spcPct val="35000"/>
-            </a:spcAft>
-          </a:pPr>
-          <a:r>
-            <a:rPr lang="sv-SE" altLang="zh-CN" sz="900" kern="1200" dirty="0" smtClean="0"/>
-            <a:t>Problem Formulation</a:t>
-          </a:r>
-          <a:endParaRPr lang="zh-CN" altLang="en-US" sz="900" kern="1200" dirty="0"/>
-        </a:p>
-      </dsp:txBody>
-      <dsp:txXfrm>
-        <a:off x="545523" y="0"/>
-        <a:ext cx="1090657" cy="288032"/>
-      </dsp:txXfrm>
-    </dsp:sp>
-    <dsp:sp modelId="{E64072B9-64A8-4DF1-804A-B16CFFB1216B}">
-      <dsp:nvSpPr>
-        <dsp:cNvPr id="0" name=""/>
-        <dsp:cNvSpPr/>
-      </dsp:nvSpPr>
-      <dsp:spPr>
-        <a:xfrm>
-          <a:off x="1409421" y="0"/>
-          <a:ext cx="781833" cy="288032"/>
-        </a:xfrm>
-        <a:prstGeom prst="chevron">
-          <a:avLst/>
-        </a:prstGeom>
-        <a:solidFill>
-          <a:schemeClr val="dk2">
-            <a:hueOff val="0"/>
-            <a:satOff val="0"/>
-            <a:lumOff val="0"/>
-            <a:alphaOff val="0"/>
-          </a:schemeClr>
-        </a:solidFill>
-        <a:ln w="25400" cap="flat" cmpd="sng" algn="ctr">
-          <a:solidFill>
-            <a:schemeClr val="lt2">
-              <a:hueOff val="0"/>
-              <a:satOff val="0"/>
-              <a:lumOff val="0"/>
-              <a:alphaOff val="0"/>
-            </a:schemeClr>
-          </a:solidFill>
-          <a:prstDash val="solid"/>
-        </a:ln>
-        <a:effectLst/>
-      </dsp:spPr>
-      <dsp:style>
-        <a:lnRef idx="2">
-          <a:scrgbClr r="0" g="0" b="0"/>
-        </a:lnRef>
-        <a:fillRef idx="1">
-          <a:scrgbClr r="0" g="0" b="0"/>
-        </a:fillRef>
-        <a:effectRef idx="0">
-          <a:scrgbClr r="0" g="0" b="0"/>
-        </a:effectRef>
-        <a:fontRef idx="minor">
-          <a:schemeClr val="lt1"/>
-        </a:fontRef>
-      </dsp:style>
-      <dsp:txBody>
-        <a:bodyPr spcFirstLastPara="0" vert="horz" wrap="square" lIns="36005" tIns="24003" rIns="12002" bIns="24003" numCol="1" spcCol="1270" anchor="ctr" anchorCtr="0">
-          <a:noAutofit/>
-        </a:bodyPr>
-        <a:lstStyle/>
-        <a:p>
-          <a:pPr lvl="0" algn="ctr" defTabSz="400050">
-            <a:lnSpc>
-              <a:spcPct val="90000"/>
-            </a:lnSpc>
-            <a:spcBef>
-              <a:spcPct val="0"/>
-            </a:spcBef>
-            <a:spcAft>
-              <a:spcPct val="35000"/>
-            </a:spcAft>
-          </a:pPr>
-          <a:r>
-            <a:rPr lang="sv-SE" altLang="zh-CN" sz="900" kern="1200" dirty="0" smtClean="0"/>
-            <a:t>System Model</a:t>
-          </a:r>
-          <a:endParaRPr lang="zh-CN" altLang="en-US" sz="900" kern="1200" dirty="0"/>
-        </a:p>
-      </dsp:txBody>
-      <dsp:txXfrm>
-        <a:off x="1409421" y="0"/>
-        <a:ext cx="781833" cy="288032"/>
-      </dsp:txXfrm>
-    </dsp:sp>
-    <dsp:sp modelId="{DB1159B9-80FD-430B-86E2-A75B606C2F1F}">
-      <dsp:nvSpPr>
-        <dsp:cNvPr id="0" name=""/>
-        <dsp:cNvSpPr/>
-      </dsp:nvSpPr>
-      <dsp:spPr>
-        <a:xfrm>
-          <a:off x="1964495" y="0"/>
-          <a:ext cx="1133798" cy="288032"/>
-        </a:xfrm>
-        <a:prstGeom prst="chevron">
-          <a:avLst/>
-        </a:prstGeom>
-        <a:solidFill>
-          <a:schemeClr val="dk2">
-            <a:hueOff val="0"/>
-            <a:satOff val="0"/>
-            <a:lumOff val="0"/>
-            <a:alphaOff val="0"/>
-          </a:schemeClr>
-        </a:solidFill>
-        <a:ln w="25400" cap="flat" cmpd="sng" algn="ctr">
-          <a:solidFill>
-            <a:schemeClr val="lt2">
-              <a:hueOff val="0"/>
-              <a:satOff val="0"/>
-              <a:lumOff val="0"/>
-              <a:alphaOff val="0"/>
-            </a:schemeClr>
-          </a:solidFill>
-          <a:prstDash val="solid"/>
-        </a:ln>
-        <a:effectLst/>
-      </dsp:spPr>
-      <dsp:style>
-        <a:lnRef idx="2">
-          <a:scrgbClr r="0" g="0" b="0"/>
-        </a:lnRef>
-        <a:fillRef idx="1">
-          <a:scrgbClr r="0" g="0" b="0"/>
-        </a:fillRef>
-        <a:effectRef idx="0">
-          <a:scrgbClr r="0" g="0" b="0"/>
-        </a:effectRef>
-        <a:fontRef idx="minor">
-          <a:schemeClr val="lt1"/>
-        </a:fontRef>
-      </dsp:style>
-      <dsp:txBody>
-        <a:bodyPr spcFirstLastPara="0" vert="horz" wrap="square" lIns="36005" tIns="24003" rIns="12002" bIns="24003" numCol="1" spcCol="1270" anchor="ctr" anchorCtr="0">
-          <a:noAutofit/>
-        </a:bodyPr>
-        <a:lstStyle/>
-        <a:p>
-          <a:pPr lvl="0" algn="ctr" defTabSz="400050">
-            <a:lnSpc>
-              <a:spcPct val="90000"/>
-            </a:lnSpc>
-            <a:spcBef>
-              <a:spcPct val="0"/>
-            </a:spcBef>
-            <a:spcAft>
-              <a:spcPct val="35000"/>
-            </a:spcAft>
-          </a:pPr>
-          <a:r>
-            <a:rPr lang="sv-SE" altLang="zh-CN" sz="900" kern="1200" dirty="0" smtClean="0"/>
-            <a:t>Techniques Overview</a:t>
-          </a:r>
-          <a:endParaRPr lang="zh-CN" altLang="en-US" sz="900" kern="1200" dirty="0"/>
-        </a:p>
-      </dsp:txBody>
-      <dsp:txXfrm>
-        <a:off x="1964495" y="0"/>
-        <a:ext cx="1133798" cy="288032"/>
-      </dsp:txXfrm>
-    </dsp:sp>
-    <dsp:sp modelId="{6A9781BF-7230-4DD5-9A8B-E4869886CC12}">
-      <dsp:nvSpPr>
-        <dsp:cNvPr id="0" name=""/>
-        <dsp:cNvSpPr/>
-      </dsp:nvSpPr>
-      <dsp:spPr>
-        <a:xfrm>
-          <a:off x="2871534" y="0"/>
-          <a:ext cx="778046" cy="288032"/>
-        </a:xfrm>
-        <a:prstGeom prst="chevron">
-          <a:avLst/>
-        </a:prstGeom>
-        <a:solidFill>
-          <a:schemeClr val="dk2">
-            <a:hueOff val="0"/>
-            <a:satOff val="0"/>
-            <a:lumOff val="0"/>
-            <a:alphaOff val="0"/>
-          </a:schemeClr>
-        </a:solidFill>
-        <a:ln w="25400" cap="flat" cmpd="sng" algn="ctr">
-          <a:solidFill>
-            <a:schemeClr val="lt2">
-              <a:hueOff val="0"/>
-              <a:satOff val="0"/>
-              <a:lumOff val="0"/>
-              <a:alphaOff val="0"/>
-            </a:schemeClr>
-          </a:solidFill>
-          <a:prstDash val="solid"/>
-        </a:ln>
-        <a:effectLst/>
-      </dsp:spPr>
-      <dsp:style>
-        <a:lnRef idx="2">
-          <a:scrgbClr r="0" g="0" b="0"/>
-        </a:lnRef>
-        <a:fillRef idx="1">
-          <a:scrgbClr r="0" g="0" b="0"/>
-        </a:fillRef>
-        <a:effectRef idx="0">
-          <a:scrgbClr r="0" g="0" b="0"/>
-        </a:effectRef>
-        <a:fontRef idx="minor">
-          <a:schemeClr val="lt1"/>
-        </a:fontRef>
-      </dsp:style>
-      <dsp:txBody>
-        <a:bodyPr spcFirstLastPara="0" vert="horz" wrap="square" lIns="36005" tIns="24003" rIns="12002" bIns="24003" numCol="1" spcCol="1270" anchor="ctr" anchorCtr="0">
-          <a:noAutofit/>
-        </a:bodyPr>
-        <a:lstStyle/>
-        <a:p>
-          <a:pPr lvl="0" algn="ctr" defTabSz="400050">
-            <a:lnSpc>
-              <a:spcPct val="90000"/>
-            </a:lnSpc>
-            <a:spcBef>
-              <a:spcPct val="0"/>
-            </a:spcBef>
-            <a:spcAft>
-              <a:spcPct val="35000"/>
-            </a:spcAft>
-          </a:pPr>
-          <a:r>
-            <a:rPr lang="sv-SE" altLang="zh-CN" sz="900" kern="1200" dirty="0" smtClean="0">
-              <a:solidFill>
-                <a:srgbClr val="FF0000"/>
-              </a:solidFill>
-            </a:rPr>
-            <a:t>Result</a:t>
-          </a:r>
-          <a:endParaRPr lang="zh-CN" altLang="en-US" sz="900" kern="1200" dirty="0">
-            <a:solidFill>
-              <a:srgbClr val="FF0000"/>
-            </a:solidFill>
-          </a:endParaRPr>
-        </a:p>
-      </dsp:txBody>
-      <dsp:txXfrm>
-        <a:off x="2871534" y="0"/>
-        <a:ext cx="778046" cy="288032"/>
-      </dsp:txXfrm>
-    </dsp:sp>
-    <dsp:sp modelId="{864B40E2-5677-4629-A8CD-89A9B756124E}">
-      <dsp:nvSpPr>
-        <dsp:cNvPr id="0" name=""/>
-        <dsp:cNvSpPr/>
-      </dsp:nvSpPr>
-      <dsp:spPr>
-        <a:xfrm>
-          <a:off x="3446470" y="0"/>
-          <a:ext cx="1228062" cy="288032"/>
-        </a:xfrm>
-        <a:prstGeom prst="chevron">
-          <a:avLst/>
-        </a:prstGeom>
-        <a:solidFill>
-          <a:schemeClr val="dk2">
-            <a:hueOff val="0"/>
-            <a:satOff val="0"/>
-            <a:lumOff val="0"/>
-            <a:alphaOff val="0"/>
-          </a:schemeClr>
-        </a:solidFill>
-        <a:ln w="25400" cap="flat" cmpd="sng" algn="ctr">
-          <a:solidFill>
-            <a:schemeClr val="lt2">
-              <a:hueOff val="0"/>
-              <a:satOff val="0"/>
-              <a:lumOff val="0"/>
-              <a:alphaOff val="0"/>
-            </a:schemeClr>
-          </a:solidFill>
-          <a:prstDash val="solid"/>
-        </a:ln>
-        <a:effectLst/>
-      </dsp:spPr>
-      <dsp:style>
-        <a:lnRef idx="2">
-          <a:scrgbClr r="0" g="0" b="0"/>
-        </a:lnRef>
-        <a:fillRef idx="1">
-          <a:scrgbClr r="0" g="0" b="0"/>
-        </a:fillRef>
-        <a:effectRef idx="0">
-          <a:scrgbClr r="0" g="0" b="0"/>
-        </a:effectRef>
-        <a:fontRef idx="minor">
-          <a:schemeClr val="lt1"/>
-        </a:fontRef>
-      </dsp:style>
-      <dsp:txBody>
-        <a:bodyPr spcFirstLastPara="0" vert="horz" wrap="square" lIns="36005" tIns="24003" rIns="12002" bIns="24003" numCol="1" spcCol="1270" anchor="ctr" anchorCtr="0">
-          <a:noAutofit/>
-        </a:bodyPr>
-        <a:lstStyle/>
-        <a:p>
-          <a:pPr lvl="0" algn="ctr" defTabSz="400050">
-            <a:lnSpc>
-              <a:spcPct val="90000"/>
-            </a:lnSpc>
-            <a:spcBef>
-              <a:spcPct val="0"/>
-            </a:spcBef>
-            <a:spcAft>
-              <a:spcPct val="35000"/>
-            </a:spcAft>
-          </a:pPr>
-          <a:r>
-            <a:rPr lang="sv-SE" altLang="zh-CN" sz="900" b="1" kern="1200" dirty="0" smtClean="0">
-              <a:solidFill>
-                <a:schemeClr val="bg1"/>
-              </a:solidFill>
-            </a:rPr>
-            <a:t>Conclusion</a:t>
-          </a:r>
-          <a:endParaRPr lang="zh-CN" altLang="en-US" sz="900" b="1" kern="1200" dirty="0">
-            <a:solidFill>
-              <a:schemeClr val="bg1"/>
-            </a:solidFill>
-          </a:endParaRPr>
-        </a:p>
-      </dsp:txBody>
-      <dsp:txXfrm>
-        <a:off x="3446470" y="0"/>
-        <a:ext cx="1228062" cy="288032"/>
-      </dsp:txXfrm>
-    </dsp:sp>
-    <dsp:sp modelId="{30C4040E-3A67-4FAE-8B9A-AC72E751EC50}">
-      <dsp:nvSpPr>
-        <dsp:cNvPr id="0" name=""/>
-        <dsp:cNvSpPr/>
-      </dsp:nvSpPr>
-      <dsp:spPr>
-        <a:xfrm>
-          <a:off x="4323523" y="0"/>
-          <a:ext cx="798103" cy="288032"/>
-        </a:xfrm>
-        <a:prstGeom prst="chevron">
-          <a:avLst/>
-        </a:prstGeom>
-        <a:solidFill>
-          <a:schemeClr val="dk2">
-            <a:hueOff val="0"/>
-            <a:satOff val="0"/>
-            <a:lumOff val="0"/>
-            <a:alphaOff val="0"/>
-          </a:schemeClr>
-        </a:solidFill>
-        <a:ln w="25400" cap="flat" cmpd="sng" algn="ctr">
-          <a:solidFill>
-            <a:schemeClr val="lt2">
-              <a:hueOff val="0"/>
-              <a:satOff val="0"/>
-              <a:lumOff val="0"/>
-              <a:alphaOff val="0"/>
-            </a:schemeClr>
-          </a:solidFill>
-          <a:prstDash val="solid"/>
-        </a:ln>
-        <a:effectLst/>
-      </dsp:spPr>
-      <dsp:style>
-        <a:lnRef idx="2">
-          <a:scrgbClr r="0" g="0" b="0"/>
-        </a:lnRef>
-        <a:fillRef idx="1">
-          <a:scrgbClr r="0" g="0" b="0"/>
-        </a:fillRef>
-        <a:effectRef idx="0">
-          <a:scrgbClr r="0" g="0" b="0"/>
-        </a:effectRef>
-        <a:fontRef idx="minor">
-          <a:schemeClr val="lt1"/>
-        </a:fontRef>
-      </dsp:style>
-      <dsp:txBody>
-        <a:bodyPr spcFirstLastPara="0" vert="horz" wrap="square" lIns="36005" tIns="24003" rIns="12002" bIns="24003" numCol="1" spcCol="1270" anchor="ctr" anchorCtr="0">
-          <a:noAutofit/>
-        </a:bodyPr>
-        <a:lstStyle/>
-        <a:p>
-          <a:pPr lvl="0" algn="ctr" defTabSz="400050">
-            <a:lnSpc>
-              <a:spcPct val="90000"/>
-            </a:lnSpc>
-            <a:spcBef>
-              <a:spcPct val="0"/>
-            </a:spcBef>
-            <a:spcAft>
-              <a:spcPct val="35000"/>
-            </a:spcAft>
-          </a:pPr>
-          <a:r>
-            <a:rPr lang="en-US" altLang="zh-CN" sz="900" kern="1200" dirty="0" smtClean="0"/>
-            <a:t>Future Work</a:t>
-          </a:r>
-          <a:endParaRPr lang="zh-CN" altLang="en-US" sz="900" b="1" kern="1200" dirty="0">
-            <a:solidFill>
-              <a:srgbClr val="FF0000"/>
-            </a:solidFill>
-          </a:endParaRPr>
-        </a:p>
-      </dsp:txBody>
-      <dsp:txXfrm>
-        <a:off x="4323523" y="0"/>
-        <a:ext cx="798103" cy="288032"/>
-      </dsp:txXfrm>
-    </dsp:sp>
   </dsp:spTree>
 </dsp:drawing>
 </file>
 
 <file path=ppt/diagrams/drawing12.xml><?xml version="1.0" encoding="utf-8"?>
-<dsp:drawing xmlns:dgm="http://schemas.openxmlformats.org/drawingml/2006/diagram" xmlns:a="http://schemas.openxmlformats.org/drawingml/2006/main" xmlns:dsp="http://schemas.microsoft.com/office/drawing/2008/diagram">
+<dsp:drawing xmlns:dgm="http://schemas.openxmlformats.org/drawingml/2006/diagram" xmlns:dsp="http://schemas.microsoft.com/office/drawing/2008/diagram" xmlns:a="http://schemas.openxmlformats.org/drawingml/2006/main">
   <dsp:spTree>
     <dsp:nvGrpSpPr>
       <dsp:cNvPr id="0" name=""/>
       <dsp:cNvGrpSpPr/>
     </dsp:nvGrpSpPr>
     <dsp:grpSpPr/>
-    <dsp:sp modelId="{2FD73B5B-C67A-4CA2-AE6F-C449126E1582}">
-      <dsp:nvSpPr>
-        <dsp:cNvPr id="0" name=""/>
-        <dsp:cNvSpPr/>
-      </dsp:nvSpPr>
-      <dsp:spPr>
-        <a:xfrm>
-          <a:off x="0" y="0"/>
-          <a:ext cx="770620" cy="288032"/>
-        </a:xfrm>
-        <a:prstGeom prst="homePlate">
-          <a:avLst/>
-        </a:prstGeom>
-        <a:solidFill>
-          <a:schemeClr val="dk2">
-            <a:hueOff val="0"/>
-            <a:satOff val="0"/>
-            <a:lumOff val="0"/>
-            <a:alphaOff val="0"/>
-          </a:schemeClr>
-        </a:solidFill>
-        <a:ln w="25400" cap="flat" cmpd="sng" algn="ctr">
-          <a:solidFill>
-            <a:schemeClr val="lt2">
-              <a:hueOff val="0"/>
-              <a:satOff val="0"/>
-              <a:lumOff val="0"/>
-              <a:alphaOff val="0"/>
-            </a:schemeClr>
-          </a:solidFill>
-          <a:prstDash val="solid"/>
-        </a:ln>
-        <a:effectLst/>
-      </dsp:spPr>
-      <dsp:style>
-        <a:lnRef idx="2">
-          <a:scrgbClr r="0" g="0" b="0"/>
-        </a:lnRef>
-        <a:fillRef idx="1">
-          <a:scrgbClr r="0" g="0" b="0"/>
-        </a:fillRef>
-        <a:effectRef idx="0">
-          <a:scrgbClr r="0" g="0" b="0"/>
-        </a:effectRef>
-        <a:fontRef idx="minor">
-          <a:schemeClr val="lt1"/>
-        </a:fontRef>
-      </dsp:style>
-      <dsp:txBody>
-        <a:bodyPr spcFirstLastPara="0" vert="horz" wrap="square" lIns="48006" tIns="24003" rIns="12002" bIns="24003" numCol="1" spcCol="1270" anchor="ctr" anchorCtr="0">
-          <a:noAutofit/>
-        </a:bodyPr>
-        <a:lstStyle/>
-        <a:p>
-          <a:pPr lvl="0" algn="ctr" defTabSz="400050">
-            <a:lnSpc>
-              <a:spcPct val="90000"/>
-            </a:lnSpc>
-            <a:spcBef>
-              <a:spcPct val="0"/>
-            </a:spcBef>
-            <a:spcAft>
-              <a:spcPct val="35000"/>
-            </a:spcAft>
-          </a:pPr>
-          <a:r>
-            <a:rPr lang="sv-SE" altLang="zh-CN" sz="900" kern="1200" dirty="0" smtClean="0"/>
-            <a:t>Motivation</a:t>
-          </a:r>
-          <a:endParaRPr lang="zh-CN" altLang="en-US" sz="900" kern="1200" dirty="0"/>
-        </a:p>
-      </dsp:txBody>
-      <dsp:txXfrm>
-        <a:off x="0" y="0"/>
-        <a:ext cx="770620" cy="288032"/>
-      </dsp:txXfrm>
-    </dsp:sp>
-    <dsp:sp modelId="{41E8FBBF-A987-4DF4-B0D1-6484B49C5F63}">
-      <dsp:nvSpPr>
-        <dsp:cNvPr id="0" name=""/>
-        <dsp:cNvSpPr/>
-      </dsp:nvSpPr>
-      <dsp:spPr>
-        <a:xfrm>
-          <a:off x="545523" y="0"/>
-          <a:ext cx="1090657" cy="288032"/>
-        </a:xfrm>
-        <a:prstGeom prst="chevron">
-          <a:avLst/>
-        </a:prstGeom>
-        <a:solidFill>
-          <a:schemeClr val="dk2">
-            <a:hueOff val="0"/>
-            <a:satOff val="0"/>
-            <a:lumOff val="0"/>
-            <a:alphaOff val="0"/>
-          </a:schemeClr>
-        </a:solidFill>
-        <a:ln w="25400" cap="flat" cmpd="sng" algn="ctr">
-          <a:solidFill>
-            <a:schemeClr val="lt2">
-              <a:hueOff val="0"/>
-              <a:satOff val="0"/>
-              <a:lumOff val="0"/>
-              <a:alphaOff val="0"/>
-            </a:schemeClr>
-          </a:solidFill>
-          <a:prstDash val="solid"/>
-        </a:ln>
-        <a:effectLst/>
-      </dsp:spPr>
-      <dsp:style>
-        <a:lnRef idx="2">
-          <a:scrgbClr r="0" g="0" b="0"/>
-        </a:lnRef>
-        <a:fillRef idx="1">
-          <a:scrgbClr r="0" g="0" b="0"/>
-        </a:fillRef>
-        <a:effectRef idx="0">
-          <a:scrgbClr r="0" g="0" b="0"/>
-        </a:effectRef>
-        <a:fontRef idx="minor">
-          <a:schemeClr val="lt1"/>
-        </a:fontRef>
-      </dsp:style>
-      <dsp:txBody>
-        <a:bodyPr spcFirstLastPara="0" vert="horz" wrap="square" lIns="36005" tIns="24003" rIns="12002" bIns="24003" numCol="1" spcCol="1270" anchor="ctr" anchorCtr="0">
-          <a:noAutofit/>
-        </a:bodyPr>
-        <a:lstStyle/>
-        <a:p>
-          <a:pPr lvl="0" algn="ctr" defTabSz="400050">
-            <a:lnSpc>
-              <a:spcPct val="90000"/>
-            </a:lnSpc>
-            <a:spcBef>
-              <a:spcPct val="0"/>
-            </a:spcBef>
-            <a:spcAft>
-              <a:spcPct val="35000"/>
-            </a:spcAft>
-          </a:pPr>
-          <a:r>
-            <a:rPr lang="sv-SE" altLang="zh-CN" sz="900" kern="1200" dirty="0" smtClean="0"/>
-            <a:t>Problem Formulation</a:t>
-          </a:r>
-          <a:endParaRPr lang="zh-CN" altLang="en-US" sz="900" kern="1200" dirty="0"/>
-        </a:p>
-      </dsp:txBody>
-      <dsp:txXfrm>
-        <a:off x="545523" y="0"/>
-        <a:ext cx="1090657" cy="288032"/>
-      </dsp:txXfrm>
-    </dsp:sp>
-    <dsp:sp modelId="{E64072B9-64A8-4DF1-804A-B16CFFB1216B}">
-      <dsp:nvSpPr>
-        <dsp:cNvPr id="0" name=""/>
-        <dsp:cNvSpPr/>
-      </dsp:nvSpPr>
-      <dsp:spPr>
-        <a:xfrm>
-          <a:off x="1409421" y="0"/>
-          <a:ext cx="781833" cy="288032"/>
-        </a:xfrm>
-        <a:prstGeom prst="chevron">
-          <a:avLst/>
-        </a:prstGeom>
-        <a:solidFill>
-          <a:schemeClr val="dk2">
-            <a:hueOff val="0"/>
-            <a:satOff val="0"/>
-            <a:lumOff val="0"/>
-            <a:alphaOff val="0"/>
-          </a:schemeClr>
-        </a:solidFill>
-        <a:ln w="25400" cap="flat" cmpd="sng" algn="ctr">
-          <a:solidFill>
-            <a:schemeClr val="lt2">
-              <a:hueOff val="0"/>
-              <a:satOff val="0"/>
-              <a:lumOff val="0"/>
-              <a:alphaOff val="0"/>
-            </a:schemeClr>
-          </a:solidFill>
-          <a:prstDash val="solid"/>
-        </a:ln>
-        <a:effectLst/>
-      </dsp:spPr>
-      <dsp:style>
-        <a:lnRef idx="2">
-          <a:scrgbClr r="0" g="0" b="0"/>
-        </a:lnRef>
-        <a:fillRef idx="1">
-          <a:scrgbClr r="0" g="0" b="0"/>
-        </a:fillRef>
-        <a:effectRef idx="0">
-          <a:scrgbClr r="0" g="0" b="0"/>
-        </a:effectRef>
-        <a:fontRef idx="minor">
-          <a:schemeClr val="lt1"/>
-        </a:fontRef>
-      </dsp:style>
-      <dsp:txBody>
-        <a:bodyPr spcFirstLastPara="0" vert="horz" wrap="square" lIns="36005" tIns="24003" rIns="12002" bIns="24003" numCol="1" spcCol="1270" anchor="ctr" anchorCtr="0">
-          <a:noAutofit/>
-        </a:bodyPr>
-        <a:lstStyle/>
-        <a:p>
-          <a:pPr lvl="0" algn="ctr" defTabSz="400050">
-            <a:lnSpc>
-              <a:spcPct val="90000"/>
-            </a:lnSpc>
-            <a:spcBef>
-              <a:spcPct val="0"/>
-            </a:spcBef>
-            <a:spcAft>
-              <a:spcPct val="35000"/>
-            </a:spcAft>
-          </a:pPr>
-          <a:r>
-            <a:rPr lang="sv-SE" altLang="zh-CN" sz="900" kern="1200" dirty="0" smtClean="0"/>
-            <a:t>System Model</a:t>
-          </a:r>
-          <a:endParaRPr lang="zh-CN" altLang="en-US" sz="900" kern="1200" dirty="0"/>
-        </a:p>
-      </dsp:txBody>
-      <dsp:txXfrm>
-        <a:off x="1409421" y="0"/>
-        <a:ext cx="781833" cy="288032"/>
-      </dsp:txXfrm>
-    </dsp:sp>
-    <dsp:sp modelId="{DB1159B9-80FD-430B-86E2-A75B606C2F1F}">
-      <dsp:nvSpPr>
-        <dsp:cNvPr id="0" name=""/>
-        <dsp:cNvSpPr/>
-      </dsp:nvSpPr>
-      <dsp:spPr>
-        <a:xfrm>
-          <a:off x="1964495" y="0"/>
-          <a:ext cx="1133798" cy="288032"/>
-        </a:xfrm>
-        <a:prstGeom prst="chevron">
-          <a:avLst/>
-        </a:prstGeom>
-        <a:solidFill>
-          <a:schemeClr val="dk2">
-            <a:hueOff val="0"/>
-            <a:satOff val="0"/>
-            <a:lumOff val="0"/>
-            <a:alphaOff val="0"/>
-          </a:schemeClr>
-        </a:solidFill>
-        <a:ln w="25400" cap="flat" cmpd="sng" algn="ctr">
-          <a:solidFill>
-            <a:schemeClr val="lt2">
-              <a:hueOff val="0"/>
-              <a:satOff val="0"/>
-              <a:lumOff val="0"/>
-              <a:alphaOff val="0"/>
-            </a:schemeClr>
-          </a:solidFill>
-          <a:prstDash val="solid"/>
-        </a:ln>
-        <a:effectLst/>
-      </dsp:spPr>
-      <dsp:style>
-        <a:lnRef idx="2">
-          <a:scrgbClr r="0" g="0" b="0"/>
-        </a:lnRef>
-        <a:fillRef idx="1">
-          <a:scrgbClr r="0" g="0" b="0"/>
-        </a:fillRef>
-        <a:effectRef idx="0">
-          <a:scrgbClr r="0" g="0" b="0"/>
-        </a:effectRef>
-        <a:fontRef idx="minor">
-          <a:schemeClr val="lt1"/>
-        </a:fontRef>
-      </dsp:style>
-      <dsp:txBody>
-        <a:bodyPr spcFirstLastPara="0" vert="horz" wrap="square" lIns="36005" tIns="24003" rIns="12002" bIns="24003" numCol="1" spcCol="1270" anchor="ctr" anchorCtr="0">
-          <a:noAutofit/>
-        </a:bodyPr>
-        <a:lstStyle/>
-        <a:p>
-          <a:pPr lvl="0" algn="ctr" defTabSz="400050">
-            <a:lnSpc>
-              <a:spcPct val="90000"/>
-            </a:lnSpc>
-            <a:spcBef>
-              <a:spcPct val="0"/>
-            </a:spcBef>
-            <a:spcAft>
-              <a:spcPct val="35000"/>
-            </a:spcAft>
-          </a:pPr>
-          <a:r>
-            <a:rPr lang="sv-SE" altLang="zh-CN" sz="900" kern="1200" dirty="0" smtClean="0"/>
-            <a:t>Techniques Overview</a:t>
-          </a:r>
-          <a:endParaRPr lang="zh-CN" altLang="en-US" sz="900" kern="1200" dirty="0"/>
-        </a:p>
-      </dsp:txBody>
-      <dsp:txXfrm>
-        <a:off x="1964495" y="0"/>
-        <a:ext cx="1133798" cy="288032"/>
-      </dsp:txXfrm>
-    </dsp:sp>
-    <dsp:sp modelId="{6A9781BF-7230-4DD5-9A8B-E4869886CC12}">
-      <dsp:nvSpPr>
-        <dsp:cNvPr id="0" name=""/>
-        <dsp:cNvSpPr/>
-      </dsp:nvSpPr>
-      <dsp:spPr>
-        <a:xfrm>
-          <a:off x="2871534" y="0"/>
-          <a:ext cx="778046" cy="288032"/>
-        </a:xfrm>
-        <a:prstGeom prst="chevron">
-          <a:avLst/>
-        </a:prstGeom>
-        <a:solidFill>
-          <a:schemeClr val="dk2">
-            <a:hueOff val="0"/>
-            <a:satOff val="0"/>
-            <a:lumOff val="0"/>
-            <a:alphaOff val="0"/>
-          </a:schemeClr>
-        </a:solidFill>
-        <a:ln w="25400" cap="flat" cmpd="sng" algn="ctr">
-          <a:solidFill>
-            <a:schemeClr val="lt2">
-              <a:hueOff val="0"/>
-              <a:satOff val="0"/>
-              <a:lumOff val="0"/>
-              <a:alphaOff val="0"/>
-            </a:schemeClr>
-          </a:solidFill>
-          <a:prstDash val="solid"/>
-        </a:ln>
-        <a:effectLst/>
-      </dsp:spPr>
-      <dsp:style>
-        <a:lnRef idx="2">
-          <a:scrgbClr r="0" g="0" b="0"/>
-        </a:lnRef>
-        <a:fillRef idx="1">
-          <a:scrgbClr r="0" g="0" b="0"/>
-        </a:fillRef>
-        <a:effectRef idx="0">
-          <a:scrgbClr r="0" g="0" b="0"/>
-        </a:effectRef>
-        <a:fontRef idx="minor">
-          <a:schemeClr val="lt1"/>
-        </a:fontRef>
-      </dsp:style>
-      <dsp:txBody>
-        <a:bodyPr spcFirstLastPara="0" vert="horz" wrap="square" lIns="36005" tIns="24003" rIns="12002" bIns="24003" numCol="1" spcCol="1270" anchor="ctr" anchorCtr="0">
-          <a:noAutofit/>
-        </a:bodyPr>
-        <a:lstStyle/>
-        <a:p>
-          <a:pPr lvl="0" algn="ctr" defTabSz="400050">
-            <a:lnSpc>
-              <a:spcPct val="90000"/>
-            </a:lnSpc>
-            <a:spcBef>
-              <a:spcPct val="0"/>
-            </a:spcBef>
-            <a:spcAft>
-              <a:spcPct val="35000"/>
-            </a:spcAft>
-          </a:pPr>
-          <a:r>
-            <a:rPr lang="sv-SE" altLang="zh-CN" sz="900" kern="1200" dirty="0" smtClean="0">
-              <a:solidFill>
-                <a:schemeClr val="bg1"/>
-              </a:solidFill>
-            </a:rPr>
-            <a:t>Result</a:t>
-          </a:r>
-          <a:endParaRPr lang="zh-CN" altLang="en-US" sz="900" kern="1200" dirty="0">
-            <a:solidFill>
-              <a:schemeClr val="bg1"/>
-            </a:solidFill>
-          </a:endParaRPr>
-        </a:p>
-      </dsp:txBody>
-      <dsp:txXfrm>
-        <a:off x="2871534" y="0"/>
-        <a:ext cx="778046" cy="288032"/>
-      </dsp:txXfrm>
-    </dsp:sp>
-    <dsp:sp modelId="{864B40E2-5677-4629-A8CD-89A9B756124E}">
-      <dsp:nvSpPr>
-        <dsp:cNvPr id="0" name=""/>
-        <dsp:cNvSpPr/>
-      </dsp:nvSpPr>
-      <dsp:spPr>
-        <a:xfrm>
-          <a:off x="3446470" y="0"/>
-          <a:ext cx="1228062" cy="288032"/>
-        </a:xfrm>
-        <a:prstGeom prst="chevron">
-          <a:avLst/>
-        </a:prstGeom>
-        <a:solidFill>
-          <a:schemeClr val="dk2">
-            <a:hueOff val="0"/>
-            <a:satOff val="0"/>
-            <a:lumOff val="0"/>
-            <a:alphaOff val="0"/>
-          </a:schemeClr>
-        </a:solidFill>
-        <a:ln w="25400" cap="flat" cmpd="sng" algn="ctr">
-          <a:solidFill>
-            <a:schemeClr val="lt2">
-              <a:hueOff val="0"/>
-              <a:satOff val="0"/>
-              <a:lumOff val="0"/>
-              <a:alphaOff val="0"/>
-            </a:schemeClr>
-          </a:solidFill>
-          <a:prstDash val="solid"/>
-        </a:ln>
-        <a:effectLst/>
-      </dsp:spPr>
-      <dsp:style>
-        <a:lnRef idx="2">
-          <a:scrgbClr r="0" g="0" b="0"/>
-        </a:lnRef>
-        <a:fillRef idx="1">
-          <a:scrgbClr r="0" g="0" b="0"/>
-        </a:fillRef>
-        <a:effectRef idx="0">
-          <a:scrgbClr r="0" g="0" b="0"/>
-        </a:effectRef>
-        <a:fontRef idx="minor">
-          <a:schemeClr val="lt1"/>
-        </a:fontRef>
-      </dsp:style>
-      <dsp:txBody>
-        <a:bodyPr spcFirstLastPara="0" vert="horz" wrap="square" lIns="36005" tIns="24003" rIns="12002" bIns="24003" numCol="1" spcCol="1270" anchor="ctr" anchorCtr="0">
-          <a:noAutofit/>
-        </a:bodyPr>
-        <a:lstStyle/>
-        <a:p>
-          <a:pPr lvl="0" algn="ctr" defTabSz="400050">
-            <a:lnSpc>
-              <a:spcPct val="90000"/>
-            </a:lnSpc>
-            <a:spcBef>
-              <a:spcPct val="0"/>
-            </a:spcBef>
-            <a:spcAft>
-              <a:spcPct val="35000"/>
-            </a:spcAft>
-          </a:pPr>
-          <a:r>
-            <a:rPr lang="sv-SE" altLang="zh-CN" sz="900" b="1" kern="1200" dirty="0" smtClean="0">
-              <a:solidFill>
-                <a:srgbClr val="FF0000"/>
-              </a:solidFill>
-            </a:rPr>
-            <a:t>Conclusion</a:t>
-          </a:r>
-          <a:endParaRPr lang="zh-CN" altLang="en-US" sz="900" b="1" kern="1200" dirty="0">
-            <a:solidFill>
-              <a:srgbClr val="FF0000"/>
-            </a:solidFill>
-          </a:endParaRPr>
-        </a:p>
-      </dsp:txBody>
-      <dsp:txXfrm>
-        <a:off x="3446470" y="0"/>
-        <a:ext cx="1228062" cy="288032"/>
-      </dsp:txXfrm>
-    </dsp:sp>
-    <dsp:sp modelId="{30C4040E-3A67-4FAE-8B9A-AC72E751EC50}">
-      <dsp:nvSpPr>
-        <dsp:cNvPr id="0" name=""/>
-        <dsp:cNvSpPr/>
-      </dsp:nvSpPr>
-      <dsp:spPr>
-        <a:xfrm>
-          <a:off x="4323523" y="0"/>
-          <a:ext cx="798103" cy="288032"/>
-        </a:xfrm>
-        <a:prstGeom prst="chevron">
-          <a:avLst/>
-        </a:prstGeom>
-        <a:solidFill>
-          <a:schemeClr val="dk2">
-            <a:hueOff val="0"/>
-            <a:satOff val="0"/>
-            <a:lumOff val="0"/>
-            <a:alphaOff val="0"/>
-          </a:schemeClr>
-        </a:solidFill>
-        <a:ln w="25400" cap="flat" cmpd="sng" algn="ctr">
-          <a:solidFill>
-            <a:schemeClr val="lt2">
-              <a:hueOff val="0"/>
-              <a:satOff val="0"/>
-              <a:lumOff val="0"/>
-              <a:alphaOff val="0"/>
-            </a:schemeClr>
-          </a:solidFill>
-          <a:prstDash val="solid"/>
-        </a:ln>
-        <a:effectLst/>
-      </dsp:spPr>
-      <dsp:style>
-        <a:lnRef idx="2">
-          <a:scrgbClr r="0" g="0" b="0"/>
-        </a:lnRef>
-        <a:fillRef idx="1">
-          <a:scrgbClr r="0" g="0" b="0"/>
-        </a:fillRef>
-        <a:effectRef idx="0">
-          <a:scrgbClr r="0" g="0" b="0"/>
-        </a:effectRef>
-        <a:fontRef idx="minor">
-          <a:schemeClr val="lt1"/>
-        </a:fontRef>
-      </dsp:style>
-      <dsp:txBody>
-        <a:bodyPr spcFirstLastPara="0" vert="horz" wrap="square" lIns="36005" tIns="24003" rIns="12002" bIns="24003" numCol="1" spcCol="1270" anchor="ctr" anchorCtr="0">
-          <a:noAutofit/>
-        </a:bodyPr>
-        <a:lstStyle/>
-        <a:p>
-          <a:pPr lvl="0" algn="ctr" defTabSz="400050">
-            <a:lnSpc>
-              <a:spcPct val="90000"/>
-            </a:lnSpc>
-            <a:spcBef>
-              <a:spcPct val="0"/>
-            </a:spcBef>
-            <a:spcAft>
-              <a:spcPct val="35000"/>
-            </a:spcAft>
-          </a:pPr>
-          <a:r>
-            <a:rPr lang="en-US" altLang="zh-CN" sz="900" kern="1200" dirty="0" smtClean="0"/>
-            <a:t>Future Work</a:t>
-          </a:r>
-          <a:endParaRPr lang="zh-CN" altLang="en-US" sz="900" b="1" kern="1200" dirty="0">
-            <a:solidFill>
-              <a:srgbClr val="FF0000"/>
-            </a:solidFill>
-          </a:endParaRPr>
-        </a:p>
-      </dsp:txBody>
-      <dsp:txXfrm>
-        <a:off x="4323523" y="0"/>
-        <a:ext cx="798103" cy="288032"/>
-      </dsp:txXfrm>
-    </dsp:sp>
-  </dsp:spTree>
-</dsp:drawing>
-</file>
-
-<file path=ppt/diagrams/drawing13.xml><?xml version="1.0" encoding="utf-8"?>
-<dsp:drawing xmlns:dgm="http://schemas.openxmlformats.org/drawingml/2006/diagram" xmlns:a="http://schemas.openxmlformats.org/drawingml/2006/main" xmlns:dsp="http://schemas.microsoft.com/office/drawing/2008/diagram">
-  <dsp:spTree>
-    <dsp:nvGrpSpPr>
-      <dsp:cNvPr id="0" name=""/>
-      <dsp:cNvGrpSpPr/>
-    </dsp:nvGrpSpPr>
-    <dsp:grpSpPr/>
-    <dsp:sp modelId="{2FD73B5B-C67A-4CA2-AE6F-C449126E1582}">
-      <dsp:nvSpPr>
-        <dsp:cNvPr id="0" name=""/>
-        <dsp:cNvSpPr/>
-      </dsp:nvSpPr>
-      <dsp:spPr>
-        <a:xfrm>
-          <a:off x="0" y="0"/>
-          <a:ext cx="770620" cy="288032"/>
-        </a:xfrm>
-        <a:prstGeom prst="homePlate">
-          <a:avLst/>
-        </a:prstGeom>
-        <a:solidFill>
-          <a:schemeClr val="dk2">
-            <a:hueOff val="0"/>
-            <a:satOff val="0"/>
-            <a:lumOff val="0"/>
-            <a:alphaOff val="0"/>
-          </a:schemeClr>
-        </a:solidFill>
-        <a:ln w="25400" cap="flat" cmpd="sng" algn="ctr">
-          <a:solidFill>
-            <a:schemeClr val="lt2">
-              <a:hueOff val="0"/>
-              <a:satOff val="0"/>
-              <a:lumOff val="0"/>
-              <a:alphaOff val="0"/>
-            </a:schemeClr>
-          </a:solidFill>
-          <a:prstDash val="solid"/>
-        </a:ln>
-        <a:effectLst/>
-      </dsp:spPr>
-      <dsp:style>
-        <a:lnRef idx="2">
-          <a:scrgbClr r="0" g="0" b="0"/>
-        </a:lnRef>
-        <a:fillRef idx="1">
-          <a:scrgbClr r="0" g="0" b="0"/>
-        </a:fillRef>
-        <a:effectRef idx="0">
-          <a:scrgbClr r="0" g="0" b="0"/>
-        </a:effectRef>
-        <a:fontRef idx="minor">
-          <a:schemeClr val="lt1"/>
-        </a:fontRef>
-      </dsp:style>
-      <dsp:txBody>
-        <a:bodyPr spcFirstLastPara="0" vert="horz" wrap="square" lIns="48006" tIns="24003" rIns="12002" bIns="24003" numCol="1" spcCol="1270" anchor="ctr" anchorCtr="0">
-          <a:noAutofit/>
-        </a:bodyPr>
-        <a:lstStyle/>
-        <a:p>
-          <a:pPr lvl="0" algn="ctr" defTabSz="400050">
-            <a:lnSpc>
-              <a:spcPct val="90000"/>
-            </a:lnSpc>
-            <a:spcBef>
-              <a:spcPct val="0"/>
-            </a:spcBef>
-            <a:spcAft>
-              <a:spcPct val="35000"/>
-            </a:spcAft>
-          </a:pPr>
-          <a:r>
-            <a:rPr lang="sv-SE" altLang="zh-CN" sz="900" kern="1200" dirty="0" smtClean="0"/>
-            <a:t>Motivation</a:t>
-          </a:r>
-          <a:endParaRPr lang="zh-CN" altLang="en-US" sz="900" kern="1200" dirty="0"/>
-        </a:p>
-      </dsp:txBody>
-      <dsp:txXfrm>
-        <a:off x="0" y="0"/>
-        <a:ext cx="770620" cy="288032"/>
-      </dsp:txXfrm>
-    </dsp:sp>
-    <dsp:sp modelId="{41E8FBBF-A987-4DF4-B0D1-6484B49C5F63}">
-      <dsp:nvSpPr>
-        <dsp:cNvPr id="0" name=""/>
-        <dsp:cNvSpPr/>
-      </dsp:nvSpPr>
-      <dsp:spPr>
-        <a:xfrm>
-          <a:off x="545523" y="0"/>
-          <a:ext cx="1090657" cy="288032"/>
-        </a:xfrm>
-        <a:prstGeom prst="chevron">
-          <a:avLst/>
-        </a:prstGeom>
-        <a:solidFill>
-          <a:schemeClr val="dk2">
-            <a:hueOff val="0"/>
-            <a:satOff val="0"/>
-            <a:lumOff val="0"/>
-            <a:alphaOff val="0"/>
-          </a:schemeClr>
-        </a:solidFill>
-        <a:ln w="25400" cap="flat" cmpd="sng" algn="ctr">
-          <a:solidFill>
-            <a:schemeClr val="lt2">
-              <a:hueOff val="0"/>
-              <a:satOff val="0"/>
-              <a:lumOff val="0"/>
-              <a:alphaOff val="0"/>
-            </a:schemeClr>
-          </a:solidFill>
-          <a:prstDash val="solid"/>
-        </a:ln>
-        <a:effectLst/>
-      </dsp:spPr>
-      <dsp:style>
-        <a:lnRef idx="2">
-          <a:scrgbClr r="0" g="0" b="0"/>
-        </a:lnRef>
-        <a:fillRef idx="1">
-          <a:scrgbClr r="0" g="0" b="0"/>
-        </a:fillRef>
-        <a:effectRef idx="0">
-          <a:scrgbClr r="0" g="0" b="0"/>
-        </a:effectRef>
-        <a:fontRef idx="minor">
-          <a:schemeClr val="lt1"/>
-        </a:fontRef>
-      </dsp:style>
-      <dsp:txBody>
-        <a:bodyPr spcFirstLastPara="0" vert="horz" wrap="square" lIns="36005" tIns="24003" rIns="12002" bIns="24003" numCol="1" spcCol="1270" anchor="ctr" anchorCtr="0">
-          <a:noAutofit/>
-        </a:bodyPr>
-        <a:lstStyle/>
-        <a:p>
-          <a:pPr lvl="0" algn="ctr" defTabSz="400050">
-            <a:lnSpc>
-              <a:spcPct val="90000"/>
-            </a:lnSpc>
-            <a:spcBef>
-              <a:spcPct val="0"/>
-            </a:spcBef>
-            <a:spcAft>
-              <a:spcPct val="35000"/>
-            </a:spcAft>
-          </a:pPr>
-          <a:r>
-            <a:rPr lang="sv-SE" altLang="zh-CN" sz="900" kern="1200" dirty="0" smtClean="0"/>
-            <a:t>Problem Formulation</a:t>
-          </a:r>
-          <a:endParaRPr lang="zh-CN" altLang="en-US" sz="900" kern="1200" dirty="0"/>
-        </a:p>
-      </dsp:txBody>
-      <dsp:txXfrm>
-        <a:off x="545523" y="0"/>
-        <a:ext cx="1090657" cy="288032"/>
-      </dsp:txXfrm>
-    </dsp:sp>
-    <dsp:sp modelId="{E64072B9-64A8-4DF1-804A-B16CFFB1216B}">
-      <dsp:nvSpPr>
-        <dsp:cNvPr id="0" name=""/>
-        <dsp:cNvSpPr/>
-      </dsp:nvSpPr>
-      <dsp:spPr>
-        <a:xfrm>
-          <a:off x="1409421" y="0"/>
-          <a:ext cx="781833" cy="288032"/>
-        </a:xfrm>
-        <a:prstGeom prst="chevron">
-          <a:avLst/>
-        </a:prstGeom>
-        <a:solidFill>
-          <a:schemeClr val="dk2">
-            <a:hueOff val="0"/>
-            <a:satOff val="0"/>
-            <a:lumOff val="0"/>
-            <a:alphaOff val="0"/>
-          </a:schemeClr>
-        </a:solidFill>
-        <a:ln w="25400" cap="flat" cmpd="sng" algn="ctr">
-          <a:solidFill>
-            <a:schemeClr val="lt2">
-              <a:hueOff val="0"/>
-              <a:satOff val="0"/>
-              <a:lumOff val="0"/>
-              <a:alphaOff val="0"/>
-            </a:schemeClr>
-          </a:solidFill>
-          <a:prstDash val="solid"/>
-        </a:ln>
-        <a:effectLst/>
-      </dsp:spPr>
-      <dsp:style>
-        <a:lnRef idx="2">
-          <a:scrgbClr r="0" g="0" b="0"/>
-        </a:lnRef>
-        <a:fillRef idx="1">
-          <a:scrgbClr r="0" g="0" b="0"/>
-        </a:fillRef>
-        <a:effectRef idx="0">
-          <a:scrgbClr r="0" g="0" b="0"/>
-        </a:effectRef>
-        <a:fontRef idx="minor">
-          <a:schemeClr val="lt1"/>
-        </a:fontRef>
-      </dsp:style>
-      <dsp:txBody>
-        <a:bodyPr spcFirstLastPara="0" vert="horz" wrap="square" lIns="36005" tIns="24003" rIns="12002" bIns="24003" numCol="1" spcCol="1270" anchor="ctr" anchorCtr="0">
-          <a:noAutofit/>
-        </a:bodyPr>
-        <a:lstStyle/>
-        <a:p>
-          <a:pPr lvl="0" algn="ctr" defTabSz="400050">
-            <a:lnSpc>
-              <a:spcPct val="90000"/>
-            </a:lnSpc>
-            <a:spcBef>
-              <a:spcPct val="0"/>
-            </a:spcBef>
-            <a:spcAft>
-              <a:spcPct val="35000"/>
-            </a:spcAft>
-          </a:pPr>
-          <a:r>
-            <a:rPr lang="sv-SE" altLang="zh-CN" sz="900" kern="1200" dirty="0" smtClean="0"/>
-            <a:t>System Model</a:t>
-          </a:r>
-          <a:endParaRPr lang="zh-CN" altLang="en-US" sz="900" kern="1200" dirty="0"/>
-        </a:p>
-      </dsp:txBody>
-      <dsp:txXfrm>
-        <a:off x="1409421" y="0"/>
-        <a:ext cx="781833" cy="288032"/>
-      </dsp:txXfrm>
-    </dsp:sp>
-    <dsp:sp modelId="{DB1159B9-80FD-430B-86E2-A75B606C2F1F}">
-      <dsp:nvSpPr>
-        <dsp:cNvPr id="0" name=""/>
-        <dsp:cNvSpPr/>
-      </dsp:nvSpPr>
-      <dsp:spPr>
-        <a:xfrm>
-          <a:off x="1964495" y="0"/>
-          <a:ext cx="1133798" cy="288032"/>
-        </a:xfrm>
-        <a:prstGeom prst="chevron">
-          <a:avLst/>
-        </a:prstGeom>
-        <a:solidFill>
-          <a:schemeClr val="dk2">
-            <a:hueOff val="0"/>
-            <a:satOff val="0"/>
-            <a:lumOff val="0"/>
-            <a:alphaOff val="0"/>
-          </a:schemeClr>
-        </a:solidFill>
-        <a:ln w="25400" cap="flat" cmpd="sng" algn="ctr">
-          <a:solidFill>
-            <a:schemeClr val="lt2">
-              <a:hueOff val="0"/>
-              <a:satOff val="0"/>
-              <a:lumOff val="0"/>
-              <a:alphaOff val="0"/>
-            </a:schemeClr>
-          </a:solidFill>
-          <a:prstDash val="solid"/>
-        </a:ln>
-        <a:effectLst/>
-      </dsp:spPr>
-      <dsp:style>
-        <a:lnRef idx="2">
-          <a:scrgbClr r="0" g="0" b="0"/>
-        </a:lnRef>
-        <a:fillRef idx="1">
-          <a:scrgbClr r="0" g="0" b="0"/>
-        </a:fillRef>
-        <a:effectRef idx="0">
-          <a:scrgbClr r="0" g="0" b="0"/>
-        </a:effectRef>
-        <a:fontRef idx="minor">
-          <a:schemeClr val="lt1"/>
-        </a:fontRef>
-      </dsp:style>
-      <dsp:txBody>
-        <a:bodyPr spcFirstLastPara="0" vert="horz" wrap="square" lIns="36005" tIns="24003" rIns="12002" bIns="24003" numCol="1" spcCol="1270" anchor="ctr" anchorCtr="0">
-          <a:noAutofit/>
-        </a:bodyPr>
-        <a:lstStyle/>
-        <a:p>
-          <a:pPr lvl="0" algn="ctr" defTabSz="400050">
-            <a:lnSpc>
-              <a:spcPct val="90000"/>
-            </a:lnSpc>
-            <a:spcBef>
-              <a:spcPct val="0"/>
-            </a:spcBef>
-            <a:spcAft>
-              <a:spcPct val="35000"/>
-            </a:spcAft>
-          </a:pPr>
-          <a:r>
-            <a:rPr lang="sv-SE" altLang="zh-CN" sz="900" kern="1200" dirty="0" smtClean="0"/>
-            <a:t>Techniques Overview</a:t>
-          </a:r>
-          <a:endParaRPr lang="zh-CN" altLang="en-US" sz="900" kern="1200" dirty="0"/>
-        </a:p>
-      </dsp:txBody>
-      <dsp:txXfrm>
-        <a:off x="1964495" y="0"/>
-        <a:ext cx="1133798" cy="288032"/>
-      </dsp:txXfrm>
-    </dsp:sp>
-    <dsp:sp modelId="{6A9781BF-7230-4DD5-9A8B-E4869886CC12}">
-      <dsp:nvSpPr>
-        <dsp:cNvPr id="0" name=""/>
-        <dsp:cNvSpPr/>
-      </dsp:nvSpPr>
-      <dsp:spPr>
-        <a:xfrm>
-          <a:off x="2871534" y="0"/>
-          <a:ext cx="778046" cy="288032"/>
-        </a:xfrm>
-        <a:prstGeom prst="chevron">
-          <a:avLst/>
-        </a:prstGeom>
-        <a:solidFill>
-          <a:schemeClr val="dk2">
-            <a:hueOff val="0"/>
-            <a:satOff val="0"/>
-            <a:lumOff val="0"/>
-            <a:alphaOff val="0"/>
-          </a:schemeClr>
-        </a:solidFill>
-        <a:ln w="25400" cap="flat" cmpd="sng" algn="ctr">
-          <a:solidFill>
-            <a:schemeClr val="lt2">
-              <a:hueOff val="0"/>
-              <a:satOff val="0"/>
-              <a:lumOff val="0"/>
-              <a:alphaOff val="0"/>
-            </a:schemeClr>
-          </a:solidFill>
-          <a:prstDash val="solid"/>
-        </a:ln>
-        <a:effectLst/>
-      </dsp:spPr>
-      <dsp:style>
-        <a:lnRef idx="2">
-          <a:scrgbClr r="0" g="0" b="0"/>
-        </a:lnRef>
-        <a:fillRef idx="1">
-          <a:scrgbClr r="0" g="0" b="0"/>
-        </a:fillRef>
-        <a:effectRef idx="0">
-          <a:scrgbClr r="0" g="0" b="0"/>
-        </a:effectRef>
-        <a:fontRef idx="minor">
-          <a:schemeClr val="lt1"/>
-        </a:fontRef>
-      </dsp:style>
-      <dsp:txBody>
-        <a:bodyPr spcFirstLastPara="0" vert="horz" wrap="square" lIns="36005" tIns="24003" rIns="12002" bIns="24003" numCol="1" spcCol="1270" anchor="ctr" anchorCtr="0">
-          <a:noAutofit/>
-        </a:bodyPr>
-        <a:lstStyle/>
-        <a:p>
-          <a:pPr lvl="0" algn="ctr" defTabSz="400050">
-            <a:lnSpc>
-              <a:spcPct val="90000"/>
-            </a:lnSpc>
-            <a:spcBef>
-              <a:spcPct val="0"/>
-            </a:spcBef>
-            <a:spcAft>
-              <a:spcPct val="35000"/>
-            </a:spcAft>
-          </a:pPr>
-          <a:r>
-            <a:rPr lang="sv-SE" altLang="zh-CN" sz="900" kern="1200" dirty="0" smtClean="0">
-              <a:solidFill>
-                <a:schemeClr val="bg1"/>
-              </a:solidFill>
-            </a:rPr>
-            <a:t>Result</a:t>
-          </a:r>
-          <a:endParaRPr lang="zh-CN" altLang="en-US" sz="900" kern="1200" dirty="0">
-            <a:solidFill>
-              <a:schemeClr val="bg1"/>
-            </a:solidFill>
-          </a:endParaRPr>
-        </a:p>
-      </dsp:txBody>
-      <dsp:txXfrm>
-        <a:off x="2871534" y="0"/>
-        <a:ext cx="778046" cy="288032"/>
-      </dsp:txXfrm>
-    </dsp:sp>
-    <dsp:sp modelId="{864B40E2-5677-4629-A8CD-89A9B756124E}">
-      <dsp:nvSpPr>
-        <dsp:cNvPr id="0" name=""/>
-        <dsp:cNvSpPr/>
-      </dsp:nvSpPr>
-      <dsp:spPr>
-        <a:xfrm>
-          <a:off x="3446470" y="0"/>
-          <a:ext cx="1228062" cy="288032"/>
-        </a:xfrm>
-        <a:prstGeom prst="chevron">
-          <a:avLst/>
-        </a:prstGeom>
-        <a:solidFill>
-          <a:schemeClr val="dk2">
-            <a:hueOff val="0"/>
-            <a:satOff val="0"/>
-            <a:lumOff val="0"/>
-            <a:alphaOff val="0"/>
-          </a:schemeClr>
-        </a:solidFill>
-        <a:ln w="25400" cap="flat" cmpd="sng" algn="ctr">
-          <a:solidFill>
-            <a:schemeClr val="lt2">
-              <a:hueOff val="0"/>
-              <a:satOff val="0"/>
-              <a:lumOff val="0"/>
-              <a:alphaOff val="0"/>
-            </a:schemeClr>
-          </a:solidFill>
-          <a:prstDash val="solid"/>
-        </a:ln>
-        <a:effectLst/>
-      </dsp:spPr>
-      <dsp:style>
-        <a:lnRef idx="2">
-          <a:scrgbClr r="0" g="0" b="0"/>
-        </a:lnRef>
-        <a:fillRef idx="1">
-          <a:scrgbClr r="0" g="0" b="0"/>
-        </a:fillRef>
-        <a:effectRef idx="0">
-          <a:scrgbClr r="0" g="0" b="0"/>
-        </a:effectRef>
-        <a:fontRef idx="minor">
-          <a:schemeClr val="lt1"/>
-        </a:fontRef>
-      </dsp:style>
-      <dsp:txBody>
-        <a:bodyPr spcFirstLastPara="0" vert="horz" wrap="square" lIns="36005" tIns="24003" rIns="12002" bIns="24003" numCol="1" spcCol="1270" anchor="ctr" anchorCtr="0">
-          <a:noAutofit/>
-        </a:bodyPr>
-        <a:lstStyle/>
-        <a:p>
-          <a:pPr lvl="0" algn="ctr" defTabSz="400050">
-            <a:lnSpc>
-              <a:spcPct val="90000"/>
-            </a:lnSpc>
-            <a:spcBef>
-              <a:spcPct val="0"/>
-            </a:spcBef>
-            <a:spcAft>
-              <a:spcPct val="35000"/>
-            </a:spcAft>
-          </a:pPr>
-          <a:r>
-            <a:rPr lang="sv-SE" altLang="zh-CN" sz="900" b="1" kern="1200" dirty="0" smtClean="0">
-              <a:solidFill>
-                <a:schemeClr val="bg1"/>
-              </a:solidFill>
-            </a:rPr>
-            <a:t>Conclusion</a:t>
-          </a:r>
-          <a:endParaRPr lang="zh-CN" altLang="en-US" sz="900" b="1" kern="1200" dirty="0">
-            <a:solidFill>
-              <a:schemeClr val="bg1"/>
-            </a:solidFill>
-          </a:endParaRPr>
-        </a:p>
-      </dsp:txBody>
-      <dsp:txXfrm>
-        <a:off x="3446470" y="0"/>
-        <a:ext cx="1228062" cy="288032"/>
-      </dsp:txXfrm>
-    </dsp:sp>
-    <dsp:sp modelId="{30C4040E-3A67-4FAE-8B9A-AC72E751EC50}">
-      <dsp:nvSpPr>
-        <dsp:cNvPr id="0" name=""/>
-        <dsp:cNvSpPr/>
-      </dsp:nvSpPr>
-      <dsp:spPr>
-        <a:xfrm>
-          <a:off x="4323523" y="0"/>
-          <a:ext cx="798103" cy="288032"/>
-        </a:xfrm>
-        <a:prstGeom prst="chevron">
-          <a:avLst/>
-        </a:prstGeom>
-        <a:solidFill>
-          <a:schemeClr val="dk2">
-            <a:hueOff val="0"/>
-            <a:satOff val="0"/>
-            <a:lumOff val="0"/>
-            <a:alphaOff val="0"/>
-          </a:schemeClr>
-        </a:solidFill>
-        <a:ln w="25400" cap="flat" cmpd="sng" algn="ctr">
-          <a:solidFill>
-            <a:schemeClr val="lt2">
-              <a:hueOff val="0"/>
-              <a:satOff val="0"/>
-              <a:lumOff val="0"/>
-              <a:alphaOff val="0"/>
-            </a:schemeClr>
-          </a:solidFill>
-          <a:prstDash val="solid"/>
-        </a:ln>
-        <a:effectLst/>
-      </dsp:spPr>
-      <dsp:style>
-        <a:lnRef idx="2">
-          <a:scrgbClr r="0" g="0" b="0"/>
-        </a:lnRef>
-        <a:fillRef idx="1">
-          <a:scrgbClr r="0" g="0" b="0"/>
-        </a:fillRef>
-        <a:effectRef idx="0">
-          <a:scrgbClr r="0" g="0" b="0"/>
-        </a:effectRef>
-        <a:fontRef idx="minor">
-          <a:schemeClr val="lt1"/>
-        </a:fontRef>
-      </dsp:style>
-      <dsp:txBody>
-        <a:bodyPr spcFirstLastPara="0" vert="horz" wrap="square" lIns="36005" tIns="24003" rIns="12002" bIns="24003" numCol="1" spcCol="1270" anchor="ctr" anchorCtr="0">
-          <a:noAutofit/>
-        </a:bodyPr>
-        <a:lstStyle/>
-        <a:p>
-          <a:pPr lvl="0" algn="ctr" defTabSz="400050">
-            <a:lnSpc>
-              <a:spcPct val="90000"/>
-            </a:lnSpc>
-            <a:spcBef>
-              <a:spcPct val="0"/>
-            </a:spcBef>
-            <a:spcAft>
-              <a:spcPct val="35000"/>
-            </a:spcAft>
-          </a:pPr>
-          <a:r>
-            <a:rPr lang="en-US" altLang="zh-CN" sz="900" kern="1200" dirty="0" smtClean="0">
-              <a:solidFill>
-                <a:srgbClr val="FF0000"/>
-              </a:solidFill>
-            </a:rPr>
-            <a:t>Future Work</a:t>
-          </a:r>
-          <a:endParaRPr lang="zh-CN" altLang="en-US" sz="900" b="1" kern="1200" dirty="0">
-            <a:solidFill>
-              <a:srgbClr val="FF0000"/>
-            </a:solidFill>
-          </a:endParaRPr>
-        </a:p>
-      </dsp:txBody>
-      <dsp:txXfrm>
-        <a:off x="4323523" y="0"/>
-        <a:ext cx="798103" cy="288032"/>
-      </dsp:txXfrm>
-    </dsp:sp>
   </dsp:spTree>
 </dsp:drawing>
 </file>
 
 <file path=ppt/diagrams/drawing2.xml><?xml version="1.0" encoding="utf-8"?>
-<dsp:drawing xmlns:dgm="http://schemas.openxmlformats.org/drawingml/2006/diagram" xmlns:a="http://schemas.openxmlformats.org/drawingml/2006/main" xmlns:dsp="http://schemas.microsoft.com/office/drawing/2008/diagram">
+<dsp:drawing xmlns:dgm="http://schemas.openxmlformats.org/drawingml/2006/diagram" xmlns:dsp="http://schemas.microsoft.com/office/drawing/2008/diagram" xmlns:a="http://schemas.openxmlformats.org/drawingml/2006/main">
   <dsp:spTree>
     <dsp:nvGrpSpPr>
       <dsp:cNvPr id="0" name=""/>
@@ -19591,7 +16626,7 @@
       </dsp:txBody>
       <dsp:txXfrm>
         <a:off x="0" y="0"/>
-        <a:ext cx="770620" cy="288032"/>
+        <a:ext cx="698612" cy="288032"/>
       </dsp:txXfrm>
     </dsp:sp>
     <dsp:sp modelId="{41E8FBBF-A987-4DF4-B0D1-6484B49C5F63}">
@@ -19667,8 +16702,8 @@
         </a:p>
       </dsp:txBody>
       <dsp:txXfrm>
-        <a:off x="545523" y="0"/>
-        <a:ext cx="1090657" cy="288032"/>
+        <a:off x="689539" y="0"/>
+        <a:ext cx="802625" cy="288032"/>
       </dsp:txXfrm>
     </dsp:sp>
     <dsp:sp modelId="{E64072B9-64A8-4DF1-804A-B16CFFB1216B}">
@@ -19744,8 +16779,8 @@
         </a:p>
       </dsp:txBody>
       <dsp:txXfrm>
-        <a:off x="1409421" y="0"/>
-        <a:ext cx="781833" cy="288032"/>
+        <a:off x="1553437" y="0"/>
+        <a:ext cx="493801" cy="288032"/>
       </dsp:txXfrm>
     </dsp:sp>
     <dsp:sp modelId="{DB1159B9-80FD-430B-86E2-A75B606C2F1F}">
@@ -19821,8 +16856,8 @@
         </a:p>
       </dsp:txBody>
       <dsp:txXfrm>
-        <a:off x="1964495" y="0"/>
-        <a:ext cx="1133798" cy="288032"/>
+        <a:off x="2108511" y="0"/>
+        <a:ext cx="845766" cy="288032"/>
       </dsp:txXfrm>
     </dsp:sp>
     <dsp:sp modelId="{6A9781BF-7230-4DD5-9A8B-E4869886CC12}">
@@ -19906,8 +16941,8 @@
         </a:p>
       </dsp:txBody>
       <dsp:txXfrm>
-        <a:off x="2871534" y="0"/>
-        <a:ext cx="778046" cy="288032"/>
+        <a:off x="3015550" y="0"/>
+        <a:ext cx="490014" cy="288032"/>
       </dsp:txXfrm>
     </dsp:sp>
     <dsp:sp modelId="{864B40E2-5677-4629-A8CD-89A9B756124E}">
@@ -19991,8 +17026,8 @@
         </a:p>
       </dsp:txBody>
       <dsp:txXfrm>
-        <a:off x="3446470" y="0"/>
-        <a:ext cx="1228062" cy="288032"/>
+        <a:off x="3590486" y="0"/>
+        <a:ext cx="940030" cy="288032"/>
       </dsp:txXfrm>
     </dsp:sp>
     <dsp:sp modelId="{30C4040E-3A67-4FAE-8B9A-AC72E751EC50}">
@@ -20072,8 +17107,8 @@
         </a:p>
       </dsp:txBody>
       <dsp:txXfrm>
-        <a:off x="4323523" y="0"/>
-        <a:ext cx="798103" cy="288032"/>
+        <a:off x="4467539" y="0"/>
+        <a:ext cx="510071" cy="288032"/>
       </dsp:txXfrm>
     </dsp:sp>
   </dsp:spTree>
@@ -20081,7 +17116,7 @@
 </file>
 
 <file path=ppt/diagrams/drawing3.xml><?xml version="1.0" encoding="utf-8"?>
-<dsp:drawing xmlns:dgm="http://schemas.openxmlformats.org/drawingml/2006/diagram" xmlns:a="http://schemas.openxmlformats.org/drawingml/2006/main" xmlns:dsp="http://schemas.microsoft.com/office/drawing/2008/diagram">
+<dsp:drawing xmlns:dgm="http://schemas.openxmlformats.org/drawingml/2006/diagram" xmlns:dsp="http://schemas.microsoft.com/office/drawing/2008/diagram" xmlns:a="http://schemas.openxmlformats.org/drawingml/2006/main">
   <dsp:spTree>
     <dsp:nvGrpSpPr>
       <dsp:cNvPr id="0" name=""/>
@@ -20170,7 +17205,7 @@
       </dsp:txBody>
       <dsp:txXfrm>
         <a:off x="0" y="0"/>
-        <a:ext cx="770620" cy="288032"/>
+        <a:ext cx="698612" cy="288032"/>
       </dsp:txXfrm>
     </dsp:sp>
     <dsp:sp modelId="{41E8FBBF-A987-4DF4-B0D1-6484B49C5F63}">
@@ -20246,8 +17281,8 @@
         </a:p>
       </dsp:txBody>
       <dsp:txXfrm>
-        <a:off x="545523" y="0"/>
-        <a:ext cx="1090657" cy="288032"/>
+        <a:off x="689539" y="0"/>
+        <a:ext cx="802625" cy="288032"/>
       </dsp:txXfrm>
     </dsp:sp>
     <dsp:sp modelId="{E64072B9-64A8-4DF1-804A-B16CFFB1216B}">
@@ -20323,8 +17358,8 @@
         </a:p>
       </dsp:txBody>
       <dsp:txXfrm>
-        <a:off x="1409421" y="0"/>
-        <a:ext cx="781833" cy="288032"/>
+        <a:off x="1553437" y="0"/>
+        <a:ext cx="493801" cy="288032"/>
       </dsp:txXfrm>
     </dsp:sp>
     <dsp:sp modelId="{DB1159B9-80FD-430B-86E2-A75B606C2F1F}">
@@ -20400,8 +17435,8 @@
         </a:p>
       </dsp:txBody>
       <dsp:txXfrm>
-        <a:off x="1964495" y="0"/>
-        <a:ext cx="1133798" cy="288032"/>
+        <a:off x="2108511" y="0"/>
+        <a:ext cx="845766" cy="288032"/>
       </dsp:txXfrm>
     </dsp:sp>
     <dsp:sp modelId="{6A9781BF-7230-4DD5-9A8B-E4869886CC12}">
@@ -20485,8 +17520,8 @@
         </a:p>
       </dsp:txBody>
       <dsp:txXfrm>
-        <a:off x="2871534" y="0"/>
-        <a:ext cx="778046" cy="288032"/>
+        <a:off x="3015550" y="0"/>
+        <a:ext cx="490014" cy="288032"/>
       </dsp:txXfrm>
     </dsp:sp>
     <dsp:sp modelId="{864B40E2-5677-4629-A8CD-89A9B756124E}">
@@ -20570,8 +17605,8 @@
         </a:p>
       </dsp:txBody>
       <dsp:txXfrm>
-        <a:off x="3446470" y="0"/>
-        <a:ext cx="1228062" cy="288032"/>
+        <a:off x="3590486" y="0"/>
+        <a:ext cx="940030" cy="288032"/>
       </dsp:txXfrm>
     </dsp:sp>
     <dsp:sp modelId="{30C4040E-3A67-4FAE-8B9A-AC72E751EC50}">
@@ -20651,8 +17686,8 @@
         </a:p>
       </dsp:txBody>
       <dsp:txXfrm>
-        <a:off x="4323523" y="0"/>
-        <a:ext cx="798103" cy="288032"/>
+        <a:off x="4467539" y="0"/>
+        <a:ext cx="510071" cy="288032"/>
       </dsp:txXfrm>
     </dsp:sp>
   </dsp:spTree>
@@ -20660,7 +17695,7 @@
 </file>
 
 <file path=ppt/diagrams/drawing4.xml><?xml version="1.0" encoding="utf-8"?>
-<dsp:drawing xmlns:dgm="http://schemas.openxmlformats.org/drawingml/2006/diagram" xmlns:a="http://schemas.openxmlformats.org/drawingml/2006/main" xmlns:dsp="http://schemas.microsoft.com/office/drawing/2008/diagram">
+<dsp:drawing xmlns:dgm="http://schemas.openxmlformats.org/drawingml/2006/diagram" xmlns:dsp="http://schemas.microsoft.com/office/drawing/2008/diagram" xmlns:a="http://schemas.openxmlformats.org/drawingml/2006/main">
   <dsp:spTree>
     <dsp:nvGrpSpPr>
       <dsp:cNvPr id="0" name=""/>
@@ -20749,7 +17784,7 @@
       </dsp:txBody>
       <dsp:txXfrm>
         <a:off x="0" y="0"/>
-        <a:ext cx="770620" cy="288032"/>
+        <a:ext cx="698612" cy="288032"/>
       </dsp:txXfrm>
     </dsp:sp>
     <dsp:sp modelId="{41E8FBBF-A987-4DF4-B0D1-6484B49C5F63}">
@@ -20825,8 +17860,8 @@
         </a:p>
       </dsp:txBody>
       <dsp:txXfrm>
-        <a:off x="545523" y="0"/>
-        <a:ext cx="1090657" cy="288032"/>
+        <a:off x="689539" y="0"/>
+        <a:ext cx="802625" cy="288032"/>
       </dsp:txXfrm>
     </dsp:sp>
     <dsp:sp modelId="{E64072B9-64A8-4DF1-804A-B16CFFB1216B}">
@@ -20902,8 +17937,8 @@
         </a:p>
       </dsp:txBody>
       <dsp:txXfrm>
-        <a:off x="1409421" y="0"/>
-        <a:ext cx="781833" cy="288032"/>
+        <a:off x="1553437" y="0"/>
+        <a:ext cx="493801" cy="288032"/>
       </dsp:txXfrm>
     </dsp:sp>
     <dsp:sp modelId="{DB1159B9-80FD-430B-86E2-A75B606C2F1F}">
@@ -20979,8 +18014,8 @@
         </a:p>
       </dsp:txBody>
       <dsp:txXfrm>
-        <a:off x="1964495" y="0"/>
-        <a:ext cx="1133798" cy="288032"/>
+        <a:off x="2108511" y="0"/>
+        <a:ext cx="845766" cy="288032"/>
       </dsp:txXfrm>
     </dsp:sp>
     <dsp:sp modelId="{6A9781BF-7230-4DD5-9A8B-E4869886CC12}">
@@ -21064,8 +18099,8 @@
         </a:p>
       </dsp:txBody>
       <dsp:txXfrm>
-        <a:off x="2871534" y="0"/>
-        <a:ext cx="778046" cy="288032"/>
+        <a:off x="3015550" y="0"/>
+        <a:ext cx="490014" cy="288032"/>
       </dsp:txXfrm>
     </dsp:sp>
     <dsp:sp modelId="{864B40E2-5677-4629-A8CD-89A9B756124E}">
@@ -21149,8 +18184,8 @@
         </a:p>
       </dsp:txBody>
       <dsp:txXfrm>
-        <a:off x="3446470" y="0"/>
-        <a:ext cx="1228062" cy="288032"/>
+        <a:off x="3590486" y="0"/>
+        <a:ext cx="940030" cy="288032"/>
       </dsp:txXfrm>
     </dsp:sp>
     <dsp:sp modelId="{30C4040E-3A67-4FAE-8B9A-AC72E751EC50}">
@@ -21230,8 +18265,8 @@
         </a:p>
       </dsp:txBody>
       <dsp:txXfrm>
-        <a:off x="4323523" y="0"/>
-        <a:ext cx="798103" cy="288032"/>
+        <a:off x="4467539" y="0"/>
+        <a:ext cx="510071" cy="288032"/>
       </dsp:txXfrm>
     </dsp:sp>
   </dsp:spTree>
@@ -21239,7 +18274,7 @@
 </file>
 
 <file path=ppt/diagrams/drawing5.xml><?xml version="1.0" encoding="utf-8"?>
-<dsp:drawing xmlns:dgm="http://schemas.openxmlformats.org/drawingml/2006/diagram" xmlns:a="http://schemas.openxmlformats.org/drawingml/2006/main" xmlns:dsp="http://schemas.microsoft.com/office/drawing/2008/diagram">
+<dsp:drawing xmlns:dgm="http://schemas.openxmlformats.org/drawingml/2006/diagram" xmlns:dsp="http://schemas.microsoft.com/office/drawing/2008/diagram" xmlns:a="http://schemas.openxmlformats.org/drawingml/2006/main">
   <dsp:spTree>
     <dsp:nvGrpSpPr>
       <dsp:cNvPr id="0" name=""/>
@@ -21320,7 +18355,7 @@
       </dsp:txBody>
       <dsp:txXfrm>
         <a:off x="0" y="0"/>
-        <a:ext cx="770620" cy="288032"/>
+        <a:ext cx="698612" cy="288032"/>
       </dsp:txXfrm>
     </dsp:sp>
     <dsp:sp modelId="{41E8FBBF-A987-4DF4-B0D1-6484B49C5F63}">
@@ -21404,8 +18439,8 @@
         </a:p>
       </dsp:txBody>
       <dsp:txXfrm>
-        <a:off x="545523" y="0"/>
-        <a:ext cx="1090657" cy="288032"/>
+        <a:off x="689539" y="0"/>
+        <a:ext cx="802625" cy="288032"/>
       </dsp:txXfrm>
     </dsp:sp>
     <dsp:sp modelId="{E64072B9-64A8-4DF1-804A-B16CFFB1216B}">
@@ -21481,8 +18516,8 @@
         </a:p>
       </dsp:txBody>
       <dsp:txXfrm>
-        <a:off x="1409421" y="0"/>
-        <a:ext cx="781833" cy="288032"/>
+        <a:off x="1553437" y="0"/>
+        <a:ext cx="493801" cy="288032"/>
       </dsp:txXfrm>
     </dsp:sp>
     <dsp:sp modelId="{DB1159B9-80FD-430B-86E2-A75B606C2F1F}">
@@ -21558,8 +18593,8 @@
         </a:p>
       </dsp:txBody>
       <dsp:txXfrm>
-        <a:off x="1964495" y="0"/>
-        <a:ext cx="1133798" cy="288032"/>
+        <a:off x="2108511" y="0"/>
+        <a:ext cx="845766" cy="288032"/>
       </dsp:txXfrm>
     </dsp:sp>
     <dsp:sp modelId="{6A9781BF-7230-4DD5-9A8B-E4869886CC12}">
@@ -21643,8 +18678,8 @@
         </a:p>
       </dsp:txBody>
       <dsp:txXfrm>
-        <a:off x="2871534" y="0"/>
-        <a:ext cx="778046" cy="288032"/>
+        <a:off x="3015550" y="0"/>
+        <a:ext cx="490014" cy="288032"/>
       </dsp:txXfrm>
     </dsp:sp>
     <dsp:sp modelId="{864B40E2-5677-4629-A8CD-89A9B756124E}">
@@ -21728,8 +18763,8 @@
         </a:p>
       </dsp:txBody>
       <dsp:txXfrm>
-        <a:off x="3446470" y="0"/>
-        <a:ext cx="1228062" cy="288032"/>
+        <a:off x="3590486" y="0"/>
+        <a:ext cx="940030" cy="288032"/>
       </dsp:txXfrm>
     </dsp:sp>
     <dsp:sp modelId="{30C4040E-3A67-4FAE-8B9A-AC72E751EC50}">
@@ -21809,8 +18844,8 @@
         </a:p>
       </dsp:txBody>
       <dsp:txXfrm>
-        <a:off x="4323523" y="0"/>
-        <a:ext cx="798103" cy="288032"/>
+        <a:off x="4467539" y="0"/>
+        <a:ext cx="510071" cy="288032"/>
       </dsp:txXfrm>
     </dsp:sp>
   </dsp:spTree>
@@ -21818,7 +18853,7 @@
 </file>
 
 <file path=ppt/diagrams/drawing6.xml><?xml version="1.0" encoding="utf-8"?>
-<dsp:drawing xmlns:dgm="http://schemas.openxmlformats.org/drawingml/2006/diagram" xmlns:a="http://schemas.openxmlformats.org/drawingml/2006/main" xmlns:dsp="http://schemas.microsoft.com/office/drawing/2008/diagram">
+<dsp:drawing xmlns:dgm="http://schemas.openxmlformats.org/drawingml/2006/diagram" xmlns:dsp="http://schemas.microsoft.com/office/drawing/2008/diagram" xmlns:a="http://schemas.openxmlformats.org/drawingml/2006/main">
   <dsp:spTree>
     <dsp:nvGrpSpPr>
       <dsp:cNvPr id="0" name=""/>
@@ -21899,7 +18934,7 @@
       </dsp:txBody>
       <dsp:txXfrm>
         <a:off x="0" y="0"/>
-        <a:ext cx="770620" cy="288032"/>
+        <a:ext cx="698612" cy="288032"/>
       </dsp:txXfrm>
     </dsp:sp>
     <dsp:sp modelId="{41E8FBBF-A987-4DF4-B0D1-6484B49C5F63}">
@@ -21975,8 +19010,8 @@
         </a:p>
       </dsp:txBody>
       <dsp:txXfrm>
-        <a:off x="545523" y="0"/>
-        <a:ext cx="1090657" cy="288032"/>
+        <a:off x="689539" y="0"/>
+        <a:ext cx="802625" cy="288032"/>
       </dsp:txXfrm>
     </dsp:sp>
     <dsp:sp modelId="{E64072B9-64A8-4DF1-804A-B16CFFB1216B}">
@@ -22045,23 +19080,15 @@
             </a:spcAft>
           </a:pPr>
           <a:r>
-            <a:rPr lang="sv-SE" altLang="zh-CN" sz="900" kern="1200" dirty="0" smtClean="0">
-              <a:solidFill>
-                <a:srgbClr val="FF0000"/>
-              </a:solidFill>
-            </a:rPr>
+            <a:rPr lang="sv-SE" altLang="zh-CN" sz="900" kern="1200" dirty="0" smtClean="0"/>
             <a:t>System Model</a:t>
           </a:r>
-          <a:endParaRPr lang="zh-CN" altLang="en-US" sz="900" kern="1200" dirty="0">
-            <a:solidFill>
-              <a:srgbClr val="FF0000"/>
-            </a:solidFill>
-          </a:endParaRPr>
+          <a:endParaRPr lang="zh-CN" altLang="en-US" sz="900" kern="1200" dirty="0"/>
         </a:p>
       </dsp:txBody>
       <dsp:txXfrm>
-        <a:off x="1409421" y="0"/>
-        <a:ext cx="781833" cy="288032"/>
+        <a:off x="1553437" y="0"/>
+        <a:ext cx="493801" cy="288032"/>
       </dsp:txXfrm>
     </dsp:sp>
     <dsp:sp modelId="{DB1159B9-80FD-430B-86E2-A75B606C2F1F}">
@@ -22130,15 +19157,23 @@
             </a:spcAft>
           </a:pPr>
           <a:r>
-            <a:rPr lang="sv-SE" altLang="zh-CN" sz="900" kern="1200" dirty="0" smtClean="0"/>
+            <a:rPr lang="sv-SE" altLang="zh-CN" sz="900" kern="1200" dirty="0" smtClean="0">
+              <a:solidFill>
+                <a:srgbClr val="FF0000"/>
+              </a:solidFill>
+            </a:rPr>
             <a:t>Techniques Overview</a:t>
           </a:r>
-          <a:endParaRPr lang="zh-CN" altLang="en-US" sz="900" kern="1200" dirty="0"/>
+          <a:endParaRPr lang="zh-CN" altLang="en-US" sz="900" kern="1200" dirty="0">
+            <a:solidFill>
+              <a:srgbClr val="FF0000"/>
+            </a:solidFill>
+          </a:endParaRPr>
         </a:p>
       </dsp:txBody>
       <dsp:txXfrm>
-        <a:off x="1964495" y="0"/>
-        <a:ext cx="1133798" cy="288032"/>
+        <a:off x="2108511" y="0"/>
+        <a:ext cx="845766" cy="288032"/>
       </dsp:txXfrm>
     </dsp:sp>
     <dsp:sp modelId="{6A9781BF-7230-4DD5-9A8B-E4869886CC12}">
@@ -22222,8 +19257,8 @@
         </a:p>
       </dsp:txBody>
       <dsp:txXfrm>
-        <a:off x="2871534" y="0"/>
-        <a:ext cx="778046" cy="288032"/>
+        <a:off x="3015550" y="0"/>
+        <a:ext cx="490014" cy="288032"/>
       </dsp:txXfrm>
     </dsp:sp>
     <dsp:sp modelId="{864B40E2-5677-4629-A8CD-89A9B756124E}">
@@ -22307,8 +19342,8 @@
         </a:p>
       </dsp:txBody>
       <dsp:txXfrm>
-        <a:off x="3446470" y="0"/>
-        <a:ext cx="1228062" cy="288032"/>
+        <a:off x="3590486" y="0"/>
+        <a:ext cx="940030" cy="288032"/>
       </dsp:txXfrm>
     </dsp:sp>
     <dsp:sp modelId="{30C4040E-3A67-4FAE-8B9A-AC72E751EC50}">
@@ -22388,8 +19423,8 @@
         </a:p>
       </dsp:txBody>
       <dsp:txXfrm>
-        <a:off x="4323523" y="0"/>
-        <a:ext cx="798103" cy="288032"/>
+        <a:off x="4467539" y="0"/>
+        <a:ext cx="510071" cy="288032"/>
       </dsp:txXfrm>
     </dsp:sp>
   </dsp:spTree>
@@ -22397,7 +19432,7 @@
 </file>
 
 <file path=ppt/diagrams/drawing7.xml><?xml version="1.0" encoding="utf-8"?>
-<dsp:drawing xmlns:dgm="http://schemas.openxmlformats.org/drawingml/2006/diagram" xmlns:a="http://schemas.openxmlformats.org/drawingml/2006/main" xmlns:dsp="http://schemas.microsoft.com/office/drawing/2008/diagram">
+<dsp:drawing xmlns:dgm="http://schemas.openxmlformats.org/drawingml/2006/diagram" xmlns:dsp="http://schemas.microsoft.com/office/drawing/2008/diagram" xmlns:a="http://schemas.openxmlformats.org/drawingml/2006/main">
   <dsp:spTree>
     <dsp:nvGrpSpPr>
       <dsp:cNvPr id="0" name=""/>
@@ -22478,7 +19513,7 @@
       </dsp:txBody>
       <dsp:txXfrm>
         <a:off x="0" y="0"/>
-        <a:ext cx="770620" cy="288032"/>
+        <a:ext cx="698612" cy="288032"/>
       </dsp:txXfrm>
     </dsp:sp>
     <dsp:sp modelId="{41E8FBBF-A987-4DF4-B0D1-6484B49C5F63}">
@@ -22554,8 +19589,8 @@
         </a:p>
       </dsp:txBody>
       <dsp:txXfrm>
-        <a:off x="545523" y="0"/>
-        <a:ext cx="1090657" cy="288032"/>
+        <a:off x="689539" y="0"/>
+        <a:ext cx="802625" cy="288032"/>
       </dsp:txXfrm>
     </dsp:sp>
     <dsp:sp modelId="{E64072B9-64A8-4DF1-804A-B16CFFB1216B}">
@@ -22631,8 +19666,8 @@
         </a:p>
       </dsp:txBody>
       <dsp:txXfrm>
-        <a:off x="1409421" y="0"/>
-        <a:ext cx="781833" cy="288032"/>
+        <a:off x="1553437" y="0"/>
+        <a:ext cx="493801" cy="288032"/>
       </dsp:txXfrm>
     </dsp:sp>
     <dsp:sp modelId="{DB1159B9-80FD-430B-86E2-A75B606C2F1F}">
@@ -22701,23 +19736,15 @@
             </a:spcAft>
           </a:pPr>
           <a:r>
-            <a:rPr lang="sv-SE" altLang="zh-CN" sz="900" kern="1200" dirty="0" smtClean="0">
-              <a:solidFill>
-                <a:srgbClr val="FF0000"/>
-              </a:solidFill>
-            </a:rPr>
+            <a:rPr lang="sv-SE" altLang="zh-CN" sz="900" kern="1200" dirty="0" smtClean="0"/>
             <a:t>Techniques Overview</a:t>
           </a:r>
-          <a:endParaRPr lang="zh-CN" altLang="en-US" sz="900" kern="1200" dirty="0">
-            <a:solidFill>
-              <a:srgbClr val="FF0000"/>
-            </a:solidFill>
-          </a:endParaRPr>
+          <a:endParaRPr lang="zh-CN" altLang="en-US" sz="900" kern="1200" dirty="0"/>
         </a:p>
       </dsp:txBody>
       <dsp:txXfrm>
-        <a:off x="1964495" y="0"/>
-        <a:ext cx="1133798" cy="288032"/>
+        <a:off x="2108511" y="0"/>
+        <a:ext cx="845766" cy="288032"/>
       </dsp:txXfrm>
     </dsp:sp>
     <dsp:sp modelId="{6A9781BF-7230-4DD5-9A8B-E4869886CC12}">
@@ -22788,21 +19815,21 @@
           <a:r>
             <a:rPr lang="sv-SE" altLang="zh-CN" sz="900" kern="1200" dirty="0" smtClean="0">
               <a:solidFill>
-                <a:schemeClr val="bg1"/>
+                <a:srgbClr val="FF0000"/>
               </a:solidFill>
             </a:rPr>
             <a:t>Result</a:t>
           </a:r>
           <a:endParaRPr lang="zh-CN" altLang="en-US" sz="900" kern="1200" dirty="0">
             <a:solidFill>
-              <a:schemeClr val="bg1"/>
+              <a:srgbClr val="FF0000"/>
             </a:solidFill>
           </a:endParaRPr>
         </a:p>
       </dsp:txBody>
       <dsp:txXfrm>
-        <a:off x="2871534" y="0"/>
-        <a:ext cx="778046" cy="288032"/>
+        <a:off x="3015550" y="0"/>
+        <a:ext cx="490014" cy="288032"/>
       </dsp:txXfrm>
     </dsp:sp>
     <dsp:sp modelId="{864B40E2-5677-4629-A8CD-89A9B756124E}">
@@ -22886,8 +19913,8 @@
         </a:p>
       </dsp:txBody>
       <dsp:txXfrm>
-        <a:off x="3446470" y="0"/>
-        <a:ext cx="1228062" cy="288032"/>
+        <a:off x="3590486" y="0"/>
+        <a:ext cx="940030" cy="288032"/>
       </dsp:txXfrm>
     </dsp:sp>
     <dsp:sp modelId="{30C4040E-3A67-4FAE-8B9A-AC72E751EC50}">
@@ -22967,8 +19994,8 @@
         </a:p>
       </dsp:txBody>
       <dsp:txXfrm>
-        <a:off x="4323523" y="0"/>
-        <a:ext cx="798103" cy="288032"/>
+        <a:off x="4467539" y="0"/>
+        <a:ext cx="510071" cy="288032"/>
       </dsp:txXfrm>
     </dsp:sp>
   </dsp:spTree>
@@ -22976,7 +20003,7 @@
 </file>
 
 <file path=ppt/diagrams/drawing8.xml><?xml version="1.0" encoding="utf-8"?>
-<dsp:drawing xmlns:dgm="http://schemas.openxmlformats.org/drawingml/2006/diagram" xmlns:a="http://schemas.openxmlformats.org/drawingml/2006/main" xmlns:dsp="http://schemas.microsoft.com/office/drawing/2008/diagram">
+<dsp:drawing xmlns:dgm="http://schemas.openxmlformats.org/drawingml/2006/diagram" xmlns:dsp="http://schemas.microsoft.com/office/drawing/2008/diagram" xmlns:a="http://schemas.openxmlformats.org/drawingml/2006/main">
   <dsp:spTree>
     <dsp:nvGrpSpPr>
       <dsp:cNvPr id="0" name=""/>
@@ -23057,7 +20084,7 @@
       </dsp:txBody>
       <dsp:txXfrm>
         <a:off x="0" y="0"/>
-        <a:ext cx="770620" cy="288032"/>
+        <a:ext cx="698612" cy="288032"/>
       </dsp:txXfrm>
     </dsp:sp>
     <dsp:sp modelId="{41E8FBBF-A987-4DF4-B0D1-6484B49C5F63}">
@@ -23133,8 +20160,8 @@
         </a:p>
       </dsp:txBody>
       <dsp:txXfrm>
-        <a:off x="545523" y="0"/>
-        <a:ext cx="1090657" cy="288032"/>
+        <a:off x="689539" y="0"/>
+        <a:ext cx="802625" cy="288032"/>
       </dsp:txXfrm>
     </dsp:sp>
     <dsp:sp modelId="{E64072B9-64A8-4DF1-804A-B16CFFB1216B}">
@@ -23210,8 +20237,8 @@
         </a:p>
       </dsp:txBody>
       <dsp:txXfrm>
-        <a:off x="1409421" y="0"/>
-        <a:ext cx="781833" cy="288032"/>
+        <a:off x="1553437" y="0"/>
+        <a:ext cx="493801" cy="288032"/>
       </dsp:txXfrm>
     </dsp:sp>
     <dsp:sp modelId="{DB1159B9-80FD-430B-86E2-A75B606C2F1F}">
@@ -23287,8 +20314,8 @@
         </a:p>
       </dsp:txBody>
       <dsp:txXfrm>
-        <a:off x="1964495" y="0"/>
-        <a:ext cx="1133798" cy="288032"/>
+        <a:off x="2108511" y="0"/>
+        <a:ext cx="845766" cy="288032"/>
       </dsp:txXfrm>
     </dsp:sp>
     <dsp:sp modelId="{6A9781BF-7230-4DD5-9A8B-E4869886CC12}">
@@ -23372,8 +20399,8 @@
         </a:p>
       </dsp:txBody>
       <dsp:txXfrm>
-        <a:off x="2871534" y="0"/>
-        <a:ext cx="778046" cy="288032"/>
+        <a:off x="3015550" y="0"/>
+        <a:ext cx="490014" cy="288032"/>
       </dsp:txXfrm>
     </dsp:sp>
     <dsp:sp modelId="{864B40E2-5677-4629-A8CD-89A9B756124E}">
@@ -23457,8 +20484,8 @@
         </a:p>
       </dsp:txBody>
       <dsp:txXfrm>
-        <a:off x="3446470" y="0"/>
-        <a:ext cx="1228062" cy="288032"/>
+        <a:off x="3590486" y="0"/>
+        <a:ext cx="940030" cy="288032"/>
       </dsp:txXfrm>
     </dsp:sp>
     <dsp:sp modelId="{30C4040E-3A67-4FAE-8B9A-AC72E751EC50}">
@@ -23538,8 +20565,8 @@
         </a:p>
       </dsp:txBody>
       <dsp:txXfrm>
-        <a:off x="4323523" y="0"/>
-        <a:ext cx="798103" cy="288032"/>
+        <a:off x="4467539" y="0"/>
+        <a:ext cx="510071" cy="288032"/>
       </dsp:txXfrm>
     </dsp:sp>
   </dsp:spTree>
@@ -23547,7 +20574,7 @@
 </file>
 
 <file path=ppt/diagrams/drawing9.xml><?xml version="1.0" encoding="utf-8"?>
-<dsp:drawing xmlns:dgm="http://schemas.openxmlformats.org/drawingml/2006/diagram" xmlns:a="http://schemas.openxmlformats.org/drawingml/2006/main" xmlns:dsp="http://schemas.microsoft.com/office/drawing/2008/diagram">
+<dsp:drawing xmlns:dgm="http://schemas.openxmlformats.org/drawingml/2006/diagram" xmlns:dsp="http://schemas.microsoft.com/office/drawing/2008/diagram" xmlns:a="http://schemas.openxmlformats.org/drawingml/2006/main">
   <dsp:spTree>
     <dsp:nvGrpSpPr>
       <dsp:cNvPr id="0" name=""/>
@@ -23628,7 +20655,7 @@
       </dsp:txBody>
       <dsp:txXfrm>
         <a:off x="0" y="0"/>
-        <a:ext cx="770620" cy="288032"/>
+        <a:ext cx="698612" cy="288032"/>
       </dsp:txXfrm>
     </dsp:sp>
     <dsp:sp modelId="{41E8FBBF-A987-4DF4-B0D1-6484B49C5F63}">
@@ -23704,8 +20731,8 @@
         </a:p>
       </dsp:txBody>
       <dsp:txXfrm>
-        <a:off x="545523" y="0"/>
-        <a:ext cx="1090657" cy="288032"/>
+        <a:off x="689539" y="0"/>
+        <a:ext cx="802625" cy="288032"/>
       </dsp:txXfrm>
     </dsp:sp>
     <dsp:sp modelId="{E64072B9-64A8-4DF1-804A-B16CFFB1216B}">
@@ -23781,8 +20808,8 @@
         </a:p>
       </dsp:txBody>
       <dsp:txXfrm>
-        <a:off x="1409421" y="0"/>
-        <a:ext cx="781833" cy="288032"/>
+        <a:off x="1553437" y="0"/>
+        <a:ext cx="493801" cy="288032"/>
       </dsp:txXfrm>
     </dsp:sp>
     <dsp:sp modelId="{DB1159B9-80FD-430B-86E2-A75B606C2F1F}">
@@ -23858,8 +20885,8 @@
         </a:p>
       </dsp:txBody>
       <dsp:txXfrm>
-        <a:off x="1964495" y="0"/>
-        <a:ext cx="1133798" cy="288032"/>
+        <a:off x="2108511" y="0"/>
+        <a:ext cx="845766" cy="288032"/>
       </dsp:txXfrm>
     </dsp:sp>
     <dsp:sp modelId="{6A9781BF-7230-4DD5-9A8B-E4869886CC12}">
@@ -23943,8 +20970,8 @@
         </a:p>
       </dsp:txBody>
       <dsp:txXfrm>
-        <a:off x="2871534" y="0"/>
-        <a:ext cx="778046" cy="288032"/>
+        <a:off x="3015550" y="0"/>
+        <a:ext cx="490014" cy="288032"/>
       </dsp:txXfrm>
     </dsp:sp>
     <dsp:sp modelId="{864B40E2-5677-4629-A8CD-89A9B756124E}">
@@ -24028,8 +21055,8 @@
         </a:p>
       </dsp:txBody>
       <dsp:txXfrm>
-        <a:off x="3446470" y="0"/>
-        <a:ext cx="1228062" cy="288032"/>
+        <a:off x="3590486" y="0"/>
+        <a:ext cx="940030" cy="288032"/>
       </dsp:txXfrm>
     </dsp:sp>
     <dsp:sp modelId="{30C4040E-3A67-4FAE-8B9A-AC72E751EC50}">
@@ -24109,8 +21136,8 @@
         </a:p>
       </dsp:txBody>
       <dsp:txXfrm>
-        <a:off x="4323523" y="0"/>
-        <a:ext cx="798103" cy="288032"/>
+        <a:off x="4467539" y="0"/>
+        <a:ext cx="510071" cy="288032"/>
       </dsp:txXfrm>
     </dsp:sp>
   </dsp:spTree>
@@ -24934,278 +21961,6 @@
 </file>
 
 <file path=ppt/diagrams/layout12.xml><?xml version="1.0" encoding="utf-8"?>
-<dgm:layoutDef xmlns:dgm="http://schemas.openxmlformats.org/drawingml/2006/diagram" xmlns:a="http://schemas.openxmlformats.org/drawingml/2006/main" uniqueId="urn:microsoft.com/office/officeart/2005/8/layout/hChevron3">
-  <dgm:title val=""/>
-  <dgm:desc val=""/>
-  <dgm:catLst>
-    <dgm:cat type="process" pri="10000"/>
-  </dgm:catLst>
-  <dgm:sampData useDef="1">
-    <dgm:dataModel>
-      <dgm:ptLst/>
-      <dgm:bg/>
-      <dgm:whole/>
-    </dgm:dataModel>
-  </dgm:sampData>
-  <dgm:styleData>
-    <dgm:dataModel>
-      <dgm:ptLst>
-        <dgm:pt modelId="0" type="doc"/>
-        <dgm:pt modelId="1"/>
-        <dgm:pt modelId="2"/>
-      </dgm:ptLst>
-      <dgm:cxnLst>
-        <dgm:cxn modelId="3" srcId="0" destId="1" srcOrd="0" destOrd="0"/>
-        <dgm:cxn modelId="4" srcId="0" destId="2" srcOrd="1" destOrd="0"/>
-      </dgm:cxnLst>
-      <dgm:bg/>
-      <dgm:whole/>
-    </dgm:dataModel>
-  </dgm:styleData>
-  <dgm:clrData>
-    <dgm:dataModel>
-      <dgm:ptLst>
-        <dgm:pt modelId="0" type="doc"/>
-        <dgm:pt modelId="1"/>
-        <dgm:pt modelId="2"/>
-        <dgm:pt modelId="3"/>
-        <dgm:pt modelId="4"/>
-      </dgm:ptLst>
-      <dgm:cxnLst>
-        <dgm:cxn modelId="5" srcId="0" destId="1" srcOrd="0" destOrd="0"/>
-        <dgm:cxn modelId="6" srcId="0" destId="2" srcOrd="1" destOrd="0"/>
-        <dgm:cxn modelId="7" srcId="0" destId="3" srcOrd="2" destOrd="0"/>
-        <dgm:cxn modelId="8" srcId="0" destId="4" srcOrd="3" destOrd="0"/>
-      </dgm:cxnLst>
-      <dgm:bg/>
-      <dgm:whole/>
-    </dgm:dataModel>
-  </dgm:clrData>
-  <dgm:layoutNode name="Name0">
-    <dgm:varLst>
-      <dgm:dir/>
-      <dgm:resizeHandles val="exact"/>
-    </dgm:varLst>
-    <dgm:choose name="Name1">
-      <dgm:if name="Name2" func="var" arg="dir" op="equ" val="norm">
-        <dgm:alg type="lin"/>
-      </dgm:if>
-      <dgm:else name="Name3">
-        <dgm:alg type="lin">
-          <dgm:param type="linDir" val="fromR"/>
-        </dgm:alg>
-      </dgm:else>
-    </dgm:choose>
-    <dgm:shape xmlns:r="http://schemas.openxmlformats.org/officeDocument/2006/relationships" r:blip="">
-      <dgm:adjLst/>
-    </dgm:shape>
-    <dgm:presOf/>
-    <dgm:choose name="Name4">
-      <dgm:if name="Name5" axis="root des" func="maxDepth" op="gte" val="2">
-        <dgm:constrLst>
-          <dgm:constr type="w" for="ch" forName="parAndChTx" refType="w"/>
-          <dgm:constr type="primFontSz" for="ch" ptType="node" op="equ"/>
-          <dgm:constr type="w" for="ch" forName="parAndChSpace" refType="w" refFor="ch" refForName="parAndChTx" fact="-0.2"/>
-          <dgm:constr type="w" for="ch" ptType="sibTrans" op="equ"/>
-        </dgm:constrLst>
-        <dgm:ruleLst/>
-        <dgm:forEach name="Name6" axis="ch" ptType="node">
-          <dgm:layoutNode name="parAndChTx">
-            <dgm:varLst>
-              <dgm:bulletEnabled val="1"/>
-            </dgm:varLst>
-            <dgm:alg type="tx"/>
-            <dgm:choose name="Name7">
-              <dgm:if name="Name8" func="var" arg="dir" op="equ" val="norm">
-                <dgm:choose name="Name9">
-                  <dgm:if name="Name10" axis="self" ptType="node" func="pos" op="equ" val="1">
-                    <dgm:shape xmlns:r="http://schemas.openxmlformats.org/officeDocument/2006/relationships" type="homePlate" r:blip="">
-                      <dgm:adjLst>
-                        <dgm:adj idx="1" val="0.25"/>
-                      </dgm:adjLst>
-                    </dgm:shape>
-                    <dgm:presOf axis="desOrSelf" ptType="node"/>
-                    <dgm:constrLst>
-                      <dgm:constr type="h" refType="w" op="equ" fact="0.8"/>
-                      <dgm:constr type="primFontSz" val="65"/>
-                      <dgm:constr type="tMarg" refType="primFontSz" fact="0.2"/>
-                      <dgm:constr type="bMarg" refType="primFontSz" fact="0.2"/>
-                      <dgm:constr type="lMarg" refType="w" fact="0.1"/>
-                      <dgm:constr type="rMarg" refType="w" fact="0.4"/>
-                    </dgm:constrLst>
-                  </dgm:if>
-                  <dgm:else name="Name11">
-                    <dgm:shape xmlns:r="http://schemas.openxmlformats.org/officeDocument/2006/relationships" type="chevron" r:blip="">
-                      <dgm:adjLst>
-                        <dgm:adj idx="1" val="0.25"/>
-                      </dgm:adjLst>
-                    </dgm:shape>
-                    <dgm:presOf axis="desOrSelf" ptType="node"/>
-                    <dgm:constrLst>
-                      <dgm:constr type="h" refType="w" op="equ" fact="0.8"/>
-                      <dgm:constr type="primFontSz" val="65"/>
-                      <dgm:constr type="tMarg" refType="primFontSz" fact="0.2"/>
-                      <dgm:constr type="bMarg" refType="primFontSz" fact="0.2"/>
-                      <dgm:constr type="lMarg" refType="w" fact="0.1"/>
-                      <dgm:constr type="rMarg" refType="w" fact="0.1"/>
-                    </dgm:constrLst>
-                  </dgm:else>
-                </dgm:choose>
-              </dgm:if>
-              <dgm:else name="Name12">
-                <dgm:choose name="Name13">
-                  <dgm:if name="Name14" axis="self" ptType="node" func="pos" op="equ" val="1">
-                    <dgm:shape xmlns:r="http://schemas.openxmlformats.org/officeDocument/2006/relationships" rot="180" type="homePlate" r:blip="">
-                      <dgm:adjLst>
-                        <dgm:adj idx="1" val="0.25"/>
-                      </dgm:adjLst>
-                    </dgm:shape>
-                    <dgm:presOf axis="desOrSelf" ptType="node"/>
-                    <dgm:constrLst>
-                      <dgm:constr type="h" refType="w" op="equ" fact="0.8"/>
-                      <dgm:constr type="primFontSz" val="65"/>
-                      <dgm:constr type="tMarg" refType="primFontSz" fact="0.2"/>
-                      <dgm:constr type="bMarg" refType="primFontSz" fact="0.2"/>
-                      <dgm:constr type="lMarg" refType="w" fact="0.4"/>
-                      <dgm:constr type="rMarg" refType="w" fact="0.1"/>
-                    </dgm:constrLst>
-                  </dgm:if>
-                  <dgm:else name="Name15">
-                    <dgm:shape xmlns:r="http://schemas.openxmlformats.org/officeDocument/2006/relationships" rot="180" type="chevron" r:blip="">
-                      <dgm:adjLst>
-                        <dgm:adj idx="1" val="0.25"/>
-                      </dgm:adjLst>
-                    </dgm:shape>
-                    <dgm:presOf axis="desOrSelf" ptType="node"/>
-                    <dgm:constrLst>
-                      <dgm:constr type="h" refType="w" op="equ" fact="0.8"/>
-                      <dgm:constr type="primFontSz" val="65"/>
-                      <dgm:constr type="tMarg" refType="primFontSz" fact="0.2"/>
-                      <dgm:constr type="bMarg" refType="primFontSz" fact="0.2"/>
-                      <dgm:constr type="lMarg" refType="w" fact="0.1"/>
-                      <dgm:constr type="rMarg" refType="w" fact="0.1"/>
-                    </dgm:constrLst>
-                  </dgm:else>
-                </dgm:choose>
-              </dgm:else>
-            </dgm:choose>
-            <dgm:ruleLst>
-              <dgm:rule type="primFontSz" val="5" fact="NaN" max="NaN"/>
-            </dgm:ruleLst>
-          </dgm:layoutNode>
-          <dgm:forEach name="Name16" axis="followSib" ptType="sibTrans" cnt="1">
-            <dgm:layoutNode name="parAndChSpace">
-              <dgm:alg type="sp"/>
-              <dgm:shape xmlns:r="http://schemas.openxmlformats.org/officeDocument/2006/relationships" r:blip="">
-                <dgm:adjLst/>
-              </dgm:shape>
-              <dgm:presOf/>
-              <dgm:constrLst/>
-              <dgm:ruleLst/>
-            </dgm:layoutNode>
-          </dgm:forEach>
-        </dgm:forEach>
-      </dgm:if>
-      <dgm:else name="Name17">
-        <dgm:constrLst>
-          <dgm:constr type="w" for="ch" forName="parTxOnly" refType="w"/>
-          <dgm:constr type="primFontSz" for="ch" ptType="node" op="equ"/>
-          <dgm:constr type="w" for="ch" forName="parSpace" refType="w" refFor="ch" refForName="parTxOnly" fact="-0.2"/>
-          <dgm:constr type="w" for="ch" ptType="sibTrans" op="equ"/>
-        </dgm:constrLst>
-        <dgm:ruleLst/>
-        <dgm:forEach name="Name18" axis="ch" ptType="node">
-          <dgm:layoutNode name="parTxOnly">
-            <dgm:varLst>
-              <dgm:bulletEnabled val="1"/>
-            </dgm:varLst>
-            <dgm:alg type="tx"/>
-            <dgm:presOf axis="desOrSelf" ptType="node"/>
-            <dgm:choose name="Name19">
-              <dgm:if name="Name20" func="var" arg="dir" op="equ" val="norm">
-                <dgm:choose name="Name21">
-                  <dgm:if name="Name22" axis="self" ptType="node" func="pos" op="equ" val="1">
-                    <dgm:shape xmlns:r="http://schemas.openxmlformats.org/officeDocument/2006/relationships" type="homePlate" r:blip="">
-                      <dgm:adjLst/>
-                    </dgm:shape>
-                    <dgm:constrLst>
-                      <dgm:constr type="h" refType="w" op="equ" fact="0.4"/>
-                      <dgm:constr type="primFontSz" val="65"/>
-                      <dgm:constr type="tMarg" refType="primFontSz" fact="0.21"/>
-                      <dgm:constr type="bMarg" refType="primFontSz" fact="0.21"/>
-                      <dgm:constr type="lMarg" refType="primFontSz" fact="0.42"/>
-                      <dgm:constr type="rMarg" refType="primFontSz" fact="0.105"/>
-                    </dgm:constrLst>
-                  </dgm:if>
-                  <dgm:else name="Name23">
-                    <dgm:shape xmlns:r="http://schemas.openxmlformats.org/officeDocument/2006/relationships" type="chevron" r:blip="">
-                      <dgm:adjLst/>
-                    </dgm:shape>
-                    <dgm:constrLst>
-                      <dgm:constr type="h" refType="w" op="equ" fact="0.4"/>
-                      <dgm:constr type="primFontSz" val="65"/>
-                      <dgm:constr type="tMarg" refType="primFontSz" fact="0.21"/>
-                      <dgm:constr type="bMarg" refType="primFontSz" fact="0.21"/>
-                      <dgm:constr type="lMarg" refType="primFontSz" fact="0.315"/>
-                      <dgm:constr type="rMarg" refType="primFontSz" fact="0.105"/>
-                    </dgm:constrLst>
-                  </dgm:else>
-                </dgm:choose>
-              </dgm:if>
-              <dgm:else name="Name24">
-                <dgm:choose name="Name25">
-                  <dgm:if name="Name26" axis="self" ptType="node" func="pos" op="equ" val="1">
-                    <dgm:shape xmlns:r="http://schemas.openxmlformats.org/officeDocument/2006/relationships" rot="180" type="homePlate" r:blip="">
-                      <dgm:adjLst/>
-                    </dgm:shape>
-                    <dgm:constrLst>
-                      <dgm:constr type="h" refType="w" op="equ" fact="0.4"/>
-                      <dgm:constr type="primFontSz" val="65"/>
-                      <dgm:constr type="tMarg" refType="primFontSz" fact="0.21"/>
-                      <dgm:constr type="bMarg" refType="primFontSz" fact="0.21"/>
-                      <dgm:constr type="lMarg" refType="primFontSz" fact="0.105"/>
-                      <dgm:constr type="rMarg" refType="primFontSz" fact="0.42"/>
-                    </dgm:constrLst>
-                  </dgm:if>
-                  <dgm:else name="Name27">
-                    <dgm:shape xmlns:r="http://schemas.openxmlformats.org/officeDocument/2006/relationships" rot="180" type="chevron" r:blip="">
-                      <dgm:adjLst/>
-                    </dgm:shape>
-                    <dgm:constrLst>
-                      <dgm:constr type="h" refType="w" op="equ" fact="0.4"/>
-                      <dgm:constr type="primFontSz" val="65"/>
-                      <dgm:constr type="tMarg" refType="primFontSz" fact="0.21"/>
-                      <dgm:constr type="bMarg" refType="primFontSz" fact="0.21"/>
-                      <dgm:constr type="lMarg" refType="primFontSz" fact="0.105"/>
-                      <dgm:constr type="rMarg" refType="primFontSz" fact="0.315"/>
-                    </dgm:constrLst>
-                  </dgm:else>
-                </dgm:choose>
-              </dgm:else>
-            </dgm:choose>
-            <dgm:ruleLst>
-              <dgm:rule type="primFontSz" val="5" fact="NaN" max="NaN"/>
-            </dgm:ruleLst>
-          </dgm:layoutNode>
-          <dgm:forEach name="Name28" axis="followSib" ptType="sibTrans" cnt="1">
-            <dgm:layoutNode name="parSpace">
-              <dgm:alg type="sp"/>
-              <dgm:shape xmlns:r="http://schemas.openxmlformats.org/officeDocument/2006/relationships" r:blip="">
-                <dgm:adjLst/>
-              </dgm:shape>
-              <dgm:presOf/>
-              <dgm:constrLst/>
-              <dgm:ruleLst/>
-            </dgm:layoutNode>
-          </dgm:forEach>
-        </dgm:forEach>
-      </dgm:else>
-    </dgm:choose>
-  </dgm:layoutNode>
-</dgm:layoutDef>
-</file>
-
-<file path=ppt/diagrams/layout13.xml><?xml version="1.0" encoding="utf-8"?>
 <dgm:layoutDef xmlns:dgm="http://schemas.openxmlformats.org/drawingml/2006/diagram" xmlns:a="http://schemas.openxmlformats.org/drawingml/2006/main" uniqueId="urn:microsoft.com/office/officeart/2005/8/layout/hChevron3">
   <dgm:title val=""/>
   <dgm:desc val=""/>
@@ -31789,1040 +28544,6 @@
 </dgm:styleDef>
 </file>
 
-<file path=ppt/diagrams/quickStyle13.xml><?xml version="1.0" encoding="utf-8"?>
-<dgm:styleDef xmlns:dgm="http://schemas.openxmlformats.org/drawingml/2006/diagram" xmlns:a="http://schemas.openxmlformats.org/drawingml/2006/main" uniqueId="urn:microsoft.com/office/officeart/2005/8/quickstyle/simple1">
-  <dgm:title val=""/>
-  <dgm:desc val=""/>
-  <dgm:catLst>
-    <dgm:cat type="simple" pri="10100"/>
-  </dgm:catLst>
-  <dgm:scene3d>
-    <a:camera prst="orthographicFront"/>
-    <a:lightRig rig="threePt" dir="t"/>
-  </dgm:scene3d>
-  <dgm:styleLbl name="node0">
-    <dgm:scene3d>
-      <a:camera prst="orthographicFront"/>
-      <a:lightRig rig="threePt" dir="t"/>
-    </dgm:scene3d>
-    <dgm:sp3d/>
-    <dgm:txPr/>
-    <dgm:style>
-      <a:lnRef idx="2">
-        <a:scrgbClr r="0" g="0" b="0"/>
-      </a:lnRef>
-      <a:fillRef idx="1">
-        <a:scrgbClr r="0" g="0" b="0"/>
-      </a:fillRef>
-      <a:effectRef idx="0">
-        <a:scrgbClr r="0" g="0" b="0"/>
-      </a:effectRef>
-      <a:fontRef idx="minor">
-        <a:schemeClr val="lt1"/>
-      </a:fontRef>
-    </dgm:style>
-  </dgm:styleLbl>
-  <dgm:styleLbl name="lnNode1">
-    <dgm:scene3d>
-      <a:camera prst="orthographicFront"/>
-      <a:lightRig rig="threePt" dir="t"/>
-    </dgm:scene3d>
-    <dgm:sp3d/>
-    <dgm:txPr/>
-    <dgm:style>
-      <a:lnRef idx="2">
-        <a:scrgbClr r="0" g="0" b="0"/>
-      </a:lnRef>
-      <a:fillRef idx="1">
-        <a:scrgbClr r="0" g="0" b="0"/>
-      </a:fillRef>
-      <a:effectRef idx="0">
-        <a:scrgbClr r="0" g="0" b="0"/>
-      </a:effectRef>
-      <a:fontRef idx="minor">
-        <a:schemeClr val="lt1"/>
-      </a:fontRef>
-    </dgm:style>
-  </dgm:styleLbl>
-  <dgm:styleLbl name="vennNode1">
-    <dgm:scene3d>
-      <a:camera prst="orthographicFront"/>
-      <a:lightRig rig="threePt" dir="t"/>
-    </dgm:scene3d>
-    <dgm:sp3d/>
-    <dgm:txPr/>
-    <dgm:style>
-      <a:lnRef idx="2">
-        <a:scrgbClr r="0" g="0" b="0"/>
-      </a:lnRef>
-      <a:fillRef idx="1">
-        <a:scrgbClr r="0" g="0" b="0"/>
-      </a:fillRef>
-      <a:effectRef idx="0">
-        <a:scrgbClr r="0" g="0" b="0"/>
-      </a:effectRef>
-      <a:fontRef idx="minor">
-        <a:schemeClr val="tx1"/>
-      </a:fontRef>
-    </dgm:style>
-  </dgm:styleLbl>
-  <dgm:styleLbl name="alignNode1">
-    <dgm:scene3d>
-      <a:camera prst="orthographicFront"/>
-      <a:lightRig rig="threePt" dir="t"/>
-    </dgm:scene3d>
-    <dgm:sp3d/>
-    <dgm:txPr/>
-    <dgm:style>
-      <a:lnRef idx="2">
-        <a:scrgbClr r="0" g="0" b="0"/>
-      </a:lnRef>
-      <a:fillRef idx="1">
-        <a:scrgbClr r="0" g="0" b="0"/>
-      </a:fillRef>
-      <a:effectRef idx="0">
-        <a:scrgbClr r="0" g="0" b="0"/>
-      </a:effectRef>
-      <a:fontRef idx="minor">
-        <a:schemeClr val="lt1"/>
-      </a:fontRef>
-    </dgm:style>
-  </dgm:styleLbl>
-  <dgm:styleLbl name="node1">
-    <dgm:scene3d>
-      <a:camera prst="orthographicFront"/>
-      <a:lightRig rig="threePt" dir="t"/>
-    </dgm:scene3d>
-    <dgm:sp3d/>
-    <dgm:txPr/>
-    <dgm:style>
-      <a:lnRef idx="2">
-        <a:scrgbClr r="0" g="0" b="0"/>
-      </a:lnRef>
-      <a:fillRef idx="1">
-        <a:scrgbClr r="0" g="0" b="0"/>
-      </a:fillRef>
-      <a:effectRef idx="0">
-        <a:scrgbClr r="0" g="0" b="0"/>
-      </a:effectRef>
-      <a:fontRef idx="minor">
-        <a:schemeClr val="lt1"/>
-      </a:fontRef>
-    </dgm:style>
-  </dgm:styleLbl>
-  <dgm:styleLbl name="node2">
-    <dgm:scene3d>
-      <a:camera prst="orthographicFront"/>
-      <a:lightRig rig="threePt" dir="t"/>
-    </dgm:scene3d>
-    <dgm:sp3d/>
-    <dgm:txPr/>
-    <dgm:style>
-      <a:lnRef idx="2">
-        <a:scrgbClr r="0" g="0" b="0"/>
-      </a:lnRef>
-      <a:fillRef idx="1">
-        <a:scrgbClr r="0" g="0" b="0"/>
-      </a:fillRef>
-      <a:effectRef idx="0">
-        <a:scrgbClr r="0" g="0" b="0"/>
-      </a:effectRef>
-      <a:fontRef idx="minor">
-        <a:schemeClr val="lt1"/>
-      </a:fontRef>
-    </dgm:style>
-  </dgm:styleLbl>
-  <dgm:styleLbl name="node3">
-    <dgm:scene3d>
-      <a:camera prst="orthographicFront"/>
-      <a:lightRig rig="threePt" dir="t"/>
-    </dgm:scene3d>
-    <dgm:sp3d/>
-    <dgm:txPr/>
-    <dgm:style>
-      <a:lnRef idx="2">
-        <a:scrgbClr r="0" g="0" b="0"/>
-      </a:lnRef>
-      <a:fillRef idx="1">
-        <a:scrgbClr r="0" g="0" b="0"/>
-      </a:fillRef>
-      <a:effectRef idx="0">
-        <a:scrgbClr r="0" g="0" b="0"/>
-      </a:effectRef>
-      <a:fontRef idx="minor">
-        <a:schemeClr val="lt1"/>
-      </a:fontRef>
-    </dgm:style>
-  </dgm:styleLbl>
-  <dgm:styleLbl name="node4">
-    <dgm:scene3d>
-      <a:camera prst="orthographicFront"/>
-      <a:lightRig rig="threePt" dir="t"/>
-    </dgm:scene3d>
-    <dgm:sp3d/>
-    <dgm:txPr/>
-    <dgm:style>
-      <a:lnRef idx="2">
-        <a:scrgbClr r="0" g="0" b="0"/>
-      </a:lnRef>
-      <a:fillRef idx="1">
-        <a:scrgbClr r="0" g="0" b="0"/>
-      </a:fillRef>
-      <a:effectRef idx="0">
-        <a:scrgbClr r="0" g="0" b="0"/>
-      </a:effectRef>
-      <a:fontRef idx="minor">
-        <a:schemeClr val="lt1"/>
-      </a:fontRef>
-    </dgm:style>
-  </dgm:styleLbl>
-  <dgm:styleLbl name="fgImgPlace1">
-    <dgm:scene3d>
-      <a:camera prst="orthographicFront"/>
-      <a:lightRig rig="threePt" dir="t"/>
-    </dgm:scene3d>
-    <dgm:sp3d/>
-    <dgm:txPr/>
-    <dgm:style>
-      <a:lnRef idx="2">
-        <a:scrgbClr r="0" g="0" b="0"/>
-      </a:lnRef>
-      <a:fillRef idx="1">
-        <a:scrgbClr r="0" g="0" b="0"/>
-      </a:fillRef>
-      <a:effectRef idx="0">
-        <a:scrgbClr r="0" g="0" b="0"/>
-      </a:effectRef>
-      <a:fontRef idx="minor"/>
-    </dgm:style>
-  </dgm:styleLbl>
-  <dgm:styleLbl name="alignImgPlace1">
-    <dgm:scene3d>
-      <a:camera prst="orthographicFront"/>
-      <a:lightRig rig="threePt" dir="t"/>
-    </dgm:scene3d>
-    <dgm:sp3d/>
-    <dgm:txPr/>
-    <dgm:style>
-      <a:lnRef idx="2">
-        <a:scrgbClr r="0" g="0" b="0"/>
-      </a:lnRef>
-      <a:fillRef idx="1">
-        <a:scrgbClr r="0" g="0" b="0"/>
-      </a:fillRef>
-      <a:effectRef idx="0">
-        <a:scrgbClr r="0" g="0" b="0"/>
-      </a:effectRef>
-      <a:fontRef idx="minor"/>
-    </dgm:style>
-  </dgm:styleLbl>
-  <dgm:styleLbl name="bgImgPlace1">
-    <dgm:scene3d>
-      <a:camera prst="orthographicFront"/>
-      <a:lightRig rig="threePt" dir="t"/>
-    </dgm:scene3d>
-    <dgm:sp3d/>
-    <dgm:txPr/>
-    <dgm:style>
-      <a:lnRef idx="2">
-        <a:scrgbClr r="0" g="0" b="0"/>
-      </a:lnRef>
-      <a:fillRef idx="1">
-        <a:scrgbClr r="0" g="0" b="0"/>
-      </a:fillRef>
-      <a:effectRef idx="0">
-        <a:scrgbClr r="0" g="0" b="0"/>
-      </a:effectRef>
-      <a:fontRef idx="minor"/>
-    </dgm:style>
-  </dgm:styleLbl>
-  <dgm:styleLbl name="sibTrans2D1">
-    <dgm:scene3d>
-      <a:camera prst="orthographicFront"/>
-      <a:lightRig rig="threePt" dir="t"/>
-    </dgm:scene3d>
-    <dgm:sp3d/>
-    <dgm:txPr/>
-    <dgm:style>
-      <a:lnRef idx="0">
-        <a:scrgbClr r="0" g="0" b="0"/>
-      </a:lnRef>
-      <a:fillRef idx="1">
-        <a:scrgbClr r="0" g="0" b="0"/>
-      </a:fillRef>
-      <a:effectRef idx="0">
-        <a:scrgbClr r="0" g="0" b="0"/>
-      </a:effectRef>
-      <a:fontRef idx="minor">
-        <a:schemeClr val="lt1"/>
-      </a:fontRef>
-    </dgm:style>
-  </dgm:styleLbl>
-  <dgm:styleLbl name="fgSibTrans2D1">
-    <dgm:scene3d>
-      <a:camera prst="orthographicFront"/>
-      <a:lightRig rig="threePt" dir="t"/>
-    </dgm:scene3d>
-    <dgm:sp3d/>
-    <dgm:txPr/>
-    <dgm:style>
-      <a:lnRef idx="0">
-        <a:scrgbClr r="0" g="0" b="0"/>
-      </a:lnRef>
-      <a:fillRef idx="1">
-        <a:scrgbClr r="0" g="0" b="0"/>
-      </a:fillRef>
-      <a:effectRef idx="0">
-        <a:scrgbClr r="0" g="0" b="0"/>
-      </a:effectRef>
-      <a:fontRef idx="minor">
-        <a:schemeClr val="lt1"/>
-      </a:fontRef>
-    </dgm:style>
-  </dgm:styleLbl>
-  <dgm:styleLbl name="bgSibTrans2D1">
-    <dgm:scene3d>
-      <a:camera prst="orthographicFront"/>
-      <a:lightRig rig="threePt" dir="t"/>
-    </dgm:scene3d>
-    <dgm:sp3d/>
-    <dgm:txPr/>
-    <dgm:style>
-      <a:lnRef idx="0">
-        <a:scrgbClr r="0" g="0" b="0"/>
-      </a:lnRef>
-      <a:fillRef idx="1">
-        <a:scrgbClr r="0" g="0" b="0"/>
-      </a:fillRef>
-      <a:effectRef idx="0">
-        <a:scrgbClr r="0" g="0" b="0"/>
-      </a:effectRef>
-      <a:fontRef idx="minor">
-        <a:schemeClr val="lt1"/>
-      </a:fontRef>
-    </dgm:style>
-  </dgm:styleLbl>
-  <dgm:styleLbl name="sibTrans1D1">
-    <dgm:scene3d>
-      <a:camera prst="orthographicFront"/>
-      <a:lightRig rig="threePt" dir="t"/>
-    </dgm:scene3d>
-    <dgm:sp3d/>
-    <dgm:txPr/>
-    <dgm:style>
-      <a:lnRef idx="1">
-        <a:scrgbClr r="0" g="0" b="0"/>
-      </a:lnRef>
-      <a:fillRef idx="0">
-        <a:scrgbClr r="0" g="0" b="0"/>
-      </a:fillRef>
-      <a:effectRef idx="0">
-        <a:scrgbClr r="0" g="0" b="0"/>
-      </a:effectRef>
-      <a:fontRef idx="minor"/>
-    </dgm:style>
-  </dgm:styleLbl>
-  <dgm:styleLbl name="callout">
-    <dgm:scene3d>
-      <a:camera prst="orthographicFront"/>
-      <a:lightRig rig="threePt" dir="t"/>
-    </dgm:scene3d>
-    <dgm:sp3d/>
-    <dgm:txPr/>
-    <dgm:style>
-      <a:lnRef idx="2">
-        <a:scrgbClr r="0" g="0" b="0"/>
-      </a:lnRef>
-      <a:fillRef idx="1">
-        <a:scrgbClr r="0" g="0" b="0"/>
-      </a:fillRef>
-      <a:effectRef idx="0">
-        <a:scrgbClr r="0" g="0" b="0"/>
-      </a:effectRef>
-      <a:fontRef idx="minor"/>
-    </dgm:style>
-  </dgm:styleLbl>
-  <dgm:styleLbl name="asst0">
-    <dgm:scene3d>
-      <a:camera prst="orthographicFront"/>
-      <a:lightRig rig="threePt" dir="t"/>
-    </dgm:scene3d>
-    <dgm:sp3d/>
-    <dgm:txPr/>
-    <dgm:style>
-      <a:lnRef idx="2">
-        <a:scrgbClr r="0" g="0" b="0"/>
-      </a:lnRef>
-      <a:fillRef idx="1">
-        <a:scrgbClr r="0" g="0" b="0"/>
-      </a:fillRef>
-      <a:effectRef idx="0">
-        <a:scrgbClr r="0" g="0" b="0"/>
-      </a:effectRef>
-      <a:fontRef idx="minor">
-        <a:schemeClr val="lt1"/>
-      </a:fontRef>
-    </dgm:style>
-  </dgm:styleLbl>
-  <dgm:styleLbl name="asst1">
-    <dgm:scene3d>
-      <a:camera prst="orthographicFront"/>
-      <a:lightRig rig="threePt" dir="t"/>
-    </dgm:scene3d>
-    <dgm:sp3d/>
-    <dgm:txPr/>
-    <dgm:style>
-      <a:lnRef idx="2">
-        <a:scrgbClr r="0" g="0" b="0"/>
-      </a:lnRef>
-      <a:fillRef idx="1">
-        <a:scrgbClr r="0" g="0" b="0"/>
-      </a:fillRef>
-      <a:effectRef idx="0">
-        <a:scrgbClr r="0" g="0" b="0"/>
-      </a:effectRef>
-      <a:fontRef idx="minor">
-        <a:schemeClr val="lt1"/>
-      </a:fontRef>
-    </dgm:style>
-  </dgm:styleLbl>
-  <dgm:styleLbl name="asst2">
-    <dgm:scene3d>
-      <a:camera prst="orthographicFront"/>
-      <a:lightRig rig="threePt" dir="t"/>
-    </dgm:scene3d>
-    <dgm:sp3d/>
-    <dgm:txPr/>
-    <dgm:style>
-      <a:lnRef idx="2">
-        <a:scrgbClr r="0" g="0" b="0"/>
-      </a:lnRef>
-      <a:fillRef idx="1">
-        <a:scrgbClr r="0" g="0" b="0"/>
-      </a:fillRef>
-      <a:effectRef idx="0">
-        <a:scrgbClr r="0" g="0" b="0"/>
-      </a:effectRef>
-      <a:fontRef idx="minor">
-        <a:schemeClr val="lt1"/>
-      </a:fontRef>
-    </dgm:style>
-  </dgm:styleLbl>
-  <dgm:styleLbl name="asst3">
-    <dgm:scene3d>
-      <a:camera prst="orthographicFront"/>
-      <a:lightRig rig="threePt" dir="t"/>
-    </dgm:scene3d>
-    <dgm:sp3d/>
-    <dgm:txPr/>
-    <dgm:style>
-      <a:lnRef idx="2">
-        <a:scrgbClr r="0" g="0" b="0"/>
-      </a:lnRef>
-      <a:fillRef idx="1">
-        <a:scrgbClr r="0" g="0" b="0"/>
-      </a:fillRef>
-      <a:effectRef idx="0">
-        <a:scrgbClr r="0" g="0" b="0"/>
-      </a:effectRef>
-      <a:fontRef idx="minor">
-        <a:schemeClr val="lt1"/>
-      </a:fontRef>
-    </dgm:style>
-  </dgm:styleLbl>
-  <dgm:styleLbl name="asst4">
-    <dgm:scene3d>
-      <a:camera prst="orthographicFront"/>
-      <a:lightRig rig="threePt" dir="t"/>
-    </dgm:scene3d>
-    <dgm:sp3d/>
-    <dgm:txPr/>
-    <dgm:style>
-      <a:lnRef idx="2">
-        <a:scrgbClr r="0" g="0" b="0"/>
-      </a:lnRef>
-      <a:fillRef idx="1">
-        <a:scrgbClr r="0" g="0" b="0"/>
-      </a:fillRef>
-      <a:effectRef idx="0">
-        <a:scrgbClr r="0" g="0" b="0"/>
-      </a:effectRef>
-      <a:fontRef idx="minor">
-        <a:schemeClr val="lt1"/>
-      </a:fontRef>
-    </dgm:style>
-  </dgm:styleLbl>
-  <dgm:styleLbl name="parChTrans2D1">
-    <dgm:scene3d>
-      <a:camera prst="orthographicFront"/>
-      <a:lightRig rig="threePt" dir="t"/>
-    </dgm:scene3d>
-    <dgm:sp3d/>
-    <dgm:txPr/>
-    <dgm:style>
-      <a:lnRef idx="2">
-        <a:scrgbClr r="0" g="0" b="0"/>
-      </a:lnRef>
-      <a:fillRef idx="1">
-        <a:scrgbClr r="0" g="0" b="0"/>
-      </a:fillRef>
-      <a:effectRef idx="0">
-        <a:scrgbClr r="0" g="0" b="0"/>
-      </a:effectRef>
-      <a:fontRef idx="minor">
-        <a:schemeClr val="lt1"/>
-      </a:fontRef>
-    </dgm:style>
-  </dgm:styleLbl>
-  <dgm:styleLbl name="parChTrans2D2">
-    <dgm:scene3d>
-      <a:camera prst="orthographicFront"/>
-      <a:lightRig rig="threePt" dir="t"/>
-    </dgm:scene3d>
-    <dgm:sp3d/>
-    <dgm:txPr/>
-    <dgm:style>
-      <a:lnRef idx="2">
-        <a:scrgbClr r="0" g="0" b="0"/>
-      </a:lnRef>
-      <a:fillRef idx="1">
-        <a:scrgbClr r="0" g="0" b="0"/>
-      </a:fillRef>
-      <a:effectRef idx="0">
-        <a:scrgbClr r="0" g="0" b="0"/>
-      </a:effectRef>
-      <a:fontRef idx="minor">
-        <a:schemeClr val="lt1"/>
-      </a:fontRef>
-    </dgm:style>
-  </dgm:styleLbl>
-  <dgm:styleLbl name="parChTrans2D3">
-    <dgm:scene3d>
-      <a:camera prst="orthographicFront"/>
-      <a:lightRig rig="threePt" dir="t"/>
-    </dgm:scene3d>
-    <dgm:sp3d/>
-    <dgm:txPr/>
-    <dgm:style>
-      <a:lnRef idx="2">
-        <a:scrgbClr r="0" g="0" b="0"/>
-      </a:lnRef>
-      <a:fillRef idx="1">
-        <a:scrgbClr r="0" g="0" b="0"/>
-      </a:fillRef>
-      <a:effectRef idx="0">
-        <a:scrgbClr r="0" g="0" b="0"/>
-      </a:effectRef>
-      <a:fontRef idx="minor">
-        <a:schemeClr val="lt1"/>
-      </a:fontRef>
-    </dgm:style>
-  </dgm:styleLbl>
-  <dgm:styleLbl name="parChTrans2D4">
-    <dgm:scene3d>
-      <a:camera prst="orthographicFront"/>
-      <a:lightRig rig="threePt" dir="t"/>
-    </dgm:scene3d>
-    <dgm:sp3d/>
-    <dgm:txPr/>
-    <dgm:style>
-      <a:lnRef idx="2">
-        <a:scrgbClr r="0" g="0" b="0"/>
-      </a:lnRef>
-      <a:fillRef idx="1">
-        <a:scrgbClr r="0" g="0" b="0"/>
-      </a:fillRef>
-      <a:effectRef idx="0">
-        <a:scrgbClr r="0" g="0" b="0"/>
-      </a:effectRef>
-      <a:fontRef idx="minor">
-        <a:schemeClr val="lt1"/>
-      </a:fontRef>
-    </dgm:style>
-  </dgm:styleLbl>
-  <dgm:styleLbl name="parChTrans1D1">
-    <dgm:scene3d>
-      <a:camera prst="orthographicFront"/>
-      <a:lightRig rig="threePt" dir="t"/>
-    </dgm:scene3d>
-    <dgm:sp3d/>
-    <dgm:txPr/>
-    <dgm:style>
-      <a:lnRef idx="2">
-        <a:scrgbClr r="0" g="0" b="0"/>
-      </a:lnRef>
-      <a:fillRef idx="0">
-        <a:scrgbClr r="0" g="0" b="0"/>
-      </a:fillRef>
-      <a:effectRef idx="0">
-        <a:scrgbClr r="0" g="0" b="0"/>
-      </a:effectRef>
-      <a:fontRef idx="minor"/>
-    </dgm:style>
-  </dgm:styleLbl>
-  <dgm:styleLbl name="parChTrans1D2">
-    <dgm:scene3d>
-      <a:camera prst="orthographicFront"/>
-      <a:lightRig rig="threePt" dir="t"/>
-    </dgm:scene3d>
-    <dgm:sp3d/>
-    <dgm:txPr/>
-    <dgm:style>
-      <a:lnRef idx="2">
-        <a:scrgbClr r="0" g="0" b="0"/>
-      </a:lnRef>
-      <a:fillRef idx="0">
-        <a:scrgbClr r="0" g="0" b="0"/>
-      </a:fillRef>
-      <a:effectRef idx="0">
-        <a:scrgbClr r="0" g="0" b="0"/>
-      </a:effectRef>
-      <a:fontRef idx="minor"/>
-    </dgm:style>
-  </dgm:styleLbl>
-  <dgm:styleLbl name="parChTrans1D3">
-    <dgm:scene3d>
-      <a:camera prst="orthographicFront"/>
-      <a:lightRig rig="threePt" dir="t"/>
-    </dgm:scene3d>
-    <dgm:sp3d/>
-    <dgm:txPr/>
-    <dgm:style>
-      <a:lnRef idx="2">
-        <a:scrgbClr r="0" g="0" b="0"/>
-      </a:lnRef>
-      <a:fillRef idx="0">
-        <a:scrgbClr r="0" g="0" b="0"/>
-      </a:fillRef>
-      <a:effectRef idx="0">
-        <a:scrgbClr r="0" g="0" b="0"/>
-      </a:effectRef>
-      <a:fontRef idx="minor"/>
-    </dgm:style>
-  </dgm:styleLbl>
-  <dgm:styleLbl name="parChTrans1D4">
-    <dgm:scene3d>
-      <a:camera prst="orthographicFront"/>
-      <a:lightRig rig="threePt" dir="t"/>
-    </dgm:scene3d>
-    <dgm:sp3d/>
-    <dgm:txPr/>
-    <dgm:style>
-      <a:lnRef idx="2">
-        <a:scrgbClr r="0" g="0" b="0"/>
-      </a:lnRef>
-      <a:fillRef idx="0">
-        <a:scrgbClr r="0" g="0" b="0"/>
-      </a:fillRef>
-      <a:effectRef idx="0">
-        <a:scrgbClr r="0" g="0" b="0"/>
-      </a:effectRef>
-      <a:fontRef idx="minor"/>
-    </dgm:style>
-  </dgm:styleLbl>
-  <dgm:styleLbl name="fgAcc1">
-    <dgm:scene3d>
-      <a:camera prst="orthographicFront"/>
-      <a:lightRig rig="threePt" dir="t"/>
-    </dgm:scene3d>
-    <dgm:sp3d/>
-    <dgm:txPr/>
-    <dgm:style>
-      <a:lnRef idx="2">
-        <a:scrgbClr r="0" g="0" b="0"/>
-      </a:lnRef>
-      <a:fillRef idx="1">
-        <a:scrgbClr r="0" g="0" b="0"/>
-      </a:fillRef>
-      <a:effectRef idx="0">
-        <a:scrgbClr r="0" g="0" b="0"/>
-      </a:effectRef>
-      <a:fontRef idx="minor"/>
-    </dgm:style>
-  </dgm:styleLbl>
-  <dgm:styleLbl name="conFgAcc1">
-    <dgm:scene3d>
-      <a:camera prst="orthographicFront"/>
-      <a:lightRig rig="threePt" dir="t"/>
-    </dgm:scene3d>
-    <dgm:sp3d/>
-    <dgm:txPr/>
-    <dgm:style>
-      <a:lnRef idx="2">
-        <a:scrgbClr r="0" g="0" b="0"/>
-      </a:lnRef>
-      <a:fillRef idx="1">
-        <a:scrgbClr r="0" g="0" b="0"/>
-      </a:fillRef>
-      <a:effectRef idx="0">
-        <a:scrgbClr r="0" g="0" b="0"/>
-      </a:effectRef>
-      <a:fontRef idx="minor"/>
-    </dgm:style>
-  </dgm:styleLbl>
-  <dgm:styleLbl name="alignAcc1">
-    <dgm:scene3d>
-      <a:camera prst="orthographicFront"/>
-      <a:lightRig rig="threePt" dir="t"/>
-    </dgm:scene3d>
-    <dgm:sp3d/>
-    <dgm:txPr/>
-    <dgm:style>
-      <a:lnRef idx="2">
-        <a:scrgbClr r="0" g="0" b="0"/>
-      </a:lnRef>
-      <a:fillRef idx="1">
-        <a:scrgbClr r="0" g="0" b="0"/>
-      </a:fillRef>
-      <a:effectRef idx="0">
-        <a:scrgbClr r="0" g="0" b="0"/>
-      </a:effectRef>
-      <a:fontRef idx="minor"/>
-    </dgm:style>
-  </dgm:styleLbl>
-  <dgm:styleLbl name="trAlignAcc1">
-    <dgm:scene3d>
-      <a:camera prst="orthographicFront"/>
-      <a:lightRig rig="threePt" dir="t"/>
-    </dgm:scene3d>
-    <dgm:sp3d/>
-    <dgm:txPr/>
-    <dgm:style>
-      <a:lnRef idx="1">
-        <a:scrgbClr r="0" g="0" b="0"/>
-      </a:lnRef>
-      <a:fillRef idx="1">
-        <a:scrgbClr r="0" g="0" b="0"/>
-      </a:fillRef>
-      <a:effectRef idx="0">
-        <a:scrgbClr r="0" g="0" b="0"/>
-      </a:effectRef>
-      <a:fontRef idx="minor"/>
-    </dgm:style>
-  </dgm:styleLbl>
-  <dgm:styleLbl name="bgAcc1">
-    <dgm:scene3d>
-      <a:camera prst="orthographicFront"/>
-      <a:lightRig rig="threePt" dir="t"/>
-    </dgm:scene3d>
-    <dgm:sp3d/>
-    <dgm:txPr/>
-    <dgm:style>
-      <a:lnRef idx="2">
-        <a:scrgbClr r="0" g="0" b="0"/>
-      </a:lnRef>
-      <a:fillRef idx="1">
-        <a:scrgbClr r="0" g="0" b="0"/>
-      </a:fillRef>
-      <a:effectRef idx="0">
-        <a:scrgbClr r="0" g="0" b="0"/>
-      </a:effectRef>
-      <a:fontRef idx="minor"/>
-    </dgm:style>
-  </dgm:styleLbl>
-  <dgm:styleLbl name="solidFgAcc1">
-    <dgm:scene3d>
-      <a:camera prst="orthographicFront"/>
-      <a:lightRig rig="threePt" dir="t"/>
-    </dgm:scene3d>
-    <dgm:sp3d/>
-    <dgm:txPr/>
-    <dgm:style>
-      <a:lnRef idx="2">
-        <a:scrgbClr r="0" g="0" b="0"/>
-      </a:lnRef>
-      <a:fillRef idx="1">
-        <a:scrgbClr r="0" g="0" b="0"/>
-      </a:fillRef>
-      <a:effectRef idx="0">
-        <a:scrgbClr r="0" g="0" b="0"/>
-      </a:effectRef>
-      <a:fontRef idx="minor"/>
-    </dgm:style>
-  </dgm:styleLbl>
-  <dgm:styleLbl name="solidAlignAcc1">
-    <dgm:scene3d>
-      <a:camera prst="orthographicFront"/>
-      <a:lightRig rig="threePt" dir="t"/>
-    </dgm:scene3d>
-    <dgm:sp3d/>
-    <dgm:txPr/>
-    <dgm:style>
-      <a:lnRef idx="2">
-        <a:scrgbClr r="0" g="0" b="0"/>
-      </a:lnRef>
-      <a:fillRef idx="1">
-        <a:scrgbClr r="0" g="0" b="0"/>
-      </a:fillRef>
-      <a:effectRef idx="0">
-        <a:scrgbClr r="0" g="0" b="0"/>
-      </a:effectRef>
-      <a:fontRef idx="minor"/>
-    </dgm:style>
-  </dgm:styleLbl>
-  <dgm:styleLbl name="solidBgAcc1">
-    <dgm:scene3d>
-      <a:camera prst="orthographicFront"/>
-      <a:lightRig rig="threePt" dir="t"/>
-    </dgm:scene3d>
-    <dgm:sp3d/>
-    <dgm:txPr/>
-    <dgm:style>
-      <a:lnRef idx="2">
-        <a:scrgbClr r="0" g="0" b="0"/>
-      </a:lnRef>
-      <a:fillRef idx="1">
-        <a:scrgbClr r="0" g="0" b="0"/>
-      </a:fillRef>
-      <a:effectRef idx="0">
-        <a:scrgbClr r="0" g="0" b="0"/>
-      </a:effectRef>
-      <a:fontRef idx="minor"/>
-    </dgm:style>
-  </dgm:styleLbl>
-  <dgm:styleLbl name="fgAccFollowNode1">
-    <dgm:scene3d>
-      <a:camera prst="orthographicFront"/>
-      <a:lightRig rig="threePt" dir="t"/>
-    </dgm:scene3d>
-    <dgm:sp3d/>
-    <dgm:txPr/>
-    <dgm:style>
-      <a:lnRef idx="2">
-        <a:scrgbClr r="0" g="0" b="0"/>
-      </a:lnRef>
-      <a:fillRef idx="1">
-        <a:scrgbClr r="0" g="0" b="0"/>
-      </a:fillRef>
-      <a:effectRef idx="0">
-        <a:scrgbClr r="0" g="0" b="0"/>
-      </a:effectRef>
-      <a:fontRef idx="minor"/>
-    </dgm:style>
-  </dgm:styleLbl>
-  <dgm:styleLbl name="alignAccFollowNode1">
-    <dgm:scene3d>
-      <a:camera prst="orthographicFront"/>
-      <a:lightRig rig="threePt" dir="t"/>
-    </dgm:scene3d>
-    <dgm:sp3d/>
-    <dgm:txPr/>
-    <dgm:style>
-      <a:lnRef idx="2">
-        <a:scrgbClr r="0" g="0" b="0"/>
-      </a:lnRef>
-      <a:fillRef idx="1">
-        <a:scrgbClr r="0" g="0" b="0"/>
-      </a:fillRef>
-      <a:effectRef idx="0">
-        <a:scrgbClr r="0" g="0" b="0"/>
-      </a:effectRef>
-      <a:fontRef idx="minor"/>
-    </dgm:style>
-  </dgm:styleLbl>
-  <dgm:styleLbl name="bgAccFollowNode1">
-    <dgm:scene3d>
-      <a:camera prst="orthographicFront"/>
-      <a:lightRig rig="threePt" dir="t"/>
-    </dgm:scene3d>
-    <dgm:sp3d/>
-    <dgm:txPr/>
-    <dgm:style>
-      <a:lnRef idx="2">
-        <a:scrgbClr r="0" g="0" b="0"/>
-      </a:lnRef>
-      <a:fillRef idx="1">
-        <a:scrgbClr r="0" g="0" b="0"/>
-      </a:fillRef>
-      <a:effectRef idx="0">
-        <a:scrgbClr r="0" g="0" b="0"/>
-      </a:effectRef>
-      <a:fontRef idx="minor"/>
-    </dgm:style>
-  </dgm:styleLbl>
-  <dgm:styleLbl name="fgAcc0">
-    <dgm:scene3d>
-      <a:camera prst="orthographicFront"/>
-      <a:lightRig rig="threePt" dir="t"/>
-    </dgm:scene3d>
-    <dgm:sp3d/>
-    <dgm:txPr/>
-    <dgm:style>
-      <a:lnRef idx="2">
-        <a:scrgbClr r="0" g="0" b="0"/>
-      </a:lnRef>
-      <a:fillRef idx="1">
-        <a:scrgbClr r="0" g="0" b="0"/>
-      </a:fillRef>
-      <a:effectRef idx="0">
-        <a:scrgbClr r="0" g="0" b="0"/>
-      </a:effectRef>
-      <a:fontRef idx="minor"/>
-    </dgm:style>
-  </dgm:styleLbl>
-  <dgm:styleLbl name="fgAcc2">
-    <dgm:scene3d>
-      <a:camera prst="orthographicFront"/>
-      <a:lightRig rig="threePt" dir="t"/>
-    </dgm:scene3d>
-    <dgm:sp3d/>
-    <dgm:txPr/>
-    <dgm:style>
-      <a:lnRef idx="2">
-        <a:scrgbClr r="0" g="0" b="0"/>
-      </a:lnRef>
-      <a:fillRef idx="1">
-        <a:scrgbClr r="0" g="0" b="0"/>
-      </a:fillRef>
-      <a:effectRef idx="0">
-        <a:scrgbClr r="0" g="0" b="0"/>
-      </a:effectRef>
-      <a:fontRef idx="minor"/>
-    </dgm:style>
-  </dgm:styleLbl>
-  <dgm:styleLbl name="fgAcc3">
-    <dgm:scene3d>
-      <a:camera prst="orthographicFront"/>
-      <a:lightRig rig="threePt" dir="t"/>
-    </dgm:scene3d>
-    <dgm:sp3d/>
-    <dgm:txPr/>
-    <dgm:style>
-      <a:lnRef idx="2">
-        <a:scrgbClr r="0" g="0" b="0"/>
-      </a:lnRef>
-      <a:fillRef idx="1">
-        <a:scrgbClr r="0" g="0" b="0"/>
-      </a:fillRef>
-      <a:effectRef idx="0">
-        <a:scrgbClr r="0" g="0" b="0"/>
-      </a:effectRef>
-      <a:fontRef idx="minor"/>
-    </dgm:style>
-  </dgm:styleLbl>
-  <dgm:styleLbl name="fgAcc4">
-    <dgm:scene3d>
-      <a:camera prst="orthographicFront"/>
-      <a:lightRig rig="threePt" dir="t"/>
-    </dgm:scene3d>
-    <dgm:sp3d/>
-    <dgm:txPr/>
-    <dgm:style>
-      <a:lnRef idx="2">
-        <a:scrgbClr r="0" g="0" b="0"/>
-      </a:lnRef>
-      <a:fillRef idx="1">
-        <a:scrgbClr r="0" g="0" b="0"/>
-      </a:fillRef>
-      <a:effectRef idx="0">
-        <a:scrgbClr r="0" g="0" b="0"/>
-      </a:effectRef>
-      <a:fontRef idx="minor"/>
-    </dgm:style>
-  </dgm:styleLbl>
-  <dgm:styleLbl name="bgShp">
-    <dgm:scene3d>
-      <a:camera prst="orthographicFront"/>
-      <a:lightRig rig="threePt" dir="t"/>
-    </dgm:scene3d>
-    <dgm:sp3d/>
-    <dgm:txPr/>
-    <dgm:style>
-      <a:lnRef idx="0">
-        <a:scrgbClr r="0" g="0" b="0"/>
-      </a:lnRef>
-      <a:fillRef idx="1">
-        <a:scrgbClr r="0" g="0" b="0"/>
-      </a:fillRef>
-      <a:effectRef idx="0">
-        <a:scrgbClr r="0" g="0" b="0"/>
-      </a:effectRef>
-      <a:fontRef idx="minor"/>
-    </dgm:style>
-  </dgm:styleLbl>
-  <dgm:styleLbl name="dkBgShp">
-    <dgm:scene3d>
-      <a:camera prst="orthographicFront"/>
-      <a:lightRig rig="threePt" dir="t"/>
-    </dgm:scene3d>
-    <dgm:sp3d/>
-    <dgm:txPr/>
-    <dgm:style>
-      <a:lnRef idx="0">
-        <a:scrgbClr r="0" g="0" b="0"/>
-      </a:lnRef>
-      <a:fillRef idx="1">
-        <a:scrgbClr r="0" g="0" b="0"/>
-      </a:fillRef>
-      <a:effectRef idx="0">
-        <a:scrgbClr r="0" g="0" b="0"/>
-      </a:effectRef>
-      <a:fontRef idx="minor"/>
-    </dgm:style>
-  </dgm:styleLbl>
-  <dgm:styleLbl name="trBgShp">
-    <dgm:scene3d>
-      <a:camera prst="orthographicFront"/>
-      <a:lightRig rig="threePt" dir="t"/>
-    </dgm:scene3d>
-    <dgm:sp3d/>
-    <dgm:txPr/>
-    <dgm:style>
-      <a:lnRef idx="0">
-        <a:scrgbClr r="0" g="0" b="0"/>
-      </a:lnRef>
-      <a:fillRef idx="1">
-        <a:scrgbClr r="0" g="0" b="0"/>
-      </a:fillRef>
-      <a:effectRef idx="0">
-        <a:scrgbClr r="0" g="0" b="0"/>
-      </a:effectRef>
-      <a:fontRef idx="minor"/>
-    </dgm:style>
-  </dgm:styleLbl>
-  <dgm:styleLbl name="fgShp">
-    <dgm:scene3d>
-      <a:camera prst="orthographicFront"/>
-      <a:lightRig rig="threePt" dir="t"/>
-    </dgm:scene3d>
-    <dgm:sp3d/>
-    <dgm:txPr/>
-    <dgm:style>
-      <a:lnRef idx="2">
-        <a:scrgbClr r="0" g="0" b="0"/>
-      </a:lnRef>
-      <a:fillRef idx="1">
-        <a:scrgbClr r="0" g="0" b="0"/>
-      </a:fillRef>
-      <a:effectRef idx="0">
-        <a:scrgbClr r="0" g="0" b="0"/>
-      </a:effectRef>
-      <a:fontRef idx="minor"/>
-    </dgm:style>
-  </dgm:styleLbl>
-  <dgm:styleLbl name="revTx">
-    <dgm:scene3d>
-      <a:camera prst="orthographicFront"/>
-      <a:lightRig rig="threePt" dir="t"/>
-    </dgm:scene3d>
-    <dgm:sp3d/>
-    <dgm:txPr/>
-    <dgm:style>
-      <a:lnRef idx="0">
-        <a:scrgbClr r="0" g="0" b="0"/>
-      </a:lnRef>
-      <a:fillRef idx="0">
-        <a:scrgbClr r="0" g="0" b="0"/>
-      </a:fillRef>
-      <a:effectRef idx="0">
-        <a:scrgbClr r="0" g="0" b="0"/>
-      </a:effectRef>
-      <a:fontRef idx="minor"/>
-    </dgm:style>
-  </dgm:styleLbl>
-</dgm:styleDef>
-</file>
-
 <file path=ppt/diagrams/quickStyle2.xml><?xml version="1.0" encoding="utf-8"?>
 <dgm:styleDef xmlns:dgm="http://schemas.openxmlformats.org/drawingml/2006/diagram" xmlns:a="http://schemas.openxmlformats.org/drawingml/2006/main" uniqueId="urn:microsoft.com/office/officeart/2005/8/quickstyle/simple1">
   <dgm:title val=""/>
@@ -41178,7 +36899,7 @@
             <a:fld id="{1AA2E3BE-87E6-4956-9420-A92C45ECD066}" type="datetimeFigureOut">
               <a:rPr lang="en-US" smtClean="0"/>
               <a:pPr/>
-              <a:t>5/28/2015</a:t>
+              <a:t>28-May-15</a:t>
             </a:fld>
             <a:endParaRPr lang="en-US"/>
           </a:p>
@@ -41347,7 +37068,7 @@
     </p:spTree>
     <p:extLst>
       <p:ext uri="{BB962C8B-B14F-4D97-AF65-F5344CB8AC3E}">
-        <p14:creationId xmlns:p14="http://schemas.microsoft.com/office/powerpoint/2010/main" xmlns="" val="733020342"/>
+        <p14:creationId xmlns:p14="http://schemas.microsoft.com/office/powerpoint/2010/main" val="733020342"/>
       </p:ext>
     </p:extLst>
   </p:cSld>
@@ -41532,7 +37253,7 @@
     </p:spTree>
     <p:extLst>
       <p:ext uri="{BB962C8B-B14F-4D97-AF65-F5344CB8AC3E}">
-        <p14:creationId xmlns:p14="http://schemas.microsoft.com/office/powerpoint/2010/main" xmlns="" val="2839567002"/>
+        <p14:creationId xmlns:p14="http://schemas.microsoft.com/office/powerpoint/2010/main" val="2839567002"/>
       </p:ext>
     </p:extLst>
   </p:cSld>
@@ -41627,7 +37348,7 @@
     </p:spTree>
     <p:extLst>
       <p:ext uri="{BB962C8B-B14F-4D97-AF65-F5344CB8AC3E}">
-        <p14:creationId xmlns:p14="http://schemas.microsoft.com/office/powerpoint/2010/main" xmlns="" val="165111267"/>
+        <p14:creationId xmlns:p14="http://schemas.microsoft.com/office/powerpoint/2010/main" val="165111267"/>
       </p:ext>
     </p:extLst>
   </p:cSld>
@@ -41722,7 +37443,7 @@
     </p:spTree>
     <p:extLst>
       <p:ext uri="{BB962C8B-B14F-4D97-AF65-F5344CB8AC3E}">
-        <p14:creationId xmlns:p14="http://schemas.microsoft.com/office/powerpoint/2010/main" xmlns="" val="320278995"/>
+        <p14:creationId xmlns:p14="http://schemas.microsoft.com/office/powerpoint/2010/main" val="320278995"/>
       </p:ext>
     </p:extLst>
   </p:cSld>
@@ -41817,7 +37538,7 @@
     </p:spTree>
     <p:extLst>
       <p:ext uri="{BB962C8B-B14F-4D97-AF65-F5344CB8AC3E}">
-        <p14:creationId xmlns:p14="http://schemas.microsoft.com/office/powerpoint/2010/main" xmlns="" val="320278995"/>
+        <p14:creationId xmlns:p14="http://schemas.microsoft.com/office/powerpoint/2010/main" val="320278995"/>
       </p:ext>
     </p:extLst>
   </p:cSld>
@@ -41912,7 +37633,7 @@
     </p:spTree>
     <p:extLst>
       <p:ext uri="{BB962C8B-B14F-4D97-AF65-F5344CB8AC3E}">
-        <p14:creationId xmlns:p14="http://schemas.microsoft.com/office/powerpoint/2010/main" xmlns="" val="320278995"/>
+        <p14:creationId xmlns:p14="http://schemas.microsoft.com/office/powerpoint/2010/main" val="320278995"/>
       </p:ext>
     </p:extLst>
   </p:cSld>
@@ -41997,7 +37718,7 @@
     </p:spTree>
     <p:extLst>
       <p:ext uri="{BB962C8B-B14F-4D97-AF65-F5344CB8AC3E}">
-        <p14:creationId xmlns:p14="http://schemas.microsoft.com/office/powerpoint/2010/main" xmlns="" val="686078161"/>
+        <p14:creationId xmlns:p14="http://schemas.microsoft.com/office/powerpoint/2010/main" val="686078161"/>
       </p:ext>
     </p:extLst>
   </p:cSld>
@@ -42092,7 +37813,7 @@
     </p:spTree>
     <p:extLst>
       <p:ext uri="{BB962C8B-B14F-4D97-AF65-F5344CB8AC3E}">
-        <p14:creationId xmlns:p14="http://schemas.microsoft.com/office/powerpoint/2010/main" xmlns="" val="609274301"/>
+        <p14:creationId xmlns:p14="http://schemas.microsoft.com/office/powerpoint/2010/main" val="609274301"/>
       </p:ext>
     </p:extLst>
   </p:cSld>
@@ -42319,7 +38040,7 @@
                 </a:solidFill>
               </a:rPr>
               <a:pPr/>
-              <a:t>5/28/2015</a:t>
+              <a:t>28-May-15</a:t>
             </a:fld>
             <a:endParaRPr lang="en-US" dirty="0">
               <a:solidFill>
@@ -42497,7 +38218,7 @@
     </p:spTree>
     <p:extLst>
       <p:ext uri="{BB962C8B-B14F-4D97-AF65-F5344CB8AC3E}">
-        <p14:creationId xmlns:p14="http://schemas.microsoft.com/office/powerpoint/2010/main" xmlns="" val="2007833792"/>
+        <p14:creationId xmlns:p14="http://schemas.microsoft.com/office/powerpoint/2010/main" val="2007833792"/>
       </p:ext>
     </p:extLst>
   </p:cSld>
@@ -43196,7 +38917,7 @@
                 </a:solidFill>
               </a:rPr>
               <a:pPr/>
-              <a:t>5/28/2015</a:t>
+              <a:t>28-May-15</a:t>
             </a:fld>
             <a:endParaRPr lang="en-US" dirty="0">
               <a:solidFill>
@@ -43448,20 +39169,20 @@
     </p:spTree>
     <p:extLst>
       <p:ext uri="{BB962C8B-B14F-4D97-AF65-F5344CB8AC3E}">
-        <p14:creationId xmlns:p14="http://schemas.microsoft.com/office/powerpoint/2010/main" xmlns="" val="1491051571"/>
+        <p14:creationId xmlns:p14="http://schemas.microsoft.com/office/powerpoint/2010/main" val="1491051571"/>
       </p:ext>
     </p:extLst>
   </p:cSld>
   <p:clrMapOvr>
     <a:masterClrMapping/>
   </p:clrMapOvr>
-  <mc:AlternateContent xmlns:mc="http://schemas.openxmlformats.org/markup-compatibility/2006">
-    <mc:Choice xmlns:p14="http://schemas.microsoft.com/office/powerpoint/2010/main" xmlns="" Requires="p14">
+  <mc:AlternateContent xmlns:mc="http://schemas.openxmlformats.org/markup-compatibility/2006" xmlns:p14="http://schemas.microsoft.com/office/powerpoint/2010/main">
+    <mc:Choice Requires="p14">
       <p:transition spd="slow" p14:dur="2000">
         <p:wipe/>
       </p:transition>
     </mc:Choice>
-    <mc:Fallback>
+    <mc:Fallback xmlns="">
       <p:transition spd="slow">
         <p:wipe/>
       </p:transition>
@@ -43764,7 +39485,7 @@
                 </a:solidFill>
               </a:rPr>
               <a:pPr/>
-              <a:t>5/28/2015</a:t>
+              <a:t>28-May-15</a:t>
             </a:fld>
             <a:endParaRPr lang="en-US" dirty="0">
               <a:solidFill>
@@ -43848,7 +39569,7 @@
     </p:spTree>
     <p:extLst>
       <p:ext uri="{BB962C8B-B14F-4D97-AF65-F5344CB8AC3E}">
-        <p14:creationId xmlns:p14="http://schemas.microsoft.com/office/powerpoint/2010/main" xmlns="" val="2630292448"/>
+        <p14:creationId xmlns:p14="http://schemas.microsoft.com/office/powerpoint/2010/main" val="2630292448"/>
       </p:ext>
     </p:extLst>
   </p:cSld>
@@ -43972,7 +39693,7 @@
                 </a:solidFill>
               </a:rPr>
               <a:pPr/>
-              <a:t>5/28/2015</a:t>
+              <a:t>28-May-15</a:t>
             </a:fld>
             <a:endParaRPr lang="en-US" dirty="0">
               <a:solidFill>
@@ -44095,7 +39816,7 @@
     </p:spTree>
     <p:extLst>
       <p:ext uri="{BB962C8B-B14F-4D97-AF65-F5344CB8AC3E}">
-        <p14:creationId xmlns:p14="http://schemas.microsoft.com/office/powerpoint/2010/main" xmlns="" val="1386027951"/>
+        <p14:creationId xmlns:p14="http://schemas.microsoft.com/office/powerpoint/2010/main" val="1386027951"/>
       </p:ext>
     </p:extLst>
   </p:cSld>
@@ -44264,7 +39985,7 @@
                 </a:solidFill>
               </a:rPr>
               <a:pPr/>
-              <a:t>5/28/2015</a:t>
+              <a:t>28-May-15</a:t>
             </a:fld>
             <a:endParaRPr lang="en-US" dirty="0">
               <a:solidFill>
@@ -44354,7 +40075,7 @@
     </p:spTree>
     <p:extLst>
       <p:ext uri="{BB962C8B-B14F-4D97-AF65-F5344CB8AC3E}">
-        <p14:creationId xmlns:p14="http://schemas.microsoft.com/office/powerpoint/2010/main" xmlns="" val="987302501"/>
+        <p14:creationId xmlns:p14="http://schemas.microsoft.com/office/powerpoint/2010/main" val="987302501"/>
       </p:ext>
     </p:extLst>
   </p:cSld>
@@ -44440,7 +40161,7 @@
                 </a:solidFill>
               </a:rPr>
               <a:pPr/>
-              <a:t>5/28/2015</a:t>
+              <a:t>28-May-15</a:t>
             </a:fld>
             <a:endParaRPr lang="en-US" dirty="0">
               <a:solidFill>
@@ -44516,7 +40237,7 @@
     </p:spTree>
     <p:extLst>
       <p:ext uri="{BB962C8B-B14F-4D97-AF65-F5344CB8AC3E}">
-        <p14:creationId xmlns:p14="http://schemas.microsoft.com/office/powerpoint/2010/main" xmlns="" val="3055292555"/>
+        <p14:creationId xmlns:p14="http://schemas.microsoft.com/office/powerpoint/2010/main" val="3055292555"/>
       </p:ext>
     </p:extLst>
   </p:cSld>
@@ -44867,7 +40588,7 @@
                 </a:solidFill>
               </a:rPr>
               <a:pPr/>
-              <a:t>5/28/2015</a:t>
+              <a:t>28-May-15</a:t>
             </a:fld>
             <a:endParaRPr lang="en-US" dirty="0">
               <a:solidFill>
@@ -45045,7 +40766,7 @@
     </p:spTree>
     <p:extLst>
       <p:ext uri="{BB962C8B-B14F-4D97-AF65-F5344CB8AC3E}">
-        <p14:creationId xmlns:p14="http://schemas.microsoft.com/office/powerpoint/2010/main" xmlns="" val="3782084871"/>
+        <p14:creationId xmlns:p14="http://schemas.microsoft.com/office/powerpoint/2010/main" val="3782084871"/>
       </p:ext>
     </p:extLst>
   </p:cSld>
@@ -46172,7 +41893,7 @@
     </p:spTree>
     <p:extLst>
       <p:ext uri="{BB962C8B-B14F-4D97-AF65-F5344CB8AC3E}">
-        <p14:creationId xmlns:p14="http://schemas.microsoft.com/office/powerpoint/2010/main" xmlns="" val="1283863174"/>
+        <p14:creationId xmlns:p14="http://schemas.microsoft.com/office/powerpoint/2010/main" val="1283863174"/>
       </p:ext>
     </p:extLst>
   </p:cSld>
@@ -46400,7 +42121,7 @@
                 </a:solidFill>
               </a:rPr>
               <a:pPr/>
-              <a:t>5/28/2015</a:t>
+              <a:t>28-May-15</a:t>
             </a:fld>
             <a:endParaRPr lang="en-US" dirty="0">
               <a:solidFill>
@@ -46502,18 +42223,18 @@
     </p:spTree>
     <p:extLst>
       <p:ext uri="{BB962C8B-B14F-4D97-AF65-F5344CB8AC3E}">
-        <p14:creationId xmlns:p14="http://schemas.microsoft.com/office/powerpoint/2010/main" xmlns="" val="761764794"/>
+        <p14:creationId xmlns:p14="http://schemas.microsoft.com/office/powerpoint/2010/main" val="761764794"/>
       </p:ext>
     </p:extLst>
   </p:cSld>
   <p:clrMapOvr>
     <a:masterClrMapping/>
   </p:clrMapOvr>
-  <mc:AlternateContent xmlns:mc="http://schemas.openxmlformats.org/markup-compatibility/2006">
-    <mc:Choice xmlns:p14="http://schemas.microsoft.com/office/powerpoint/2010/main" xmlns="" Requires="p14">
+  <mc:AlternateContent xmlns:mc="http://schemas.openxmlformats.org/markup-compatibility/2006" xmlns:p14="http://schemas.microsoft.com/office/powerpoint/2010/main">
+    <mc:Choice Requires="p14">
       <p:transition spd="slow" p14:dur="2000"/>
     </mc:Choice>
-    <mc:Fallback>
+    <mc:Fallback xmlns="">
       <p:transition spd="slow"/>
     </mc:Fallback>
   </mc:AlternateContent>
@@ -46617,7 +42338,7 @@
                 </a:solidFill>
               </a:rPr>
               <a:pPr/>
-              <a:t>5/28/2015</a:t>
+              <a:t>28-May-15</a:t>
             </a:fld>
             <a:endParaRPr lang="en-US" dirty="0">
               <a:solidFill>
@@ -46827,7 +42548,7 @@
     </p:spTree>
     <p:extLst>
       <p:ext uri="{BB962C8B-B14F-4D97-AF65-F5344CB8AC3E}">
-        <p14:creationId xmlns:p14="http://schemas.microsoft.com/office/powerpoint/2010/main" xmlns="" val="2180843487"/>
+        <p14:creationId xmlns:p14="http://schemas.microsoft.com/office/powerpoint/2010/main" val="2180843487"/>
       </p:ext>
     </p:extLst>
   </p:cSld>
@@ -47177,7 +42898,7 @@
                 </a:solidFill>
               </a:rPr>
               <a:pPr/>
-              <a:t>5/28/2015</a:t>
+              <a:t>28-May-15</a:t>
             </a:fld>
             <a:endParaRPr lang="en-US" dirty="0">
               <a:solidFill>
@@ -47253,7 +42974,7 @@
     </p:spTree>
     <p:extLst>
       <p:ext uri="{BB962C8B-B14F-4D97-AF65-F5344CB8AC3E}">
-        <p14:creationId xmlns:p14="http://schemas.microsoft.com/office/powerpoint/2010/main" xmlns="" val="2058533669"/>
+        <p14:creationId xmlns:p14="http://schemas.microsoft.com/office/powerpoint/2010/main" val="2058533669"/>
       </p:ext>
     </p:extLst>
   </p:cSld>
@@ -47759,7 +43480,7 @@
     </p:spTree>
     <p:extLst>
       <p:ext uri="{BB962C8B-B14F-4D97-AF65-F5344CB8AC3E}">
-        <p14:creationId xmlns:p14="http://schemas.microsoft.com/office/powerpoint/2010/main" xmlns="" val="2726220981"/>
+        <p14:creationId xmlns:p14="http://schemas.microsoft.com/office/powerpoint/2010/main" val="2726220981"/>
       </p:ext>
     </p:extLst>
   </p:cSld>
@@ -47837,7 +43558,7 @@
                 </a:solidFill>
               </a:rPr>
               <a:pPr/>
-              <a:t>5/28/2015</a:t>
+              <a:t>28-May-15</a:t>
             </a:fld>
             <a:endParaRPr lang="en-US" dirty="0">
               <a:solidFill>
@@ -47977,18 +43698,18 @@
     </p:spTree>
     <p:extLst>
       <p:ext uri="{BB962C8B-B14F-4D97-AF65-F5344CB8AC3E}">
-        <p14:creationId xmlns:p14="http://schemas.microsoft.com/office/powerpoint/2010/main" xmlns="" val="498798315"/>
+        <p14:creationId xmlns:p14="http://schemas.microsoft.com/office/powerpoint/2010/main" val="498798315"/>
       </p:ext>
     </p:extLst>
   </p:cSld>
   <p:clrMapOvr>
     <a:masterClrMapping/>
   </p:clrMapOvr>
-  <mc:AlternateContent xmlns:mc="http://schemas.openxmlformats.org/markup-compatibility/2006">
-    <mc:Choice xmlns:p14="http://schemas.microsoft.com/office/powerpoint/2010/main" xmlns="" Requires="p14">
+  <mc:AlternateContent xmlns:mc="http://schemas.openxmlformats.org/markup-compatibility/2006" xmlns:p14="http://schemas.microsoft.com/office/powerpoint/2010/main">
+    <mc:Choice Requires="p14">
       <p:transition spd="slow" p14:dur="2000"/>
     </mc:Choice>
-    <mc:Fallback>
+    <mc:Fallback xmlns="">
       <p:transition spd="slow"/>
     </mc:Fallback>
   </mc:AlternateContent>
@@ -48174,7 +43895,7 @@
                 </a:solidFill>
               </a:rPr>
               <a:pPr/>
-              <a:t>5/28/2015</a:t>
+              <a:t>28-May-15</a:t>
             </a:fld>
             <a:endParaRPr lang="en-US" dirty="0">
               <a:solidFill>
@@ -48400,20 +44121,20 @@
     </p:spTree>
     <p:extLst>
       <p:ext uri="{BB962C8B-B14F-4D97-AF65-F5344CB8AC3E}">
-        <p14:creationId xmlns:p14="http://schemas.microsoft.com/office/powerpoint/2010/main" xmlns="" val="2471227047"/>
+        <p14:creationId xmlns:p14="http://schemas.microsoft.com/office/powerpoint/2010/main" val="2471227047"/>
       </p:ext>
     </p:extLst>
   </p:cSld>
   <p:clrMapOvr>
     <a:masterClrMapping/>
   </p:clrMapOvr>
-  <mc:AlternateContent xmlns:mc="http://schemas.openxmlformats.org/markup-compatibility/2006">
-    <mc:Choice xmlns:p14="http://schemas.microsoft.com/office/powerpoint/2010/main" xmlns="" Requires="p14">
+  <mc:AlternateContent xmlns:mc="http://schemas.openxmlformats.org/markup-compatibility/2006" xmlns:p14="http://schemas.microsoft.com/office/powerpoint/2010/main">
+    <mc:Choice Requires="p14">
       <p:transition spd="slow" p14:dur="2000">
         <p:push dir="u"/>
       </p:transition>
     </mc:Choice>
-    <mc:Fallback>
+    <mc:Fallback xmlns="">
       <p:transition spd="slow">
         <p:push dir="u"/>
       </p:transition>
@@ -48490,7 +44211,7 @@
                 </a:solidFill>
               </a:rPr>
               <a:pPr/>
-              <a:t>5/28/2015</a:t>
+              <a:t>28-May-15</a:t>
             </a:fld>
             <a:endParaRPr lang="en-US" dirty="0">
               <a:solidFill>
@@ -48729,20 +44450,20 @@
     </p:spTree>
     <p:extLst>
       <p:ext uri="{BB962C8B-B14F-4D97-AF65-F5344CB8AC3E}">
-        <p14:creationId xmlns:p14="http://schemas.microsoft.com/office/powerpoint/2010/main" xmlns="" val="22061250"/>
+        <p14:creationId xmlns:p14="http://schemas.microsoft.com/office/powerpoint/2010/main" val="22061250"/>
       </p:ext>
     </p:extLst>
   </p:cSld>
   <p:clrMapOvr>
     <a:masterClrMapping/>
   </p:clrMapOvr>
-  <mc:AlternateContent xmlns:mc="http://schemas.openxmlformats.org/markup-compatibility/2006">
-    <mc:Choice xmlns:p14="http://schemas.microsoft.com/office/powerpoint/2010/main" xmlns="" Requires="p14">
+  <mc:AlternateContent xmlns:mc="http://schemas.openxmlformats.org/markup-compatibility/2006" xmlns:p14="http://schemas.microsoft.com/office/powerpoint/2010/main">
+    <mc:Choice Requires="p14">
       <p:transition spd="slow" p14:dur="2000">
         <p14:vortex/>
       </p:transition>
     </mc:Choice>
-    <mc:Fallback>
+    <mc:Fallback xmlns="">
       <p:transition spd="slow">
         <p:fade/>
       </p:transition>
@@ -49184,7 +44905,7 @@
                 </a:solidFill>
               </a:rPr>
               <a:pPr/>
-              <a:t>5/28/2015</a:t>
+              <a:t>28-May-15</a:t>
             </a:fld>
             <a:endParaRPr lang="en-US" dirty="0">
               <a:solidFill>
@@ -49268,7 +44989,7 @@
     </p:spTree>
     <p:extLst>
       <p:ext uri="{BB962C8B-B14F-4D97-AF65-F5344CB8AC3E}">
-        <p14:creationId xmlns:p14="http://schemas.microsoft.com/office/powerpoint/2010/main" xmlns="" val="868973951"/>
+        <p14:creationId xmlns:p14="http://schemas.microsoft.com/office/powerpoint/2010/main" val="868973951"/>
       </p:ext>
     </p:extLst>
   </p:cSld>
@@ -49346,7 +45067,7 @@
                 </a:solidFill>
               </a:rPr>
               <a:pPr/>
-              <a:t>5/28/2015</a:t>
+              <a:t>28-May-15</a:t>
             </a:fld>
             <a:endParaRPr lang="en-US" dirty="0">
               <a:solidFill>
@@ -49598,20 +45319,20 @@
     </p:spTree>
     <p:extLst>
       <p:ext uri="{BB962C8B-B14F-4D97-AF65-F5344CB8AC3E}">
-        <p14:creationId xmlns:p14="http://schemas.microsoft.com/office/powerpoint/2010/main" xmlns="" val="773758628"/>
+        <p14:creationId xmlns:p14="http://schemas.microsoft.com/office/powerpoint/2010/main" val="773758628"/>
       </p:ext>
     </p:extLst>
   </p:cSld>
   <p:clrMapOvr>
     <a:masterClrMapping/>
   </p:clrMapOvr>
-  <mc:AlternateContent xmlns:mc="http://schemas.openxmlformats.org/markup-compatibility/2006">
-    <mc:Choice xmlns:p14="http://schemas.microsoft.com/office/powerpoint/2010/main" xmlns="" Requires="p14">
+  <mc:AlternateContent xmlns:mc="http://schemas.openxmlformats.org/markup-compatibility/2006" xmlns:p14="http://schemas.microsoft.com/office/powerpoint/2010/main">
+    <mc:Choice Requires="p14">
       <p:transition spd="slow" p14:dur="2000">
         <p:wipe/>
       </p:transition>
     </mc:Choice>
-    <mc:Fallback>
+    <mc:Fallback xmlns="">
       <p:transition spd="slow">
         <p:wipe/>
       </p:transition>
@@ -49914,7 +45635,7 @@
                 </a:solidFill>
               </a:rPr>
               <a:pPr/>
-              <a:t>5/28/2015</a:t>
+              <a:t>28-May-15</a:t>
             </a:fld>
             <a:endParaRPr lang="en-US" dirty="0">
               <a:solidFill>
@@ -49998,7 +45719,7 @@
     </p:spTree>
     <p:extLst>
       <p:ext uri="{BB962C8B-B14F-4D97-AF65-F5344CB8AC3E}">
-        <p14:creationId xmlns:p14="http://schemas.microsoft.com/office/powerpoint/2010/main" xmlns="" val="1614031037"/>
+        <p14:creationId xmlns:p14="http://schemas.microsoft.com/office/powerpoint/2010/main" val="1614031037"/>
       </p:ext>
     </p:extLst>
   </p:cSld>
@@ -50122,7 +45843,7 @@
                 </a:solidFill>
               </a:rPr>
               <a:pPr/>
-              <a:t>5/28/2015</a:t>
+              <a:t>28-May-15</a:t>
             </a:fld>
             <a:endParaRPr lang="en-US" dirty="0">
               <a:solidFill>
@@ -50245,7 +45966,7 @@
     </p:spTree>
     <p:extLst>
       <p:ext uri="{BB962C8B-B14F-4D97-AF65-F5344CB8AC3E}">
-        <p14:creationId xmlns:p14="http://schemas.microsoft.com/office/powerpoint/2010/main" xmlns="" val="758731582"/>
+        <p14:creationId xmlns:p14="http://schemas.microsoft.com/office/powerpoint/2010/main" val="758731582"/>
       </p:ext>
     </p:extLst>
   </p:cSld>
@@ -50414,7 +46135,7 @@
                 </a:solidFill>
               </a:rPr>
               <a:pPr/>
-              <a:t>5/28/2015</a:t>
+              <a:t>28-May-15</a:t>
             </a:fld>
             <a:endParaRPr lang="en-US" dirty="0">
               <a:solidFill>
@@ -50504,7 +46225,7 @@
     </p:spTree>
     <p:extLst>
       <p:ext uri="{BB962C8B-B14F-4D97-AF65-F5344CB8AC3E}">
-        <p14:creationId xmlns:p14="http://schemas.microsoft.com/office/powerpoint/2010/main" xmlns="" val="2060837598"/>
+        <p14:creationId xmlns:p14="http://schemas.microsoft.com/office/powerpoint/2010/main" val="2060837598"/>
       </p:ext>
     </p:extLst>
   </p:cSld>
@@ -50567,7 +46288,7 @@
                 </a:solidFill>
               </a:rPr>
               <a:pPr/>
-              <a:t>5/28/2015</a:t>
+              <a:t>28-May-15</a:t>
             </a:fld>
             <a:endParaRPr lang="en-US" dirty="0">
               <a:solidFill>
@@ -50643,7 +46364,7 @@
     </p:spTree>
     <p:extLst>
       <p:ext uri="{BB962C8B-B14F-4D97-AF65-F5344CB8AC3E}">
-        <p14:creationId xmlns:p14="http://schemas.microsoft.com/office/powerpoint/2010/main" xmlns="" val="4168427251"/>
+        <p14:creationId xmlns:p14="http://schemas.microsoft.com/office/powerpoint/2010/main" val="4168427251"/>
       </p:ext>
     </p:extLst>
   </p:cSld>
@@ -50894,7 +46615,7 @@
                 </a:solidFill>
               </a:rPr>
               <a:pPr/>
-              <a:t>5/28/2015</a:t>
+              <a:t>28-May-15</a:t>
             </a:fld>
             <a:endParaRPr lang="en-US" dirty="0">
               <a:solidFill>
@@ -50996,18 +46717,18 @@
     </p:spTree>
     <p:extLst>
       <p:ext uri="{BB962C8B-B14F-4D97-AF65-F5344CB8AC3E}">
-        <p14:creationId xmlns:p14="http://schemas.microsoft.com/office/powerpoint/2010/main" xmlns="" val="3868952696"/>
+        <p14:creationId xmlns:p14="http://schemas.microsoft.com/office/powerpoint/2010/main" val="3868952696"/>
       </p:ext>
     </p:extLst>
   </p:cSld>
   <p:clrMapOvr>
     <a:masterClrMapping/>
   </p:clrMapOvr>
-  <mc:AlternateContent xmlns:mc="http://schemas.openxmlformats.org/markup-compatibility/2006">
-    <mc:Choice xmlns:p14="http://schemas.microsoft.com/office/powerpoint/2010/main" xmlns="" Requires="p14">
+  <mc:AlternateContent xmlns:mc="http://schemas.openxmlformats.org/markup-compatibility/2006" xmlns:p14="http://schemas.microsoft.com/office/powerpoint/2010/main">
+    <mc:Choice Requires="p14">
       <p:transition spd="slow" p14:dur="2000"/>
     </mc:Choice>
-    <mc:Fallback>
+    <mc:Fallback xmlns="">
       <p:transition spd="slow"/>
     </mc:Fallback>
   </mc:AlternateContent>
@@ -51228,7 +46949,7 @@
                 </a:solidFill>
               </a:rPr>
               <a:pPr/>
-              <a:t>5/28/2015</a:t>
+              <a:t>28-May-15</a:t>
             </a:fld>
             <a:endParaRPr lang="en-US" dirty="0">
               <a:solidFill>
@@ -51438,7 +47159,7 @@
     </p:spTree>
     <p:extLst>
       <p:ext uri="{BB962C8B-B14F-4D97-AF65-F5344CB8AC3E}">
-        <p14:creationId xmlns:p14="http://schemas.microsoft.com/office/powerpoint/2010/main" xmlns="" val="4026470068"/>
+        <p14:creationId xmlns:p14="http://schemas.microsoft.com/office/powerpoint/2010/main" val="4026470068"/>
       </p:ext>
     </p:extLst>
   </p:cSld>
@@ -51788,7 +47509,7 @@
                 </a:solidFill>
               </a:rPr>
               <a:pPr/>
-              <a:t>5/28/2015</a:t>
+              <a:t>28-May-15</a:t>
             </a:fld>
             <a:endParaRPr lang="en-US" dirty="0">
               <a:solidFill>
@@ -51864,7 +47585,7 @@
     </p:spTree>
     <p:extLst>
       <p:ext uri="{BB962C8B-B14F-4D97-AF65-F5344CB8AC3E}">
-        <p14:creationId xmlns:p14="http://schemas.microsoft.com/office/powerpoint/2010/main" xmlns="" val="3584538024"/>
+        <p14:creationId xmlns:p14="http://schemas.microsoft.com/office/powerpoint/2010/main" val="3584538024"/>
       </p:ext>
     </p:extLst>
   </p:cSld>
@@ -51942,7 +47663,7 @@
                 </a:solidFill>
               </a:rPr>
               <a:pPr/>
-              <a:t>5/28/2015</a:t>
+              <a:t>28-May-15</a:t>
             </a:fld>
             <a:endParaRPr lang="en-US" dirty="0">
               <a:solidFill>
@@ -52082,18 +47803,18 @@
     </p:spTree>
     <p:extLst>
       <p:ext uri="{BB962C8B-B14F-4D97-AF65-F5344CB8AC3E}">
-        <p14:creationId xmlns:p14="http://schemas.microsoft.com/office/powerpoint/2010/main" xmlns="" val="2508468226"/>
+        <p14:creationId xmlns:p14="http://schemas.microsoft.com/office/powerpoint/2010/main" val="2508468226"/>
       </p:ext>
     </p:extLst>
   </p:cSld>
   <p:clrMapOvr>
     <a:masterClrMapping/>
   </p:clrMapOvr>
-  <mc:AlternateContent xmlns:mc="http://schemas.openxmlformats.org/markup-compatibility/2006">
-    <mc:Choice xmlns:p14="http://schemas.microsoft.com/office/powerpoint/2010/main" xmlns="" Requires="p14">
+  <mc:AlternateContent xmlns:mc="http://schemas.openxmlformats.org/markup-compatibility/2006" xmlns:p14="http://schemas.microsoft.com/office/powerpoint/2010/main">
+    <mc:Choice Requires="p14">
       <p:transition spd="slow" p14:dur="2000"/>
     </mc:Choice>
-    <mc:Fallback>
+    <mc:Fallback xmlns="">
       <p:transition spd="slow"/>
     </mc:Fallback>
   </mc:AlternateContent>
@@ -52279,7 +48000,7 @@
                 </a:solidFill>
               </a:rPr>
               <a:pPr/>
-              <a:t>5/28/2015</a:t>
+              <a:t>28-May-15</a:t>
             </a:fld>
             <a:endParaRPr lang="en-US" dirty="0">
               <a:solidFill>
@@ -52505,20 +48226,20 @@
     </p:spTree>
     <p:extLst>
       <p:ext uri="{BB962C8B-B14F-4D97-AF65-F5344CB8AC3E}">
-        <p14:creationId xmlns:p14="http://schemas.microsoft.com/office/powerpoint/2010/main" xmlns="" val="3711393224"/>
+        <p14:creationId xmlns:p14="http://schemas.microsoft.com/office/powerpoint/2010/main" val="3711393224"/>
       </p:ext>
     </p:extLst>
   </p:cSld>
   <p:clrMapOvr>
     <a:masterClrMapping/>
   </p:clrMapOvr>
-  <mc:AlternateContent xmlns:mc="http://schemas.openxmlformats.org/markup-compatibility/2006">
-    <mc:Choice xmlns:p14="http://schemas.microsoft.com/office/powerpoint/2010/main" xmlns="" Requires="p14">
+  <mc:AlternateContent xmlns:mc="http://schemas.openxmlformats.org/markup-compatibility/2006" xmlns:p14="http://schemas.microsoft.com/office/powerpoint/2010/main">
+    <mc:Choice Requires="p14">
       <p:transition spd="slow" p14:dur="2000">
         <p:push dir="u"/>
       </p:transition>
     </mc:Choice>
-    <mc:Fallback>
+    <mc:Fallback xmlns="">
       <p:transition spd="slow">
         <p:push dir="u"/>
       </p:transition>
@@ -52595,7 +48316,7 @@
                 </a:solidFill>
               </a:rPr>
               <a:pPr/>
-              <a:t>5/28/2015</a:t>
+              <a:t>28-May-15</a:t>
             </a:fld>
             <a:endParaRPr lang="en-US" dirty="0">
               <a:solidFill>
@@ -52834,20 +48555,20 @@
     </p:spTree>
     <p:extLst>
       <p:ext uri="{BB962C8B-B14F-4D97-AF65-F5344CB8AC3E}">
-        <p14:creationId xmlns:p14="http://schemas.microsoft.com/office/powerpoint/2010/main" xmlns="" val="608985620"/>
+        <p14:creationId xmlns:p14="http://schemas.microsoft.com/office/powerpoint/2010/main" val="608985620"/>
       </p:ext>
     </p:extLst>
   </p:cSld>
   <p:clrMapOvr>
     <a:masterClrMapping/>
   </p:clrMapOvr>
-  <mc:AlternateContent xmlns:mc="http://schemas.openxmlformats.org/markup-compatibility/2006">
-    <mc:Choice xmlns:p14="http://schemas.microsoft.com/office/powerpoint/2010/main" xmlns="" Requires="p14">
+  <mc:AlternateContent xmlns:mc="http://schemas.openxmlformats.org/markup-compatibility/2006" xmlns:p14="http://schemas.microsoft.com/office/powerpoint/2010/main">
+    <mc:Choice Requires="p14">
       <p:transition spd="slow" p14:dur="2000">
         <p14:vortex/>
       </p:transition>
     </mc:Choice>
-    <mc:Fallback>
+    <mc:Fallback xmlns="">
       <p:transition spd="slow">
         <p:fade/>
       </p:transition>
@@ -53289,7 +49010,7 @@
                 </a:solidFill>
               </a:rPr>
               <a:pPr/>
-              <a:t>5/28/2015</a:t>
+              <a:t>28-May-15</a:t>
             </a:fld>
             <a:endParaRPr lang="en-US" dirty="0">
               <a:solidFill>
@@ -53373,7 +49094,7 @@
     </p:spTree>
     <p:extLst>
       <p:ext uri="{BB962C8B-B14F-4D97-AF65-F5344CB8AC3E}">
-        <p14:creationId xmlns:p14="http://schemas.microsoft.com/office/powerpoint/2010/main" xmlns="" val="1422291911"/>
+        <p14:creationId xmlns:p14="http://schemas.microsoft.com/office/powerpoint/2010/main" val="1422291911"/>
       </p:ext>
     </p:extLst>
   </p:cSld>
@@ -53510,7 +49231,7 @@
                 </a:solidFill>
               </a:rPr>
               <a:pPr/>
-              <a:t>5/28/2015</a:t>
+              <a:t>28-May-15</a:t>
             </a:fld>
             <a:endParaRPr lang="en-US" dirty="0">
               <a:solidFill>
@@ -53684,7 +49405,7 @@
     </p:spTree>
     <p:extLst>
       <p:ext uri="{BB962C8B-B14F-4D97-AF65-F5344CB8AC3E}">
-        <p14:creationId xmlns:p14="http://schemas.microsoft.com/office/powerpoint/2010/main" xmlns="" val="887106023"/>
+        <p14:creationId xmlns:p14="http://schemas.microsoft.com/office/powerpoint/2010/main" val="887106023"/>
       </p:ext>
     </p:extLst>
   </p:cSld>
@@ -54085,7 +49806,7 @@
                 </a:solidFill>
               </a:rPr>
               <a:pPr/>
-              <a:t>5/28/2015</a:t>
+              <a:t>28-May-15</a:t>
             </a:fld>
             <a:endParaRPr lang="en-US" dirty="0">
               <a:solidFill>
@@ -54259,7 +49980,7 @@
     </p:spTree>
     <p:extLst>
       <p:ext uri="{BB962C8B-B14F-4D97-AF65-F5344CB8AC3E}">
-        <p14:creationId xmlns:p14="http://schemas.microsoft.com/office/powerpoint/2010/main" xmlns="" val="3172499786"/>
+        <p14:creationId xmlns:p14="http://schemas.microsoft.com/office/powerpoint/2010/main" val="3172499786"/>
       </p:ext>
     </p:extLst>
   </p:cSld>
@@ -54689,14 +50410,14 @@
           </a:ln>
           <a:extLst>
             <a:ext uri="{909E8E84-426E-40DD-AFC4-6F175D3DCCD1}">
-              <a14:hiddenFill xmlns:a14="http://schemas.microsoft.com/office/drawing/2010/main" xmlns="">
+              <a14:hiddenFill xmlns:a14="http://schemas.microsoft.com/office/drawing/2010/main">
                 <a:solidFill>
                   <a:srgbClr val="FFFFFF"/>
                 </a:solidFill>
               </a14:hiddenFill>
             </a:ext>
             <a:ext uri="{91240B29-F687-4F45-9708-019B960494DF}">
-              <a14:hiddenLine xmlns:a14="http://schemas.microsoft.com/office/drawing/2010/main" xmlns="" w="9525">
+              <a14:hiddenLine xmlns:a14="http://schemas.microsoft.com/office/drawing/2010/main" w="9525">
                 <a:solidFill>
                   <a:srgbClr val="000000"/>
                 </a:solidFill>
@@ -55051,14 +50772,14 @@
           </a:ln>
           <a:extLst>
             <a:ext uri="{909E8E84-426E-40DD-AFC4-6F175D3DCCD1}">
-              <a14:hiddenFill xmlns:a14="http://schemas.microsoft.com/office/drawing/2010/main" xmlns="">
+              <a14:hiddenFill xmlns:a14="http://schemas.microsoft.com/office/drawing/2010/main">
                 <a:solidFill>
                   <a:srgbClr val="FFFFFF"/>
                 </a:solidFill>
               </a14:hiddenFill>
             </a:ext>
             <a:ext uri="{91240B29-F687-4F45-9708-019B960494DF}">
-              <a14:hiddenLine xmlns:a14="http://schemas.microsoft.com/office/drawing/2010/main" xmlns="" w="9525">
+              <a14:hiddenLine xmlns:a14="http://schemas.microsoft.com/office/drawing/2010/main" w="9525">
                 <a:solidFill>
                   <a:srgbClr val="000000"/>
                 </a:solidFill>
@@ -55308,18 +51029,18 @@
     </p:custDataLst>
     <p:extLst>
       <p:ext uri="{BB962C8B-B14F-4D97-AF65-F5344CB8AC3E}">
-        <p14:creationId xmlns:p14="http://schemas.microsoft.com/office/powerpoint/2010/main" xmlns="" val="1414049445"/>
+        <p14:creationId xmlns:p14="http://schemas.microsoft.com/office/powerpoint/2010/main" val="1414049445"/>
       </p:ext>
     </p:extLst>
   </p:cSld>
   <p:clrMapOvr>
     <a:masterClrMapping/>
   </p:clrMapOvr>
-  <mc:AlternateContent xmlns:mc="http://schemas.openxmlformats.org/markup-compatibility/2006">
-    <mc:Choice xmlns:p14="http://schemas.microsoft.com/office/powerpoint/2010/main" xmlns="" Requires="p14">
+  <mc:AlternateContent xmlns:mc="http://schemas.openxmlformats.org/markup-compatibility/2006" xmlns:p14="http://schemas.microsoft.com/office/powerpoint/2010/main">
+    <mc:Choice Requires="p14">
       <p:transition p14:dur="0"/>
     </mc:Choice>
-    <mc:Fallback>
+    <mc:Fallback xmlns="">
       <p:transition/>
     </mc:Fallback>
   </mc:AlternateContent>
@@ -55424,7 +51145,7 @@
           <p:nvPr>
             <p:extLst>
               <p:ext uri="{D42A27DB-BD31-4B8C-83A1-F6EECF244321}">
-                <p14:modId xmlns:p14="http://schemas.microsoft.com/office/powerpoint/2010/main" xmlns="" val="3378957530"/>
+                <p14:modId xmlns:p14="http://schemas.microsoft.com/office/powerpoint/2010/main" val="3378957530"/>
               </p:ext>
             </p:extLst>
           </p:nvPr>
@@ -55442,7 +51163,7 @@
     </p:spTree>
     <p:extLst>
       <p:ext uri="{BB962C8B-B14F-4D97-AF65-F5344CB8AC3E}">
-        <p14:creationId xmlns:p14="http://schemas.microsoft.com/office/powerpoint/2010/main" xmlns="" val="2383952886"/>
+        <p14:creationId xmlns:p14="http://schemas.microsoft.com/office/powerpoint/2010/main" val="2383952886"/>
       </p:ext>
     </p:extLst>
   </p:cSld>
@@ -55656,7 +51377,7 @@
           <p:nvPr>
             <p:extLst>
               <p:ext uri="{D42A27DB-BD31-4B8C-83A1-F6EECF244321}">
-                <p14:modId xmlns:p14="http://schemas.microsoft.com/office/powerpoint/2010/main" xmlns="" val="3378957530"/>
+                <p14:modId xmlns:p14="http://schemas.microsoft.com/office/powerpoint/2010/main" val="3378957530"/>
               </p:ext>
             </p:extLst>
           </p:nvPr>
@@ -55674,7 +51395,7 @@
     </p:spTree>
     <p:extLst>
       <p:ext uri="{BB962C8B-B14F-4D97-AF65-F5344CB8AC3E}">
-        <p14:creationId xmlns:p14="http://schemas.microsoft.com/office/powerpoint/2010/main" xmlns="" val="2651729222"/>
+        <p14:creationId xmlns:p14="http://schemas.microsoft.com/office/powerpoint/2010/main" val="2651729222"/>
       </p:ext>
     </p:extLst>
   </p:cSld>
@@ -55966,7 +51687,7 @@
           <p:nvPr>
             <p:extLst>
               <p:ext uri="{D42A27DB-BD31-4B8C-83A1-F6EECF244321}">
-                <p14:modId xmlns:p14="http://schemas.microsoft.com/office/powerpoint/2010/main" xmlns="" val="3378957530"/>
+                <p14:modId xmlns:p14="http://schemas.microsoft.com/office/powerpoint/2010/main" val="3378957530"/>
               </p:ext>
             </p:extLst>
           </p:nvPr>
@@ -55984,7 +51705,7 @@
     </p:spTree>
     <p:extLst>
       <p:ext uri="{BB962C8B-B14F-4D97-AF65-F5344CB8AC3E}">
-        <p14:creationId xmlns:p14="http://schemas.microsoft.com/office/powerpoint/2010/main" xmlns="" val="3463755574"/>
+        <p14:creationId xmlns:p14="http://schemas.microsoft.com/office/powerpoint/2010/main" val="3463755574"/>
       </p:ext>
     </p:extLst>
   </p:cSld>
@@ -56164,11 +51885,7 @@
             </a:r>
             <a:r>
               <a:rPr lang="sv-SE" altLang="zh-CN" sz="2000" dirty="0" smtClean="0"/>
-              <a:t> </a:t>
-            </a:r>
-            <a:r>
-              <a:rPr lang="sv-SE" altLang="zh-CN" sz="2000" dirty="0" smtClean="0"/>
-              <a:t>almost all </a:t>
+              <a:t> almost all </a:t>
             </a:r>
             <a:r>
               <a:rPr lang="sv-SE" altLang="zh-CN" sz="2000" dirty="0" err="1" smtClean="0"/>
@@ -56312,7 +52029,7 @@
           <p:nvPr>
             <p:extLst>
               <p:ext uri="{D42A27DB-BD31-4B8C-83A1-F6EECF244321}">
-                <p14:modId xmlns:p14="http://schemas.microsoft.com/office/powerpoint/2010/main" xmlns="" val="380287973"/>
+                <p14:modId xmlns:p14="http://schemas.microsoft.com/office/powerpoint/2010/main" val="380287973"/>
               </p:ext>
             </p:extLst>
           </p:nvPr>
@@ -56330,7 +52047,7 @@
     </p:spTree>
     <p:extLst>
       <p:ext uri="{BB962C8B-B14F-4D97-AF65-F5344CB8AC3E}">
-        <p14:creationId xmlns:p14="http://schemas.microsoft.com/office/powerpoint/2010/main" xmlns="" val="4161295317"/>
+        <p14:creationId xmlns:p14="http://schemas.microsoft.com/office/powerpoint/2010/main" val="4161295317"/>
       </p:ext>
     </p:extLst>
   </p:cSld>
@@ -56542,7 +52259,7 @@
           <p:nvPr>
             <p:extLst>
               <p:ext uri="{D42A27DB-BD31-4B8C-83A1-F6EECF244321}">
-                <p14:modId xmlns:p14="http://schemas.microsoft.com/office/powerpoint/2010/main" xmlns="" val="950157412"/>
+                <p14:modId xmlns:p14="http://schemas.microsoft.com/office/powerpoint/2010/main" val="950157412"/>
               </p:ext>
             </p:extLst>
           </p:nvPr>
@@ -56560,18 +52277,18 @@
     </p:spTree>
     <p:extLst>
       <p:ext uri="{BB962C8B-B14F-4D97-AF65-F5344CB8AC3E}">
-        <p14:creationId xmlns:p14="http://schemas.microsoft.com/office/powerpoint/2010/main" xmlns="" val="323982611"/>
+        <p14:creationId xmlns:p14="http://schemas.microsoft.com/office/powerpoint/2010/main" val="323982611"/>
       </p:ext>
     </p:extLst>
   </p:cSld>
   <p:clrMapOvr>
     <a:masterClrMapping/>
   </p:clrMapOvr>
-  <mc:AlternateContent xmlns:mc="http://schemas.openxmlformats.org/markup-compatibility/2006">
-    <mc:Choice xmlns:p14="http://schemas.microsoft.com/office/powerpoint/2010/main" xmlns="" Requires="p14">
+  <mc:AlternateContent xmlns:mc="http://schemas.openxmlformats.org/markup-compatibility/2006" xmlns:p14="http://schemas.microsoft.com/office/powerpoint/2010/main">
+    <mc:Choice Requires="p14">
       <p:transition spd="slow" p14:dur="2000"/>
     </mc:Choice>
-    <mc:Fallback>
+    <mc:Fallback xmlns="">
       <p:transition spd="slow"/>
     </mc:Fallback>
   </mc:AlternateContent>
@@ -56676,18 +52393,18 @@
     </p:custDataLst>
     <p:extLst>
       <p:ext uri="{BB962C8B-B14F-4D97-AF65-F5344CB8AC3E}">
-        <p14:creationId xmlns:p14="http://schemas.microsoft.com/office/powerpoint/2010/main" xmlns="" val="1436503466"/>
+        <p14:creationId xmlns:p14="http://schemas.microsoft.com/office/powerpoint/2010/main" val="1436503466"/>
       </p:ext>
     </p:extLst>
   </p:cSld>
   <p:clrMapOvr>
     <a:masterClrMapping/>
   </p:clrMapOvr>
-  <mc:AlternateContent xmlns:mc="http://schemas.openxmlformats.org/markup-compatibility/2006">
-    <mc:Choice xmlns:p14="http://schemas.microsoft.com/office/powerpoint/2010/main" xmlns="" Requires="p14">
+  <mc:AlternateContent xmlns:mc="http://schemas.openxmlformats.org/markup-compatibility/2006" xmlns:p14="http://schemas.microsoft.com/office/powerpoint/2010/main">
+    <mc:Choice Requires="p14">
       <p:transition p14:dur="0"/>
     </mc:Choice>
-    <mc:Fallback>
+    <mc:Fallback xmlns="">
       <p:transition/>
     </mc:Fallback>
   </mc:AlternateContent>
@@ -56852,18 +52569,18 @@
     </p:spTree>
     <p:extLst>
       <p:ext uri="{BB962C8B-B14F-4D97-AF65-F5344CB8AC3E}">
-        <p14:creationId xmlns:p14="http://schemas.microsoft.com/office/powerpoint/2010/main" xmlns="" val="3431033731"/>
+        <p14:creationId xmlns:p14="http://schemas.microsoft.com/office/powerpoint/2010/main" val="3431033731"/>
       </p:ext>
     </p:extLst>
   </p:cSld>
   <p:clrMapOvr>
     <a:masterClrMapping/>
   </p:clrMapOvr>
-  <mc:AlternateContent xmlns:mc="http://schemas.openxmlformats.org/markup-compatibility/2006">
-    <mc:Choice xmlns:p14="http://schemas.microsoft.com/office/powerpoint/2010/main" xmlns="" Requires="p14">
+  <mc:AlternateContent xmlns:mc="http://schemas.openxmlformats.org/markup-compatibility/2006" xmlns:p14="http://schemas.microsoft.com/office/powerpoint/2010/main">
+    <mc:Choice Requires="p14">
       <p:transition spd="slow" p14:dur="2000"/>
     </mc:Choice>
-    <mc:Fallback>
+    <mc:Fallback xmlns="">
       <p:transition spd="slow"/>
     </mc:Fallback>
   </mc:AlternateContent>
@@ -57100,7 +52817,7 @@
           <p:nvPr>
             <p:extLst>
               <p:ext uri="{D42A27DB-BD31-4B8C-83A1-F6EECF244321}">
-                <p14:modId xmlns:p14="http://schemas.microsoft.com/office/powerpoint/2010/main" xmlns="" val="313704742"/>
+                <p14:modId xmlns:p14="http://schemas.microsoft.com/office/powerpoint/2010/main" val="313704742"/>
               </p:ext>
             </p:extLst>
           </p:nvPr>
@@ -57121,18 +52838,18 @@
     </p:custDataLst>
     <p:extLst>
       <p:ext uri="{BB962C8B-B14F-4D97-AF65-F5344CB8AC3E}">
-        <p14:creationId xmlns:p14="http://schemas.microsoft.com/office/powerpoint/2010/main" xmlns="" val="3606777642"/>
+        <p14:creationId xmlns:p14="http://schemas.microsoft.com/office/powerpoint/2010/main" val="3606777642"/>
       </p:ext>
     </p:extLst>
   </p:cSld>
   <p:clrMapOvr>
     <a:masterClrMapping/>
   </p:clrMapOvr>
-  <mc:AlternateContent xmlns:mc="http://schemas.openxmlformats.org/markup-compatibility/2006">
-    <mc:Choice xmlns:p14="http://schemas.microsoft.com/office/powerpoint/2010/main" xmlns="" Requires="p14">
+  <mc:AlternateContent xmlns:mc="http://schemas.openxmlformats.org/markup-compatibility/2006" xmlns:p14="http://schemas.microsoft.com/office/powerpoint/2010/main">
+    <mc:Choice Requires="p14">
       <p:transition spd="slow" p14:dur="2000"/>
     </mc:Choice>
-    <mc:Fallback>
+    <mc:Fallback xmlns="">
       <p:transition spd="slow"/>
     </mc:Fallback>
   </mc:AlternateContent>
@@ -57256,7 +52973,6 @@
               <a:rPr lang="en-US" altLang="zh-CN" sz="2400" b="1" dirty="0" smtClean="0"/>
               <a:t>Solutions</a:t>
             </a:r>
-            <a:endParaRPr lang="en-US" altLang="zh-CN" sz="2400" b="1" dirty="0" smtClean="0"/>
           </a:p>
           <a:p>
             <a:pPr marL="800100" lvl="1" indent="-342900">
@@ -57283,15 +52999,7 @@
             </a:pPr>
             <a:r>
               <a:rPr lang="en-US" altLang="zh-CN" sz="2400" dirty="0" smtClean="0"/>
-              <a:t>Wiener </a:t>
-            </a:r>
-            <a:r>
-              <a:rPr lang="en-US" altLang="zh-CN" sz="2400" dirty="0" smtClean="0"/>
-              <a:t>Non-Casual </a:t>
-            </a:r>
-            <a:r>
-              <a:rPr lang="en-US" altLang="zh-CN" sz="2400" dirty="0" smtClean="0"/>
-              <a:t>Filtering</a:t>
+              <a:t>Wiener Non-Casual Filtering</a:t>
             </a:r>
           </a:p>
           <a:p>
@@ -57339,11 +53047,7 @@
             </a:pPr>
             <a:r>
               <a:rPr lang="en-US" altLang="zh-CN" sz="2400" dirty="0" smtClean="0"/>
-              <a:t>RLS </a:t>
-            </a:r>
-            <a:r>
-              <a:rPr lang="en-US" altLang="zh-CN" sz="2400" dirty="0" smtClean="0"/>
-              <a:t>algorithm</a:t>
+              <a:t>RLS algorithm</a:t>
             </a:r>
           </a:p>
           <a:p>
@@ -57363,7 +53067,6 @@
               <a:rPr lang="en-US" altLang="zh-CN" sz="2400" dirty="0" smtClean="0"/>
               <a:t> filter</a:t>
             </a:r>
-            <a:endParaRPr lang="en-US" altLang="zh-CN" sz="2400" dirty="0" smtClean="0"/>
           </a:p>
         </p:txBody>
       </p:sp>
@@ -57374,7 +53077,7 @@
           <p:nvPr>
             <p:extLst>
               <p:ext uri="{D42A27DB-BD31-4B8C-83A1-F6EECF244321}">
-                <p14:modId xmlns:p14="http://schemas.microsoft.com/office/powerpoint/2010/main" xmlns="" val="313704742"/>
+                <p14:modId xmlns:p14="http://schemas.microsoft.com/office/powerpoint/2010/main" val="313704742"/>
               </p:ext>
             </p:extLst>
           </p:nvPr>
@@ -57395,18 +53098,18 @@
     </p:custDataLst>
     <p:extLst>
       <p:ext uri="{BB962C8B-B14F-4D97-AF65-F5344CB8AC3E}">
-        <p14:creationId xmlns:p14="http://schemas.microsoft.com/office/powerpoint/2010/main" xmlns="" val="2301748819"/>
+        <p14:creationId xmlns:p14="http://schemas.microsoft.com/office/powerpoint/2010/main" val="2301748819"/>
       </p:ext>
     </p:extLst>
   </p:cSld>
   <p:clrMapOvr>
     <a:masterClrMapping/>
   </p:clrMapOvr>
-  <mc:AlternateContent xmlns:mc="http://schemas.openxmlformats.org/markup-compatibility/2006">
-    <mc:Choice xmlns:p14="http://schemas.microsoft.com/office/powerpoint/2010/main" xmlns="" Requires="p14">
+  <mc:AlternateContent xmlns:mc="http://schemas.openxmlformats.org/markup-compatibility/2006" xmlns:p14="http://schemas.microsoft.com/office/powerpoint/2010/main">
+    <mc:Choice Requires="p14">
       <p:transition spd="slow" p14:dur="2000"/>
     </mc:Choice>
-    <mc:Fallback>
+    <mc:Fallback xmlns="">
       <p:transition spd="slow"/>
     </mc:Fallback>
   </mc:AlternateContent>
@@ -57551,23 +53254,7 @@
             </a:pPr>
             <a:r>
               <a:rPr lang="en-US" altLang="zh-CN" sz="2400" dirty="0" smtClean="0"/>
-              <a:t>LMS, good but </a:t>
-            </a:r>
-            <a:r>
-              <a:rPr lang="en-US" altLang="zh-CN" sz="2400" dirty="0" smtClean="0"/>
-              <a:t>have g</a:t>
-            </a:r>
-            <a:r>
-              <a:rPr lang="en-US" altLang="zh-CN" sz="2400" dirty="0" smtClean="0"/>
-              <a:t>reater </a:t>
-            </a:r>
-            <a:r>
-              <a:rPr lang="en-US" altLang="zh-CN" sz="2400" dirty="0" smtClean="0"/>
-              <a:t>residual noise compared to combined </a:t>
-            </a:r>
-            <a:r>
-              <a:rPr lang="en-US" altLang="zh-CN" sz="2400" dirty="0" smtClean="0"/>
-              <a:t>techniques</a:t>
+              <a:t>LMS, good but have greater residual noise compared to combined techniques</a:t>
             </a:r>
           </a:p>
           <a:p>
@@ -57583,7 +53270,6 @@
               <a:rPr lang="en-US" altLang="zh-CN" sz="2400" dirty="0" smtClean="0"/>
               <a:t>Wiener Non-Casual Filtering, unstable behavior in non-casual filtering </a:t>
             </a:r>
-            <a:endParaRPr lang="en-US" altLang="zh-CN" sz="2400" dirty="0" smtClean="0"/>
           </a:p>
           <a:p>
             <a:pPr marL="800100" lvl="1" indent="-342900">
@@ -57600,13 +53286,8 @@
             </a:r>
             <a:r>
               <a:rPr lang="en-US" altLang="zh-CN" sz="2400" dirty="0" smtClean="0"/>
-              <a:t>, best performance with outstanding results of noise </a:t>
+              <a:t>, best performance with outstanding results of noise cancellation</a:t>
             </a:r>
-            <a:r>
-              <a:rPr lang="en-US" altLang="zh-CN" sz="2400" dirty="0" smtClean="0"/>
-              <a:t>cancellation</a:t>
-            </a:r>
-            <a:endParaRPr lang="en-US" altLang="zh-CN" sz="2400" dirty="0" smtClean="0"/>
           </a:p>
         </p:txBody>
       </p:sp>
@@ -57617,7 +53298,7 @@
           <p:nvPr>
             <p:extLst>
               <p:ext uri="{D42A27DB-BD31-4B8C-83A1-F6EECF244321}">
-                <p14:modId xmlns:p14="http://schemas.microsoft.com/office/powerpoint/2010/main" xmlns="" val="313704742"/>
+                <p14:modId xmlns:p14="http://schemas.microsoft.com/office/powerpoint/2010/main" val="313704742"/>
               </p:ext>
             </p:extLst>
           </p:nvPr>
@@ -57638,18 +53319,18 @@
     </p:custDataLst>
     <p:extLst>
       <p:ext uri="{BB962C8B-B14F-4D97-AF65-F5344CB8AC3E}">
-        <p14:creationId xmlns:p14="http://schemas.microsoft.com/office/powerpoint/2010/main" xmlns="" val="2301748819"/>
+        <p14:creationId xmlns:p14="http://schemas.microsoft.com/office/powerpoint/2010/main" val="2301748819"/>
       </p:ext>
     </p:extLst>
   </p:cSld>
   <p:clrMapOvr>
     <a:masterClrMapping/>
   </p:clrMapOvr>
-  <mc:AlternateContent xmlns:mc="http://schemas.openxmlformats.org/markup-compatibility/2006">
-    <mc:Choice xmlns:p14="http://schemas.microsoft.com/office/powerpoint/2010/main" xmlns="" Requires="p14">
+  <mc:AlternateContent xmlns:mc="http://schemas.openxmlformats.org/markup-compatibility/2006" xmlns:p14="http://schemas.microsoft.com/office/powerpoint/2010/main">
+    <mc:Choice Requires="p14">
       <p:transition spd="slow" p14:dur="2000"/>
     </mc:Choice>
-    <mc:Fallback>
+    <mc:Fallback xmlns="">
       <p:transition spd="slow"/>
     </mc:Fallback>
   </mc:AlternateContent>
@@ -57767,11 +53448,7 @@
             </a:pPr>
             <a:r>
               <a:rPr lang="en-US" altLang="zh-CN" sz="2400" b="1" dirty="0" smtClean="0"/>
-              <a:t>Uns</a:t>
-            </a:r>
-            <a:r>
-              <a:rPr lang="en-US" altLang="zh-CN" sz="2400" b="1" dirty="0" smtClean="0"/>
-              <a:t>uccessful approaches</a:t>
+              <a:t>Unsuccessful approaches</a:t>
             </a:r>
             <a:endParaRPr lang="en-US" altLang="zh-CN" sz="2400" b="1" dirty="0"/>
           </a:p>
@@ -57798,15 +53475,7 @@
             </a:pPr>
             <a:r>
               <a:rPr lang="en-US" altLang="zh-CN" sz="2400" dirty="0" smtClean="0"/>
-              <a:t>RLS algorithm is computationally heavier, took </a:t>
-            </a:r>
-            <a:r>
-              <a:rPr lang="en-US" altLang="zh-CN" sz="2400" dirty="0" smtClean="0"/>
-              <a:t>long time to </a:t>
-            </a:r>
-            <a:r>
-              <a:rPr lang="en-US" altLang="zh-CN" sz="2400" dirty="0" smtClean="0"/>
-              <a:t>process thus dropped after checking the computational cost</a:t>
+              <a:t>RLS algorithm is computationally heavier, took long time to process thus dropped after checking the computational cost</a:t>
             </a:r>
           </a:p>
           <a:p>
@@ -57824,15 +53493,7 @@
             </a:r>
             <a:r>
               <a:rPr lang="en-US" altLang="zh-CN" sz="2400" dirty="0" smtClean="0"/>
-              <a:t> filter,, main drawbacks : computational cost </a:t>
-            </a:r>
-            <a:r>
-              <a:rPr lang="en-US" altLang="zh-CN" sz="2400" dirty="0" smtClean="0"/>
-              <a:t> </a:t>
-            </a:r>
-            <a:r>
-              <a:rPr lang="en-US" altLang="zh-CN" sz="2400" dirty="0" smtClean="0"/>
-              <a:t>is too high. Difficulties to find a right State-Space Model. </a:t>
+              <a:t> filter,, main drawbacks : computational cost  is too high. Difficulties to find a right State-Space Model. </a:t>
             </a:r>
           </a:p>
         </p:txBody>
@@ -57844,7 +53505,7 @@
           <p:nvPr>
             <p:extLst>
               <p:ext uri="{D42A27DB-BD31-4B8C-83A1-F6EECF244321}">
-                <p14:modId xmlns:p14="http://schemas.microsoft.com/office/powerpoint/2010/main" xmlns="" val="313704742"/>
+                <p14:modId xmlns:p14="http://schemas.microsoft.com/office/powerpoint/2010/main" val="313704742"/>
               </p:ext>
             </p:extLst>
           </p:nvPr>
@@ -57865,18 +53526,18 @@
     </p:custDataLst>
     <p:extLst>
       <p:ext uri="{BB962C8B-B14F-4D97-AF65-F5344CB8AC3E}">
-        <p14:creationId xmlns:p14="http://schemas.microsoft.com/office/powerpoint/2010/main" xmlns="" val="2301748819"/>
+        <p14:creationId xmlns:p14="http://schemas.microsoft.com/office/powerpoint/2010/main" val="2301748819"/>
       </p:ext>
     </p:extLst>
   </p:cSld>
   <p:clrMapOvr>
     <a:masterClrMapping/>
   </p:clrMapOvr>
-  <mc:AlternateContent xmlns:mc="http://schemas.openxmlformats.org/markup-compatibility/2006">
-    <mc:Choice xmlns:p14="http://schemas.microsoft.com/office/powerpoint/2010/main" xmlns="" Requires="p14">
+  <mc:AlternateContent xmlns:mc="http://schemas.openxmlformats.org/markup-compatibility/2006" xmlns:p14="http://schemas.microsoft.com/office/powerpoint/2010/main">
+    <mc:Choice Requires="p14">
       <p:transition spd="slow" p14:dur="2000"/>
     </mc:Choice>
-    <mc:Fallback>
+    <mc:Fallback xmlns="">
       <p:transition spd="slow"/>
     </mc:Fallback>
   </mc:AlternateContent>
@@ -58098,7 +53759,7 @@
           <p:nvPr>
             <p:extLst>
               <p:ext uri="{D42A27DB-BD31-4B8C-83A1-F6EECF244321}">
-                <p14:modId xmlns:p14="http://schemas.microsoft.com/office/powerpoint/2010/main" xmlns="" val="342202562"/>
+                <p14:modId xmlns:p14="http://schemas.microsoft.com/office/powerpoint/2010/main" val="342202562"/>
               </p:ext>
             </p:extLst>
           </p:nvPr>
@@ -58116,7 +53777,7 @@
     </p:spTree>
     <p:extLst>
       <p:ext uri="{BB962C8B-B14F-4D97-AF65-F5344CB8AC3E}">
-        <p14:creationId xmlns:p14="http://schemas.microsoft.com/office/powerpoint/2010/main" xmlns="" val="757874758"/>
+        <p14:creationId xmlns:p14="http://schemas.microsoft.com/office/powerpoint/2010/main" val="757874758"/>
       </p:ext>
     </p:extLst>
   </p:cSld>
@@ -58170,7 +53831,7 @@
             </a:pPr>
             <a:r>
               <a:rPr lang="en-US" altLang="zh-CN" dirty="0" smtClean="0"/>
-              <a:t>System Model</a:t>
+              <a:t>Android</a:t>
             </a:r>
             <a:endParaRPr lang="zh-CN" altLang="en-US" dirty="0"/>
           </a:p>
@@ -58201,161 +53862,6 @@
               <a:buFont typeface="Wingdings" panose="05000000000000000000" pitchFamily="2" charset="2"/>
               <a:buChar char="p"/>
             </a:pPr>
-            <a:r>
-              <a:rPr lang="en-US" altLang="zh-CN" sz="2400" b="1" dirty="0" smtClean="0">
-                <a:solidFill>
-                  <a:schemeClr val="tx1"/>
-                </a:solidFill>
-              </a:rPr>
-              <a:t>Model +(</a:t>
-            </a:r>
-            <a:r>
-              <a:rPr lang="en-US" altLang="zh-CN" sz="2400" b="1" dirty="0" err="1" smtClean="0">
-                <a:solidFill>
-                  <a:schemeClr val="tx1"/>
-                </a:solidFill>
-              </a:rPr>
-              <a:t>stepsize,#taps</a:t>
-            </a:r>
-            <a:r>
-              <a:rPr lang="en-US" altLang="zh-CN" sz="2400" b="1" dirty="0" smtClean="0">
-                <a:solidFill>
-                  <a:schemeClr val="tx1"/>
-                </a:solidFill>
-              </a:rPr>
-              <a:t>) </a:t>
-            </a:r>
-          </a:p>
-          <a:p>
-            <a:pPr lvl="1">
-              <a:buFont typeface="Arial" panose="020B0604020202020204" pitchFamily="34" charset="0"/>
-              <a:buChar char="•"/>
-            </a:pPr>
-            <a:r>
-              <a:rPr lang="en-US" altLang="zh-CN" sz="2400" dirty="0" smtClean="0">
-                <a:solidFill>
-                  <a:schemeClr val="tx1"/>
-                </a:solidFill>
-              </a:rPr>
-              <a:t>LMS</a:t>
-            </a:r>
-            <a:endParaRPr lang="en-US" altLang="zh-CN" sz="2400" dirty="0">
-              <a:solidFill>
-                <a:schemeClr val="tx1"/>
-              </a:solidFill>
-            </a:endParaRPr>
-          </a:p>
-          <a:p>
-            <a:pPr lvl="1">
-              <a:buFont typeface="Arial" panose="020B0604020202020204" pitchFamily="34" charset="0"/>
-              <a:buChar char="•"/>
-            </a:pPr>
-            <a:r>
-              <a:rPr lang="en-US" altLang="zh-CN" sz="2400" dirty="0" err="1" smtClean="0">
-                <a:solidFill>
-                  <a:schemeClr val="tx1"/>
-                </a:solidFill>
-              </a:rPr>
-              <a:t>logMMSE</a:t>
-            </a:r>
-            <a:endParaRPr lang="en-US" altLang="zh-CN" sz="2400" dirty="0">
-              <a:solidFill>
-                <a:schemeClr val="tx1"/>
-              </a:solidFill>
-            </a:endParaRPr>
-          </a:p>
-          <a:p>
-            <a:pPr>
-              <a:buClr>
-                <a:schemeClr val="accent1"/>
-              </a:buClr>
-              <a:buSzPct val="50000"/>
-              <a:buFont typeface="Wingdings" panose="05000000000000000000" pitchFamily="2" charset="2"/>
-              <a:buChar char="p"/>
-            </a:pPr>
-            <a:r>
-              <a:rPr lang="en-US" altLang="zh-CN" sz="2400" b="1" dirty="0" smtClean="0">
-                <a:solidFill>
-                  <a:schemeClr val="tx1"/>
-                </a:solidFill>
-              </a:rPr>
-              <a:t>……</a:t>
-            </a:r>
-            <a:endParaRPr lang="en-US" altLang="zh-CN" sz="2400" b="1" dirty="0">
-              <a:solidFill>
-                <a:schemeClr val="tx1"/>
-              </a:solidFill>
-            </a:endParaRPr>
-          </a:p>
-          <a:p>
-            <a:pPr lvl="1">
-              <a:buFont typeface="Arial" panose="020B0604020202020204" pitchFamily="34" charset="0"/>
-              <a:buChar char="•"/>
-            </a:pPr>
-            <a:r>
-              <a:rPr lang="en-US" altLang="zh-CN" sz="2400" dirty="0" smtClean="0">
-                <a:solidFill>
-                  <a:schemeClr val="tx1"/>
-                </a:solidFill>
-              </a:rPr>
-              <a:t>….</a:t>
-            </a:r>
-          </a:p>
-          <a:p>
-            <a:pPr>
-              <a:buClr>
-                <a:schemeClr val="accent1"/>
-              </a:buClr>
-              <a:buSzPct val="50000"/>
-              <a:buFont typeface="Wingdings" panose="05000000000000000000" pitchFamily="2" charset="2"/>
-              <a:buChar char="p"/>
-            </a:pPr>
-            <a:r>
-              <a:rPr lang="en-US" altLang="zh-CN" sz="2400" b="1" dirty="0" smtClean="0">
-                <a:solidFill>
-                  <a:schemeClr val="tx1"/>
-                </a:solidFill>
-              </a:rPr>
-              <a:t>…..</a:t>
-            </a:r>
-            <a:endParaRPr lang="en-US" altLang="zh-CN" sz="2400" b="1" dirty="0">
-              <a:solidFill>
-                <a:schemeClr val="tx1"/>
-              </a:solidFill>
-            </a:endParaRPr>
-          </a:p>
-          <a:p>
-            <a:pPr lvl="1">
-              <a:buFont typeface="Arial" pitchFamily="34" charset="0"/>
-              <a:buChar char="•"/>
-            </a:pPr>
-            <a:r>
-              <a:rPr lang="en-US" altLang="zh-CN" sz="2400" dirty="0" smtClean="0">
-                <a:solidFill>
-                  <a:schemeClr val="tx1"/>
-                </a:solidFill>
-              </a:rPr>
-              <a:t>…..</a:t>
-            </a:r>
-            <a:endParaRPr lang="en-US" altLang="zh-CN" sz="2400" dirty="0">
-              <a:solidFill>
-                <a:schemeClr val="tx1"/>
-              </a:solidFill>
-            </a:endParaRPr>
-          </a:p>
-          <a:p>
-            <a:pPr lvl="1">
-              <a:buFont typeface="Arial" pitchFamily="34" charset="0"/>
-              <a:buChar char="•"/>
-            </a:pPr>
-            <a:r>
-              <a:rPr lang="en-US" altLang="zh-CN" sz="2400" dirty="0" smtClean="0">
-                <a:solidFill>
-                  <a:schemeClr val="tx1"/>
-                </a:solidFill>
-              </a:rPr>
-              <a:t>…..</a:t>
-            </a:r>
             <a:endParaRPr lang="en-US" altLang="zh-CN" sz="2400" dirty="0">
               <a:solidFill>
                 <a:schemeClr val="tx1"/>
@@ -58364,32 +53870,10 @@
           </a:p>
         </p:txBody>
       </p:sp>
-      <p:graphicFrame>
-        <p:nvGraphicFramePr>
-          <p:cNvPr id="6" name="Diagram 5"/>
-          <p:cNvGraphicFramePr/>
-          <p:nvPr>
-            <p:extLst>
-              <p:ext uri="{D42A27DB-BD31-4B8C-83A1-F6EECF244321}">
-                <p14:modId xmlns:p14="http://schemas.microsoft.com/office/powerpoint/2010/main" xmlns="" val="2478605335"/>
-              </p:ext>
-            </p:extLst>
-          </p:nvPr>
-        </p:nvGraphicFramePr>
-        <p:xfrm>
-          <a:off x="3812604" y="348641"/>
-          <a:ext cx="5223892" cy="288032"/>
-        </p:xfrm>
-        <a:graphic>
-          <a:graphicData uri="http://schemas.openxmlformats.org/drawingml/2006/diagram">
-            <dgm:relIds xmlns:dgm="http://schemas.openxmlformats.org/drawingml/2006/diagram" xmlns:r="http://schemas.openxmlformats.org/officeDocument/2006/relationships" r:dm="rId2" r:lo="rId3" r:qs="rId4" r:cs="rId5"/>
-          </a:graphicData>
-        </a:graphic>
-      </p:graphicFrame>
     </p:spTree>
     <p:extLst>
       <p:ext uri="{BB962C8B-B14F-4D97-AF65-F5344CB8AC3E}">
-        <p14:creationId xmlns:p14="http://schemas.microsoft.com/office/powerpoint/2010/main" xmlns="" val="1950856052"/>
+        <p14:creationId xmlns:p14="http://schemas.microsoft.com/office/powerpoint/2010/main" val="1950856052"/>
       </p:ext>
     </p:extLst>
   </p:cSld>
@@ -58645,7 +54129,7 @@
           <p:nvPr>
             <p:extLst>
               <p:ext uri="{D42A27DB-BD31-4B8C-83A1-F6EECF244321}">
-                <p14:modId xmlns:p14="http://schemas.microsoft.com/office/powerpoint/2010/main" xmlns="" val="2640746106"/>
+                <p14:modId xmlns:p14="http://schemas.microsoft.com/office/powerpoint/2010/main" val="2640746106"/>
               </p:ext>
             </p:extLst>
           </p:nvPr>
@@ -58663,7 +54147,7 @@
     </p:spTree>
     <p:extLst>
       <p:ext uri="{BB962C8B-B14F-4D97-AF65-F5344CB8AC3E}">
-        <p14:creationId xmlns:p14="http://schemas.microsoft.com/office/powerpoint/2010/main" xmlns="" val="156618390"/>
+        <p14:creationId xmlns:p14="http://schemas.microsoft.com/office/powerpoint/2010/main" val="156618390"/>
       </p:ext>
     </p:extLst>
   </p:cSld>
@@ -58836,7 +54320,7 @@
           <p:nvPr>
             <p:extLst>
               <p:ext uri="{D42A27DB-BD31-4B8C-83A1-F6EECF244321}">
-                <p14:modId xmlns:p14="http://schemas.microsoft.com/office/powerpoint/2010/main" xmlns="" val="3378957530"/>
+                <p14:modId xmlns:p14="http://schemas.microsoft.com/office/powerpoint/2010/main" val="3378957530"/>
               </p:ext>
             </p:extLst>
           </p:nvPr>
@@ -58854,7 +54338,7 @@
     </p:spTree>
     <p:extLst>
       <p:ext uri="{BB962C8B-B14F-4D97-AF65-F5344CB8AC3E}">
-        <p14:creationId xmlns:p14="http://schemas.microsoft.com/office/powerpoint/2010/main" xmlns="" val="453373420"/>
+        <p14:creationId xmlns:p14="http://schemas.microsoft.com/office/powerpoint/2010/main" val="453373420"/>
       </p:ext>
     </p:extLst>
   </p:cSld>
